--- a/atools.pptx
+++ b/atools.pptx
@@ -5,7 +5,7 @@
     <p:sldMasterId id="2147483648" r:id="rId1"/>
   </p:sldMasterIdLst>
   <p:notesMasterIdLst>
-    <p:notesMasterId r:id="rId37"/>
+    <p:notesMasterId r:id="rId38"/>
   </p:notesMasterIdLst>
   <p:sldIdLst>
     <p:sldId id="257" r:id="rId2"/>
@@ -16,33 +16,34 @@
     <p:sldId id="264" r:id="rId7"/>
     <p:sldId id="306" r:id="rId8"/>
     <p:sldId id="269" r:id="rId9"/>
-    <p:sldId id="270" r:id="rId10"/>
-    <p:sldId id="271" r:id="rId11"/>
-    <p:sldId id="272" r:id="rId12"/>
-    <p:sldId id="273" r:id="rId13"/>
-    <p:sldId id="300" r:id="rId14"/>
-    <p:sldId id="301" r:id="rId15"/>
-    <p:sldId id="302" r:id="rId16"/>
-    <p:sldId id="303" r:id="rId17"/>
-    <p:sldId id="307" r:id="rId18"/>
-    <p:sldId id="281" r:id="rId19"/>
-    <p:sldId id="284" r:id="rId20"/>
-    <p:sldId id="286" r:id="rId21"/>
-    <p:sldId id="294" r:id="rId22"/>
-    <p:sldId id="295" r:id="rId23"/>
-    <p:sldId id="296" r:id="rId24"/>
-    <p:sldId id="297" r:id="rId25"/>
-    <p:sldId id="298" r:id="rId26"/>
-    <p:sldId id="285" r:id="rId27"/>
-    <p:sldId id="299" r:id="rId28"/>
-    <p:sldId id="293" r:id="rId29"/>
-    <p:sldId id="275" r:id="rId30"/>
-    <p:sldId id="276" r:id="rId31"/>
-    <p:sldId id="277" r:id="rId32"/>
-    <p:sldId id="278" r:id="rId33"/>
-    <p:sldId id="308" r:id="rId34"/>
-    <p:sldId id="280" r:id="rId35"/>
-    <p:sldId id="304" r:id="rId36"/>
+    <p:sldId id="309" r:id="rId10"/>
+    <p:sldId id="310" r:id="rId11"/>
+    <p:sldId id="270" r:id="rId12"/>
+    <p:sldId id="272" r:id="rId13"/>
+    <p:sldId id="273" r:id="rId14"/>
+    <p:sldId id="300" r:id="rId15"/>
+    <p:sldId id="301" r:id="rId16"/>
+    <p:sldId id="302" r:id="rId17"/>
+    <p:sldId id="303" r:id="rId18"/>
+    <p:sldId id="307" r:id="rId19"/>
+    <p:sldId id="281" r:id="rId20"/>
+    <p:sldId id="284" r:id="rId21"/>
+    <p:sldId id="286" r:id="rId22"/>
+    <p:sldId id="294" r:id="rId23"/>
+    <p:sldId id="295" r:id="rId24"/>
+    <p:sldId id="296" r:id="rId25"/>
+    <p:sldId id="297" r:id="rId26"/>
+    <p:sldId id="298" r:id="rId27"/>
+    <p:sldId id="285" r:id="rId28"/>
+    <p:sldId id="299" r:id="rId29"/>
+    <p:sldId id="293" r:id="rId30"/>
+    <p:sldId id="275" r:id="rId31"/>
+    <p:sldId id="276" r:id="rId32"/>
+    <p:sldId id="277" r:id="rId33"/>
+    <p:sldId id="278" r:id="rId34"/>
+    <p:sldId id="308" r:id="rId35"/>
+    <p:sldId id="280" r:id="rId36"/>
+    <p:sldId id="304" r:id="rId37"/>
   </p:sldIdLst>
   <p:sldSz cx="9144000" cy="6858000" type="screen4x3"/>
   <p:notesSz cx="6858000" cy="9144000"/>
@@ -282,11 +283,11 @@
           <c:showPercent val="0"/>
           <c:showBubbleSize val="0"/>
         </c:dLbls>
-        <c:axId val="366694400"/>
-        <c:axId val="366695576"/>
+        <c:axId val="370395200"/>
+        <c:axId val="370395984"/>
       </c:scatterChart>
       <c:valAx>
-        <c:axId val="366694400"/>
+        <c:axId val="370395200"/>
         <c:scaling>
           <c:logBase val="2"/>
           <c:orientation val="minMax"/>
@@ -298,14 +299,14 @@
         <c:majorTickMark val="out"/>
         <c:minorTickMark val="none"/>
         <c:tickLblPos val="nextTo"/>
-        <c:crossAx val="366695576"/>
+        <c:crossAx val="370395984"/>
         <c:crosses val="autoZero"/>
         <c:crossBetween val="midCat"/>
         <c:majorUnit val="4"/>
         <c:minorUnit val="4"/>
       </c:valAx>
       <c:valAx>
-        <c:axId val="366695576"/>
+        <c:axId val="370395984"/>
         <c:scaling>
           <c:logBase val="2"/>
           <c:orientation val="minMax"/>
@@ -318,7 +319,7 @@
         <c:majorTickMark val="out"/>
         <c:minorTickMark val="none"/>
         <c:tickLblPos val="nextTo"/>
-        <c:crossAx val="366694400"/>
+        <c:crossAx val="370395200"/>
         <c:crosses val="autoZero"/>
         <c:crossBetween val="midCat"/>
         <c:majorUnit val="4"/>
@@ -691,11 +692,11 @@
           <c:showPercent val="0"/>
           <c:showBubbleSize val="0"/>
         </c:dLbls>
-        <c:axId val="366695184"/>
-        <c:axId val="366695968"/>
+        <c:axId val="370397160"/>
+        <c:axId val="370394416"/>
       </c:scatterChart>
       <c:valAx>
-        <c:axId val="366695184"/>
+        <c:axId val="370397160"/>
         <c:scaling>
           <c:logBase val="2"/>
           <c:orientation val="minMax"/>
@@ -708,14 +709,14 @@
         <c:majorTickMark val="out"/>
         <c:minorTickMark val="none"/>
         <c:tickLblPos val="nextTo"/>
-        <c:crossAx val="366695968"/>
+        <c:crossAx val="370394416"/>
         <c:crosses val="autoZero"/>
         <c:crossBetween val="midCat"/>
         <c:majorUnit val="4"/>
         <c:minorUnit val="4"/>
       </c:valAx>
       <c:valAx>
-        <c:axId val="366695968"/>
+        <c:axId val="370394416"/>
         <c:scaling>
           <c:logBase val="2"/>
           <c:orientation val="minMax"/>
@@ -729,7 +730,7 @@
         <c:majorTickMark val="out"/>
         <c:minorTickMark val="none"/>
         <c:tickLblPos val="nextTo"/>
-        <c:crossAx val="366695184"/>
+        <c:crossAx val="370397160"/>
         <c:crosses val="autoZero"/>
         <c:crossBetween val="midCat"/>
         <c:majorUnit val="4"/>
@@ -942,11 +943,11 @@
           <c:showPercent val="0"/>
           <c:showBubbleSize val="0"/>
         </c:dLbls>
-        <c:axId val="366697536"/>
-        <c:axId val="367762152"/>
+        <c:axId val="371528056"/>
+        <c:axId val="371523744"/>
       </c:scatterChart>
       <c:valAx>
-        <c:axId val="366697536"/>
+        <c:axId val="371528056"/>
         <c:scaling>
           <c:logBase val="2"/>
           <c:orientation val="minMax"/>
@@ -959,13 +960,13 @@
         <c:majorTickMark val="out"/>
         <c:minorTickMark val="none"/>
         <c:tickLblPos val="nextTo"/>
-        <c:crossAx val="367762152"/>
+        <c:crossAx val="371523744"/>
         <c:crosses val="autoZero"/>
         <c:crossBetween val="midCat"/>
         <c:minorUnit val="4"/>
       </c:valAx>
       <c:valAx>
-        <c:axId val="367762152"/>
+        <c:axId val="371523744"/>
         <c:scaling>
           <c:logBase val="2"/>
           <c:orientation val="minMax"/>
@@ -979,7 +980,7 @@
         <c:majorTickMark val="out"/>
         <c:minorTickMark val="none"/>
         <c:tickLblPos val="nextTo"/>
-        <c:crossAx val="366697536"/>
+        <c:crossAx val="371528056"/>
         <c:crosses val="autoZero"/>
         <c:crossBetween val="midCat"/>
         <c:majorUnit val="2"/>
@@ -1110,11 +1111,11 @@
           <c:showPercent val="0"/>
           <c:showBubbleSize val="0"/>
         </c:dLbls>
-        <c:axId val="367767248"/>
-        <c:axId val="367765288"/>
+        <c:axId val="371525704"/>
+        <c:axId val="371526880"/>
       </c:scatterChart>
       <c:valAx>
-        <c:axId val="367767248"/>
+        <c:axId val="371525704"/>
         <c:scaling>
           <c:logBase val="2"/>
           <c:orientation val="minMax"/>
@@ -1127,13 +1128,13 @@
         <c:majorTickMark val="out"/>
         <c:minorTickMark val="none"/>
         <c:tickLblPos val="nextTo"/>
-        <c:crossAx val="367765288"/>
+        <c:crossAx val="371526880"/>
         <c:crosses val="autoZero"/>
         <c:crossBetween val="midCat"/>
         <c:majorUnit val="4"/>
       </c:valAx>
       <c:valAx>
-        <c:axId val="367765288"/>
+        <c:axId val="371526880"/>
         <c:scaling>
           <c:logBase val="2"/>
           <c:orientation val="minMax"/>
@@ -1146,7 +1147,7 @@
         <c:majorTickMark val="out"/>
         <c:minorTickMark val="none"/>
         <c:tickLblPos val="nextTo"/>
-        <c:crossAx val="367767248"/>
+        <c:crossAx val="371525704"/>
         <c:crosses val="autoZero"/>
         <c:crossBetween val="midCat"/>
         <c:majorUnit val="2"/>
@@ -1272,11 +1273,11 @@
           <c:showPercent val="0"/>
           <c:showBubbleSize val="0"/>
         </c:dLbls>
-        <c:axId val="367769208"/>
-        <c:axId val="367764112"/>
+        <c:axId val="371524920"/>
+        <c:axId val="371521392"/>
       </c:scatterChart>
       <c:valAx>
-        <c:axId val="367769208"/>
+        <c:axId val="371524920"/>
         <c:scaling>
           <c:logBase val="2"/>
           <c:orientation val="minMax"/>
@@ -1289,14 +1290,14 @@
         <c:majorTickMark val="out"/>
         <c:minorTickMark val="none"/>
         <c:tickLblPos val="nextTo"/>
-        <c:crossAx val="367764112"/>
+        <c:crossAx val="371521392"/>
         <c:crosses val="autoZero"/>
         <c:crossBetween val="midCat"/>
         <c:majorUnit val="4"/>
         <c:minorUnit val="4"/>
       </c:valAx>
       <c:valAx>
-        <c:axId val="367764112"/>
+        <c:axId val="371521392"/>
         <c:scaling>
           <c:orientation val="minMax"/>
           <c:max val="1"/>
@@ -1308,7 +1309,7 @@
         <c:majorTickMark val="out"/>
         <c:minorTickMark val="none"/>
         <c:tickLblPos val="nextTo"/>
-        <c:crossAx val="367769208"/>
+        <c:crossAx val="371524920"/>
         <c:crosses val="autoZero"/>
         <c:crossBetween val="midCat"/>
       </c:valAx>
@@ -1419,7 +1420,7 @@
           <a:p>
             <a:fld id="{D11149F5-5960-4488-90B9-E5BC4883398F}" type="datetimeFigureOut">
               <a:rPr lang="en-US" smtClean="0"/>
-              <a:t>2017-10-12</a:t>
+              <a:t>2017-10-13</a:t>
             </a:fld>
             <a:endParaRPr lang="en-US"/>
           </a:p>
@@ -1859,7 +1860,7 @@
           <a:p>
             <a:fld id="{19D97038-7595-45D6-8411-BE59ABE7F953}" type="slidenum">
               <a:rPr lang="en-US" smtClean="0"/>
-              <a:t>12</a:t>
+              <a:t>14</a:t>
             </a:fld>
             <a:endParaRPr lang="en-US"/>
           </a:p>
@@ -1891,7 +1892,7 @@
     </p:spTree>
     <p:extLst>
       <p:ext uri="{BB962C8B-B14F-4D97-AF65-F5344CB8AC3E}">
-        <p14:creationId xmlns:p14="http://schemas.microsoft.com/office/powerpoint/2010/main" val="132345135"/>
+        <p14:creationId xmlns:p14="http://schemas.microsoft.com/office/powerpoint/2010/main" val="1415372015"/>
       </p:ext>
     </p:extLst>
   </p:cSld>
@@ -1966,7 +1967,7 @@
           <a:p>
             <a:fld id="{19D97038-7595-45D6-8411-BE59ABE7F953}" type="slidenum">
               <a:rPr lang="en-US" smtClean="0"/>
-              <a:t>13</a:t>
+              <a:t>16</a:t>
             </a:fld>
             <a:endParaRPr lang="en-US"/>
           </a:p>
@@ -1998,7 +1999,7 @@
     </p:spTree>
     <p:extLst>
       <p:ext uri="{BB962C8B-B14F-4D97-AF65-F5344CB8AC3E}">
-        <p14:creationId xmlns:p14="http://schemas.microsoft.com/office/powerpoint/2010/main" val="1415372015"/>
+        <p14:creationId xmlns:p14="http://schemas.microsoft.com/office/powerpoint/2010/main" val="739275617"/>
       </p:ext>
     </p:extLst>
   </p:cSld>
@@ -2073,114 +2074,7 @@
           <a:p>
             <a:fld id="{19D97038-7595-45D6-8411-BE59ABE7F953}" type="slidenum">
               <a:rPr lang="en-US" smtClean="0"/>
-              <a:t>15</a:t>
-            </a:fld>
-            <a:endParaRPr lang="en-US"/>
-          </a:p>
-        </p:txBody>
-      </p:sp>
-      <p:sp>
-        <p:nvSpPr>
-          <p:cNvPr id="5" name="Header Placeholder 4"/>
-          <p:cNvSpPr>
-            <a:spLocks noGrp="1"/>
-          </p:cNvSpPr>
-          <p:nvPr>
-            <p:ph type="hdr" sz="quarter" idx="11"/>
-          </p:nvPr>
-        </p:nvSpPr>
-        <p:spPr/>
-        <p:txBody>
-          <a:bodyPr/>
-          <a:lstStyle/>
-          <a:p>
-            <a:r>
-              <a:rPr lang="en-US" smtClean="0"/>
-              <a:t>HPC Introduction</a:t>
-            </a:r>
-            <a:endParaRPr lang="en-US"/>
-          </a:p>
-        </p:txBody>
-      </p:sp>
-    </p:spTree>
-    <p:extLst>
-      <p:ext uri="{BB962C8B-B14F-4D97-AF65-F5344CB8AC3E}">
-        <p14:creationId xmlns:p14="http://schemas.microsoft.com/office/powerpoint/2010/main" val="739275617"/>
-      </p:ext>
-    </p:extLst>
-  </p:cSld>
-  <p:clrMapOvr>
-    <a:masterClrMapping/>
-  </p:clrMapOvr>
-</p:notes>
-</file>
-
-<file path=ppt/notesSlides/notesSlide13.xml><?xml version="1.0" encoding="utf-8"?>
-<p:notes xmlns:a="http://schemas.openxmlformats.org/drawingml/2006/main" xmlns:r="http://schemas.openxmlformats.org/officeDocument/2006/relationships" xmlns:p="http://schemas.openxmlformats.org/presentationml/2006/main">
-  <p:cSld>
-    <p:spTree>
-      <p:nvGrpSpPr>
-        <p:cNvPr id="1" name=""/>
-        <p:cNvGrpSpPr/>
-        <p:nvPr/>
-      </p:nvGrpSpPr>
-      <p:grpSpPr>
-        <a:xfrm>
-          <a:off x="0" y="0"/>
-          <a:ext cx="0" cy="0"/>
-          <a:chOff x="0" y="0"/>
-          <a:chExt cx="0" cy="0"/>
-        </a:xfrm>
-      </p:grpSpPr>
-      <p:sp>
-        <p:nvSpPr>
-          <p:cNvPr id="2" name="Slide Image Placeholder 1"/>
-          <p:cNvSpPr>
-            <a:spLocks noGrp="1" noRot="1" noChangeAspect="1"/>
-          </p:cNvSpPr>
-          <p:nvPr>
-            <p:ph type="sldImg"/>
-          </p:nvPr>
-        </p:nvSpPr>
-        <p:spPr/>
-      </p:sp>
-      <p:sp>
-        <p:nvSpPr>
-          <p:cNvPr id="3" name="Notes Placeholder 2"/>
-          <p:cNvSpPr>
-            <a:spLocks noGrp="1"/>
-          </p:cNvSpPr>
-          <p:nvPr>
-            <p:ph type="body" idx="1"/>
-          </p:nvPr>
-        </p:nvSpPr>
-        <p:spPr/>
-        <p:txBody>
-          <a:bodyPr/>
-          <a:lstStyle/>
-          <a:p>
-            <a:endParaRPr lang="en-US"/>
-          </a:p>
-        </p:txBody>
-      </p:sp>
-      <p:sp>
-        <p:nvSpPr>
-          <p:cNvPr id="4" name="Slide Number Placeholder 3"/>
-          <p:cNvSpPr>
-            <a:spLocks noGrp="1"/>
-          </p:cNvSpPr>
-          <p:nvPr>
-            <p:ph type="sldNum" sz="quarter" idx="10"/>
-          </p:nvPr>
-        </p:nvSpPr>
-        <p:spPr/>
-        <p:txBody>
-          <a:bodyPr/>
-          <a:lstStyle/>
-          <a:p>
-            <a:fld id="{19D97038-7595-45D6-8411-BE59ABE7F953}" type="slidenum">
-              <a:rPr lang="en-US" smtClean="0"/>
-              <a:t>18</a:t>
+              <a:t>19</a:t>
             </a:fld>
             <a:endParaRPr lang="en-US"/>
           </a:p>
@@ -2222,114 +2116,7 @@
 </p:notes>
 </file>
 
-<file path=ppt/notesSlides/notesSlide14.xml><?xml version="1.0" encoding="utf-8"?>
-<p:notes xmlns:a="http://schemas.openxmlformats.org/drawingml/2006/main" xmlns:r="http://schemas.openxmlformats.org/officeDocument/2006/relationships" xmlns:p="http://schemas.openxmlformats.org/presentationml/2006/main">
-  <p:cSld>
-    <p:spTree>
-      <p:nvGrpSpPr>
-        <p:cNvPr id="1" name=""/>
-        <p:cNvGrpSpPr/>
-        <p:nvPr/>
-      </p:nvGrpSpPr>
-      <p:grpSpPr>
-        <a:xfrm>
-          <a:off x="0" y="0"/>
-          <a:ext cx="0" cy="0"/>
-          <a:chOff x="0" y="0"/>
-          <a:chExt cx="0" cy="0"/>
-        </a:xfrm>
-      </p:grpSpPr>
-      <p:sp>
-        <p:nvSpPr>
-          <p:cNvPr id="2" name="Slide Image Placeholder 1"/>
-          <p:cNvSpPr>
-            <a:spLocks noGrp="1" noRot="1" noChangeAspect="1"/>
-          </p:cNvSpPr>
-          <p:nvPr>
-            <p:ph type="sldImg"/>
-          </p:nvPr>
-        </p:nvSpPr>
-        <p:spPr/>
-      </p:sp>
-      <p:sp>
-        <p:nvSpPr>
-          <p:cNvPr id="3" name="Notes Placeholder 2"/>
-          <p:cNvSpPr>
-            <a:spLocks noGrp="1"/>
-          </p:cNvSpPr>
-          <p:nvPr>
-            <p:ph type="body" idx="1"/>
-          </p:nvPr>
-        </p:nvSpPr>
-        <p:spPr/>
-        <p:txBody>
-          <a:bodyPr/>
-          <a:lstStyle/>
-          <a:p>
-            <a:endParaRPr lang="en-US"/>
-          </a:p>
-        </p:txBody>
-      </p:sp>
-      <p:sp>
-        <p:nvSpPr>
-          <p:cNvPr id="4" name="Slide Number Placeholder 3"/>
-          <p:cNvSpPr>
-            <a:spLocks noGrp="1"/>
-          </p:cNvSpPr>
-          <p:nvPr>
-            <p:ph type="sldNum" sz="quarter" idx="10"/>
-          </p:nvPr>
-        </p:nvSpPr>
-        <p:spPr/>
-        <p:txBody>
-          <a:bodyPr/>
-          <a:lstStyle/>
-          <a:p>
-            <a:fld id="{19D97038-7595-45D6-8411-BE59ABE7F953}" type="slidenum">
-              <a:rPr lang="en-US" smtClean="0"/>
-              <a:t>28</a:t>
-            </a:fld>
-            <a:endParaRPr lang="en-US"/>
-          </a:p>
-        </p:txBody>
-      </p:sp>
-      <p:sp>
-        <p:nvSpPr>
-          <p:cNvPr id="5" name="Header Placeholder 4"/>
-          <p:cNvSpPr>
-            <a:spLocks noGrp="1"/>
-          </p:cNvSpPr>
-          <p:nvPr>
-            <p:ph type="hdr" sz="quarter" idx="11"/>
-          </p:nvPr>
-        </p:nvSpPr>
-        <p:spPr/>
-        <p:txBody>
-          <a:bodyPr/>
-          <a:lstStyle/>
-          <a:p>
-            <a:r>
-              <a:rPr lang="en-US" smtClean="0"/>
-              <a:t>HPC Introduction</a:t>
-            </a:r>
-            <a:endParaRPr lang="en-US"/>
-          </a:p>
-        </p:txBody>
-      </p:sp>
-    </p:spTree>
-    <p:extLst>
-      <p:ext uri="{BB962C8B-B14F-4D97-AF65-F5344CB8AC3E}">
-        <p14:creationId xmlns:p14="http://schemas.microsoft.com/office/powerpoint/2010/main" val="1266281646"/>
-      </p:ext>
-    </p:extLst>
-  </p:cSld>
-  <p:clrMapOvr>
-    <a:masterClrMapping/>
-  </p:clrMapOvr>
-</p:notes>
-</file>
-
-<file path=ppt/notesSlides/notesSlide15.xml><?xml version="1.0" encoding="utf-8"?>
+<file path=ppt/notesSlides/notesSlide13.xml><?xml version="1.0" encoding="utf-8"?>
 <p:notes xmlns:a="http://schemas.openxmlformats.org/drawingml/2006/main" xmlns:r="http://schemas.openxmlformats.org/officeDocument/2006/relationships" xmlns:p="http://schemas.openxmlformats.org/presentationml/2006/main">
   <p:cSld>
     <p:spTree>
@@ -2426,7 +2213,7 @@
     </p:spTree>
     <p:extLst>
       <p:ext uri="{BB962C8B-B14F-4D97-AF65-F5344CB8AC3E}">
-        <p14:creationId xmlns:p14="http://schemas.microsoft.com/office/powerpoint/2010/main" val="108099132"/>
+        <p14:creationId xmlns:p14="http://schemas.microsoft.com/office/powerpoint/2010/main" val="1266281646"/>
       </p:ext>
     </p:extLst>
   </p:cSld>
@@ -2436,7 +2223,7 @@
 </p:notes>
 </file>
 
-<file path=ppt/notesSlides/notesSlide16.xml><?xml version="1.0" encoding="utf-8"?>
+<file path=ppt/notesSlides/notesSlide14.xml><?xml version="1.0" encoding="utf-8"?>
 <p:notes xmlns:a="http://schemas.openxmlformats.org/drawingml/2006/main" xmlns:r="http://schemas.openxmlformats.org/officeDocument/2006/relationships" xmlns:p="http://schemas.openxmlformats.org/presentationml/2006/main">
   <p:cSld>
     <p:spTree>
@@ -2533,7 +2320,7 @@
     </p:spTree>
     <p:extLst>
       <p:ext uri="{BB962C8B-B14F-4D97-AF65-F5344CB8AC3E}">
-        <p14:creationId xmlns:p14="http://schemas.microsoft.com/office/powerpoint/2010/main" val="1739294583"/>
+        <p14:creationId xmlns:p14="http://schemas.microsoft.com/office/powerpoint/2010/main" val="108099132"/>
       </p:ext>
     </p:extLst>
   </p:cSld>
@@ -2543,7 +2330,7 @@
 </p:notes>
 </file>
 
-<file path=ppt/notesSlides/notesSlide17.xml><?xml version="1.0" encoding="utf-8"?>
+<file path=ppt/notesSlides/notesSlide15.xml><?xml version="1.0" encoding="utf-8"?>
 <p:notes xmlns:a="http://schemas.openxmlformats.org/drawingml/2006/main" xmlns:r="http://schemas.openxmlformats.org/officeDocument/2006/relationships" xmlns:p="http://schemas.openxmlformats.org/presentationml/2006/main">
   <p:cSld>
     <p:spTree>
@@ -2640,7 +2427,7 @@
     </p:spTree>
     <p:extLst>
       <p:ext uri="{BB962C8B-B14F-4D97-AF65-F5344CB8AC3E}">
-        <p14:creationId xmlns:p14="http://schemas.microsoft.com/office/powerpoint/2010/main" val="4289757742"/>
+        <p14:creationId xmlns:p14="http://schemas.microsoft.com/office/powerpoint/2010/main" val="1739294583"/>
       </p:ext>
     </p:extLst>
   </p:cSld>
@@ -2650,7 +2437,7 @@
 </p:notes>
 </file>
 
-<file path=ppt/notesSlides/notesSlide18.xml><?xml version="1.0" encoding="utf-8"?>
+<file path=ppt/notesSlides/notesSlide16.xml><?xml version="1.0" encoding="utf-8"?>
 <p:notes xmlns:a="http://schemas.openxmlformats.org/drawingml/2006/main" xmlns:r="http://schemas.openxmlformats.org/officeDocument/2006/relationships" xmlns:p="http://schemas.openxmlformats.org/presentationml/2006/main">
   <p:cSld>
     <p:spTree>
@@ -2747,7 +2534,7 @@
     </p:spTree>
     <p:extLst>
       <p:ext uri="{BB962C8B-B14F-4D97-AF65-F5344CB8AC3E}">
-        <p14:creationId xmlns:p14="http://schemas.microsoft.com/office/powerpoint/2010/main" val="1148560370"/>
+        <p14:creationId xmlns:p14="http://schemas.microsoft.com/office/powerpoint/2010/main" val="4289757742"/>
       </p:ext>
     </p:extLst>
   </p:cSld>
@@ -2757,7 +2544,7 @@
 </p:notes>
 </file>
 
-<file path=ppt/notesSlides/notesSlide19.xml><?xml version="1.0" encoding="utf-8"?>
+<file path=ppt/notesSlides/notesSlide17.xml><?xml version="1.0" encoding="utf-8"?>
 <p:notes xmlns:a="http://schemas.openxmlformats.org/drawingml/2006/main" xmlns:r="http://schemas.openxmlformats.org/officeDocument/2006/relationships" xmlns:p="http://schemas.openxmlformats.org/presentationml/2006/main">
   <p:cSld>
     <p:spTree>
@@ -2822,7 +2609,114 @@
           <a:p>
             <a:fld id="{19D97038-7595-45D6-8411-BE59ABE7F953}" type="slidenum">
               <a:rPr lang="en-US" smtClean="0"/>
-              <a:t>34</a:t>
+              <a:t>33</a:t>
+            </a:fld>
+            <a:endParaRPr lang="en-US"/>
+          </a:p>
+        </p:txBody>
+      </p:sp>
+      <p:sp>
+        <p:nvSpPr>
+          <p:cNvPr id="5" name="Header Placeholder 4"/>
+          <p:cNvSpPr>
+            <a:spLocks noGrp="1"/>
+          </p:cNvSpPr>
+          <p:nvPr>
+            <p:ph type="hdr" sz="quarter" idx="11"/>
+          </p:nvPr>
+        </p:nvSpPr>
+        <p:spPr/>
+        <p:txBody>
+          <a:bodyPr/>
+          <a:lstStyle/>
+          <a:p>
+            <a:r>
+              <a:rPr lang="en-US" smtClean="0"/>
+              <a:t>HPC Introduction</a:t>
+            </a:r>
+            <a:endParaRPr lang="en-US"/>
+          </a:p>
+        </p:txBody>
+      </p:sp>
+    </p:spTree>
+    <p:extLst>
+      <p:ext uri="{BB962C8B-B14F-4D97-AF65-F5344CB8AC3E}">
+        <p14:creationId xmlns:p14="http://schemas.microsoft.com/office/powerpoint/2010/main" val="1148560370"/>
+      </p:ext>
+    </p:extLst>
+  </p:cSld>
+  <p:clrMapOvr>
+    <a:masterClrMapping/>
+  </p:clrMapOvr>
+</p:notes>
+</file>
+
+<file path=ppt/notesSlides/notesSlide18.xml><?xml version="1.0" encoding="utf-8"?>
+<p:notes xmlns:a="http://schemas.openxmlformats.org/drawingml/2006/main" xmlns:r="http://schemas.openxmlformats.org/officeDocument/2006/relationships" xmlns:p="http://schemas.openxmlformats.org/presentationml/2006/main">
+  <p:cSld>
+    <p:spTree>
+      <p:nvGrpSpPr>
+        <p:cNvPr id="1" name=""/>
+        <p:cNvGrpSpPr/>
+        <p:nvPr/>
+      </p:nvGrpSpPr>
+      <p:grpSpPr>
+        <a:xfrm>
+          <a:off x="0" y="0"/>
+          <a:ext cx="0" cy="0"/>
+          <a:chOff x="0" y="0"/>
+          <a:chExt cx="0" cy="0"/>
+        </a:xfrm>
+      </p:grpSpPr>
+      <p:sp>
+        <p:nvSpPr>
+          <p:cNvPr id="2" name="Slide Image Placeholder 1"/>
+          <p:cNvSpPr>
+            <a:spLocks noGrp="1" noRot="1" noChangeAspect="1"/>
+          </p:cNvSpPr>
+          <p:nvPr>
+            <p:ph type="sldImg"/>
+          </p:nvPr>
+        </p:nvSpPr>
+        <p:spPr/>
+      </p:sp>
+      <p:sp>
+        <p:nvSpPr>
+          <p:cNvPr id="3" name="Notes Placeholder 2"/>
+          <p:cNvSpPr>
+            <a:spLocks noGrp="1"/>
+          </p:cNvSpPr>
+          <p:nvPr>
+            <p:ph type="body" idx="1"/>
+          </p:nvPr>
+        </p:nvSpPr>
+        <p:spPr/>
+        <p:txBody>
+          <a:bodyPr/>
+          <a:lstStyle/>
+          <a:p>
+            <a:endParaRPr lang="en-US"/>
+          </a:p>
+        </p:txBody>
+      </p:sp>
+      <p:sp>
+        <p:nvSpPr>
+          <p:cNvPr id="4" name="Slide Number Placeholder 3"/>
+          <p:cNvSpPr>
+            <a:spLocks noGrp="1"/>
+          </p:cNvSpPr>
+          <p:nvPr>
+            <p:ph type="sldNum" sz="quarter" idx="10"/>
+          </p:nvPr>
+        </p:nvSpPr>
+        <p:spPr/>
+        <p:txBody>
+          <a:bodyPr/>
+          <a:lstStyle/>
+          <a:p>
+            <a:fld id="{19D97038-7595-45D6-8411-BE59ABE7F953}" type="slidenum">
+              <a:rPr lang="en-US" smtClean="0"/>
+              <a:t>35</a:t>
             </a:fld>
             <a:endParaRPr lang="en-US"/>
           </a:p>
@@ -3464,7 +3358,7 @@
           <a:p>
             <a:fld id="{19D97038-7595-45D6-8411-BE59ABE7F953}" type="slidenum">
               <a:rPr lang="en-US" smtClean="0"/>
-              <a:t>9</a:t>
+              <a:t>11</a:t>
             </a:fld>
             <a:endParaRPr lang="en-US"/>
           </a:p>
@@ -3571,7 +3465,7 @@
           <a:p>
             <a:fld id="{19D97038-7595-45D6-8411-BE59ABE7F953}" type="slidenum">
               <a:rPr lang="en-US" smtClean="0"/>
-              <a:t>10</a:t>
+              <a:t>12</a:t>
             </a:fld>
             <a:endParaRPr lang="en-US"/>
           </a:p>
@@ -3603,7 +3497,7 @@
     </p:spTree>
     <p:extLst>
       <p:ext uri="{BB962C8B-B14F-4D97-AF65-F5344CB8AC3E}">
-        <p14:creationId xmlns:p14="http://schemas.microsoft.com/office/powerpoint/2010/main" val="1116862392"/>
+        <p14:creationId xmlns:p14="http://schemas.microsoft.com/office/powerpoint/2010/main" val="1371063367"/>
       </p:ext>
     </p:extLst>
   </p:cSld>
@@ -3678,7 +3572,7 @@
           <a:p>
             <a:fld id="{19D97038-7595-45D6-8411-BE59ABE7F953}" type="slidenum">
               <a:rPr lang="en-US" smtClean="0"/>
-              <a:t>11</a:t>
+              <a:t>13</a:t>
             </a:fld>
             <a:endParaRPr lang="en-US"/>
           </a:p>
@@ -3710,7 +3604,7 @@
     </p:spTree>
     <p:extLst>
       <p:ext uri="{BB962C8B-B14F-4D97-AF65-F5344CB8AC3E}">
-        <p14:creationId xmlns:p14="http://schemas.microsoft.com/office/powerpoint/2010/main" val="1371063367"/>
+        <p14:creationId xmlns:p14="http://schemas.microsoft.com/office/powerpoint/2010/main" val="132345135"/>
       </p:ext>
     </p:extLst>
   </p:cSld>
@@ -3901,7 +3795,7 @@
           <a:p>
             <a:fld id="{85749FB6-36E8-451B-8662-E59FA6095BF0}" type="datetime1">
               <a:rPr lang="en-US" smtClean="0"/>
-              <a:t>2017-10-12</a:t>
+              <a:t>2017-10-13</a:t>
             </a:fld>
             <a:endParaRPr lang="en-US"/>
           </a:p>
@@ -4071,7 +3965,7 @@
           <a:p>
             <a:fld id="{55CB9A8F-D6DB-46A0-B73B-1B7449235CF5}" type="datetime1">
               <a:rPr lang="en-US" smtClean="0"/>
-              <a:t>2017-10-12</a:t>
+              <a:t>2017-10-13</a:t>
             </a:fld>
             <a:endParaRPr lang="en-US"/>
           </a:p>
@@ -4251,7 +4145,7 @@
           <a:p>
             <a:fld id="{5BB3135F-B8AD-45EC-AD1E-79BABBD83142}" type="datetime1">
               <a:rPr lang="en-US" smtClean="0"/>
-              <a:t>2017-10-12</a:t>
+              <a:t>2017-10-13</a:t>
             </a:fld>
             <a:endParaRPr lang="en-US"/>
           </a:p>
@@ -4421,7 +4315,7 @@
           <a:p>
             <a:fld id="{CAB8AE2B-282E-4A56-B058-ED663E85E7AD}" type="datetime1">
               <a:rPr lang="en-US" smtClean="0"/>
-              <a:t>2017-10-12</a:t>
+              <a:t>2017-10-13</a:t>
             </a:fld>
             <a:endParaRPr lang="en-US"/>
           </a:p>
@@ -4667,7 +4561,7 @@
           <a:p>
             <a:fld id="{8CC589D3-C256-4C11-98F8-554C211E2A65}" type="datetime1">
               <a:rPr lang="en-US" smtClean="0"/>
-              <a:t>2017-10-12</a:t>
+              <a:t>2017-10-13</a:t>
             </a:fld>
             <a:endParaRPr lang="en-US"/>
           </a:p>
@@ -4955,7 +4849,7 @@
           <a:p>
             <a:fld id="{1046C4B0-F431-4683-AC91-4170D3FAB633}" type="datetime1">
               <a:rPr lang="en-US" smtClean="0"/>
-              <a:t>2017-10-12</a:t>
+              <a:t>2017-10-13</a:t>
             </a:fld>
             <a:endParaRPr lang="en-US"/>
           </a:p>
@@ -5377,7 +5271,7 @@
           <a:p>
             <a:fld id="{3B9E1D88-3A46-4DC6-80E6-BAD93D3D2CCA}" type="datetime1">
               <a:rPr lang="en-US" smtClean="0"/>
-              <a:t>2017-10-12</a:t>
+              <a:t>2017-10-13</a:t>
             </a:fld>
             <a:endParaRPr lang="en-US"/>
           </a:p>
@@ -5495,7 +5389,7 @@
           <a:p>
             <a:fld id="{69296429-EC4B-470C-8270-7164D3901DE6}" type="datetime1">
               <a:rPr lang="en-US" smtClean="0"/>
-              <a:t>2017-10-12</a:t>
+              <a:t>2017-10-13</a:t>
             </a:fld>
             <a:endParaRPr lang="en-US"/>
           </a:p>
@@ -5590,7 +5484,7 @@
           <a:p>
             <a:fld id="{266404B9-8412-41CD-ADD8-50F3F390F6EB}" type="datetime1">
               <a:rPr lang="en-US" smtClean="0"/>
-              <a:t>2017-10-12</a:t>
+              <a:t>2017-10-13</a:t>
             </a:fld>
             <a:endParaRPr lang="en-US"/>
           </a:p>
@@ -5867,7 +5761,7 @@
           <a:p>
             <a:fld id="{E66EB5A5-6441-4493-B99B-EC6EB586904E}" type="datetime1">
               <a:rPr lang="en-US" smtClean="0"/>
-              <a:t>2017-10-12</a:t>
+              <a:t>2017-10-13</a:t>
             </a:fld>
             <a:endParaRPr lang="en-US"/>
           </a:p>
@@ -6120,7 +6014,7 @@
           <a:p>
             <a:fld id="{32EF196B-420B-4E68-AFFC-5CD5012B31A2}" type="datetime1">
               <a:rPr lang="en-US" smtClean="0"/>
-              <a:t>2017-10-12</a:t>
+              <a:t>2017-10-13</a:t>
             </a:fld>
             <a:endParaRPr lang="en-US"/>
           </a:p>
@@ -6333,7 +6227,7 @@
           <a:p>
             <a:fld id="{51870FD8-0596-4BB3-8199-80439DAC9FD9}" type="datetime1">
               <a:rPr lang="en-US" smtClean="0"/>
-              <a:t>2017-10-12</a:t>
+              <a:t>2017-10-13</a:t>
             </a:fld>
             <a:endParaRPr lang="en-US"/>
           </a:p>
@@ -6731,11 +6625,7 @@
             </a:r>
             <a:r>
               <a:rPr lang="en-US" dirty="0" smtClean="0"/>
-              <a:t> </a:t>
-            </a:r>
-            <a:r>
-              <a:rPr lang="en-US" dirty="0" smtClean="0"/>
-              <a:t>1.4.x</a:t>
+              <a:t> 1.4.x</a:t>
             </a:r>
             <a:endParaRPr lang="nl-BE" dirty="0" smtClean="0"/>
           </a:p>
@@ -6899,7 +6789,7 @@
       </p:grpSpPr>
       <p:sp>
         <p:nvSpPr>
-          <p:cNvPr id="16386" name="Title 1"/>
+          <p:cNvPr id="2" name="Title 1"/>
           <p:cNvSpPr>
             <a:spLocks noGrp="1"/>
           </p:cNvSpPr>
@@ -6913,16 +6803,26 @@
           <a:lstStyle/>
           <a:p>
             <a:r>
-              <a:rPr lang="en-US" smtClean="0"/>
-              <a:t>More features: time limits</a:t>
+              <a:rPr lang="en-US" dirty="0" smtClean="0"/>
+              <a:t>Monitoring: </a:t>
             </a:r>
-            <a:endParaRPr lang="nl-BE" smtClean="0"/>
+            <a:r>
+              <a:rPr lang="en-US" dirty="0" err="1" smtClean="0">
+                <a:latin typeface="Courier New" panose="02070309020205020404" pitchFamily="49" charset="0"/>
+                <a:cs typeface="Courier New" panose="02070309020205020404" pitchFamily="49" charset="0"/>
+              </a:rPr>
+              <a:t>arange</a:t>
+            </a:r>
+            <a:endParaRPr lang="en-US" dirty="0">
+              <a:latin typeface="Courier New" panose="02070309020205020404" pitchFamily="49" charset="0"/>
+              <a:cs typeface="Courier New" panose="02070309020205020404" pitchFamily="49" charset="0"/>
+            </a:endParaRPr>
           </a:p>
         </p:txBody>
       </p:sp>
       <p:sp>
         <p:nvSpPr>
-          <p:cNvPr id="16387" name="Content Placeholder 2"/>
+          <p:cNvPr id="3" name="Content Placeholder 2"/>
           <p:cNvSpPr>
             <a:spLocks noGrp="1"/>
           </p:cNvSpPr>
@@ -6937,24 +6837,733 @@
           <a:p>
             <a:r>
               <a:rPr lang="en-US" dirty="0" smtClean="0"/>
-              <a:t>Limit per work item</a:t>
+              <a:t>For running or finished job</a:t>
+            </a:r>
+            <a:endParaRPr lang="en-US" dirty="0"/>
+          </a:p>
+        </p:txBody>
+      </p:sp>
+      <p:sp>
+        <p:nvSpPr>
+          <p:cNvPr id="4" name="Slide Number Placeholder 3"/>
+          <p:cNvSpPr>
+            <a:spLocks noGrp="1"/>
+          </p:cNvSpPr>
+          <p:nvPr>
+            <p:ph type="sldNum" sz="quarter" idx="12"/>
+          </p:nvPr>
+        </p:nvSpPr>
+        <p:spPr/>
+        <p:txBody>
+          <a:bodyPr/>
+          <a:lstStyle/>
+          <a:p>
+            <a:fld id="{0AA598EC-1C61-495B-A9F8-4410E339CCF5}" type="slidenum">
+              <a:rPr lang="en-US" smtClean="0"/>
+              <a:t>10</a:t>
+            </a:fld>
+            <a:endParaRPr lang="en-US"/>
+          </a:p>
+        </p:txBody>
+      </p:sp>
+      <p:sp>
+        <p:nvSpPr>
+          <p:cNvPr id="5" name="TextBox 70"/>
+          <p:cNvSpPr txBox="1">
+            <a:spLocks noChangeArrowheads="1"/>
+          </p:cNvSpPr>
+          <p:nvPr/>
+        </p:nvSpPr>
+        <p:spPr bwMode="auto">
+          <a:xfrm>
+            <a:off x="539750" y="2247900"/>
+            <a:ext cx="6264498" cy="1200329"/>
+          </a:xfrm>
+          <a:prstGeom prst="rect">
+            <a:avLst/>
+          </a:prstGeom>
+          <a:solidFill>
+            <a:schemeClr val="tx1"/>
+          </a:solidFill>
+          <a:ln>
+            <a:noFill/>
+          </a:ln>
+          <a:extLst/>
+        </p:spPr>
+        <p:txBody>
+          <a:bodyPr wrap="square">
+            <a:spAutoFit/>
+          </a:bodyPr>
+          <a:lstStyle>
+            <a:lvl1pPr eaLnBrk="0" hangingPunct="0">
+              <a:defRPr>
+                <a:solidFill>
+                  <a:schemeClr val="tx1"/>
+                </a:solidFill>
+                <a:latin typeface="Arial" charset="0"/>
+                <a:cs typeface="Arial" charset="0"/>
+              </a:defRPr>
+            </a:lvl1pPr>
+            <a:lvl2pPr marL="742950" indent="-285750" eaLnBrk="0" hangingPunct="0">
+              <a:defRPr>
+                <a:solidFill>
+                  <a:schemeClr val="tx1"/>
+                </a:solidFill>
+                <a:latin typeface="Arial" charset="0"/>
+                <a:cs typeface="Arial" charset="0"/>
+              </a:defRPr>
+            </a:lvl2pPr>
+            <a:lvl3pPr marL="1143000" indent="-228600" eaLnBrk="0" hangingPunct="0">
+              <a:defRPr>
+                <a:solidFill>
+                  <a:schemeClr val="tx1"/>
+                </a:solidFill>
+                <a:latin typeface="Arial" charset="0"/>
+                <a:cs typeface="Arial" charset="0"/>
+              </a:defRPr>
+            </a:lvl3pPr>
+            <a:lvl4pPr marL="1600200" indent="-228600" eaLnBrk="0" hangingPunct="0">
+              <a:defRPr>
+                <a:solidFill>
+                  <a:schemeClr val="tx1"/>
+                </a:solidFill>
+                <a:latin typeface="Arial" charset="0"/>
+                <a:cs typeface="Arial" charset="0"/>
+              </a:defRPr>
+            </a:lvl4pPr>
+            <a:lvl5pPr marL="2057400" indent="-228600" eaLnBrk="0" hangingPunct="0">
+              <a:defRPr>
+                <a:solidFill>
+                  <a:schemeClr val="tx1"/>
+                </a:solidFill>
+                <a:latin typeface="Arial" charset="0"/>
+                <a:cs typeface="Arial" charset="0"/>
+              </a:defRPr>
+            </a:lvl5pPr>
+            <a:lvl6pPr marL="2514600" indent="-228600" eaLnBrk="0" fontAlgn="base" hangingPunct="0">
+              <a:spcBef>
+                <a:spcPct val="0"/>
+              </a:spcBef>
+              <a:spcAft>
+                <a:spcPct val="0"/>
+              </a:spcAft>
+              <a:defRPr>
+                <a:solidFill>
+                  <a:schemeClr val="tx1"/>
+                </a:solidFill>
+                <a:latin typeface="Arial" charset="0"/>
+                <a:cs typeface="Arial" charset="0"/>
+              </a:defRPr>
+            </a:lvl6pPr>
+            <a:lvl7pPr marL="2971800" indent="-228600" eaLnBrk="0" fontAlgn="base" hangingPunct="0">
+              <a:spcBef>
+                <a:spcPct val="0"/>
+              </a:spcBef>
+              <a:spcAft>
+                <a:spcPct val="0"/>
+              </a:spcAft>
+              <a:defRPr>
+                <a:solidFill>
+                  <a:schemeClr val="tx1"/>
+                </a:solidFill>
+                <a:latin typeface="Arial" charset="0"/>
+                <a:cs typeface="Arial" charset="0"/>
+              </a:defRPr>
+            </a:lvl7pPr>
+            <a:lvl8pPr marL="3429000" indent="-228600" eaLnBrk="0" fontAlgn="base" hangingPunct="0">
+              <a:spcBef>
+                <a:spcPct val="0"/>
+              </a:spcBef>
+              <a:spcAft>
+                <a:spcPct val="0"/>
+              </a:spcAft>
+              <a:defRPr>
+                <a:solidFill>
+                  <a:schemeClr val="tx1"/>
+                </a:solidFill>
+                <a:latin typeface="Arial" charset="0"/>
+                <a:cs typeface="Arial" charset="0"/>
+              </a:defRPr>
+            </a:lvl8pPr>
+            <a:lvl9pPr marL="3886200" indent="-228600" eaLnBrk="0" fontAlgn="base" hangingPunct="0">
+              <a:spcBef>
+                <a:spcPct val="0"/>
+              </a:spcBef>
+              <a:spcAft>
+                <a:spcPct val="0"/>
+              </a:spcAft>
+              <a:defRPr>
+                <a:solidFill>
+                  <a:schemeClr val="tx1"/>
+                </a:solidFill>
+                <a:latin typeface="Arial" charset="0"/>
+                <a:cs typeface="Arial" charset="0"/>
+              </a:defRPr>
+            </a:lvl9pPr>
+          </a:lstStyle>
+          <a:p>
+            <a:pPr eaLnBrk="1" hangingPunct="1"/>
+            <a:r>
+              <a:rPr lang="en-US" sz="2400" dirty="0">
+                <a:solidFill>
+                  <a:schemeClr val="bg1"/>
+                </a:solidFill>
+              </a:rPr>
+              <a:t>$ </a:t>
+            </a:r>
+            <a:r>
+              <a:rPr lang="en-US" sz="2400" dirty="0" smtClean="0">
+                <a:solidFill>
+                  <a:schemeClr val="bg1"/>
+                </a:solidFill>
+              </a:rPr>
+              <a:t>arrange  </a:t>
+            </a:r>
+            <a:r>
+              <a:rPr lang="en-US" sz="2400" dirty="0">
+                <a:solidFill>
+                  <a:schemeClr val="bg1"/>
+                </a:solidFill>
+              </a:rPr>
+              <a:t>--data data.csv </a:t>
+            </a:r>
+            <a:r>
+              <a:rPr lang="en-US" sz="2400" dirty="0" smtClean="0">
+                <a:solidFill>
+                  <a:schemeClr val="bg1"/>
+                </a:solidFill>
+              </a:rPr>
+              <a:t>                         \</a:t>
             </a:r>
           </a:p>
           <a:p>
-            <a:pPr lvl="1"/>
+            <a:pPr eaLnBrk="1" hangingPunct="1"/>
+            <a:r>
+              <a:rPr lang="en-US" sz="2400" dirty="0">
+                <a:solidFill>
+                  <a:schemeClr val="bg1"/>
+                </a:solidFill>
+              </a:rPr>
+              <a:t> </a:t>
+            </a:r>
+            <a:r>
+              <a:rPr lang="en-US" sz="2400" dirty="0" smtClean="0">
+                <a:solidFill>
+                  <a:schemeClr val="bg1"/>
+                </a:solidFill>
+              </a:rPr>
+              <a:t>                 --</a:t>
+            </a:r>
+            <a:r>
+              <a:rPr lang="en-US" sz="2400" dirty="0">
+                <a:solidFill>
+                  <a:schemeClr val="bg1"/>
+                </a:solidFill>
+              </a:rPr>
+              <a:t>log </a:t>
+            </a:r>
+            <a:r>
+              <a:rPr lang="en-US" sz="2400" b="1" dirty="0" smtClean="0">
+                <a:solidFill>
+                  <a:schemeClr val="bg1"/>
+                </a:solidFill>
+                <a:latin typeface="Courier New" panose="02070309020205020404" pitchFamily="49" charset="0"/>
+                <a:cs typeface="Courier New" panose="02070309020205020404" pitchFamily="49" charset="0"/>
+              </a:rPr>
+              <a:t>job.pbs.log145485  \</a:t>
+            </a:r>
+            <a:br>
+              <a:rPr lang="en-US" sz="2400" b="1" dirty="0" smtClean="0">
+                <a:solidFill>
+                  <a:schemeClr val="bg1"/>
+                </a:solidFill>
+                <a:latin typeface="Courier New" panose="02070309020205020404" pitchFamily="49" charset="0"/>
+                <a:cs typeface="Courier New" panose="02070309020205020404" pitchFamily="49" charset="0"/>
+              </a:rPr>
+            </a:br>
+            <a:r>
+              <a:rPr lang="en-US" sz="2400" b="1" dirty="0" smtClean="0">
+                <a:solidFill>
+                  <a:schemeClr val="bg1"/>
+                </a:solidFill>
+                <a:latin typeface="Courier New" panose="02070309020205020404" pitchFamily="49" charset="0"/>
+                <a:cs typeface="Courier New" panose="02070309020205020404" pitchFamily="49" charset="0"/>
+              </a:rPr>
+              <a:t>        </a:t>
+            </a:r>
+            <a:r>
+              <a:rPr lang="en-US" sz="2400" dirty="0" smtClean="0">
+                <a:solidFill>
+                  <a:schemeClr val="bg1"/>
+                </a:solidFill>
+              </a:rPr>
+              <a:t> </a:t>
+            </a:r>
+            <a:r>
+              <a:rPr lang="en-US" sz="2400" dirty="0">
+                <a:solidFill>
+                  <a:schemeClr val="bg1"/>
+                </a:solidFill>
+              </a:rPr>
+              <a:t>--summary</a:t>
+            </a:r>
+            <a:endParaRPr lang="nl-BE" sz="2400" b="1" dirty="0">
+              <a:solidFill>
+                <a:schemeClr val="bg1"/>
+              </a:solidFill>
+              <a:latin typeface="Courier New" pitchFamily="49" charset="0"/>
+              <a:cs typeface="Courier New" pitchFamily="49" charset="0"/>
+            </a:endParaRPr>
+          </a:p>
+        </p:txBody>
+      </p:sp>
+    </p:spTree>
+    <p:extLst>
+      <p:ext uri="{BB962C8B-B14F-4D97-AF65-F5344CB8AC3E}">
+        <p14:creationId xmlns:p14="http://schemas.microsoft.com/office/powerpoint/2010/main" val="2113824518"/>
+      </p:ext>
+    </p:extLst>
+  </p:cSld>
+  <p:clrMapOvr>
+    <a:masterClrMapping/>
+  </p:clrMapOvr>
+  <p:timing>
+    <p:tnLst>
+      <p:par>
+        <p:cTn id="1" dur="indefinite" restart="never" nodeType="tmRoot">
+          <p:childTnLst>
+            <p:seq concurrent="1" nextAc="seek">
+              <p:cTn id="2" dur="indefinite" nodeType="mainSeq">
+                <p:childTnLst>
+                  <p:par>
+                    <p:cTn id="3" fill="hold">
+                      <p:stCondLst>
+                        <p:cond delay="indefinite"/>
+                        <p:cond evt="onBegin" delay="0">
+                          <p:tn val="2"/>
+                        </p:cond>
+                      </p:stCondLst>
+                      <p:childTnLst>
+                        <p:par>
+                          <p:cTn id="4" fill="hold">
+                            <p:stCondLst>
+                              <p:cond delay="0"/>
+                            </p:stCondLst>
+                            <p:childTnLst>
+                              <p:par>
+                                <p:cTn id="5" presetID="1" presetClass="entr" presetSubtype="0" fill="hold" grpId="0" nodeType="withEffect">
+                                  <p:stCondLst>
+                                    <p:cond delay="0"/>
+                                  </p:stCondLst>
+                                  <p:childTnLst>
+                                    <p:set>
+                                      <p:cBhvr>
+                                        <p:cTn id="6" dur="1" fill="hold">
+                                          <p:stCondLst>
+                                            <p:cond delay="0"/>
+                                          </p:stCondLst>
+                                        </p:cTn>
+                                        <p:tgtEl>
+                                          <p:spTgt spid="5"/>
+                                        </p:tgtEl>
+                                        <p:attrNameLst>
+                                          <p:attrName>style.visibility</p:attrName>
+                                        </p:attrNameLst>
+                                      </p:cBhvr>
+                                      <p:to>
+                                        <p:strVal val="visible"/>
+                                      </p:to>
+                                    </p:set>
+                                  </p:childTnLst>
+                                </p:cTn>
+                              </p:par>
+                            </p:childTnLst>
+                          </p:cTn>
+                        </p:par>
+                      </p:childTnLst>
+                    </p:cTn>
+                  </p:par>
+                </p:childTnLst>
+              </p:cTn>
+              <p:prevCondLst>
+                <p:cond evt="onPrev" delay="0">
+                  <p:tgtEl>
+                    <p:sldTgt/>
+                  </p:tgtEl>
+                </p:cond>
+              </p:prevCondLst>
+              <p:nextCondLst>
+                <p:cond evt="onNext" delay="0">
+                  <p:tgtEl>
+                    <p:sldTgt/>
+                  </p:tgtEl>
+                </p:cond>
+              </p:nextCondLst>
+            </p:seq>
+          </p:childTnLst>
+        </p:cTn>
+      </p:par>
+    </p:tnLst>
+    <p:bldLst>
+      <p:bldP spid="5" grpId="0" animBg="1"/>
+    </p:bldLst>
+  </p:timing>
+</p:sld>
+</file>
+
+<file path=ppt/slides/slide11.xml><?xml version="1.0" encoding="utf-8"?>
+<p:sld xmlns:a="http://schemas.openxmlformats.org/drawingml/2006/main" xmlns:r="http://schemas.openxmlformats.org/officeDocument/2006/relationships" xmlns:p="http://schemas.openxmlformats.org/presentationml/2006/main">
+  <p:cSld>
+    <p:spTree>
+      <p:nvGrpSpPr>
+        <p:cNvPr id="1" name=""/>
+        <p:cNvGrpSpPr/>
+        <p:nvPr/>
+      </p:nvGrpSpPr>
+      <p:grpSpPr>
+        <a:xfrm>
+          <a:off x="0" y="0"/>
+          <a:ext cx="0" cy="0"/>
+          <a:chOff x="0" y="0"/>
+          <a:chExt cx="0" cy="0"/>
+        </a:xfrm>
+      </p:grpSpPr>
+      <p:sp>
+        <p:nvSpPr>
+          <p:cNvPr id="15362" name="Title 1"/>
+          <p:cNvSpPr>
+            <a:spLocks noGrp="1"/>
+          </p:cNvSpPr>
+          <p:nvPr>
+            <p:ph type="title"/>
+          </p:nvPr>
+        </p:nvSpPr>
+        <p:spPr/>
+        <p:txBody>
+          <a:bodyPr/>
+          <a:lstStyle/>
+          <a:p>
             <a:r>
               <a:rPr lang="en-US" dirty="0" smtClean="0"/>
-              <a:t>Avoid spending all </a:t>
+              <a:t>Resuming jobs: </a:t>
+            </a:r>
+            <a:r>
+              <a:rPr lang="en-US" dirty="0" err="1" smtClean="0">
+                <a:latin typeface="Courier New" panose="02070309020205020404" pitchFamily="49" charset="0"/>
+                <a:cs typeface="Courier New" panose="02070309020205020404" pitchFamily="49" charset="0"/>
+              </a:rPr>
+              <a:t>arange</a:t>
+            </a:r>
+            <a:endParaRPr lang="nl-BE" dirty="0" smtClean="0">
+              <a:latin typeface="Courier New" panose="02070309020205020404" pitchFamily="49" charset="0"/>
+              <a:cs typeface="Courier New" panose="02070309020205020404" pitchFamily="49" charset="0"/>
+            </a:endParaRPr>
+          </a:p>
+        </p:txBody>
+      </p:sp>
+      <p:sp>
+        <p:nvSpPr>
+          <p:cNvPr id="15363" name="Content Placeholder 2"/>
+          <p:cNvSpPr>
+            <a:spLocks noGrp="1"/>
+          </p:cNvSpPr>
+          <p:nvPr>
+            <p:ph idx="1"/>
+          </p:nvPr>
+        </p:nvSpPr>
+        <p:spPr/>
+        <p:txBody>
+          <a:bodyPr/>
+          <a:lstStyle/>
+          <a:p>
+            <a:r>
+              <a:rPr lang="en-US" dirty="0" smtClean="0"/>
+              <a:t>Resuming a job that hit the </a:t>
             </a:r>
             <a:r>
               <a:rPr lang="en-US" dirty="0" err="1" smtClean="0"/>
               <a:t>walltime</a:t>
             </a:r>
+            <a:endParaRPr lang="en-US" dirty="0" smtClean="0"/>
+          </a:p>
+          <a:p>
+            <a:endParaRPr lang="nl-BE" dirty="0" smtClean="0"/>
+          </a:p>
+          <a:p>
+            <a:endParaRPr lang="en-US" dirty="0" smtClean="0"/>
+          </a:p>
+          <a:p>
+            <a:endParaRPr lang="en-US" dirty="0" smtClean="0"/>
+          </a:p>
+          <a:p>
             <a:r>
               <a:rPr lang="en-US" dirty="0" smtClean="0"/>
-              <a:t> on a few work items that (accidentally) run too long</a:t>
+              <a:t>Redoing failed work items</a:t>
             </a:r>
             <a:endParaRPr lang="nl-BE" dirty="0" smtClean="0"/>
+          </a:p>
+        </p:txBody>
+      </p:sp>
+      <p:sp>
+        <p:nvSpPr>
+          <p:cNvPr id="15365" name="TextBox 70"/>
+          <p:cNvSpPr txBox="1">
+            <a:spLocks noChangeArrowheads="1"/>
+          </p:cNvSpPr>
+          <p:nvPr/>
+        </p:nvSpPr>
+        <p:spPr bwMode="auto">
+          <a:xfrm>
+            <a:off x="107505" y="4639684"/>
+            <a:ext cx="8826384" cy="1200329"/>
+          </a:xfrm>
+          <a:prstGeom prst="rect">
+            <a:avLst/>
+          </a:prstGeom>
+          <a:solidFill>
+            <a:schemeClr val="tx1"/>
+          </a:solidFill>
+          <a:ln>
+            <a:noFill/>
+          </a:ln>
+          <a:extLst/>
+        </p:spPr>
+        <p:txBody>
+          <a:bodyPr wrap="square">
+            <a:spAutoFit/>
+          </a:bodyPr>
+          <a:lstStyle>
+            <a:lvl1pPr eaLnBrk="0" hangingPunct="0">
+              <a:defRPr>
+                <a:solidFill>
+                  <a:schemeClr val="tx1"/>
+                </a:solidFill>
+                <a:latin typeface="Arial" charset="0"/>
+                <a:cs typeface="Arial" charset="0"/>
+              </a:defRPr>
+            </a:lvl1pPr>
+            <a:lvl2pPr marL="742950" indent="-285750" eaLnBrk="0" hangingPunct="0">
+              <a:defRPr>
+                <a:solidFill>
+                  <a:schemeClr val="tx1"/>
+                </a:solidFill>
+                <a:latin typeface="Arial" charset="0"/>
+                <a:cs typeface="Arial" charset="0"/>
+              </a:defRPr>
+            </a:lvl2pPr>
+            <a:lvl3pPr marL="1143000" indent="-228600" eaLnBrk="0" hangingPunct="0">
+              <a:defRPr>
+                <a:solidFill>
+                  <a:schemeClr val="tx1"/>
+                </a:solidFill>
+                <a:latin typeface="Arial" charset="0"/>
+                <a:cs typeface="Arial" charset="0"/>
+              </a:defRPr>
+            </a:lvl3pPr>
+            <a:lvl4pPr marL="1600200" indent="-228600" eaLnBrk="0" hangingPunct="0">
+              <a:defRPr>
+                <a:solidFill>
+                  <a:schemeClr val="tx1"/>
+                </a:solidFill>
+                <a:latin typeface="Arial" charset="0"/>
+                <a:cs typeface="Arial" charset="0"/>
+              </a:defRPr>
+            </a:lvl4pPr>
+            <a:lvl5pPr marL="2057400" indent="-228600" eaLnBrk="0" hangingPunct="0">
+              <a:defRPr>
+                <a:solidFill>
+                  <a:schemeClr val="tx1"/>
+                </a:solidFill>
+                <a:latin typeface="Arial" charset="0"/>
+                <a:cs typeface="Arial" charset="0"/>
+              </a:defRPr>
+            </a:lvl5pPr>
+            <a:lvl6pPr marL="2514600" indent="-228600" eaLnBrk="0" fontAlgn="base" hangingPunct="0">
+              <a:spcBef>
+                <a:spcPct val="0"/>
+              </a:spcBef>
+              <a:spcAft>
+                <a:spcPct val="0"/>
+              </a:spcAft>
+              <a:defRPr>
+                <a:solidFill>
+                  <a:schemeClr val="tx1"/>
+                </a:solidFill>
+                <a:latin typeface="Arial" charset="0"/>
+                <a:cs typeface="Arial" charset="0"/>
+              </a:defRPr>
+            </a:lvl6pPr>
+            <a:lvl7pPr marL="2971800" indent="-228600" eaLnBrk="0" fontAlgn="base" hangingPunct="0">
+              <a:spcBef>
+                <a:spcPct val="0"/>
+              </a:spcBef>
+              <a:spcAft>
+                <a:spcPct val="0"/>
+              </a:spcAft>
+              <a:defRPr>
+                <a:solidFill>
+                  <a:schemeClr val="tx1"/>
+                </a:solidFill>
+                <a:latin typeface="Arial" charset="0"/>
+                <a:cs typeface="Arial" charset="0"/>
+              </a:defRPr>
+            </a:lvl7pPr>
+            <a:lvl8pPr marL="3429000" indent="-228600" eaLnBrk="0" fontAlgn="base" hangingPunct="0">
+              <a:spcBef>
+                <a:spcPct val="0"/>
+              </a:spcBef>
+              <a:spcAft>
+                <a:spcPct val="0"/>
+              </a:spcAft>
+              <a:defRPr>
+                <a:solidFill>
+                  <a:schemeClr val="tx1"/>
+                </a:solidFill>
+                <a:latin typeface="Arial" charset="0"/>
+                <a:cs typeface="Arial" charset="0"/>
+              </a:defRPr>
+            </a:lvl8pPr>
+            <a:lvl9pPr marL="3886200" indent="-228600" eaLnBrk="0" fontAlgn="base" hangingPunct="0">
+              <a:spcBef>
+                <a:spcPct val="0"/>
+              </a:spcBef>
+              <a:spcAft>
+                <a:spcPct val="0"/>
+              </a:spcAft>
+              <a:defRPr>
+                <a:solidFill>
+                  <a:schemeClr val="tx1"/>
+                </a:solidFill>
+                <a:latin typeface="Arial" charset="0"/>
+                <a:cs typeface="Arial" charset="0"/>
+              </a:defRPr>
+            </a:lvl9pPr>
+          </a:lstStyle>
+          <a:p>
+            <a:pPr eaLnBrk="1" hangingPunct="1"/>
+            <a:r>
+              <a:rPr lang="en-US" sz="2400" b="1" dirty="0">
+                <a:solidFill>
+                  <a:schemeClr val="bg1"/>
+                </a:solidFill>
+                <a:latin typeface="Courier New" panose="02070309020205020404" pitchFamily="49" charset="0"/>
+                <a:cs typeface="Courier New" pitchFamily="49" charset="0"/>
+              </a:rPr>
+              <a:t>$ </a:t>
+            </a:r>
+            <a:r>
+              <a:rPr lang="en-US" sz="2400" b="1" dirty="0" err="1">
+                <a:solidFill>
+                  <a:schemeClr val="bg1"/>
+                </a:solidFill>
+                <a:latin typeface="Courier New" panose="02070309020205020404" pitchFamily="49" charset="0"/>
+                <a:cs typeface="Courier New" pitchFamily="49" charset="0"/>
+              </a:rPr>
+              <a:t>array_ids</a:t>
+            </a:r>
+            <a:r>
+              <a:rPr lang="en-US" sz="2400" b="1" dirty="0">
+                <a:solidFill>
+                  <a:schemeClr val="bg1"/>
+                </a:solidFill>
+                <a:latin typeface="Courier New" panose="02070309020205020404" pitchFamily="49" charset="0"/>
+                <a:cs typeface="Courier New" pitchFamily="49" charset="0"/>
+              </a:rPr>
+              <a:t>=$(</a:t>
+            </a:r>
+            <a:r>
+              <a:rPr lang="en-US" sz="2400" b="1" dirty="0" err="1">
+                <a:solidFill>
+                  <a:schemeClr val="bg1"/>
+                </a:solidFill>
+                <a:latin typeface="Courier New" panose="02070309020205020404" pitchFamily="49" charset="0"/>
+                <a:cs typeface="Courier New" pitchFamily="49" charset="0"/>
+              </a:rPr>
+              <a:t>arange</a:t>
+            </a:r>
+            <a:r>
+              <a:rPr lang="en-US" sz="2400" b="1" dirty="0">
+                <a:solidFill>
+                  <a:schemeClr val="bg1"/>
+                </a:solidFill>
+                <a:latin typeface="Courier New" panose="02070309020205020404" pitchFamily="49" charset="0"/>
+                <a:cs typeface="Courier New" pitchFamily="49" charset="0"/>
+              </a:rPr>
+              <a:t> --data data.csv </a:t>
+            </a:r>
+            <a:r>
+              <a:rPr lang="en-US" sz="2400" b="1" dirty="0" smtClean="0">
+                <a:solidFill>
+                  <a:schemeClr val="bg1"/>
+                </a:solidFill>
+                <a:latin typeface="Courier New" panose="02070309020205020404" pitchFamily="49" charset="0"/>
+                <a:cs typeface="Courier New" pitchFamily="49" charset="0"/>
+              </a:rPr>
+              <a:t>         </a:t>
+            </a:r>
+            <a:r>
+              <a:rPr lang="en-US" sz="2400" b="1" dirty="0">
+                <a:solidFill>
+                  <a:schemeClr val="bg1"/>
+                </a:solidFill>
+                <a:latin typeface="Courier New" panose="02070309020205020404" pitchFamily="49" charset="0"/>
+                <a:cs typeface="Courier New" pitchFamily="49" charset="0"/>
+              </a:rPr>
+              <a:t>\  </a:t>
+            </a:r>
+          </a:p>
+          <a:p>
+            <a:pPr eaLnBrk="1" hangingPunct="1"/>
+            <a:r>
+              <a:rPr lang="en-US" sz="2400" b="1" dirty="0">
+                <a:solidFill>
+                  <a:schemeClr val="bg1"/>
+                </a:solidFill>
+                <a:latin typeface="Courier New" panose="02070309020205020404" pitchFamily="49" charset="0"/>
+                <a:cs typeface="Courier New" pitchFamily="49" charset="0"/>
+              </a:rPr>
+              <a:t>                     </a:t>
+            </a:r>
+            <a:r>
+              <a:rPr lang="en-US" sz="2400" dirty="0">
+                <a:solidFill>
+                  <a:schemeClr val="bg1"/>
+                </a:solidFill>
+                <a:latin typeface="Courier New" panose="02070309020205020404" pitchFamily="49" charset="0"/>
+                <a:cs typeface="Courier New" panose="02070309020205020404" pitchFamily="49" charset="0"/>
+              </a:rPr>
+              <a:t>--log </a:t>
+            </a:r>
+            <a:r>
+              <a:rPr lang="en-US" sz="2400" b="1" dirty="0" smtClean="0">
+                <a:solidFill>
+                  <a:schemeClr val="bg1"/>
+                </a:solidFill>
+                <a:latin typeface="Courier New" pitchFamily="49" charset="0"/>
+                <a:cs typeface="Courier New" pitchFamily="49" charset="0"/>
+              </a:rPr>
+              <a:t>job.pbs.log145485  \</a:t>
+            </a:r>
+          </a:p>
+          <a:p>
+            <a:pPr eaLnBrk="1" hangingPunct="1"/>
+            <a:r>
+              <a:rPr lang="en-US" sz="2400" b="1" dirty="0" smtClean="0">
+                <a:solidFill>
+                  <a:schemeClr val="bg1"/>
+                </a:solidFill>
+                <a:latin typeface="Courier New" pitchFamily="49" charset="0"/>
+                <a:cs typeface="Courier New" pitchFamily="49" charset="0"/>
+              </a:rPr>
+              <a:t>                     --retry)</a:t>
+            </a:r>
+            <a:endParaRPr lang="en-US" sz="2400" b="1" dirty="0">
+              <a:solidFill>
+                <a:schemeClr val="bg1"/>
+              </a:solidFill>
+              <a:latin typeface="Courier New" pitchFamily="49" charset="0"/>
+              <a:cs typeface="Courier New" pitchFamily="49" charset="0"/>
+            </a:endParaRPr>
           </a:p>
         </p:txBody>
       </p:sp>
@@ -6975,561 +7584,389 @@
           <a:p>
             <a:fld id="{0AA598EC-1C61-495B-A9F8-4410E339CCF5}" type="slidenum">
               <a:rPr lang="en-US" smtClean="0"/>
-              <a:t>10</a:t>
+              <a:t>11</a:t>
             </a:fld>
             <a:endParaRPr lang="en-US"/>
           </a:p>
         </p:txBody>
       </p:sp>
-      <p:grpSp>
-        <p:nvGrpSpPr>
-          <p:cNvPr id="3" name="Group 2"/>
-          <p:cNvGrpSpPr/>
+      <p:sp>
+        <p:nvSpPr>
+          <p:cNvPr id="7" name="TextBox 7"/>
+          <p:cNvSpPr txBox="1">
+            <a:spLocks noChangeArrowheads="1"/>
+          </p:cNvSpPr>
           <p:nvPr/>
-        </p:nvGrpSpPr>
-        <p:grpSpPr>
+        </p:nvSpPr>
+        <p:spPr bwMode="auto">
           <a:xfrm>
-            <a:off x="1016000" y="3284538"/>
-            <a:ext cx="6940550" cy="3140075"/>
-            <a:chOff x="1016000" y="3284538"/>
-            <a:chExt cx="6940550" cy="3140075"/>
+            <a:off x="107505" y="2276689"/>
+            <a:ext cx="8856983" cy="1569660"/>
           </a:xfrm>
-        </p:grpSpPr>
-        <p:sp>
-          <p:nvSpPr>
-            <p:cNvPr id="16388" name="TextBox 3"/>
-            <p:cNvSpPr txBox="1">
-              <a:spLocks noChangeArrowheads="1"/>
-            </p:cNvSpPr>
-            <p:nvPr/>
-          </p:nvSpPr>
-          <p:spPr bwMode="auto">
-            <a:xfrm>
-              <a:off x="1016000" y="3284538"/>
-              <a:ext cx="6940550" cy="3140075"/>
-            </a:xfrm>
-            <a:prstGeom prst="rect">
-              <a:avLst/>
-            </a:prstGeom>
-            <a:solidFill>
-              <a:schemeClr val="bg1">
-                <a:lumMod val="95000"/>
-              </a:schemeClr>
-            </a:solidFill>
-            <a:ln w="9525">
-              <a:solidFill>
-                <a:schemeClr val="tx1"/>
-              </a:solidFill>
-              <a:miter lim="800000"/>
-              <a:headEnd/>
-              <a:tailEnd/>
-            </a:ln>
-            <a:extLst/>
-          </p:spPr>
-          <p:txBody>
-            <a:bodyPr wrap="none">
-              <a:spAutoFit/>
-            </a:bodyPr>
-            <a:lstStyle>
-              <a:lvl1pPr eaLnBrk="0" hangingPunct="0">
-                <a:defRPr>
-                  <a:solidFill>
-                    <a:schemeClr val="tx1"/>
-                  </a:solidFill>
-                  <a:latin typeface="Arial" charset="0"/>
-                  <a:cs typeface="Arial" charset="0"/>
-                </a:defRPr>
-              </a:lvl1pPr>
-              <a:lvl2pPr marL="742950" indent="-285750" eaLnBrk="0" hangingPunct="0">
-                <a:defRPr>
-                  <a:solidFill>
-                    <a:schemeClr val="tx1"/>
-                  </a:solidFill>
-                  <a:latin typeface="Arial" charset="0"/>
-                  <a:cs typeface="Arial" charset="0"/>
-                </a:defRPr>
-              </a:lvl2pPr>
-              <a:lvl3pPr marL="1143000" indent="-228600" eaLnBrk="0" hangingPunct="0">
-                <a:defRPr>
-                  <a:solidFill>
-                    <a:schemeClr val="tx1"/>
-                  </a:solidFill>
-                  <a:latin typeface="Arial" charset="0"/>
-                  <a:cs typeface="Arial" charset="0"/>
-                </a:defRPr>
-              </a:lvl3pPr>
-              <a:lvl4pPr marL="1600200" indent="-228600" eaLnBrk="0" hangingPunct="0">
-                <a:defRPr>
-                  <a:solidFill>
-                    <a:schemeClr val="tx1"/>
-                  </a:solidFill>
-                  <a:latin typeface="Arial" charset="0"/>
-                  <a:cs typeface="Arial" charset="0"/>
-                </a:defRPr>
-              </a:lvl4pPr>
-              <a:lvl5pPr marL="2057400" indent="-228600" eaLnBrk="0" hangingPunct="0">
-                <a:defRPr>
-                  <a:solidFill>
-                    <a:schemeClr val="tx1"/>
-                  </a:solidFill>
-                  <a:latin typeface="Arial" charset="0"/>
-                  <a:cs typeface="Arial" charset="0"/>
-                </a:defRPr>
-              </a:lvl5pPr>
-              <a:lvl6pPr marL="2514600" indent="-228600" eaLnBrk="0" fontAlgn="base" hangingPunct="0">
-                <a:spcBef>
-                  <a:spcPct val="0"/>
-                </a:spcBef>
-                <a:spcAft>
-                  <a:spcPct val="0"/>
-                </a:spcAft>
-                <a:defRPr>
-                  <a:solidFill>
-                    <a:schemeClr val="tx1"/>
-                  </a:solidFill>
-                  <a:latin typeface="Arial" charset="0"/>
-                  <a:cs typeface="Arial" charset="0"/>
-                </a:defRPr>
-              </a:lvl6pPr>
-              <a:lvl7pPr marL="2971800" indent="-228600" eaLnBrk="0" fontAlgn="base" hangingPunct="0">
-                <a:spcBef>
-                  <a:spcPct val="0"/>
-                </a:spcBef>
-                <a:spcAft>
-                  <a:spcPct val="0"/>
-                </a:spcAft>
-                <a:defRPr>
-                  <a:solidFill>
-                    <a:schemeClr val="tx1"/>
-                  </a:solidFill>
-                  <a:latin typeface="Arial" charset="0"/>
-                  <a:cs typeface="Arial" charset="0"/>
-                </a:defRPr>
-              </a:lvl7pPr>
-              <a:lvl8pPr marL="3429000" indent="-228600" eaLnBrk="0" fontAlgn="base" hangingPunct="0">
-                <a:spcBef>
-                  <a:spcPct val="0"/>
-                </a:spcBef>
-                <a:spcAft>
-                  <a:spcPct val="0"/>
-                </a:spcAft>
-                <a:defRPr>
-                  <a:solidFill>
-                    <a:schemeClr val="tx1"/>
-                  </a:solidFill>
-                  <a:latin typeface="Arial" charset="0"/>
-                  <a:cs typeface="Arial" charset="0"/>
-                </a:defRPr>
-              </a:lvl8pPr>
-              <a:lvl9pPr marL="3886200" indent="-228600" eaLnBrk="0" fontAlgn="base" hangingPunct="0">
-                <a:spcBef>
-                  <a:spcPct val="0"/>
-                </a:spcBef>
-                <a:spcAft>
-                  <a:spcPct val="0"/>
-                </a:spcAft>
-                <a:defRPr>
-                  <a:solidFill>
-                    <a:schemeClr val="tx1"/>
-                  </a:solidFill>
-                  <a:latin typeface="Arial" charset="0"/>
-                  <a:cs typeface="Arial" charset="0"/>
-                </a:defRPr>
-              </a:lvl9pPr>
-            </a:lstStyle>
-            <a:p>
-              <a:pPr eaLnBrk="1" hangingPunct="1"/>
-              <a:r>
-                <a:rPr lang="nl-BE" dirty="0">
-                  <a:latin typeface="Courier New" pitchFamily="49" charset="0"/>
-                  <a:cs typeface="Courier New" pitchFamily="49" charset="0"/>
-                </a:rPr>
-                <a:t>#!/bin/</a:t>
-              </a:r>
-              <a:r>
-                <a:rPr lang="nl-BE" dirty="0" err="1">
-                  <a:latin typeface="Courier New" pitchFamily="49" charset="0"/>
-                  <a:cs typeface="Courier New" pitchFamily="49" charset="0"/>
-                </a:rPr>
-                <a:t>bash</a:t>
-              </a:r>
-              <a:r>
-                <a:rPr lang="nl-BE" dirty="0">
-                  <a:latin typeface="Courier New" pitchFamily="49" charset="0"/>
-                  <a:cs typeface="Courier New" pitchFamily="49" charset="0"/>
-                </a:rPr>
-                <a:t> -l</a:t>
-              </a:r>
-              <a:br>
-                <a:rPr lang="nl-BE" dirty="0">
-                  <a:latin typeface="Courier New" pitchFamily="49" charset="0"/>
-                  <a:cs typeface="Courier New" pitchFamily="49" charset="0"/>
-                </a:rPr>
-              </a:br>
-              <a:r>
-                <a:rPr lang="nl-BE" dirty="0">
-                  <a:latin typeface="Courier New" pitchFamily="49" charset="0"/>
-                  <a:cs typeface="Courier New" pitchFamily="49" charset="0"/>
-                </a:rPr>
-                <a:t>#PBS -l </a:t>
-              </a:r>
-              <a:r>
-                <a:rPr lang="nl-BE" dirty="0" err="1" smtClean="0">
-                  <a:latin typeface="Courier New" pitchFamily="49" charset="0"/>
-                  <a:cs typeface="Courier New" pitchFamily="49" charset="0"/>
-                </a:rPr>
-                <a:t>nodes</a:t>
-              </a:r>
-              <a:r>
-                <a:rPr lang="nl-BE" dirty="0" smtClean="0">
-                  <a:latin typeface="Courier New" pitchFamily="49" charset="0"/>
-                  <a:cs typeface="Courier New" pitchFamily="49" charset="0"/>
-                </a:rPr>
-                <a:t>=5:ppn=20</a:t>
-              </a:r>
-              <a:r>
-                <a:rPr lang="nl-BE" dirty="0">
-                  <a:latin typeface="Courier New" pitchFamily="49" charset="0"/>
-                  <a:cs typeface="Courier New" pitchFamily="49" charset="0"/>
-                </a:rPr>
-                <a:t/>
-              </a:r>
-              <a:br>
-                <a:rPr lang="nl-BE" dirty="0">
-                  <a:latin typeface="Courier New" pitchFamily="49" charset="0"/>
-                  <a:cs typeface="Courier New" pitchFamily="49" charset="0"/>
-                </a:rPr>
-              </a:br>
-              <a:r>
-                <a:rPr lang="nl-BE" dirty="0">
-                  <a:latin typeface="Courier New" pitchFamily="49" charset="0"/>
-                  <a:cs typeface="Courier New" pitchFamily="49" charset="0"/>
-                </a:rPr>
-                <a:t>#PBS -l walltime=04:00:00</a:t>
-              </a:r>
-            </a:p>
-            <a:p>
-              <a:pPr eaLnBrk="1" hangingPunct="1"/>
-              <a:r>
-                <a:rPr lang="nl-BE" dirty="0">
-                  <a:latin typeface="Courier New" pitchFamily="49" charset="0"/>
-                  <a:cs typeface="Courier New" pitchFamily="49" charset="0"/>
-                </a:rPr>
-                <a:t/>
-              </a:r>
-              <a:br>
-                <a:rPr lang="nl-BE" dirty="0">
-                  <a:latin typeface="Courier New" pitchFamily="49" charset="0"/>
-                  <a:cs typeface="Courier New" pitchFamily="49" charset="0"/>
-                </a:rPr>
-              </a:br>
-              <a:r>
-                <a:rPr lang="nl-BE" dirty="0">
-                  <a:latin typeface="Courier New" pitchFamily="49" charset="0"/>
-                  <a:cs typeface="Courier New" pitchFamily="49" charset="0"/>
-                </a:rPr>
-                <a:t>module load </a:t>
-              </a:r>
-              <a:r>
-                <a:rPr lang="nl-BE" dirty="0" err="1">
-                  <a:latin typeface="Courier New" pitchFamily="49" charset="0"/>
-                  <a:cs typeface="Courier New" pitchFamily="49" charset="0"/>
-                </a:rPr>
-                <a:t>timedrun</a:t>
-              </a:r>
-              <a:r>
-                <a:rPr lang="nl-BE" dirty="0">
-                  <a:latin typeface="Courier New" pitchFamily="49" charset="0"/>
-                  <a:cs typeface="Courier New" pitchFamily="49" charset="0"/>
-                </a:rPr>
-                <a:t/>
-              </a:r>
-              <a:br>
-                <a:rPr lang="nl-BE" dirty="0">
-                  <a:latin typeface="Courier New" pitchFamily="49" charset="0"/>
-                  <a:cs typeface="Courier New" pitchFamily="49" charset="0"/>
-                </a:rPr>
-              </a:br>
-              <a:endParaRPr lang="nl-BE" dirty="0">
+          <a:prstGeom prst="rect">
+            <a:avLst/>
+          </a:prstGeom>
+          <a:solidFill>
+            <a:schemeClr val="tx1"/>
+          </a:solidFill>
+          <a:ln>
+            <a:noFill/>
+          </a:ln>
+          <a:extLst/>
+        </p:spPr>
+        <p:txBody>
+          <a:bodyPr wrap="square">
+            <a:spAutoFit/>
+          </a:bodyPr>
+          <a:lstStyle>
+            <a:lvl1pPr eaLnBrk="0" hangingPunct="0">
+              <a:defRPr>
+                <a:solidFill>
+                  <a:schemeClr val="tx1"/>
+                </a:solidFill>
+                <a:latin typeface="Arial" charset="0"/>
+                <a:cs typeface="Arial" charset="0"/>
+              </a:defRPr>
+            </a:lvl1pPr>
+            <a:lvl2pPr marL="742950" indent="-285750" eaLnBrk="0" hangingPunct="0">
+              <a:defRPr>
+                <a:solidFill>
+                  <a:schemeClr val="tx1"/>
+                </a:solidFill>
+                <a:latin typeface="Arial" charset="0"/>
+                <a:cs typeface="Arial" charset="0"/>
+              </a:defRPr>
+            </a:lvl2pPr>
+            <a:lvl3pPr marL="1143000" indent="-228600" eaLnBrk="0" hangingPunct="0">
+              <a:defRPr>
+                <a:solidFill>
+                  <a:schemeClr val="tx1"/>
+                </a:solidFill>
+                <a:latin typeface="Arial" charset="0"/>
+                <a:cs typeface="Arial" charset="0"/>
+              </a:defRPr>
+            </a:lvl3pPr>
+            <a:lvl4pPr marL="1600200" indent="-228600" eaLnBrk="0" hangingPunct="0">
+              <a:defRPr>
+                <a:solidFill>
+                  <a:schemeClr val="tx1"/>
+                </a:solidFill>
+                <a:latin typeface="Arial" charset="0"/>
+                <a:cs typeface="Arial" charset="0"/>
+              </a:defRPr>
+            </a:lvl4pPr>
+            <a:lvl5pPr marL="2057400" indent="-228600" eaLnBrk="0" hangingPunct="0">
+              <a:defRPr>
+                <a:solidFill>
+                  <a:schemeClr val="tx1"/>
+                </a:solidFill>
+                <a:latin typeface="Arial" charset="0"/>
+                <a:cs typeface="Arial" charset="0"/>
+              </a:defRPr>
+            </a:lvl5pPr>
+            <a:lvl6pPr marL="2514600" indent="-228600" eaLnBrk="0" fontAlgn="base" hangingPunct="0">
+              <a:spcBef>
+                <a:spcPct val="0"/>
+              </a:spcBef>
+              <a:spcAft>
+                <a:spcPct val="0"/>
+              </a:spcAft>
+              <a:defRPr>
+                <a:solidFill>
+                  <a:schemeClr val="tx1"/>
+                </a:solidFill>
+                <a:latin typeface="Arial" charset="0"/>
+                <a:cs typeface="Arial" charset="0"/>
+              </a:defRPr>
+            </a:lvl6pPr>
+            <a:lvl7pPr marL="2971800" indent="-228600" eaLnBrk="0" fontAlgn="base" hangingPunct="0">
+              <a:spcBef>
+                <a:spcPct val="0"/>
+              </a:spcBef>
+              <a:spcAft>
+                <a:spcPct val="0"/>
+              </a:spcAft>
+              <a:defRPr>
+                <a:solidFill>
+                  <a:schemeClr val="tx1"/>
+                </a:solidFill>
+                <a:latin typeface="Arial" charset="0"/>
+                <a:cs typeface="Arial" charset="0"/>
+              </a:defRPr>
+            </a:lvl7pPr>
+            <a:lvl8pPr marL="3429000" indent="-228600" eaLnBrk="0" fontAlgn="base" hangingPunct="0">
+              <a:spcBef>
+                <a:spcPct val="0"/>
+              </a:spcBef>
+              <a:spcAft>
+                <a:spcPct val="0"/>
+              </a:spcAft>
+              <a:defRPr>
+                <a:solidFill>
+                  <a:schemeClr val="tx1"/>
+                </a:solidFill>
+                <a:latin typeface="Arial" charset="0"/>
+                <a:cs typeface="Arial" charset="0"/>
+              </a:defRPr>
+            </a:lvl8pPr>
+            <a:lvl9pPr marL="3886200" indent="-228600" eaLnBrk="0" fontAlgn="base" hangingPunct="0">
+              <a:spcBef>
+                <a:spcPct val="0"/>
+              </a:spcBef>
+              <a:spcAft>
+                <a:spcPct val="0"/>
+              </a:spcAft>
+              <a:defRPr>
+                <a:solidFill>
+                  <a:schemeClr val="tx1"/>
+                </a:solidFill>
+                <a:latin typeface="Arial" charset="0"/>
+                <a:cs typeface="Arial" charset="0"/>
+              </a:defRPr>
+            </a:lvl9pPr>
+          </a:lstStyle>
+          <a:p>
+            <a:pPr eaLnBrk="1" hangingPunct="1"/>
+            <a:r>
+              <a:rPr lang="en-US" sz="2400" b="1" dirty="0">
+                <a:solidFill>
+                  <a:schemeClr val="bg1"/>
+                </a:solidFill>
+                <a:latin typeface="Courier New" panose="02070309020205020404" pitchFamily="49" charset="0"/>
+                <a:cs typeface="Courier New" pitchFamily="49" charset="0"/>
+              </a:rPr>
+              <a:t>$ </a:t>
+            </a:r>
+            <a:r>
+              <a:rPr lang="en-US" sz="2400" b="1" dirty="0" err="1">
+                <a:solidFill>
+                  <a:schemeClr val="bg1"/>
+                </a:solidFill>
                 <a:latin typeface="Courier New" pitchFamily="49" charset="0"/>
                 <a:cs typeface="Courier New" pitchFamily="49" charset="0"/>
-              </a:endParaRPr>
-            </a:p>
-            <a:p>
-              <a:pPr eaLnBrk="1" hangingPunct="1"/>
-              <a:r>
-                <a:rPr lang="nl-BE" dirty="0">
-                  <a:latin typeface="Courier New" pitchFamily="49" charset="0"/>
-                  <a:cs typeface="Courier New" pitchFamily="49" charset="0"/>
-                </a:rPr>
-                <a:t>cd $PBS_O_WORKDIR</a:t>
-              </a:r>
-              <a:br>
-                <a:rPr lang="nl-BE" dirty="0">
-                  <a:latin typeface="Courier New" pitchFamily="49" charset="0"/>
-                  <a:cs typeface="Courier New" pitchFamily="49" charset="0"/>
-                </a:rPr>
-              </a:br>
-              <a:endParaRPr lang="nl-BE" dirty="0">
+              </a:rPr>
+              <a:t>array_ids</a:t>
+            </a:r>
+            <a:r>
+              <a:rPr lang="en-US" sz="2400" b="1" dirty="0">
+                <a:solidFill>
+                  <a:schemeClr val="bg1"/>
+                </a:solidFill>
                 <a:latin typeface="Courier New" pitchFamily="49" charset="0"/>
                 <a:cs typeface="Courier New" pitchFamily="49" charset="0"/>
-              </a:endParaRPr>
-            </a:p>
-            <a:p>
-              <a:pPr eaLnBrk="1" hangingPunct="1"/>
-              <a:r>
-                <a:rPr lang="nl-BE" b="1" dirty="0" err="1">
-                  <a:solidFill>
-                    <a:srgbClr val="C00000"/>
-                  </a:solidFill>
-                  <a:latin typeface="Courier New" pitchFamily="49" charset="0"/>
-                  <a:cs typeface="Courier New" pitchFamily="49" charset="0"/>
-                </a:rPr>
-                <a:t>timedrun</a:t>
-              </a:r>
-              <a:r>
-                <a:rPr lang="nl-BE" b="1" dirty="0">
-                  <a:solidFill>
-                    <a:srgbClr val="C00000"/>
-                  </a:solidFill>
-                  <a:latin typeface="Courier New" pitchFamily="49" charset="0"/>
-                  <a:cs typeface="Courier New" pitchFamily="49" charset="0"/>
-                </a:rPr>
-                <a:t> -t 00:20:00</a:t>
-              </a:r>
-              <a:r>
-                <a:rPr lang="nl-BE" dirty="0">
-                  <a:latin typeface="Courier New" pitchFamily="49" charset="0"/>
-                  <a:cs typeface="Courier New" pitchFamily="49" charset="0"/>
-                </a:rPr>
-                <a:t>  </a:t>
-              </a:r>
-              <a:r>
-                <a:rPr lang="nl-BE" dirty="0" err="1">
-                  <a:latin typeface="Courier New" pitchFamily="49" charset="0"/>
-                  <a:cs typeface="Courier New" pitchFamily="49" charset="0"/>
-                </a:rPr>
-                <a:t>cfd</a:t>
-              </a:r>
-              <a:r>
-                <a:rPr lang="nl-BE" dirty="0">
-                  <a:latin typeface="Courier New" pitchFamily="49" charset="0"/>
-                  <a:cs typeface="Courier New" pitchFamily="49" charset="0"/>
-                </a:rPr>
-                <a:t>-test  -t $</a:t>
-              </a:r>
-              <a:r>
-                <a:rPr lang="nl-BE" dirty="0" err="1">
-                  <a:latin typeface="Courier New" pitchFamily="49" charset="0"/>
-                  <a:cs typeface="Courier New" pitchFamily="49" charset="0"/>
-                </a:rPr>
-                <a:t>temperature</a:t>
-              </a:r>
-              <a:r>
-                <a:rPr lang="nl-BE" dirty="0">
-                  <a:latin typeface="Courier New" pitchFamily="49" charset="0"/>
-                  <a:cs typeface="Courier New" pitchFamily="49" charset="0"/>
-                </a:rPr>
-                <a:t> \</a:t>
-              </a:r>
-            </a:p>
-            <a:p>
-              <a:pPr eaLnBrk="1" hangingPunct="1"/>
-              <a:r>
-                <a:rPr lang="nl-BE" dirty="0">
-                  <a:latin typeface="Courier New" pitchFamily="49" charset="0"/>
-                  <a:cs typeface="Courier New" pitchFamily="49" charset="0"/>
-                </a:rPr>
-                <a:t>                                -p $</a:t>
-              </a:r>
-              <a:r>
-                <a:rPr lang="nl-BE" dirty="0" err="1">
-                  <a:latin typeface="Courier New" pitchFamily="49" charset="0"/>
-                  <a:cs typeface="Courier New" pitchFamily="49" charset="0"/>
-                </a:rPr>
-                <a:t>pressure</a:t>
-              </a:r>
-              <a:r>
-                <a:rPr lang="nl-BE" dirty="0">
-                  <a:latin typeface="Courier New" pitchFamily="49" charset="0"/>
-                  <a:cs typeface="Courier New" pitchFamily="49" charset="0"/>
-                </a:rPr>
-                <a:t>    \</a:t>
-              </a:r>
-            </a:p>
-            <a:p>
-              <a:pPr eaLnBrk="1" hangingPunct="1"/>
-              <a:r>
-                <a:rPr lang="nl-BE" dirty="0">
-                  <a:latin typeface="Courier New" pitchFamily="49" charset="0"/>
-                  <a:cs typeface="Courier New" pitchFamily="49" charset="0"/>
-                </a:rPr>
-                <a:t>                                -v $volume</a:t>
-              </a:r>
-            </a:p>
-          </p:txBody>
-        </p:sp>
-        <p:sp>
-          <p:nvSpPr>
-            <p:cNvPr id="6" name="TextBox 5"/>
-            <p:cNvSpPr txBox="1">
-              <a:spLocks noChangeArrowheads="1"/>
-            </p:cNvSpPr>
-            <p:nvPr/>
-          </p:nvSpPr>
-          <p:spPr bwMode="auto">
-            <a:xfrm>
-              <a:off x="6191323" y="3284538"/>
-              <a:ext cx="1765227" cy="276999"/>
-            </a:xfrm>
-            <a:prstGeom prst="rect">
-              <a:avLst/>
-            </a:prstGeom>
-            <a:solidFill>
-              <a:srgbClr val="FFFFFF"/>
-            </a:solidFill>
-            <a:ln w="9525">
-              <a:solidFill>
-                <a:srgbClr val="000000"/>
-              </a:solidFill>
-              <a:miter lim="800000"/>
-              <a:headEnd/>
-              <a:tailEnd/>
-            </a:ln>
-            <a:extLst/>
-          </p:spPr>
-          <p:txBody>
-            <a:bodyPr wrap="none">
-              <a:spAutoFit/>
-            </a:bodyPr>
-            <a:lstStyle>
-              <a:lvl1pPr eaLnBrk="0" hangingPunct="0">
-                <a:defRPr>
-                  <a:solidFill>
-                    <a:schemeClr val="tx1"/>
-                  </a:solidFill>
-                  <a:latin typeface="Arial" charset="0"/>
-                  <a:cs typeface="Arial" charset="0"/>
-                </a:defRPr>
-              </a:lvl1pPr>
-              <a:lvl2pPr marL="742950" indent="-285750" eaLnBrk="0" hangingPunct="0">
-                <a:defRPr>
-                  <a:solidFill>
-                    <a:schemeClr val="tx1"/>
-                  </a:solidFill>
-                  <a:latin typeface="Arial" charset="0"/>
-                  <a:cs typeface="Arial" charset="0"/>
-                </a:defRPr>
-              </a:lvl2pPr>
-              <a:lvl3pPr marL="1143000" indent="-228600" eaLnBrk="0" hangingPunct="0">
-                <a:defRPr>
-                  <a:solidFill>
-                    <a:schemeClr val="tx1"/>
-                  </a:solidFill>
-                  <a:latin typeface="Arial" charset="0"/>
-                  <a:cs typeface="Arial" charset="0"/>
-                </a:defRPr>
-              </a:lvl3pPr>
-              <a:lvl4pPr marL="1600200" indent="-228600" eaLnBrk="0" hangingPunct="0">
-                <a:defRPr>
-                  <a:solidFill>
-                    <a:schemeClr val="tx1"/>
-                  </a:solidFill>
-                  <a:latin typeface="Arial" charset="0"/>
-                  <a:cs typeface="Arial" charset="0"/>
-                </a:defRPr>
-              </a:lvl4pPr>
-              <a:lvl5pPr marL="2057400" indent="-228600" eaLnBrk="0" hangingPunct="0">
-                <a:defRPr>
-                  <a:solidFill>
-                    <a:schemeClr val="tx1"/>
-                  </a:solidFill>
-                  <a:latin typeface="Arial" charset="0"/>
-                  <a:cs typeface="Arial" charset="0"/>
-                </a:defRPr>
-              </a:lvl5pPr>
-              <a:lvl6pPr marL="2514600" indent="-228600" eaLnBrk="0" fontAlgn="base" hangingPunct="0">
-                <a:spcBef>
-                  <a:spcPct val="0"/>
-                </a:spcBef>
-                <a:spcAft>
-                  <a:spcPct val="0"/>
-                </a:spcAft>
-                <a:defRPr>
-                  <a:solidFill>
-                    <a:schemeClr val="tx1"/>
-                  </a:solidFill>
-                  <a:latin typeface="Arial" charset="0"/>
-                  <a:cs typeface="Arial" charset="0"/>
-                </a:defRPr>
-              </a:lvl6pPr>
-              <a:lvl7pPr marL="2971800" indent="-228600" eaLnBrk="0" fontAlgn="base" hangingPunct="0">
-                <a:spcBef>
-                  <a:spcPct val="0"/>
-                </a:spcBef>
-                <a:spcAft>
-                  <a:spcPct val="0"/>
-                </a:spcAft>
-                <a:defRPr>
-                  <a:solidFill>
-                    <a:schemeClr val="tx1"/>
-                  </a:solidFill>
-                  <a:latin typeface="Arial" charset="0"/>
-                  <a:cs typeface="Arial" charset="0"/>
-                </a:defRPr>
-              </a:lvl7pPr>
-              <a:lvl8pPr marL="3429000" indent="-228600" eaLnBrk="0" fontAlgn="base" hangingPunct="0">
-                <a:spcBef>
-                  <a:spcPct val="0"/>
-                </a:spcBef>
-                <a:spcAft>
-                  <a:spcPct val="0"/>
-                </a:spcAft>
-                <a:defRPr>
-                  <a:solidFill>
-                    <a:schemeClr val="tx1"/>
-                  </a:solidFill>
-                  <a:latin typeface="Arial" charset="0"/>
-                  <a:cs typeface="Arial" charset="0"/>
-                </a:defRPr>
-              </a:lvl8pPr>
-              <a:lvl9pPr marL="3886200" indent="-228600" eaLnBrk="0" fontAlgn="base" hangingPunct="0">
-                <a:spcBef>
-                  <a:spcPct val="0"/>
-                </a:spcBef>
-                <a:spcAft>
-                  <a:spcPct val="0"/>
-                </a:spcAft>
-                <a:defRPr>
-                  <a:solidFill>
-                    <a:schemeClr val="tx1"/>
-                  </a:solidFill>
-                  <a:latin typeface="Arial" charset="0"/>
-                  <a:cs typeface="Arial" charset="0"/>
-                </a:defRPr>
-              </a:lvl9pPr>
-            </a:lstStyle>
-            <a:p>
-              <a:pPr eaLnBrk="1" hangingPunct="1"/>
-              <a:r>
-                <a:rPr lang="en-US" sz="1200" b="1" dirty="0" err="1" smtClean="0">
-                  <a:latin typeface="Courier New" panose="02070309020205020404" pitchFamily="49" charset="0"/>
-                  <a:cs typeface="Courier New" panose="02070309020205020404" pitchFamily="49" charset="0"/>
-                </a:rPr>
-                <a:t>time_limitied.pbs</a:t>
-              </a:r>
-              <a:endParaRPr lang="nl-BE" sz="1200" b="1" dirty="0">
+              </a:rPr>
+              <a:t>=$(</a:t>
+            </a:r>
+            <a:r>
+              <a:rPr lang="en-US" sz="2400" b="1" dirty="0" err="1">
+                <a:solidFill>
+                  <a:schemeClr val="bg1"/>
+                </a:solidFill>
+                <a:latin typeface="Courier New" pitchFamily="49" charset="0"/>
+                <a:cs typeface="Courier New" pitchFamily="49" charset="0"/>
+              </a:rPr>
+              <a:t>arange</a:t>
+            </a:r>
+            <a:r>
+              <a:rPr lang="en-US" sz="2400" b="1" dirty="0">
+                <a:solidFill>
+                  <a:schemeClr val="bg1"/>
+                </a:solidFill>
+                <a:latin typeface="Courier New" pitchFamily="49" charset="0"/>
+                <a:cs typeface="Courier New" pitchFamily="49" charset="0"/>
+              </a:rPr>
+              <a:t> --data </a:t>
+            </a:r>
+            <a:r>
+              <a:rPr lang="en-US" sz="2400" b="1" dirty="0" smtClean="0">
+                <a:solidFill>
+                  <a:schemeClr val="bg1"/>
+                </a:solidFill>
+                <a:latin typeface="Courier New" pitchFamily="49" charset="0"/>
+                <a:cs typeface="Courier New" pitchFamily="49" charset="0"/>
+              </a:rPr>
+              <a:t>data.csv  \  </a:t>
+            </a:r>
+          </a:p>
+          <a:p>
+            <a:pPr eaLnBrk="1" hangingPunct="1"/>
+            <a:r>
+              <a:rPr lang="en-US" sz="2400" b="1" dirty="0" smtClean="0">
+                <a:solidFill>
+                  <a:schemeClr val="bg1"/>
+                </a:solidFill>
+                <a:latin typeface="Courier New" pitchFamily="49" charset="0"/>
+                <a:cs typeface="Courier New" pitchFamily="49" charset="0"/>
+              </a:rPr>
+              <a:t>                     </a:t>
+            </a:r>
+            <a:r>
+              <a:rPr lang="en-US" sz="2400" dirty="0">
+                <a:solidFill>
+                  <a:schemeClr val="bg1"/>
+                </a:solidFill>
                 <a:latin typeface="Courier New" panose="02070309020205020404" pitchFamily="49" charset="0"/>
                 <a:cs typeface="Courier New" panose="02070309020205020404" pitchFamily="49" charset="0"/>
-              </a:endParaRPr>
-            </a:p>
-          </p:txBody>
-        </p:sp>
-      </p:grpSp>
+              </a:rPr>
+              <a:t>--log </a:t>
+            </a:r>
+            <a:r>
+              <a:rPr lang="en-US" sz="2400" b="1" dirty="0" smtClean="0">
+                <a:solidFill>
+                  <a:schemeClr val="bg1"/>
+                </a:solidFill>
+                <a:latin typeface="Courier New" pitchFamily="49" charset="0"/>
+                <a:cs typeface="Courier New" pitchFamily="49" charset="0"/>
+              </a:rPr>
+              <a:t>job.pbs.log145485)</a:t>
+            </a:r>
+            <a:endParaRPr lang="en-US" sz="2400" b="1" dirty="0">
+              <a:solidFill>
+                <a:schemeClr val="bg1"/>
+              </a:solidFill>
+              <a:latin typeface="Courier New" pitchFamily="49" charset="0"/>
+              <a:cs typeface="Courier New" pitchFamily="49" charset="0"/>
+            </a:endParaRPr>
+          </a:p>
+          <a:p>
+            <a:pPr eaLnBrk="1" hangingPunct="1"/>
+            <a:r>
+              <a:rPr lang="en-US" sz="2400" b="1" dirty="0" smtClean="0">
+                <a:solidFill>
+                  <a:schemeClr val="bg1"/>
+                </a:solidFill>
+                <a:latin typeface="Courier New" pitchFamily="49" charset="0"/>
+                <a:cs typeface="Courier New" pitchFamily="49" charset="0"/>
+              </a:rPr>
+              <a:t>$ </a:t>
+            </a:r>
+            <a:r>
+              <a:rPr lang="en-US" sz="2400" b="1" dirty="0" err="1" smtClean="0">
+                <a:solidFill>
+                  <a:schemeClr val="bg1"/>
+                </a:solidFill>
+                <a:latin typeface="Courier New" pitchFamily="49" charset="0"/>
+                <a:cs typeface="Courier New" pitchFamily="49" charset="0"/>
+              </a:rPr>
+              <a:t>qsub</a:t>
+            </a:r>
+            <a:r>
+              <a:rPr lang="en-US" sz="2400" b="1" dirty="0" smtClean="0">
+                <a:solidFill>
+                  <a:schemeClr val="bg1"/>
+                </a:solidFill>
+                <a:latin typeface="Courier New" pitchFamily="49" charset="0"/>
+                <a:cs typeface="Courier New" pitchFamily="49" charset="0"/>
+              </a:rPr>
+              <a:t> </a:t>
+            </a:r>
+            <a:r>
+              <a:rPr lang="en-US" sz="2400" b="1" dirty="0">
+                <a:solidFill>
+                  <a:schemeClr val="bg1"/>
+                </a:solidFill>
+                <a:latin typeface="Courier New" pitchFamily="49" charset="0"/>
+                <a:cs typeface="Courier New" pitchFamily="49" charset="0"/>
+              </a:rPr>
+              <a:t>-t ${</a:t>
+            </a:r>
+            <a:r>
+              <a:rPr lang="en-US" sz="2400" b="1" dirty="0" err="1">
+                <a:solidFill>
+                  <a:schemeClr val="bg1"/>
+                </a:solidFill>
+                <a:latin typeface="Courier New" pitchFamily="49" charset="0"/>
+                <a:cs typeface="Courier New" pitchFamily="49" charset="0"/>
+              </a:rPr>
+              <a:t>array_ids</a:t>
+            </a:r>
+            <a:r>
+              <a:rPr lang="en-US" sz="2400" b="1" dirty="0">
+                <a:solidFill>
+                  <a:schemeClr val="bg1"/>
+                </a:solidFill>
+                <a:latin typeface="Courier New" pitchFamily="49" charset="0"/>
+                <a:cs typeface="Courier New" pitchFamily="49" charset="0"/>
+              </a:rPr>
+              <a:t>} </a:t>
+            </a:r>
+            <a:r>
+              <a:rPr lang="en-US" sz="2400" b="1" dirty="0" smtClean="0">
+                <a:solidFill>
+                  <a:schemeClr val="bg1"/>
+                </a:solidFill>
+                <a:latin typeface="Courier New" pitchFamily="49" charset="0"/>
+                <a:cs typeface="Courier New" pitchFamily="49" charset="0"/>
+              </a:rPr>
+              <a:t> -l </a:t>
+            </a:r>
+            <a:r>
+              <a:rPr lang="en-US" sz="2400" b="1" dirty="0" err="1" smtClean="0">
+                <a:solidFill>
+                  <a:schemeClr val="bg1"/>
+                </a:solidFill>
+                <a:latin typeface="Courier New" pitchFamily="49" charset="0"/>
+                <a:cs typeface="Courier New" pitchFamily="49" charset="0"/>
+              </a:rPr>
+              <a:t>walltime</a:t>
+            </a:r>
+            <a:r>
+              <a:rPr lang="en-US" sz="2400" b="1" dirty="0" smtClean="0">
+                <a:solidFill>
+                  <a:schemeClr val="bg1"/>
+                </a:solidFill>
+                <a:latin typeface="Courier New" pitchFamily="49" charset="0"/>
+                <a:cs typeface="Courier New" pitchFamily="49" charset="0"/>
+              </a:rPr>
+              <a:t>=5:00:00 \</a:t>
+            </a:r>
+          </a:p>
+          <a:p>
+            <a:pPr eaLnBrk="1" hangingPunct="1"/>
+            <a:r>
+              <a:rPr lang="en-US" sz="2400" b="1" dirty="0">
+                <a:solidFill>
+                  <a:schemeClr val="bg1"/>
+                </a:solidFill>
+                <a:latin typeface="Courier New" pitchFamily="49" charset="0"/>
+                <a:cs typeface="Courier New" pitchFamily="49" charset="0"/>
+              </a:rPr>
+              <a:t> </a:t>
+            </a:r>
+            <a:r>
+              <a:rPr lang="en-US" sz="2400" b="1" dirty="0" smtClean="0">
+                <a:solidFill>
+                  <a:schemeClr val="bg1"/>
+                </a:solidFill>
+                <a:latin typeface="Courier New" pitchFamily="49" charset="0"/>
+                <a:cs typeface="Courier New" pitchFamily="49" charset="0"/>
+              </a:rPr>
+              <a:t>      </a:t>
+            </a:r>
+            <a:r>
+              <a:rPr lang="en-US" sz="2400" b="1" dirty="0" err="1" smtClean="0">
+                <a:solidFill>
+                  <a:schemeClr val="bg1"/>
+                </a:solidFill>
+                <a:latin typeface="Courier New" pitchFamily="49" charset="0"/>
+                <a:cs typeface="Courier New" pitchFamily="49" charset="0"/>
+              </a:rPr>
+              <a:t>job.pbs</a:t>
+            </a:r>
+            <a:endParaRPr lang="en-US" sz="2400" b="1" dirty="0">
+              <a:solidFill>
+                <a:schemeClr val="bg1"/>
+              </a:solidFill>
+              <a:latin typeface="Courier New" pitchFamily="49" charset="0"/>
+              <a:cs typeface="Courier New" pitchFamily="49" charset="0"/>
+            </a:endParaRPr>
+          </a:p>
+        </p:txBody>
+      </p:sp>
     </p:spTree>
     <p:extLst>
       <p:ext uri="{BB962C8B-B14F-4D97-AF65-F5344CB8AC3E}">
-        <p14:creationId xmlns:p14="http://schemas.microsoft.com/office/powerpoint/2010/main" val="3699092030"/>
+        <p14:creationId xmlns:p14="http://schemas.microsoft.com/office/powerpoint/2010/main" val="211947443"/>
       </p:ext>
     </p:extLst>
   </p:cSld>
@@ -7539,14 +7976,197 @@
   <p:timing>
     <p:tnLst>
       <p:par>
-        <p:cTn id="1" dur="indefinite" restart="never" nodeType="tmRoot"/>
+        <p:cTn id="1" dur="indefinite" restart="never" nodeType="tmRoot">
+          <p:childTnLst>
+            <p:seq concurrent="1" nextAc="seek">
+              <p:cTn id="2" dur="indefinite" nodeType="mainSeq">
+                <p:childTnLst>
+                  <p:par>
+                    <p:cTn id="3" fill="hold">
+                      <p:stCondLst>
+                        <p:cond delay="indefinite"/>
+                        <p:cond evt="onBegin" delay="0">
+                          <p:tn val="2"/>
+                        </p:cond>
+                      </p:stCondLst>
+                      <p:childTnLst>
+                        <p:par>
+                          <p:cTn id="4" fill="hold">
+                            <p:stCondLst>
+                              <p:cond delay="0"/>
+                            </p:stCondLst>
+                            <p:childTnLst>
+                              <p:par>
+                                <p:cTn id="5" presetID="1" presetClass="entr" presetSubtype="0" fill="hold" grpId="0" nodeType="withEffect">
+                                  <p:stCondLst>
+                                    <p:cond delay="0"/>
+                                  </p:stCondLst>
+                                  <p:childTnLst>
+                                    <p:set>
+                                      <p:cBhvr>
+                                        <p:cTn id="6" dur="1" fill="hold">
+                                          <p:stCondLst>
+                                            <p:cond delay="0"/>
+                                          </p:stCondLst>
+                                        </p:cTn>
+                                        <p:tgtEl>
+                                          <p:spTgt spid="15363">
+                                            <p:txEl>
+                                              <p:pRg st="0" end="0"/>
+                                            </p:txEl>
+                                          </p:spTgt>
+                                        </p:tgtEl>
+                                        <p:attrNameLst>
+                                          <p:attrName>style.visibility</p:attrName>
+                                        </p:attrNameLst>
+                                      </p:cBhvr>
+                                      <p:to>
+                                        <p:strVal val="visible"/>
+                                      </p:to>
+                                    </p:set>
+                                  </p:childTnLst>
+                                </p:cTn>
+                              </p:par>
+                              <p:par>
+                                <p:cTn id="7" presetID="1" presetClass="entr" presetSubtype="0" fill="hold" grpId="0" nodeType="withEffect">
+                                  <p:stCondLst>
+                                    <p:cond delay="0"/>
+                                  </p:stCondLst>
+                                  <p:childTnLst>
+                                    <p:set>
+                                      <p:cBhvr>
+                                        <p:cTn id="8" dur="1" fill="hold">
+                                          <p:stCondLst>
+                                            <p:cond delay="0"/>
+                                          </p:stCondLst>
+                                        </p:cTn>
+                                        <p:tgtEl>
+                                          <p:spTgt spid="7"/>
+                                        </p:tgtEl>
+                                        <p:attrNameLst>
+                                          <p:attrName>style.visibility</p:attrName>
+                                        </p:attrNameLst>
+                                      </p:cBhvr>
+                                      <p:to>
+                                        <p:strVal val="visible"/>
+                                      </p:to>
+                                    </p:set>
+                                  </p:childTnLst>
+                                </p:cTn>
+                              </p:par>
+                            </p:childTnLst>
+                          </p:cTn>
+                        </p:par>
+                      </p:childTnLst>
+                    </p:cTn>
+                  </p:par>
+                  <p:par>
+                    <p:cTn id="9" fill="hold">
+                      <p:stCondLst>
+                        <p:cond delay="indefinite"/>
+                      </p:stCondLst>
+                      <p:childTnLst>
+                        <p:par>
+                          <p:cTn id="10" fill="hold">
+                            <p:stCondLst>
+                              <p:cond delay="0"/>
+                            </p:stCondLst>
+                            <p:childTnLst>
+                              <p:par>
+                                <p:cTn id="11" presetID="1" presetClass="entr" presetSubtype="0" fill="hold" grpId="0" nodeType="clickEffect">
+                                  <p:stCondLst>
+                                    <p:cond delay="0"/>
+                                  </p:stCondLst>
+                                  <p:childTnLst>
+                                    <p:set>
+                                      <p:cBhvr>
+                                        <p:cTn id="12" dur="1" fill="hold">
+                                          <p:stCondLst>
+                                            <p:cond delay="0"/>
+                                          </p:stCondLst>
+                                        </p:cTn>
+                                        <p:tgtEl>
+                                          <p:spTgt spid="15363">
+                                            <p:txEl>
+                                              <p:pRg st="4" end="4"/>
+                                            </p:txEl>
+                                          </p:spTgt>
+                                        </p:tgtEl>
+                                        <p:attrNameLst>
+                                          <p:attrName>style.visibility</p:attrName>
+                                        </p:attrNameLst>
+                                      </p:cBhvr>
+                                      <p:to>
+                                        <p:strVal val="visible"/>
+                                      </p:to>
+                                    </p:set>
+                                  </p:childTnLst>
+                                </p:cTn>
+                              </p:par>
+                              <p:par>
+                                <p:cTn id="13" presetID="1" presetClass="entr" presetSubtype="0" fill="hold" grpId="0" nodeType="withEffect">
+                                  <p:stCondLst>
+                                    <p:cond delay="0"/>
+                                  </p:stCondLst>
+                                  <p:childTnLst>
+                                    <p:set>
+                                      <p:cBhvr>
+                                        <p:cTn id="14" dur="1" fill="hold">
+                                          <p:stCondLst>
+                                            <p:cond delay="0"/>
+                                          </p:stCondLst>
+                                        </p:cTn>
+                                        <p:tgtEl>
+                                          <p:spTgt spid="15365"/>
+                                        </p:tgtEl>
+                                        <p:attrNameLst>
+                                          <p:attrName>style.visibility</p:attrName>
+                                        </p:attrNameLst>
+                                      </p:cBhvr>
+                                      <p:to>
+                                        <p:strVal val="visible"/>
+                                      </p:to>
+                                    </p:set>
+                                  </p:childTnLst>
+                                </p:cTn>
+                              </p:par>
+                            </p:childTnLst>
+                          </p:cTn>
+                        </p:par>
+                      </p:childTnLst>
+                    </p:cTn>
+                  </p:par>
+                </p:childTnLst>
+              </p:cTn>
+              <p:prevCondLst>
+                <p:cond evt="onPrev" delay="0">
+                  <p:tgtEl>
+                    <p:sldTgt/>
+                  </p:tgtEl>
+                </p:cond>
+              </p:prevCondLst>
+              <p:nextCondLst>
+                <p:cond evt="onNext" delay="0">
+                  <p:tgtEl>
+                    <p:sldTgt/>
+                  </p:tgtEl>
+                </p:cond>
+              </p:nextCondLst>
+            </p:seq>
+          </p:childTnLst>
+        </p:cTn>
       </p:par>
     </p:tnLst>
+    <p:bldLst>
+      <p:bldP spid="15363" grpId="0" uiExpand="1" build="p"/>
+      <p:bldP spid="15365" grpId="0" animBg="1"/>
+      <p:bldP spid="7" grpId="0" animBg="1"/>
+    </p:bldLst>
   </p:timing>
 </p:sld>
 </file>
 
-<file path=ppt/slides/slide11.xml><?xml version="1.0" encoding="utf-8"?>
+<file path=ppt/slides/slide12.xml><?xml version="1.0" encoding="utf-8"?>
 <p:sld xmlns:a="http://schemas.openxmlformats.org/drawingml/2006/main" xmlns:r="http://schemas.openxmlformats.org/officeDocument/2006/relationships" xmlns:p="http://schemas.openxmlformats.org/presentationml/2006/main">
   <p:cSld>
     <p:spTree>
@@ -8585,7 +9205,7 @@
           <a:p>
             <a:fld id="{0AA598EC-1C61-495B-A9F8-4410E339CCF5}" type="slidenum">
               <a:rPr lang="en-US" smtClean="0"/>
-              <a:t>11</a:t>
+              <a:t>12</a:t>
             </a:fld>
             <a:endParaRPr lang="en-US"/>
           </a:p>
@@ -9188,7 +9808,7 @@
 </p:sld>
 </file>
 
-<file path=ppt/slides/slide12.xml><?xml version="1.0" encoding="utf-8"?>
+<file path=ppt/slides/slide13.xml><?xml version="1.0" encoding="utf-8"?>
 <p:sld xmlns:a="http://schemas.openxmlformats.org/drawingml/2006/main" xmlns:r="http://schemas.openxmlformats.org/officeDocument/2006/relationships" xmlns:p="http://schemas.openxmlformats.org/presentationml/2006/main">
   <p:cSld>
     <p:spTree>
@@ -9753,7 +10373,7 @@
           <a:p>
             <a:fld id="{0AA598EC-1C61-495B-A9F8-4410E339CCF5}" type="slidenum">
               <a:rPr lang="en-US" smtClean="0"/>
-              <a:t>12</a:t>
+              <a:t>13</a:t>
             </a:fld>
             <a:endParaRPr lang="en-US"/>
           </a:p>
@@ -10041,7 +10661,7 @@
 </p:sld>
 </file>
 
-<file path=ppt/slides/slide13.xml><?xml version="1.0" encoding="utf-8"?>
+<file path=ppt/slides/slide14.xml><?xml version="1.0" encoding="utf-8"?>
 <p:sld xmlns:a="http://schemas.openxmlformats.org/drawingml/2006/main" xmlns:r="http://schemas.openxmlformats.org/officeDocument/2006/relationships" xmlns:p="http://schemas.openxmlformats.org/presentationml/2006/main">
   <p:cSld>
     <p:spTree>
@@ -10384,7 +11004,7 @@
           <a:p>
             <a:fld id="{0AA598EC-1C61-495B-A9F8-4410E339CCF5}" type="slidenum">
               <a:rPr lang="en-US" smtClean="0"/>
-              <a:t>13</a:t>
+              <a:t>14</a:t>
             </a:fld>
             <a:endParaRPr lang="en-US"/>
           </a:p>
@@ -10671,7 +11291,7 @@
 </p:sld>
 </file>
 
-<file path=ppt/slides/slide14.xml><?xml version="1.0" encoding="utf-8"?>
+<file path=ppt/slides/slide15.xml><?xml version="1.0" encoding="utf-8"?>
 <p:sld xmlns:a="http://schemas.openxmlformats.org/drawingml/2006/main" xmlns:r="http://schemas.openxmlformats.org/officeDocument/2006/relationships" xmlns:p="http://schemas.openxmlformats.org/presentationml/2006/main">
   <p:cSld>
     <p:spTree>
@@ -10732,7 +11352,7 @@
           <a:p>
             <a:fld id="{0AA598EC-1C61-495B-A9F8-4410E339CCF5}" type="slidenum">
               <a:rPr lang="en-US" smtClean="0"/>
-              <a:t>14</a:t>
+              <a:t>15</a:t>
             </a:fld>
             <a:endParaRPr lang="en-US"/>
           </a:p>
@@ -12406,7 +13026,7 @@
 </p:sld>
 </file>
 
-<file path=ppt/slides/slide15.xml><?xml version="1.0" encoding="utf-8"?>
+<file path=ppt/slides/slide16.xml><?xml version="1.0" encoding="utf-8"?>
 <p:sld xmlns:a="http://schemas.openxmlformats.org/drawingml/2006/main" xmlns:r="http://schemas.openxmlformats.org/officeDocument/2006/relationships" xmlns:p="http://schemas.openxmlformats.org/presentationml/2006/main">
   <p:cSld>
     <p:spTree>
@@ -12575,7 +13195,7 @@
           <a:p>
             <a:fld id="{0AA598EC-1C61-495B-A9F8-4410E339CCF5}" type="slidenum">
               <a:rPr lang="en-US" smtClean="0"/>
-              <a:t>15</a:t>
+              <a:t>16</a:t>
             </a:fld>
             <a:endParaRPr lang="en-US"/>
           </a:p>
@@ -13040,7 +13660,7 @@
 </p:sld>
 </file>
 
-<file path=ppt/slides/slide16.xml><?xml version="1.0" encoding="utf-8"?>
+<file path=ppt/slides/slide17.xml><?xml version="1.0" encoding="utf-8"?>
 <p:sld xmlns:a="http://schemas.openxmlformats.org/drawingml/2006/main" xmlns:r="http://schemas.openxmlformats.org/officeDocument/2006/relationships" xmlns:p="http://schemas.openxmlformats.org/presentationml/2006/main">
   <p:cSld>
     <p:spTree>
@@ -13227,7 +13847,7 @@
           <a:p>
             <a:fld id="{0AA598EC-1C61-495B-A9F8-4410E339CCF5}" type="slidenum">
               <a:rPr lang="en-US" smtClean="0"/>
-              <a:t>16</a:t>
+              <a:t>17</a:t>
             </a:fld>
             <a:endParaRPr lang="en-US"/>
           </a:p>
@@ -13800,7 +14420,7 @@
 </p:sld>
 </file>
 
-<file path=ppt/slides/slide17.xml><?xml version="1.0" encoding="utf-8"?>
+<file path=ppt/slides/slide18.xml><?xml version="1.0" encoding="utf-8"?>
 <p:sld xmlns:a="http://schemas.openxmlformats.org/drawingml/2006/main" xmlns:r="http://schemas.openxmlformats.org/officeDocument/2006/relationships" xmlns:p="http://schemas.openxmlformats.org/presentationml/2006/main">
   <p:cSld>
     <p:spTree>
@@ -13876,7 +14496,7 @@
           <a:p>
             <a:fld id="{0AA598EC-1C61-495B-A9F8-4410E339CCF5}" type="slidenum">
               <a:rPr lang="en-US" smtClean="0"/>
-              <a:t>17</a:t>
+              <a:t>18</a:t>
             </a:fld>
             <a:endParaRPr lang="en-US"/>
           </a:p>
@@ -13895,7 +14515,7 @@
 </p:sld>
 </file>
 
-<file path=ppt/slides/slide18.xml><?xml version="1.0" encoding="utf-8"?>
+<file path=ppt/slides/slide19.xml><?xml version="1.0" encoding="utf-8"?>
 <p:sld xmlns:a="http://schemas.openxmlformats.org/drawingml/2006/main" xmlns:r="http://schemas.openxmlformats.org/officeDocument/2006/relationships" xmlns:p="http://schemas.openxmlformats.org/presentationml/2006/main">
   <p:cSld>
     <p:spTree>
@@ -14054,7 +14674,7 @@
           <a:p>
             <a:fld id="{0AA598EC-1C61-495B-A9F8-4410E339CCF5}" type="slidenum">
               <a:rPr lang="en-US" smtClean="0"/>
-              <a:t>18</a:t>
+              <a:t>19</a:t>
             </a:fld>
             <a:endParaRPr lang="en-US"/>
           </a:p>
@@ -14318,7 +14938,102 @@
 </p:sld>
 </file>
 
-<file path=ppt/slides/slide19.xml><?xml version="1.0" encoding="utf-8"?>
+<file path=ppt/slides/slide2.xml><?xml version="1.0" encoding="utf-8"?>
+<p:sld xmlns:a="http://schemas.openxmlformats.org/drawingml/2006/main" xmlns:r="http://schemas.openxmlformats.org/officeDocument/2006/relationships" xmlns:p="http://schemas.openxmlformats.org/presentationml/2006/main">
+  <p:cSld>
+    <p:spTree>
+      <p:nvGrpSpPr>
+        <p:cNvPr id="1" name=""/>
+        <p:cNvGrpSpPr/>
+        <p:nvPr/>
+      </p:nvGrpSpPr>
+      <p:grpSpPr>
+        <a:xfrm>
+          <a:off x="0" y="0"/>
+          <a:ext cx="0" cy="0"/>
+          <a:chOff x="0" y="0"/>
+          <a:chExt cx="0" cy="0"/>
+        </a:xfrm>
+      </p:grpSpPr>
+      <p:sp>
+        <p:nvSpPr>
+          <p:cNvPr id="2" name="Title 1"/>
+          <p:cNvSpPr>
+            <a:spLocks noGrp="1"/>
+          </p:cNvSpPr>
+          <p:nvPr>
+            <p:ph type="title"/>
+          </p:nvPr>
+        </p:nvSpPr>
+        <p:spPr/>
+        <p:txBody>
+          <a:bodyPr/>
+          <a:lstStyle/>
+          <a:p>
+            <a:r>
+              <a:rPr lang="en-US" dirty="0" smtClean="0"/>
+              <a:t>Scenario: parameter exploration</a:t>
+            </a:r>
+            <a:endParaRPr lang="en-US" dirty="0"/>
+          </a:p>
+        </p:txBody>
+      </p:sp>
+      <p:sp>
+        <p:nvSpPr>
+          <p:cNvPr id="3" name="Text Placeholder 2"/>
+          <p:cNvSpPr>
+            <a:spLocks noGrp="1"/>
+          </p:cNvSpPr>
+          <p:nvPr>
+            <p:ph type="body" idx="1"/>
+          </p:nvPr>
+        </p:nvSpPr>
+        <p:spPr/>
+        <p:txBody>
+          <a:bodyPr/>
+          <a:lstStyle/>
+          <a:p>
+            <a:endParaRPr lang="en-US"/>
+          </a:p>
+        </p:txBody>
+      </p:sp>
+      <p:sp>
+        <p:nvSpPr>
+          <p:cNvPr id="4" name="Slide Number Placeholder 3"/>
+          <p:cNvSpPr>
+            <a:spLocks noGrp="1"/>
+          </p:cNvSpPr>
+          <p:nvPr>
+            <p:ph type="sldNum" sz="quarter" idx="12"/>
+          </p:nvPr>
+        </p:nvSpPr>
+        <p:spPr/>
+        <p:txBody>
+          <a:bodyPr/>
+          <a:lstStyle/>
+          <a:p>
+            <a:fld id="{0AA598EC-1C61-495B-A9F8-4410E339CCF5}" type="slidenum">
+              <a:rPr lang="en-US" smtClean="0"/>
+              <a:t>2</a:t>
+            </a:fld>
+            <a:endParaRPr lang="en-US"/>
+          </a:p>
+        </p:txBody>
+      </p:sp>
+    </p:spTree>
+    <p:extLst>
+      <p:ext uri="{BB962C8B-B14F-4D97-AF65-F5344CB8AC3E}">
+        <p14:creationId xmlns:p14="http://schemas.microsoft.com/office/powerpoint/2010/main" val="2485938535"/>
+      </p:ext>
+    </p:extLst>
+  </p:cSld>
+  <p:clrMapOvr>
+    <a:masterClrMapping/>
+  </p:clrMapOvr>
+</p:sld>
+</file>
+
+<file path=ppt/slides/slide20.xml><?xml version="1.0" encoding="utf-8"?>
 <p:sld xmlns:a="http://schemas.openxmlformats.org/drawingml/2006/main" xmlns:r="http://schemas.openxmlformats.org/officeDocument/2006/relationships" xmlns:p="http://schemas.openxmlformats.org/presentationml/2006/main">
   <p:cSld>
     <p:spTree>
@@ -14588,7 +15303,7 @@
           <a:p>
             <a:fld id="{0AA598EC-1C61-495B-A9F8-4410E339CCF5}" type="slidenum">
               <a:rPr lang="en-US" smtClean="0"/>
-              <a:t>19</a:t>
+              <a:t>20</a:t>
             </a:fld>
             <a:endParaRPr lang="en-US"/>
           </a:p>
@@ -14974,102 +15689,7 @@
 </p:sld>
 </file>
 
-<file path=ppt/slides/slide2.xml><?xml version="1.0" encoding="utf-8"?>
-<p:sld xmlns:a="http://schemas.openxmlformats.org/drawingml/2006/main" xmlns:r="http://schemas.openxmlformats.org/officeDocument/2006/relationships" xmlns:p="http://schemas.openxmlformats.org/presentationml/2006/main">
-  <p:cSld>
-    <p:spTree>
-      <p:nvGrpSpPr>
-        <p:cNvPr id="1" name=""/>
-        <p:cNvGrpSpPr/>
-        <p:nvPr/>
-      </p:nvGrpSpPr>
-      <p:grpSpPr>
-        <a:xfrm>
-          <a:off x="0" y="0"/>
-          <a:ext cx="0" cy="0"/>
-          <a:chOff x="0" y="0"/>
-          <a:chExt cx="0" cy="0"/>
-        </a:xfrm>
-      </p:grpSpPr>
-      <p:sp>
-        <p:nvSpPr>
-          <p:cNvPr id="2" name="Title 1"/>
-          <p:cNvSpPr>
-            <a:spLocks noGrp="1"/>
-          </p:cNvSpPr>
-          <p:nvPr>
-            <p:ph type="title"/>
-          </p:nvPr>
-        </p:nvSpPr>
-        <p:spPr/>
-        <p:txBody>
-          <a:bodyPr/>
-          <a:lstStyle/>
-          <a:p>
-            <a:r>
-              <a:rPr lang="en-US" dirty="0" smtClean="0"/>
-              <a:t>Scenario: parameter exploration</a:t>
-            </a:r>
-            <a:endParaRPr lang="en-US" dirty="0"/>
-          </a:p>
-        </p:txBody>
-      </p:sp>
-      <p:sp>
-        <p:nvSpPr>
-          <p:cNvPr id="3" name="Text Placeholder 2"/>
-          <p:cNvSpPr>
-            <a:spLocks noGrp="1"/>
-          </p:cNvSpPr>
-          <p:nvPr>
-            <p:ph type="body" idx="1"/>
-          </p:nvPr>
-        </p:nvSpPr>
-        <p:spPr/>
-        <p:txBody>
-          <a:bodyPr/>
-          <a:lstStyle/>
-          <a:p>
-            <a:endParaRPr lang="en-US"/>
-          </a:p>
-        </p:txBody>
-      </p:sp>
-      <p:sp>
-        <p:nvSpPr>
-          <p:cNvPr id="4" name="Slide Number Placeholder 3"/>
-          <p:cNvSpPr>
-            <a:spLocks noGrp="1"/>
-          </p:cNvSpPr>
-          <p:nvPr>
-            <p:ph type="sldNum" sz="quarter" idx="12"/>
-          </p:nvPr>
-        </p:nvSpPr>
-        <p:spPr/>
-        <p:txBody>
-          <a:bodyPr/>
-          <a:lstStyle/>
-          <a:p>
-            <a:fld id="{0AA598EC-1C61-495B-A9F8-4410E339CCF5}" type="slidenum">
-              <a:rPr lang="en-US" smtClean="0"/>
-              <a:t>2</a:t>
-            </a:fld>
-            <a:endParaRPr lang="en-US"/>
-          </a:p>
-        </p:txBody>
-      </p:sp>
-    </p:spTree>
-    <p:extLst>
-      <p:ext uri="{BB962C8B-B14F-4D97-AF65-F5344CB8AC3E}">
-        <p14:creationId xmlns:p14="http://schemas.microsoft.com/office/powerpoint/2010/main" val="2485938535"/>
-      </p:ext>
-    </p:extLst>
-  </p:cSld>
-  <p:clrMapOvr>
-    <a:masterClrMapping/>
-  </p:clrMapOvr>
-</p:sld>
-</file>
-
-<file path=ppt/slides/slide20.xml><?xml version="1.0" encoding="utf-8"?>
+<file path=ppt/slides/slide21.xml><?xml version="1.0" encoding="utf-8"?>
 <p:sld xmlns:a="http://schemas.openxmlformats.org/drawingml/2006/main" xmlns:r="http://schemas.openxmlformats.org/officeDocument/2006/relationships" xmlns:p="http://schemas.openxmlformats.org/presentationml/2006/main">
   <p:cSld>
     <p:spTree>
@@ -15253,7 +15873,7 @@
           <a:p>
             <a:fld id="{0AA598EC-1C61-495B-A9F8-4410E339CCF5}" type="slidenum">
               <a:rPr lang="en-US" smtClean="0"/>
-              <a:t>20</a:t>
+              <a:t>21</a:t>
             </a:fld>
             <a:endParaRPr lang="en-US"/>
           </a:p>
@@ -15863,7 +16483,7 @@
 </p:sld>
 </file>
 
-<file path=ppt/slides/slide21.xml><?xml version="1.0" encoding="utf-8"?>
+<file path=ppt/slides/slide22.xml><?xml version="1.0" encoding="utf-8"?>
 <p:sld xmlns:a="http://schemas.openxmlformats.org/drawingml/2006/main" xmlns:r="http://schemas.openxmlformats.org/officeDocument/2006/relationships" xmlns:p="http://schemas.openxmlformats.org/presentationml/2006/main">
   <p:cSld>
     <p:spTree>
@@ -16243,7 +16863,7 @@
           <a:p>
             <a:fld id="{6597116C-F94B-4B5B-973A-17F07FB5C418}" type="slidenum">
               <a:rPr lang="nl-BE" smtClean="0"/>
-              <a:t>21</a:t>
+              <a:t>22</a:t>
             </a:fld>
             <a:endParaRPr lang="nl-BE"/>
           </a:p>
@@ -16423,7 +17043,7 @@
 </p:sld>
 </file>
 
-<file path=ppt/slides/slide22.xml><?xml version="1.0" encoding="utf-8"?>
+<file path=ppt/slides/slide23.xml><?xml version="1.0" encoding="utf-8"?>
 <p:sld xmlns:a="http://schemas.openxmlformats.org/drawingml/2006/main" xmlns:r="http://schemas.openxmlformats.org/officeDocument/2006/relationships" xmlns:p="http://schemas.openxmlformats.org/presentationml/2006/main">
   <p:cSld>
     <p:spTree>
@@ -17211,7 +17831,7 @@
           <a:p>
             <a:fld id="{6597116C-F94B-4B5B-973A-17F07FB5C418}" type="slidenum">
               <a:rPr lang="nl-BE" smtClean="0"/>
-              <a:t>22</a:t>
+              <a:t>23</a:t>
             </a:fld>
             <a:endParaRPr lang="nl-BE"/>
           </a:p>
@@ -17482,7 +18102,7 @@
 </p:sld>
 </file>
 
-<file path=ppt/slides/slide23.xml><?xml version="1.0" encoding="utf-8"?>
+<file path=ppt/slides/slide24.xml><?xml version="1.0" encoding="utf-8"?>
 <p:sld xmlns:a="http://schemas.openxmlformats.org/drawingml/2006/main" xmlns:r="http://schemas.openxmlformats.org/officeDocument/2006/relationships" xmlns:p="http://schemas.openxmlformats.org/presentationml/2006/main">
   <p:cSld>
     <p:spTree>
@@ -18322,7 +18942,7 @@
           <a:p>
             <a:fld id="{6597116C-F94B-4B5B-973A-17F07FB5C418}" type="slidenum">
               <a:rPr lang="nl-BE" smtClean="0"/>
-              <a:t>23</a:t>
+              <a:t>24</a:t>
             </a:fld>
             <a:endParaRPr lang="nl-BE"/>
           </a:p>
@@ -18668,7 +19288,7 @@
 </p:sld>
 </file>
 
-<file path=ppt/slides/slide24.xml><?xml version="1.0" encoding="utf-8"?>
+<file path=ppt/slides/slide25.xml><?xml version="1.0" encoding="utf-8"?>
 <p:sld xmlns:a="http://schemas.openxmlformats.org/drawingml/2006/main" xmlns:r="http://schemas.openxmlformats.org/officeDocument/2006/relationships" xmlns:p="http://schemas.openxmlformats.org/presentationml/2006/main">
   <p:cSld>
     <p:spTree>
@@ -19213,7 +19833,7 @@
           <a:p>
             <a:fld id="{6597116C-F94B-4B5B-973A-17F07FB5C418}" type="slidenum">
               <a:rPr lang="nl-BE" smtClean="0"/>
-              <a:t>24</a:t>
+              <a:t>25</a:t>
             </a:fld>
             <a:endParaRPr lang="nl-BE"/>
           </a:p>
@@ -19310,7 +19930,7 @@
 </p:sld>
 </file>
 
-<file path=ppt/slides/slide25.xml><?xml version="1.0" encoding="utf-8"?>
+<file path=ppt/slides/slide26.xml><?xml version="1.0" encoding="utf-8"?>
 <p:sld xmlns:a="http://schemas.openxmlformats.org/drawingml/2006/main" xmlns:r="http://schemas.openxmlformats.org/officeDocument/2006/relationships" xmlns:p="http://schemas.openxmlformats.org/presentationml/2006/main">
   <p:cSld>
     <p:spTree>
@@ -19532,7 +20152,7 @@
           <a:p>
             <a:fld id="{6597116C-F94B-4B5B-973A-17F07FB5C418}" type="slidenum">
               <a:rPr lang="nl-BE" smtClean="0"/>
-              <a:t>25</a:t>
+              <a:t>26</a:t>
             </a:fld>
             <a:endParaRPr lang="nl-BE"/>
           </a:p>
@@ -19858,7 +20478,7 @@
 </p:sld>
 </file>
 
-<file path=ppt/slides/slide26.xml><?xml version="1.0" encoding="utf-8"?>
+<file path=ppt/slides/slide27.xml><?xml version="1.0" encoding="utf-8"?>
 <p:sld xmlns:a="http://schemas.openxmlformats.org/drawingml/2006/main" xmlns:r="http://schemas.openxmlformats.org/officeDocument/2006/relationships" xmlns:p="http://schemas.openxmlformats.org/presentationml/2006/main">
   <p:cSld>
     <p:spTree>
@@ -20630,7 +21250,7 @@
           <a:p>
             <a:fld id="{0AA598EC-1C61-495B-A9F8-4410E339CCF5}" type="slidenum">
               <a:rPr lang="en-US" smtClean="0"/>
-              <a:t>26</a:t>
+              <a:t>27</a:t>
             </a:fld>
             <a:endParaRPr lang="en-US"/>
           </a:p>
@@ -20862,7 +21482,7 @@
 </p:sld>
 </file>
 
-<file path=ppt/slides/slide27.xml><?xml version="1.0" encoding="utf-8"?>
+<file path=ppt/slides/slide28.xml><?xml version="1.0" encoding="utf-8"?>
 <p:sld xmlns:a="http://schemas.openxmlformats.org/drawingml/2006/main" xmlns:r="http://schemas.openxmlformats.org/officeDocument/2006/relationships" xmlns:p="http://schemas.openxmlformats.org/presentationml/2006/main">
   <p:cSld>
     <p:spTree>
@@ -21007,7 +21627,7 @@
           <a:graphicData uri="http://schemas.openxmlformats.org/presentationml/2006/ole">
             <mc:AlternateContent xmlns:mc="http://schemas.openxmlformats.org/markup-compatibility/2006">
               <mc:Choice xmlns:v="urn:schemas-microsoft-com:vml" Requires="v">
-                <p:oleObj spid="_x0000_s3098" name="Equation" r:id="rId3" imgW="812520" imgH="393480" progId="Equation.3">
+                <p:oleObj spid="_x0000_s3104" name="Equation" r:id="rId3" imgW="812520" imgH="393480" progId="Equation.3">
                   <p:embed/>
                 </p:oleObj>
               </mc:Choice>
@@ -21060,7 +21680,7 @@
           <a:graphicData uri="http://schemas.openxmlformats.org/presentationml/2006/ole">
             <mc:AlternateContent xmlns:mc="http://schemas.openxmlformats.org/markup-compatibility/2006">
               <mc:Choice xmlns:v="urn:schemas-microsoft-com:vml" Requires="v">
-                <p:oleObj spid="_x0000_s3099" name="Equation" r:id="rId5" imgW="2489040" imgH="431640" progId="Equation.3">
+                <p:oleObj spid="_x0000_s3105" name="Equation" r:id="rId5" imgW="2489040" imgH="431640" progId="Equation.3">
                   <p:embed/>
                 </p:oleObj>
               </mc:Choice>
@@ -21147,7 +21767,7 @@
           <a:p>
             <a:fld id="{6597116C-F94B-4B5B-973A-17F07FB5C418}" type="slidenum">
               <a:rPr lang="nl-BE" smtClean="0"/>
-              <a:t>27</a:t>
+              <a:t>28</a:t>
             </a:fld>
             <a:endParaRPr lang="nl-BE"/>
           </a:p>
@@ -21583,7 +22203,7 @@
 </p:sld>
 </file>
 
-<file path=ppt/slides/slide28.xml><?xml version="1.0" encoding="utf-8"?>
+<file path=ppt/slides/slide29.xml><?xml version="1.0" encoding="utf-8"?>
 <p:sld xmlns:a="http://schemas.openxmlformats.org/drawingml/2006/main" xmlns:r="http://schemas.openxmlformats.org/officeDocument/2006/relationships" xmlns:p="http://schemas.openxmlformats.org/presentationml/2006/main">
   <p:cSld>
     <p:spTree>
@@ -21709,7 +22329,7 @@
           <a:p>
             <a:fld id="{0AA598EC-1C61-495B-A9F8-4410E339CCF5}" type="slidenum">
               <a:rPr lang="en-US" smtClean="0"/>
-              <a:t>28</a:t>
+              <a:t>29</a:t>
             </a:fld>
             <a:endParaRPr lang="en-US"/>
           </a:p>
@@ -21735,7 +22355,1865 @@
 </p:sld>
 </file>
 
-<file path=ppt/slides/slide29.xml><?xml version="1.0" encoding="utf-8"?>
+<file path=ppt/slides/slide3.xml><?xml version="1.0" encoding="utf-8"?>
+<p:sld xmlns:a="http://schemas.openxmlformats.org/drawingml/2006/main" xmlns:r="http://schemas.openxmlformats.org/officeDocument/2006/relationships" xmlns:p="http://schemas.openxmlformats.org/presentationml/2006/main">
+  <p:cSld>
+    <p:spTree>
+      <p:nvGrpSpPr>
+        <p:cNvPr id="1" name=""/>
+        <p:cNvGrpSpPr/>
+        <p:nvPr/>
+      </p:nvGrpSpPr>
+      <p:grpSpPr>
+        <a:xfrm>
+          <a:off x="0" y="0"/>
+          <a:ext cx="0" cy="0"/>
+          <a:chOff x="0" y="0"/>
+          <a:chExt cx="0" cy="0"/>
+        </a:xfrm>
+      </p:grpSpPr>
+      <p:sp>
+        <p:nvSpPr>
+          <p:cNvPr id="4098" name="Title 1"/>
+          <p:cNvSpPr>
+            <a:spLocks noGrp="1"/>
+          </p:cNvSpPr>
+          <p:nvPr>
+            <p:ph type="title" idx="4294967295"/>
+          </p:nvPr>
+        </p:nvSpPr>
+        <p:spPr>
+          <a:xfrm>
+            <a:off x="485775" y="274638"/>
+            <a:ext cx="8229600" cy="1143000"/>
+          </a:xfrm>
+        </p:spPr>
+        <p:txBody>
+          <a:bodyPr/>
+          <a:lstStyle/>
+          <a:p>
+            <a:pPr eaLnBrk="1" hangingPunct="1"/>
+            <a:r>
+              <a:rPr lang="en-US" smtClean="0"/>
+              <a:t>Use case 1: parameter exploration  </a:t>
+            </a:r>
+            <a:endParaRPr lang="nl-BE" smtClean="0"/>
+          </a:p>
+        </p:txBody>
+      </p:sp>
+      <p:graphicFrame>
+        <p:nvGraphicFramePr>
+          <p:cNvPr id="3" name="Table 2"/>
+          <p:cNvGraphicFramePr>
+            <a:graphicFrameLocks noGrp="1"/>
+          </p:cNvGraphicFramePr>
+          <p:nvPr>
+            <p:extLst>
+              <p:ext uri="{D42A27DB-BD31-4B8C-83A1-F6EECF244321}">
+                <p14:modId xmlns:p14="http://schemas.microsoft.com/office/powerpoint/2010/main" val="1754844820"/>
+              </p:ext>
+            </p:extLst>
+          </p:nvPr>
+        </p:nvGraphicFramePr>
+        <p:xfrm>
+          <a:off x="2571750" y="1628800"/>
+          <a:ext cx="6096000" cy="1482724"/>
+        </p:xfrm>
+        <a:graphic>
+          <a:graphicData uri="http://schemas.openxmlformats.org/drawingml/2006/table">
+            <a:tbl>
+              <a:tblPr firstRow="1" bandRow="1">
+                <a:tableStyleId>{5C22544A-7EE6-4342-B048-85BDC9FD1C3A}</a:tableStyleId>
+              </a:tblPr>
+              <a:tblGrid>
+                <a:gridCol w="2032000"/>
+                <a:gridCol w="2032000"/>
+                <a:gridCol w="2032000"/>
+              </a:tblGrid>
+              <a:tr h="370681">
+                <a:tc>
+                  <a:txBody>
+                    <a:bodyPr/>
+                    <a:lstStyle/>
+                    <a:p>
+                      <a:r>
+                        <a:rPr lang="en-US" sz="1800" dirty="0" smtClean="0"/>
+                        <a:t>temperature</a:t>
+                      </a:r>
+                      <a:endParaRPr lang="nl-BE" sz="1800" dirty="0"/>
+                    </a:p>
+                  </a:txBody>
+                  <a:tcPr marT="45700" marB="45700"/>
+                </a:tc>
+                <a:tc>
+                  <a:txBody>
+                    <a:bodyPr/>
+                    <a:lstStyle/>
+                    <a:p>
+                      <a:r>
+                        <a:rPr lang="en-US" sz="1800" dirty="0" smtClean="0"/>
+                        <a:t>pressure</a:t>
+                      </a:r>
+                      <a:endParaRPr lang="nl-BE" sz="1800" dirty="0"/>
+                    </a:p>
+                  </a:txBody>
+                  <a:tcPr marT="45700" marB="45700"/>
+                </a:tc>
+                <a:tc>
+                  <a:txBody>
+                    <a:bodyPr/>
+                    <a:lstStyle/>
+                    <a:p>
+                      <a:r>
+                        <a:rPr lang="en-US" sz="1800" dirty="0" smtClean="0"/>
+                        <a:t>humidity</a:t>
+                      </a:r>
+                      <a:endParaRPr lang="nl-BE" sz="1800" dirty="0"/>
+                    </a:p>
+                  </a:txBody>
+                  <a:tcPr marT="45700" marB="45700"/>
+                </a:tc>
+              </a:tr>
+              <a:tr h="370681">
+                <a:tc>
+                  <a:txBody>
+                    <a:bodyPr/>
+                    <a:lstStyle/>
+                    <a:p>
+                      <a:r>
+                        <a:rPr lang="en-US" sz="1800" dirty="0" smtClean="0"/>
+                        <a:t>293.0</a:t>
+                      </a:r>
+                    </a:p>
+                  </a:txBody>
+                  <a:tcPr marT="45700" marB="45700"/>
+                </a:tc>
+                <a:tc>
+                  <a:txBody>
+                    <a:bodyPr/>
+                    <a:lstStyle/>
+                    <a:p>
+                      <a:r>
+                        <a:rPr lang="en-US" sz="1800" dirty="0" smtClean="0"/>
+                        <a:t>1.0e05</a:t>
+                      </a:r>
+                      <a:endParaRPr lang="nl-BE" sz="1800" dirty="0"/>
+                    </a:p>
+                  </a:txBody>
+                  <a:tcPr marT="45700" marB="45700"/>
+                </a:tc>
+                <a:tc>
+                  <a:txBody>
+                    <a:bodyPr/>
+                    <a:lstStyle/>
+                    <a:p>
+                      <a:r>
+                        <a:rPr lang="en-US" sz="1800" dirty="0" smtClean="0"/>
+                        <a:t>87</a:t>
+                      </a:r>
+                      <a:endParaRPr lang="nl-BE" sz="1800" dirty="0"/>
+                    </a:p>
+                  </a:txBody>
+                  <a:tcPr marT="45700" marB="45700"/>
+                </a:tc>
+              </a:tr>
+              <a:tr h="370681">
+                <a:tc>
+                  <a:txBody>
+                    <a:bodyPr/>
+                    <a:lstStyle/>
+                    <a:p>
+                      <a:r>
+                        <a:rPr lang="en-US" sz="1800" dirty="0" smtClean="0"/>
+                        <a:t>…</a:t>
+                      </a:r>
+                      <a:endParaRPr lang="nl-BE" sz="1800" dirty="0"/>
+                    </a:p>
+                  </a:txBody>
+                  <a:tcPr marT="45700" marB="45700"/>
+                </a:tc>
+                <a:tc>
+                  <a:txBody>
+                    <a:bodyPr/>
+                    <a:lstStyle/>
+                    <a:p>
+                      <a:r>
+                        <a:rPr lang="en-US" sz="1800" dirty="0" smtClean="0"/>
+                        <a:t>…</a:t>
+                      </a:r>
+                      <a:endParaRPr lang="nl-BE" sz="1800" dirty="0"/>
+                    </a:p>
+                  </a:txBody>
+                  <a:tcPr marT="45700" marB="45700"/>
+                </a:tc>
+                <a:tc>
+                  <a:txBody>
+                    <a:bodyPr/>
+                    <a:lstStyle/>
+                    <a:p>
+                      <a:r>
+                        <a:rPr lang="en-US" sz="1800" dirty="0" smtClean="0"/>
+                        <a:t>…</a:t>
+                      </a:r>
+                      <a:endParaRPr lang="nl-BE" sz="1800" dirty="0"/>
+                    </a:p>
+                  </a:txBody>
+                  <a:tcPr marT="45700" marB="45700"/>
+                </a:tc>
+              </a:tr>
+              <a:tr h="370681">
+                <a:tc>
+                  <a:txBody>
+                    <a:bodyPr/>
+                    <a:lstStyle/>
+                    <a:p>
+                      <a:r>
+                        <a:rPr lang="en-US" sz="1800" dirty="0" smtClean="0"/>
+                        <a:t>313.0</a:t>
+                      </a:r>
+                      <a:endParaRPr lang="nl-BE" sz="1800" dirty="0"/>
+                    </a:p>
+                  </a:txBody>
+                  <a:tcPr marT="45700" marB="45700"/>
+                </a:tc>
+                <a:tc>
+                  <a:txBody>
+                    <a:bodyPr/>
+                    <a:lstStyle/>
+                    <a:p>
+                      <a:r>
+                        <a:rPr lang="en-US" sz="1800" dirty="0" smtClean="0"/>
+                        <a:t>1.3e05</a:t>
+                      </a:r>
+                      <a:endParaRPr lang="nl-BE" sz="1800" dirty="0"/>
+                    </a:p>
+                  </a:txBody>
+                  <a:tcPr marT="45700" marB="45700"/>
+                </a:tc>
+                <a:tc>
+                  <a:txBody>
+                    <a:bodyPr/>
+                    <a:lstStyle/>
+                    <a:p>
+                      <a:r>
+                        <a:rPr lang="en-US" sz="1800" dirty="0" smtClean="0"/>
+                        <a:t>75</a:t>
+                      </a:r>
+                      <a:endParaRPr lang="nl-BE" sz="1800" dirty="0"/>
+                    </a:p>
+                  </a:txBody>
+                  <a:tcPr marT="45700" marB="45700"/>
+                </a:tc>
+              </a:tr>
+            </a:tbl>
+          </a:graphicData>
+        </a:graphic>
+      </p:graphicFrame>
+      <p:grpSp>
+        <p:nvGrpSpPr>
+          <p:cNvPr id="4" name="Group 3"/>
+          <p:cNvGrpSpPr/>
+          <p:nvPr/>
+        </p:nvGrpSpPr>
+        <p:grpSpPr>
+          <a:xfrm>
+            <a:off x="485775" y="3429000"/>
+            <a:ext cx="7213620" cy="1477328"/>
+            <a:chOff x="428625" y="3754438"/>
+            <a:chExt cx="7213620" cy="1477328"/>
+          </a:xfrm>
+        </p:grpSpPr>
+        <p:sp>
+          <p:nvSpPr>
+            <p:cNvPr id="4121" name="TextBox 3"/>
+            <p:cNvSpPr txBox="1">
+              <a:spLocks noChangeArrowheads="1"/>
+            </p:cNvSpPr>
+            <p:nvPr/>
+          </p:nvSpPr>
+          <p:spPr bwMode="auto">
+            <a:xfrm>
+              <a:off x="428625" y="3754438"/>
+              <a:ext cx="7213620" cy="1477328"/>
+            </a:xfrm>
+            <a:prstGeom prst="rect">
+              <a:avLst/>
+            </a:prstGeom>
+            <a:solidFill>
+              <a:schemeClr val="bg1">
+                <a:lumMod val="95000"/>
+              </a:schemeClr>
+            </a:solidFill>
+            <a:ln w="9525">
+              <a:solidFill>
+                <a:schemeClr val="tx1"/>
+              </a:solidFill>
+              <a:miter lim="800000"/>
+              <a:headEnd/>
+              <a:tailEnd/>
+            </a:ln>
+            <a:extLst/>
+          </p:spPr>
+          <p:txBody>
+            <a:bodyPr wrap="square">
+              <a:spAutoFit/>
+            </a:bodyPr>
+            <a:lstStyle>
+              <a:lvl1pPr eaLnBrk="0" hangingPunct="0">
+                <a:defRPr>
+                  <a:solidFill>
+                    <a:schemeClr val="tx1"/>
+                  </a:solidFill>
+                  <a:latin typeface="Arial" charset="0"/>
+                  <a:cs typeface="Arial" charset="0"/>
+                </a:defRPr>
+              </a:lvl1pPr>
+              <a:lvl2pPr marL="742950" indent="-285750" eaLnBrk="0" hangingPunct="0">
+                <a:defRPr>
+                  <a:solidFill>
+                    <a:schemeClr val="tx1"/>
+                  </a:solidFill>
+                  <a:latin typeface="Arial" charset="0"/>
+                  <a:cs typeface="Arial" charset="0"/>
+                </a:defRPr>
+              </a:lvl2pPr>
+              <a:lvl3pPr marL="1143000" indent="-228600" eaLnBrk="0" hangingPunct="0">
+                <a:defRPr>
+                  <a:solidFill>
+                    <a:schemeClr val="tx1"/>
+                  </a:solidFill>
+                  <a:latin typeface="Arial" charset="0"/>
+                  <a:cs typeface="Arial" charset="0"/>
+                </a:defRPr>
+              </a:lvl3pPr>
+              <a:lvl4pPr marL="1600200" indent="-228600" eaLnBrk="0" hangingPunct="0">
+                <a:defRPr>
+                  <a:solidFill>
+                    <a:schemeClr val="tx1"/>
+                  </a:solidFill>
+                  <a:latin typeface="Arial" charset="0"/>
+                  <a:cs typeface="Arial" charset="0"/>
+                </a:defRPr>
+              </a:lvl4pPr>
+              <a:lvl5pPr marL="2057400" indent="-228600" eaLnBrk="0" hangingPunct="0">
+                <a:defRPr>
+                  <a:solidFill>
+                    <a:schemeClr val="tx1"/>
+                  </a:solidFill>
+                  <a:latin typeface="Arial" charset="0"/>
+                  <a:cs typeface="Arial" charset="0"/>
+                </a:defRPr>
+              </a:lvl5pPr>
+              <a:lvl6pPr marL="2514600" indent="-228600" eaLnBrk="0" fontAlgn="base" hangingPunct="0">
+                <a:spcBef>
+                  <a:spcPct val="0"/>
+                </a:spcBef>
+                <a:spcAft>
+                  <a:spcPct val="0"/>
+                </a:spcAft>
+                <a:defRPr>
+                  <a:solidFill>
+                    <a:schemeClr val="tx1"/>
+                  </a:solidFill>
+                  <a:latin typeface="Arial" charset="0"/>
+                  <a:cs typeface="Arial" charset="0"/>
+                </a:defRPr>
+              </a:lvl6pPr>
+              <a:lvl7pPr marL="2971800" indent="-228600" eaLnBrk="0" fontAlgn="base" hangingPunct="0">
+                <a:spcBef>
+                  <a:spcPct val="0"/>
+                </a:spcBef>
+                <a:spcAft>
+                  <a:spcPct val="0"/>
+                </a:spcAft>
+                <a:defRPr>
+                  <a:solidFill>
+                    <a:schemeClr val="tx1"/>
+                  </a:solidFill>
+                  <a:latin typeface="Arial" charset="0"/>
+                  <a:cs typeface="Arial" charset="0"/>
+                </a:defRPr>
+              </a:lvl7pPr>
+              <a:lvl8pPr marL="3429000" indent="-228600" eaLnBrk="0" fontAlgn="base" hangingPunct="0">
+                <a:spcBef>
+                  <a:spcPct val="0"/>
+                </a:spcBef>
+                <a:spcAft>
+                  <a:spcPct val="0"/>
+                </a:spcAft>
+                <a:defRPr>
+                  <a:solidFill>
+                    <a:schemeClr val="tx1"/>
+                  </a:solidFill>
+                  <a:latin typeface="Arial" charset="0"/>
+                  <a:cs typeface="Arial" charset="0"/>
+                </a:defRPr>
+              </a:lvl8pPr>
+              <a:lvl9pPr marL="3886200" indent="-228600" eaLnBrk="0" fontAlgn="base" hangingPunct="0">
+                <a:spcBef>
+                  <a:spcPct val="0"/>
+                </a:spcBef>
+                <a:spcAft>
+                  <a:spcPct val="0"/>
+                </a:spcAft>
+                <a:defRPr>
+                  <a:solidFill>
+                    <a:schemeClr val="tx1"/>
+                  </a:solidFill>
+                  <a:latin typeface="Arial" charset="0"/>
+                  <a:cs typeface="Arial" charset="0"/>
+                </a:defRPr>
+              </a:lvl9pPr>
+            </a:lstStyle>
+            <a:p>
+              <a:pPr eaLnBrk="1" hangingPunct="1"/>
+              <a:r>
+                <a:rPr lang="en-US" dirty="0">
+                  <a:latin typeface="Courier New" pitchFamily="49" charset="0"/>
+                  <a:cs typeface="Courier New" pitchFamily="49" charset="0"/>
+                </a:rPr>
+                <a:t>#!/bin/bash –l</a:t>
+              </a:r>
+            </a:p>
+            <a:p>
+              <a:pPr eaLnBrk="1" hangingPunct="1"/>
+              <a:r>
+                <a:rPr lang="en-US" dirty="0">
+                  <a:latin typeface="Courier New" pitchFamily="49" charset="0"/>
+                  <a:cs typeface="Courier New" pitchFamily="49" charset="0"/>
+                </a:rPr>
+                <a:t>#PBS –l </a:t>
+              </a:r>
+              <a:r>
+                <a:rPr lang="en-US" b="1" dirty="0" smtClean="0">
+                  <a:solidFill>
+                    <a:srgbClr val="C00000"/>
+                  </a:solidFill>
+                  <a:latin typeface="Courier New" pitchFamily="49" charset="0"/>
+                  <a:cs typeface="Courier New" pitchFamily="49" charset="0"/>
+                </a:rPr>
+                <a:t>nodes=2:ppn=20</a:t>
+              </a:r>
+              <a:endParaRPr lang="en-US" b="1" dirty="0">
+                <a:solidFill>
+                  <a:srgbClr val="C00000"/>
+                </a:solidFill>
+                <a:latin typeface="Courier New" pitchFamily="49" charset="0"/>
+                <a:cs typeface="Courier New" pitchFamily="49" charset="0"/>
+              </a:endParaRPr>
+            </a:p>
+            <a:p>
+              <a:pPr eaLnBrk="1" hangingPunct="1"/>
+              <a:endParaRPr lang="en-US" dirty="0">
+                <a:latin typeface="Courier New" pitchFamily="49" charset="0"/>
+                <a:cs typeface="Courier New" pitchFamily="49" charset="0"/>
+              </a:endParaRPr>
+            </a:p>
+            <a:p>
+              <a:pPr eaLnBrk="1" hangingPunct="1"/>
+              <a:r>
+                <a:rPr lang="en-US" dirty="0">
+                  <a:latin typeface="Courier New" pitchFamily="49" charset="0"/>
+                  <a:cs typeface="Courier New" pitchFamily="49" charset="0"/>
+                </a:rPr>
+                <a:t>cd $PBS_O_WORKDIR</a:t>
+              </a:r>
+              <a:br>
+                <a:rPr lang="en-US" dirty="0">
+                  <a:latin typeface="Courier New" pitchFamily="49" charset="0"/>
+                  <a:cs typeface="Courier New" pitchFamily="49" charset="0"/>
+                </a:rPr>
+              </a:br>
+              <a:r>
+                <a:rPr lang="en-US" b="1" dirty="0" err="1" smtClean="0">
+                  <a:solidFill>
+                    <a:srgbClr val="C00000"/>
+                  </a:solidFill>
+                  <a:latin typeface="Courier New" pitchFamily="49" charset="0"/>
+                  <a:cs typeface="Courier New" pitchFamily="49" charset="0"/>
+                </a:rPr>
+                <a:t>mpirun</a:t>
+              </a:r>
+              <a:r>
+                <a:rPr lang="en-US" dirty="0" smtClean="0">
+                  <a:solidFill>
+                    <a:srgbClr val="C00000"/>
+                  </a:solidFill>
+                  <a:latin typeface="Courier New" pitchFamily="49" charset="0"/>
+                  <a:cs typeface="Courier New" pitchFamily="49" charset="0"/>
+                </a:rPr>
+                <a:t> </a:t>
+              </a:r>
+              <a:r>
+                <a:rPr lang="en-US" dirty="0" smtClean="0">
+                  <a:latin typeface="Courier New" pitchFamily="49" charset="0"/>
+                  <a:cs typeface="Courier New" pitchFamily="49" charset="0"/>
+                </a:rPr>
+                <a:t>weather </a:t>
+              </a:r>
+              <a:r>
+                <a:rPr lang="en-US" dirty="0">
+                  <a:latin typeface="Courier New" pitchFamily="49" charset="0"/>
+                  <a:cs typeface="Courier New" pitchFamily="49" charset="0"/>
+                </a:rPr>
+                <a:t>–p </a:t>
+              </a:r>
+              <a:r>
+                <a:rPr lang="en-US" dirty="0" smtClean="0">
+                  <a:latin typeface="Courier New" pitchFamily="49" charset="0"/>
+                  <a:cs typeface="Courier New" pitchFamily="49" charset="0"/>
+                </a:rPr>
+                <a:t>1.0e05  </a:t>
+              </a:r>
+              <a:r>
+                <a:rPr lang="en-US" dirty="0">
+                  <a:latin typeface="Courier New" pitchFamily="49" charset="0"/>
+                  <a:cs typeface="Courier New" pitchFamily="49" charset="0"/>
+                </a:rPr>
+                <a:t>–t </a:t>
+              </a:r>
+              <a:r>
+                <a:rPr lang="en-US" dirty="0" smtClean="0">
+                  <a:latin typeface="Courier New" pitchFamily="49" charset="0"/>
+                  <a:cs typeface="Courier New" pitchFamily="49" charset="0"/>
+                </a:rPr>
+                <a:t>293.0  </a:t>
+              </a:r>
+              <a:r>
+                <a:rPr lang="en-US" dirty="0">
+                  <a:latin typeface="Courier New" pitchFamily="49" charset="0"/>
+                  <a:cs typeface="Courier New" pitchFamily="49" charset="0"/>
+                </a:rPr>
+                <a:t>–h </a:t>
+              </a:r>
+              <a:r>
+                <a:rPr lang="en-US" dirty="0" smtClean="0">
+                  <a:latin typeface="Courier New" pitchFamily="49" charset="0"/>
+                  <a:cs typeface="Courier New" pitchFamily="49" charset="0"/>
+                </a:rPr>
+                <a:t>87</a:t>
+              </a:r>
+              <a:endParaRPr lang="en-US" dirty="0">
+                <a:latin typeface="Courier New" pitchFamily="49" charset="0"/>
+                <a:cs typeface="Courier New" pitchFamily="49" charset="0"/>
+              </a:endParaRPr>
+            </a:p>
+          </p:txBody>
+        </p:sp>
+        <p:sp>
+          <p:nvSpPr>
+            <p:cNvPr id="7" name="TextBox 8"/>
+            <p:cNvSpPr txBox="1">
+              <a:spLocks noChangeArrowheads="1"/>
+            </p:cNvSpPr>
+            <p:nvPr/>
+          </p:nvSpPr>
+          <p:spPr bwMode="auto">
+            <a:xfrm>
+              <a:off x="6527837" y="3760127"/>
+              <a:ext cx="1114408" cy="276999"/>
+            </a:xfrm>
+            <a:prstGeom prst="rect">
+              <a:avLst/>
+            </a:prstGeom>
+            <a:solidFill>
+              <a:srgbClr val="FFFFFF"/>
+            </a:solidFill>
+            <a:ln w="9525">
+              <a:solidFill>
+                <a:srgbClr val="000000"/>
+              </a:solidFill>
+              <a:miter lim="800000"/>
+              <a:headEnd/>
+              <a:tailEnd/>
+            </a:ln>
+            <a:extLst/>
+          </p:spPr>
+          <p:txBody>
+            <a:bodyPr wrap="none">
+              <a:spAutoFit/>
+            </a:bodyPr>
+            <a:lstStyle>
+              <a:lvl1pPr eaLnBrk="0" hangingPunct="0">
+                <a:defRPr>
+                  <a:solidFill>
+                    <a:schemeClr val="tx1"/>
+                  </a:solidFill>
+                  <a:latin typeface="Arial" charset="0"/>
+                  <a:cs typeface="Arial" charset="0"/>
+                </a:defRPr>
+              </a:lvl1pPr>
+              <a:lvl2pPr marL="742950" indent="-285750" eaLnBrk="0" hangingPunct="0">
+                <a:defRPr>
+                  <a:solidFill>
+                    <a:schemeClr val="tx1"/>
+                  </a:solidFill>
+                  <a:latin typeface="Arial" charset="0"/>
+                  <a:cs typeface="Arial" charset="0"/>
+                </a:defRPr>
+              </a:lvl2pPr>
+              <a:lvl3pPr marL="1143000" indent="-228600" eaLnBrk="0" hangingPunct="0">
+                <a:defRPr>
+                  <a:solidFill>
+                    <a:schemeClr val="tx1"/>
+                  </a:solidFill>
+                  <a:latin typeface="Arial" charset="0"/>
+                  <a:cs typeface="Arial" charset="0"/>
+                </a:defRPr>
+              </a:lvl3pPr>
+              <a:lvl4pPr marL="1600200" indent="-228600" eaLnBrk="0" hangingPunct="0">
+                <a:defRPr>
+                  <a:solidFill>
+                    <a:schemeClr val="tx1"/>
+                  </a:solidFill>
+                  <a:latin typeface="Arial" charset="0"/>
+                  <a:cs typeface="Arial" charset="0"/>
+                </a:defRPr>
+              </a:lvl4pPr>
+              <a:lvl5pPr marL="2057400" indent="-228600" eaLnBrk="0" hangingPunct="0">
+                <a:defRPr>
+                  <a:solidFill>
+                    <a:schemeClr val="tx1"/>
+                  </a:solidFill>
+                  <a:latin typeface="Arial" charset="0"/>
+                  <a:cs typeface="Arial" charset="0"/>
+                </a:defRPr>
+              </a:lvl5pPr>
+              <a:lvl6pPr marL="2514600" indent="-228600" eaLnBrk="0" fontAlgn="base" hangingPunct="0">
+                <a:spcBef>
+                  <a:spcPct val="0"/>
+                </a:spcBef>
+                <a:spcAft>
+                  <a:spcPct val="0"/>
+                </a:spcAft>
+                <a:defRPr>
+                  <a:solidFill>
+                    <a:schemeClr val="tx1"/>
+                  </a:solidFill>
+                  <a:latin typeface="Arial" charset="0"/>
+                  <a:cs typeface="Arial" charset="0"/>
+                </a:defRPr>
+              </a:lvl6pPr>
+              <a:lvl7pPr marL="2971800" indent="-228600" eaLnBrk="0" fontAlgn="base" hangingPunct="0">
+                <a:spcBef>
+                  <a:spcPct val="0"/>
+                </a:spcBef>
+                <a:spcAft>
+                  <a:spcPct val="0"/>
+                </a:spcAft>
+                <a:defRPr>
+                  <a:solidFill>
+                    <a:schemeClr val="tx1"/>
+                  </a:solidFill>
+                  <a:latin typeface="Arial" charset="0"/>
+                  <a:cs typeface="Arial" charset="0"/>
+                </a:defRPr>
+              </a:lvl7pPr>
+              <a:lvl8pPr marL="3429000" indent="-228600" eaLnBrk="0" fontAlgn="base" hangingPunct="0">
+                <a:spcBef>
+                  <a:spcPct val="0"/>
+                </a:spcBef>
+                <a:spcAft>
+                  <a:spcPct val="0"/>
+                </a:spcAft>
+                <a:defRPr>
+                  <a:solidFill>
+                    <a:schemeClr val="tx1"/>
+                  </a:solidFill>
+                  <a:latin typeface="Arial" charset="0"/>
+                  <a:cs typeface="Arial" charset="0"/>
+                </a:defRPr>
+              </a:lvl8pPr>
+              <a:lvl9pPr marL="3886200" indent="-228600" eaLnBrk="0" fontAlgn="base" hangingPunct="0">
+                <a:spcBef>
+                  <a:spcPct val="0"/>
+                </a:spcBef>
+                <a:spcAft>
+                  <a:spcPct val="0"/>
+                </a:spcAft>
+                <a:defRPr>
+                  <a:solidFill>
+                    <a:schemeClr val="tx1"/>
+                  </a:solidFill>
+                  <a:latin typeface="Arial" charset="0"/>
+                  <a:cs typeface="Arial" charset="0"/>
+                </a:defRPr>
+              </a:lvl9pPr>
+            </a:lstStyle>
+            <a:p>
+              <a:pPr eaLnBrk="1" hangingPunct="1"/>
+              <a:r>
+                <a:rPr lang="en-US" sz="1200" b="1" dirty="0" smtClean="0">
+                  <a:latin typeface="Courier New" panose="02070309020205020404" pitchFamily="49" charset="0"/>
+                  <a:cs typeface="Courier New" panose="02070309020205020404" pitchFamily="49" charset="0"/>
+                </a:rPr>
+                <a:t>job_01.pbs</a:t>
+              </a:r>
+              <a:endParaRPr lang="nl-BE" sz="1200" b="1" dirty="0">
+                <a:latin typeface="Courier New" panose="02070309020205020404" pitchFamily="49" charset="0"/>
+                <a:cs typeface="Courier New" panose="02070309020205020404" pitchFamily="49" charset="0"/>
+              </a:endParaRPr>
+            </a:p>
+          </p:txBody>
+        </p:sp>
+      </p:grpSp>
+      <p:sp>
+        <p:nvSpPr>
+          <p:cNvPr id="6" name="Slide Number Placeholder 5"/>
+          <p:cNvSpPr>
+            <a:spLocks noGrp="1"/>
+          </p:cNvSpPr>
+          <p:nvPr>
+            <p:ph type="sldNum" sz="quarter" idx="12"/>
+          </p:nvPr>
+        </p:nvSpPr>
+        <p:spPr/>
+        <p:txBody>
+          <a:bodyPr/>
+          <a:lstStyle/>
+          <a:p>
+            <a:fld id="{0AA598EC-1C61-495B-A9F8-4410E339CCF5}" type="slidenum">
+              <a:rPr lang="en-US" smtClean="0"/>
+              <a:t>3</a:t>
+            </a:fld>
+            <a:endParaRPr lang="en-US"/>
+          </a:p>
+        </p:txBody>
+      </p:sp>
+      <p:grpSp>
+        <p:nvGrpSpPr>
+          <p:cNvPr id="18" name="Group 17"/>
+          <p:cNvGrpSpPr/>
+          <p:nvPr/>
+        </p:nvGrpSpPr>
+        <p:grpSpPr>
+          <a:xfrm>
+            <a:off x="627295" y="4026320"/>
+            <a:ext cx="7580090" cy="1477328"/>
+            <a:chOff x="627295" y="4026320"/>
+            <a:chExt cx="7580090" cy="1477328"/>
+          </a:xfrm>
+          <a:effectLst>
+            <a:outerShdw blurRad="50800" dist="38100" dir="8100000" algn="tr" rotWithShape="0">
+              <a:prstClr val="black">
+                <a:alpha val="40000"/>
+              </a:prstClr>
+            </a:outerShdw>
+          </a:effectLst>
+        </p:grpSpPr>
+        <p:grpSp>
+          <p:nvGrpSpPr>
+            <p:cNvPr id="12" name="Group 11"/>
+            <p:cNvGrpSpPr/>
+            <p:nvPr/>
+          </p:nvGrpSpPr>
+          <p:grpSpPr>
+            <a:xfrm>
+              <a:off x="993765" y="4026320"/>
+              <a:ext cx="7213620" cy="1477328"/>
+              <a:chOff x="428625" y="3754438"/>
+              <a:chExt cx="7213620" cy="1477328"/>
+            </a:xfrm>
+          </p:grpSpPr>
+          <p:sp>
+            <p:nvSpPr>
+              <p:cNvPr id="13" name="TextBox 3"/>
+              <p:cNvSpPr txBox="1">
+                <a:spLocks noChangeArrowheads="1"/>
+              </p:cNvSpPr>
+              <p:nvPr/>
+            </p:nvSpPr>
+            <p:spPr bwMode="auto">
+              <a:xfrm>
+                <a:off x="428625" y="3754438"/>
+                <a:ext cx="7213620" cy="1477328"/>
+              </a:xfrm>
+              <a:prstGeom prst="rect">
+                <a:avLst/>
+              </a:prstGeom>
+              <a:solidFill>
+                <a:schemeClr val="bg1">
+                  <a:lumMod val="95000"/>
+                </a:schemeClr>
+              </a:solidFill>
+              <a:ln w="9525">
+                <a:solidFill>
+                  <a:schemeClr val="tx1"/>
+                </a:solidFill>
+                <a:miter lim="800000"/>
+                <a:headEnd/>
+                <a:tailEnd/>
+              </a:ln>
+              <a:extLst/>
+            </p:spPr>
+            <p:txBody>
+              <a:bodyPr wrap="square">
+                <a:spAutoFit/>
+              </a:bodyPr>
+              <a:lstStyle>
+                <a:lvl1pPr eaLnBrk="0" hangingPunct="0">
+                  <a:defRPr>
+                    <a:solidFill>
+                      <a:schemeClr val="tx1"/>
+                    </a:solidFill>
+                    <a:latin typeface="Arial" charset="0"/>
+                    <a:cs typeface="Arial" charset="0"/>
+                  </a:defRPr>
+                </a:lvl1pPr>
+                <a:lvl2pPr marL="742950" indent="-285750" eaLnBrk="0" hangingPunct="0">
+                  <a:defRPr>
+                    <a:solidFill>
+                      <a:schemeClr val="tx1"/>
+                    </a:solidFill>
+                    <a:latin typeface="Arial" charset="0"/>
+                    <a:cs typeface="Arial" charset="0"/>
+                  </a:defRPr>
+                </a:lvl2pPr>
+                <a:lvl3pPr marL="1143000" indent="-228600" eaLnBrk="0" hangingPunct="0">
+                  <a:defRPr>
+                    <a:solidFill>
+                      <a:schemeClr val="tx1"/>
+                    </a:solidFill>
+                    <a:latin typeface="Arial" charset="0"/>
+                    <a:cs typeface="Arial" charset="0"/>
+                  </a:defRPr>
+                </a:lvl3pPr>
+                <a:lvl4pPr marL="1600200" indent="-228600" eaLnBrk="0" hangingPunct="0">
+                  <a:defRPr>
+                    <a:solidFill>
+                      <a:schemeClr val="tx1"/>
+                    </a:solidFill>
+                    <a:latin typeface="Arial" charset="0"/>
+                    <a:cs typeface="Arial" charset="0"/>
+                  </a:defRPr>
+                </a:lvl4pPr>
+                <a:lvl5pPr marL="2057400" indent="-228600" eaLnBrk="0" hangingPunct="0">
+                  <a:defRPr>
+                    <a:solidFill>
+                      <a:schemeClr val="tx1"/>
+                    </a:solidFill>
+                    <a:latin typeface="Arial" charset="0"/>
+                    <a:cs typeface="Arial" charset="0"/>
+                  </a:defRPr>
+                </a:lvl5pPr>
+                <a:lvl6pPr marL="2514600" indent="-228600" eaLnBrk="0" fontAlgn="base" hangingPunct="0">
+                  <a:spcBef>
+                    <a:spcPct val="0"/>
+                  </a:spcBef>
+                  <a:spcAft>
+                    <a:spcPct val="0"/>
+                  </a:spcAft>
+                  <a:defRPr>
+                    <a:solidFill>
+                      <a:schemeClr val="tx1"/>
+                    </a:solidFill>
+                    <a:latin typeface="Arial" charset="0"/>
+                    <a:cs typeface="Arial" charset="0"/>
+                  </a:defRPr>
+                </a:lvl6pPr>
+                <a:lvl7pPr marL="2971800" indent="-228600" eaLnBrk="0" fontAlgn="base" hangingPunct="0">
+                  <a:spcBef>
+                    <a:spcPct val="0"/>
+                  </a:spcBef>
+                  <a:spcAft>
+                    <a:spcPct val="0"/>
+                  </a:spcAft>
+                  <a:defRPr>
+                    <a:solidFill>
+                      <a:schemeClr val="tx1"/>
+                    </a:solidFill>
+                    <a:latin typeface="Arial" charset="0"/>
+                    <a:cs typeface="Arial" charset="0"/>
+                  </a:defRPr>
+                </a:lvl7pPr>
+                <a:lvl8pPr marL="3429000" indent="-228600" eaLnBrk="0" fontAlgn="base" hangingPunct="0">
+                  <a:spcBef>
+                    <a:spcPct val="0"/>
+                  </a:spcBef>
+                  <a:spcAft>
+                    <a:spcPct val="0"/>
+                  </a:spcAft>
+                  <a:defRPr>
+                    <a:solidFill>
+                      <a:schemeClr val="tx1"/>
+                    </a:solidFill>
+                    <a:latin typeface="Arial" charset="0"/>
+                    <a:cs typeface="Arial" charset="0"/>
+                  </a:defRPr>
+                </a:lvl8pPr>
+                <a:lvl9pPr marL="3886200" indent="-228600" eaLnBrk="0" fontAlgn="base" hangingPunct="0">
+                  <a:spcBef>
+                    <a:spcPct val="0"/>
+                  </a:spcBef>
+                  <a:spcAft>
+                    <a:spcPct val="0"/>
+                  </a:spcAft>
+                  <a:defRPr>
+                    <a:solidFill>
+                      <a:schemeClr val="tx1"/>
+                    </a:solidFill>
+                    <a:latin typeface="Arial" charset="0"/>
+                    <a:cs typeface="Arial" charset="0"/>
+                  </a:defRPr>
+                </a:lvl9pPr>
+              </a:lstStyle>
+              <a:p>
+                <a:pPr eaLnBrk="1" hangingPunct="1"/>
+                <a:r>
+                  <a:rPr lang="en-US" dirty="0">
+                    <a:latin typeface="Courier New" pitchFamily="49" charset="0"/>
+                    <a:cs typeface="Courier New" pitchFamily="49" charset="0"/>
+                  </a:rPr>
+                  <a:t>#!/bin/bash –l</a:t>
+                </a:r>
+              </a:p>
+              <a:p>
+                <a:pPr eaLnBrk="1" hangingPunct="1"/>
+                <a:r>
+                  <a:rPr lang="en-US" dirty="0">
+                    <a:latin typeface="Courier New" pitchFamily="49" charset="0"/>
+                    <a:cs typeface="Courier New" pitchFamily="49" charset="0"/>
+                  </a:rPr>
+                  <a:t>#PBS –l </a:t>
+                </a:r>
+                <a:r>
+                  <a:rPr lang="en-US" b="1" dirty="0" smtClean="0">
+                    <a:solidFill>
+                      <a:srgbClr val="C00000"/>
+                    </a:solidFill>
+                    <a:latin typeface="Courier New" pitchFamily="49" charset="0"/>
+                    <a:cs typeface="Courier New" pitchFamily="49" charset="0"/>
+                  </a:rPr>
+                  <a:t>nodes=2:ppn=20</a:t>
+                </a:r>
+                <a:endParaRPr lang="en-US" b="1" dirty="0">
+                  <a:solidFill>
+                    <a:srgbClr val="C00000"/>
+                  </a:solidFill>
+                  <a:latin typeface="Courier New" pitchFamily="49" charset="0"/>
+                  <a:cs typeface="Courier New" pitchFamily="49" charset="0"/>
+                </a:endParaRPr>
+              </a:p>
+              <a:p>
+                <a:pPr eaLnBrk="1" hangingPunct="1"/>
+                <a:endParaRPr lang="en-US" dirty="0">
+                  <a:latin typeface="Courier New" pitchFamily="49" charset="0"/>
+                  <a:cs typeface="Courier New" pitchFamily="49" charset="0"/>
+                </a:endParaRPr>
+              </a:p>
+              <a:p>
+                <a:pPr eaLnBrk="1" hangingPunct="1"/>
+                <a:r>
+                  <a:rPr lang="en-US" dirty="0">
+                    <a:latin typeface="Courier New" pitchFamily="49" charset="0"/>
+                    <a:cs typeface="Courier New" pitchFamily="49" charset="0"/>
+                  </a:rPr>
+                  <a:t>cd $PBS_O_WORKDIR</a:t>
+                </a:r>
+                <a:br>
+                  <a:rPr lang="en-US" dirty="0">
+                    <a:latin typeface="Courier New" pitchFamily="49" charset="0"/>
+                    <a:cs typeface="Courier New" pitchFamily="49" charset="0"/>
+                  </a:rPr>
+                </a:br>
+                <a:r>
+                  <a:rPr lang="en-US" b="1" dirty="0" err="1" smtClean="0">
+                    <a:solidFill>
+                      <a:srgbClr val="C00000"/>
+                    </a:solidFill>
+                    <a:latin typeface="Courier New" pitchFamily="49" charset="0"/>
+                    <a:cs typeface="Courier New" pitchFamily="49" charset="0"/>
+                  </a:rPr>
+                  <a:t>mpirun</a:t>
+                </a:r>
+                <a:r>
+                  <a:rPr lang="en-US" dirty="0" smtClean="0">
+                    <a:solidFill>
+                      <a:srgbClr val="C00000"/>
+                    </a:solidFill>
+                    <a:latin typeface="Courier New" pitchFamily="49" charset="0"/>
+                    <a:cs typeface="Courier New" pitchFamily="49" charset="0"/>
+                  </a:rPr>
+                  <a:t> </a:t>
+                </a:r>
+                <a:r>
+                  <a:rPr lang="en-US" dirty="0" smtClean="0">
+                    <a:latin typeface="Courier New" pitchFamily="49" charset="0"/>
+                    <a:cs typeface="Courier New" pitchFamily="49" charset="0"/>
+                  </a:rPr>
+                  <a:t>weather </a:t>
+                </a:r>
+                <a:r>
+                  <a:rPr lang="en-US" dirty="0">
+                    <a:latin typeface="Courier New" pitchFamily="49" charset="0"/>
+                    <a:cs typeface="Courier New" pitchFamily="49" charset="0"/>
+                  </a:rPr>
+                  <a:t>–p </a:t>
+                </a:r>
+                <a:r>
+                  <a:rPr lang="en-US" dirty="0" smtClean="0">
+                    <a:latin typeface="Courier New" pitchFamily="49" charset="0"/>
+                    <a:cs typeface="Courier New" pitchFamily="49" charset="0"/>
+                  </a:rPr>
+                  <a:t>1.003e05  </a:t>
+                </a:r>
+                <a:r>
+                  <a:rPr lang="en-US" dirty="0">
+                    <a:latin typeface="Courier New" pitchFamily="49" charset="0"/>
+                    <a:cs typeface="Courier New" pitchFamily="49" charset="0"/>
+                  </a:rPr>
+                  <a:t>–t </a:t>
+                </a:r>
+                <a:r>
+                  <a:rPr lang="en-US" dirty="0" smtClean="0">
+                    <a:latin typeface="Courier New" pitchFamily="49" charset="0"/>
+                    <a:cs typeface="Courier New" pitchFamily="49" charset="0"/>
+                  </a:rPr>
+                  <a:t>293.3  </a:t>
+                </a:r>
+                <a:r>
+                  <a:rPr lang="en-US" dirty="0">
+                    <a:latin typeface="Courier New" pitchFamily="49" charset="0"/>
+                    <a:cs typeface="Courier New" pitchFamily="49" charset="0"/>
+                  </a:rPr>
+                  <a:t>–h </a:t>
+                </a:r>
+                <a:r>
+                  <a:rPr lang="en-US" dirty="0" smtClean="0">
+                    <a:latin typeface="Courier New" pitchFamily="49" charset="0"/>
+                    <a:cs typeface="Courier New" pitchFamily="49" charset="0"/>
+                  </a:rPr>
+                  <a:t>67</a:t>
+                </a:r>
+                <a:endParaRPr lang="en-US" dirty="0">
+                  <a:latin typeface="Courier New" pitchFamily="49" charset="0"/>
+                  <a:cs typeface="Courier New" pitchFamily="49" charset="0"/>
+                </a:endParaRPr>
+              </a:p>
+            </p:txBody>
+          </p:sp>
+          <p:sp>
+            <p:nvSpPr>
+              <p:cNvPr id="14" name="TextBox 8"/>
+              <p:cNvSpPr txBox="1">
+                <a:spLocks noChangeArrowheads="1"/>
+              </p:cNvSpPr>
+              <p:nvPr/>
+            </p:nvSpPr>
+            <p:spPr bwMode="auto">
+              <a:xfrm>
+                <a:off x="6527837" y="3760127"/>
+                <a:ext cx="1114408" cy="276999"/>
+              </a:xfrm>
+              <a:prstGeom prst="rect">
+                <a:avLst/>
+              </a:prstGeom>
+              <a:solidFill>
+                <a:srgbClr val="FFFFFF"/>
+              </a:solidFill>
+              <a:ln w="9525">
+                <a:solidFill>
+                  <a:srgbClr val="000000"/>
+                </a:solidFill>
+                <a:miter lim="800000"/>
+                <a:headEnd/>
+                <a:tailEnd/>
+              </a:ln>
+              <a:extLst/>
+            </p:spPr>
+            <p:txBody>
+              <a:bodyPr wrap="none">
+                <a:spAutoFit/>
+              </a:bodyPr>
+              <a:lstStyle>
+                <a:lvl1pPr eaLnBrk="0" hangingPunct="0">
+                  <a:defRPr>
+                    <a:solidFill>
+                      <a:schemeClr val="tx1"/>
+                    </a:solidFill>
+                    <a:latin typeface="Arial" charset="0"/>
+                    <a:cs typeface="Arial" charset="0"/>
+                  </a:defRPr>
+                </a:lvl1pPr>
+                <a:lvl2pPr marL="742950" indent="-285750" eaLnBrk="0" hangingPunct="0">
+                  <a:defRPr>
+                    <a:solidFill>
+                      <a:schemeClr val="tx1"/>
+                    </a:solidFill>
+                    <a:latin typeface="Arial" charset="0"/>
+                    <a:cs typeface="Arial" charset="0"/>
+                  </a:defRPr>
+                </a:lvl2pPr>
+                <a:lvl3pPr marL="1143000" indent="-228600" eaLnBrk="0" hangingPunct="0">
+                  <a:defRPr>
+                    <a:solidFill>
+                      <a:schemeClr val="tx1"/>
+                    </a:solidFill>
+                    <a:latin typeface="Arial" charset="0"/>
+                    <a:cs typeface="Arial" charset="0"/>
+                  </a:defRPr>
+                </a:lvl3pPr>
+                <a:lvl4pPr marL="1600200" indent="-228600" eaLnBrk="0" hangingPunct="0">
+                  <a:defRPr>
+                    <a:solidFill>
+                      <a:schemeClr val="tx1"/>
+                    </a:solidFill>
+                    <a:latin typeface="Arial" charset="0"/>
+                    <a:cs typeface="Arial" charset="0"/>
+                  </a:defRPr>
+                </a:lvl4pPr>
+                <a:lvl5pPr marL="2057400" indent="-228600" eaLnBrk="0" hangingPunct="0">
+                  <a:defRPr>
+                    <a:solidFill>
+                      <a:schemeClr val="tx1"/>
+                    </a:solidFill>
+                    <a:latin typeface="Arial" charset="0"/>
+                    <a:cs typeface="Arial" charset="0"/>
+                  </a:defRPr>
+                </a:lvl5pPr>
+                <a:lvl6pPr marL="2514600" indent="-228600" eaLnBrk="0" fontAlgn="base" hangingPunct="0">
+                  <a:spcBef>
+                    <a:spcPct val="0"/>
+                  </a:spcBef>
+                  <a:spcAft>
+                    <a:spcPct val="0"/>
+                  </a:spcAft>
+                  <a:defRPr>
+                    <a:solidFill>
+                      <a:schemeClr val="tx1"/>
+                    </a:solidFill>
+                    <a:latin typeface="Arial" charset="0"/>
+                    <a:cs typeface="Arial" charset="0"/>
+                  </a:defRPr>
+                </a:lvl6pPr>
+                <a:lvl7pPr marL="2971800" indent="-228600" eaLnBrk="0" fontAlgn="base" hangingPunct="0">
+                  <a:spcBef>
+                    <a:spcPct val="0"/>
+                  </a:spcBef>
+                  <a:spcAft>
+                    <a:spcPct val="0"/>
+                  </a:spcAft>
+                  <a:defRPr>
+                    <a:solidFill>
+                      <a:schemeClr val="tx1"/>
+                    </a:solidFill>
+                    <a:latin typeface="Arial" charset="0"/>
+                    <a:cs typeface="Arial" charset="0"/>
+                  </a:defRPr>
+                </a:lvl7pPr>
+                <a:lvl8pPr marL="3429000" indent="-228600" eaLnBrk="0" fontAlgn="base" hangingPunct="0">
+                  <a:spcBef>
+                    <a:spcPct val="0"/>
+                  </a:spcBef>
+                  <a:spcAft>
+                    <a:spcPct val="0"/>
+                  </a:spcAft>
+                  <a:defRPr>
+                    <a:solidFill>
+                      <a:schemeClr val="tx1"/>
+                    </a:solidFill>
+                    <a:latin typeface="Arial" charset="0"/>
+                    <a:cs typeface="Arial" charset="0"/>
+                  </a:defRPr>
+                </a:lvl8pPr>
+                <a:lvl9pPr marL="3886200" indent="-228600" eaLnBrk="0" fontAlgn="base" hangingPunct="0">
+                  <a:spcBef>
+                    <a:spcPct val="0"/>
+                  </a:spcBef>
+                  <a:spcAft>
+                    <a:spcPct val="0"/>
+                  </a:spcAft>
+                  <a:defRPr>
+                    <a:solidFill>
+                      <a:schemeClr val="tx1"/>
+                    </a:solidFill>
+                    <a:latin typeface="Arial" charset="0"/>
+                    <a:cs typeface="Arial" charset="0"/>
+                  </a:defRPr>
+                </a:lvl9pPr>
+              </a:lstStyle>
+              <a:p>
+                <a:pPr eaLnBrk="1" hangingPunct="1"/>
+                <a:r>
+                  <a:rPr lang="en-US" sz="1200" b="1" dirty="0" smtClean="0">
+                    <a:latin typeface="Courier New" panose="02070309020205020404" pitchFamily="49" charset="0"/>
+                    <a:cs typeface="Courier New" panose="02070309020205020404" pitchFamily="49" charset="0"/>
+                  </a:rPr>
+                  <a:t>job_30.pbs</a:t>
+                </a:r>
+                <a:endParaRPr lang="nl-BE" sz="1200" b="1" dirty="0">
+                  <a:latin typeface="Courier New" panose="02070309020205020404" pitchFamily="49" charset="0"/>
+                  <a:cs typeface="Courier New" panose="02070309020205020404" pitchFamily="49" charset="0"/>
+                </a:endParaRPr>
+              </a:p>
+            </p:txBody>
+          </p:sp>
+        </p:grpSp>
+        <p:sp>
+          <p:nvSpPr>
+            <p:cNvPr id="20" name="TextBox 19"/>
+            <p:cNvSpPr txBox="1"/>
+            <p:nvPr/>
+          </p:nvSpPr>
+          <p:spPr>
+            <a:xfrm rot="3263479">
+              <a:off x="672339" y="4822455"/>
+              <a:ext cx="433132" cy="523220"/>
+            </a:xfrm>
+            <a:prstGeom prst="rect">
+              <a:avLst/>
+            </a:prstGeom>
+            <a:noFill/>
+          </p:spPr>
+          <p:txBody>
+            <a:bodyPr wrap="none" rtlCol="0">
+              <a:spAutoFit/>
+            </a:bodyPr>
+            <a:lstStyle/>
+            <a:p>
+              <a:r>
+                <a:rPr lang="en-US" sz="2800" dirty="0" smtClean="0"/>
+                <a:t>…</a:t>
+              </a:r>
+              <a:endParaRPr lang="en-US" sz="2800" dirty="0"/>
+            </a:p>
+          </p:txBody>
+        </p:sp>
+      </p:grpSp>
+      <p:grpSp>
+        <p:nvGrpSpPr>
+          <p:cNvPr id="19" name="Group 18"/>
+          <p:cNvGrpSpPr/>
+          <p:nvPr/>
+        </p:nvGrpSpPr>
+        <p:grpSpPr>
+          <a:xfrm>
+            <a:off x="1056116" y="4903802"/>
+            <a:ext cx="7615857" cy="1477328"/>
+            <a:chOff x="1056116" y="4903802"/>
+            <a:chExt cx="7615857" cy="1477328"/>
+          </a:xfrm>
+          <a:effectLst>
+            <a:outerShdw blurRad="50800" dist="38100" dir="8100000" algn="tr" rotWithShape="0">
+              <a:prstClr val="black">
+                <a:alpha val="40000"/>
+              </a:prstClr>
+            </a:outerShdw>
+          </a:effectLst>
+        </p:grpSpPr>
+        <p:grpSp>
+          <p:nvGrpSpPr>
+            <p:cNvPr id="15" name="Group 14"/>
+            <p:cNvGrpSpPr/>
+            <p:nvPr/>
+          </p:nvGrpSpPr>
+          <p:grpSpPr>
+            <a:xfrm>
+              <a:off x="1458353" y="4903802"/>
+              <a:ext cx="7213620" cy="1477328"/>
+              <a:chOff x="428625" y="3754438"/>
+              <a:chExt cx="7213620" cy="1477328"/>
+            </a:xfrm>
+          </p:grpSpPr>
+          <p:sp>
+            <p:nvSpPr>
+              <p:cNvPr id="16" name="TextBox 3"/>
+              <p:cNvSpPr txBox="1">
+                <a:spLocks noChangeArrowheads="1"/>
+              </p:cNvSpPr>
+              <p:nvPr/>
+            </p:nvSpPr>
+            <p:spPr bwMode="auto">
+              <a:xfrm>
+                <a:off x="428625" y="3754438"/>
+                <a:ext cx="7213620" cy="1477328"/>
+              </a:xfrm>
+              <a:prstGeom prst="rect">
+                <a:avLst/>
+              </a:prstGeom>
+              <a:solidFill>
+                <a:schemeClr val="bg1">
+                  <a:lumMod val="95000"/>
+                </a:schemeClr>
+              </a:solidFill>
+              <a:ln w="9525">
+                <a:solidFill>
+                  <a:schemeClr val="tx1"/>
+                </a:solidFill>
+                <a:miter lim="800000"/>
+                <a:headEnd/>
+                <a:tailEnd/>
+              </a:ln>
+              <a:extLst/>
+            </p:spPr>
+            <p:txBody>
+              <a:bodyPr wrap="square">
+                <a:spAutoFit/>
+              </a:bodyPr>
+              <a:lstStyle>
+                <a:lvl1pPr eaLnBrk="0" hangingPunct="0">
+                  <a:defRPr>
+                    <a:solidFill>
+                      <a:schemeClr val="tx1"/>
+                    </a:solidFill>
+                    <a:latin typeface="Arial" charset="0"/>
+                    <a:cs typeface="Arial" charset="0"/>
+                  </a:defRPr>
+                </a:lvl1pPr>
+                <a:lvl2pPr marL="742950" indent="-285750" eaLnBrk="0" hangingPunct="0">
+                  <a:defRPr>
+                    <a:solidFill>
+                      <a:schemeClr val="tx1"/>
+                    </a:solidFill>
+                    <a:latin typeface="Arial" charset="0"/>
+                    <a:cs typeface="Arial" charset="0"/>
+                  </a:defRPr>
+                </a:lvl2pPr>
+                <a:lvl3pPr marL="1143000" indent="-228600" eaLnBrk="0" hangingPunct="0">
+                  <a:defRPr>
+                    <a:solidFill>
+                      <a:schemeClr val="tx1"/>
+                    </a:solidFill>
+                    <a:latin typeface="Arial" charset="0"/>
+                    <a:cs typeface="Arial" charset="0"/>
+                  </a:defRPr>
+                </a:lvl3pPr>
+                <a:lvl4pPr marL="1600200" indent="-228600" eaLnBrk="0" hangingPunct="0">
+                  <a:defRPr>
+                    <a:solidFill>
+                      <a:schemeClr val="tx1"/>
+                    </a:solidFill>
+                    <a:latin typeface="Arial" charset="0"/>
+                    <a:cs typeface="Arial" charset="0"/>
+                  </a:defRPr>
+                </a:lvl4pPr>
+                <a:lvl5pPr marL="2057400" indent="-228600" eaLnBrk="0" hangingPunct="0">
+                  <a:defRPr>
+                    <a:solidFill>
+                      <a:schemeClr val="tx1"/>
+                    </a:solidFill>
+                    <a:latin typeface="Arial" charset="0"/>
+                    <a:cs typeface="Arial" charset="0"/>
+                  </a:defRPr>
+                </a:lvl5pPr>
+                <a:lvl6pPr marL="2514600" indent="-228600" eaLnBrk="0" fontAlgn="base" hangingPunct="0">
+                  <a:spcBef>
+                    <a:spcPct val="0"/>
+                  </a:spcBef>
+                  <a:spcAft>
+                    <a:spcPct val="0"/>
+                  </a:spcAft>
+                  <a:defRPr>
+                    <a:solidFill>
+                      <a:schemeClr val="tx1"/>
+                    </a:solidFill>
+                    <a:latin typeface="Arial" charset="0"/>
+                    <a:cs typeface="Arial" charset="0"/>
+                  </a:defRPr>
+                </a:lvl6pPr>
+                <a:lvl7pPr marL="2971800" indent="-228600" eaLnBrk="0" fontAlgn="base" hangingPunct="0">
+                  <a:spcBef>
+                    <a:spcPct val="0"/>
+                  </a:spcBef>
+                  <a:spcAft>
+                    <a:spcPct val="0"/>
+                  </a:spcAft>
+                  <a:defRPr>
+                    <a:solidFill>
+                      <a:schemeClr val="tx1"/>
+                    </a:solidFill>
+                    <a:latin typeface="Arial" charset="0"/>
+                    <a:cs typeface="Arial" charset="0"/>
+                  </a:defRPr>
+                </a:lvl7pPr>
+                <a:lvl8pPr marL="3429000" indent="-228600" eaLnBrk="0" fontAlgn="base" hangingPunct="0">
+                  <a:spcBef>
+                    <a:spcPct val="0"/>
+                  </a:spcBef>
+                  <a:spcAft>
+                    <a:spcPct val="0"/>
+                  </a:spcAft>
+                  <a:defRPr>
+                    <a:solidFill>
+                      <a:schemeClr val="tx1"/>
+                    </a:solidFill>
+                    <a:latin typeface="Arial" charset="0"/>
+                    <a:cs typeface="Arial" charset="0"/>
+                  </a:defRPr>
+                </a:lvl8pPr>
+                <a:lvl9pPr marL="3886200" indent="-228600" eaLnBrk="0" fontAlgn="base" hangingPunct="0">
+                  <a:spcBef>
+                    <a:spcPct val="0"/>
+                  </a:spcBef>
+                  <a:spcAft>
+                    <a:spcPct val="0"/>
+                  </a:spcAft>
+                  <a:defRPr>
+                    <a:solidFill>
+                      <a:schemeClr val="tx1"/>
+                    </a:solidFill>
+                    <a:latin typeface="Arial" charset="0"/>
+                    <a:cs typeface="Arial" charset="0"/>
+                  </a:defRPr>
+                </a:lvl9pPr>
+              </a:lstStyle>
+              <a:p>
+                <a:pPr eaLnBrk="1" hangingPunct="1"/>
+                <a:r>
+                  <a:rPr lang="en-US" dirty="0">
+                    <a:latin typeface="Courier New" pitchFamily="49" charset="0"/>
+                    <a:cs typeface="Courier New" pitchFamily="49" charset="0"/>
+                  </a:rPr>
+                  <a:t>#!/bin/bash –l</a:t>
+                </a:r>
+              </a:p>
+              <a:p>
+                <a:pPr eaLnBrk="1" hangingPunct="1"/>
+                <a:r>
+                  <a:rPr lang="en-US" dirty="0">
+                    <a:latin typeface="Courier New" pitchFamily="49" charset="0"/>
+                    <a:cs typeface="Courier New" pitchFamily="49" charset="0"/>
+                  </a:rPr>
+                  <a:t>#PBS –l </a:t>
+                </a:r>
+                <a:r>
+                  <a:rPr lang="en-US" b="1" dirty="0" smtClean="0">
+                    <a:solidFill>
+                      <a:srgbClr val="C00000"/>
+                    </a:solidFill>
+                    <a:latin typeface="Courier New" pitchFamily="49" charset="0"/>
+                    <a:cs typeface="Courier New" pitchFamily="49" charset="0"/>
+                  </a:rPr>
+                  <a:t>nodes=2:ppn=20</a:t>
+                </a:r>
+                <a:endParaRPr lang="en-US" b="1" dirty="0">
+                  <a:solidFill>
+                    <a:srgbClr val="C00000"/>
+                  </a:solidFill>
+                  <a:latin typeface="Courier New" pitchFamily="49" charset="0"/>
+                  <a:cs typeface="Courier New" pitchFamily="49" charset="0"/>
+                </a:endParaRPr>
+              </a:p>
+              <a:p>
+                <a:pPr eaLnBrk="1" hangingPunct="1"/>
+                <a:endParaRPr lang="en-US" dirty="0">
+                  <a:latin typeface="Courier New" pitchFamily="49" charset="0"/>
+                  <a:cs typeface="Courier New" pitchFamily="49" charset="0"/>
+                </a:endParaRPr>
+              </a:p>
+              <a:p>
+                <a:pPr eaLnBrk="1" hangingPunct="1"/>
+                <a:r>
+                  <a:rPr lang="en-US" dirty="0">
+                    <a:latin typeface="Courier New" pitchFamily="49" charset="0"/>
+                    <a:cs typeface="Courier New" pitchFamily="49" charset="0"/>
+                  </a:rPr>
+                  <a:t>cd $PBS_O_WORKDIR</a:t>
+                </a:r>
+                <a:br>
+                  <a:rPr lang="en-US" dirty="0">
+                    <a:latin typeface="Courier New" pitchFamily="49" charset="0"/>
+                    <a:cs typeface="Courier New" pitchFamily="49" charset="0"/>
+                  </a:rPr>
+                </a:br>
+                <a:r>
+                  <a:rPr lang="en-US" b="1" dirty="0" err="1" smtClean="0">
+                    <a:solidFill>
+                      <a:srgbClr val="C00000"/>
+                    </a:solidFill>
+                    <a:latin typeface="Courier New" pitchFamily="49" charset="0"/>
+                    <a:cs typeface="Courier New" pitchFamily="49" charset="0"/>
+                  </a:rPr>
+                  <a:t>mpirun</a:t>
+                </a:r>
+                <a:r>
+                  <a:rPr lang="en-US" dirty="0" smtClean="0">
+                    <a:solidFill>
+                      <a:srgbClr val="C00000"/>
+                    </a:solidFill>
+                    <a:latin typeface="Courier New" pitchFamily="49" charset="0"/>
+                    <a:cs typeface="Courier New" pitchFamily="49" charset="0"/>
+                  </a:rPr>
+                  <a:t> </a:t>
+                </a:r>
+                <a:r>
+                  <a:rPr lang="en-US" dirty="0" smtClean="0">
+                    <a:latin typeface="Courier New" pitchFamily="49" charset="0"/>
+                    <a:cs typeface="Courier New" pitchFamily="49" charset="0"/>
+                  </a:rPr>
+                  <a:t>weather </a:t>
+                </a:r>
+                <a:r>
+                  <a:rPr lang="en-US" dirty="0">
+                    <a:latin typeface="Courier New" pitchFamily="49" charset="0"/>
+                    <a:cs typeface="Courier New" pitchFamily="49" charset="0"/>
+                  </a:rPr>
+                  <a:t>–p </a:t>
+                </a:r>
+                <a:r>
+                  <a:rPr lang="en-US" dirty="0" smtClean="0">
+                    <a:latin typeface="Courier New" pitchFamily="49" charset="0"/>
+                    <a:cs typeface="Courier New" pitchFamily="49" charset="0"/>
+                  </a:rPr>
+                  <a:t>1.3e05  </a:t>
+                </a:r>
+                <a:r>
+                  <a:rPr lang="en-US" dirty="0">
+                    <a:latin typeface="Courier New" pitchFamily="49" charset="0"/>
+                    <a:cs typeface="Courier New" pitchFamily="49" charset="0"/>
+                  </a:rPr>
+                  <a:t>–t </a:t>
+                </a:r>
+                <a:r>
+                  <a:rPr lang="en-US" dirty="0" smtClean="0">
+                    <a:latin typeface="Courier New" pitchFamily="49" charset="0"/>
+                    <a:cs typeface="Courier New" pitchFamily="49" charset="0"/>
+                  </a:rPr>
+                  <a:t>313.0  </a:t>
+                </a:r>
+                <a:r>
+                  <a:rPr lang="en-US" dirty="0">
+                    <a:latin typeface="Courier New" pitchFamily="49" charset="0"/>
+                    <a:cs typeface="Courier New" pitchFamily="49" charset="0"/>
+                  </a:rPr>
+                  <a:t>–h </a:t>
+                </a:r>
+                <a:r>
+                  <a:rPr lang="en-US" dirty="0" smtClean="0">
+                    <a:latin typeface="Courier New" pitchFamily="49" charset="0"/>
+                    <a:cs typeface="Courier New" pitchFamily="49" charset="0"/>
+                  </a:rPr>
+                  <a:t>75</a:t>
+                </a:r>
+                <a:endParaRPr lang="en-US" dirty="0">
+                  <a:latin typeface="Courier New" pitchFamily="49" charset="0"/>
+                  <a:cs typeface="Courier New" pitchFamily="49" charset="0"/>
+                </a:endParaRPr>
+              </a:p>
+            </p:txBody>
+          </p:sp>
+          <p:sp>
+            <p:nvSpPr>
+              <p:cNvPr id="17" name="TextBox 8"/>
+              <p:cNvSpPr txBox="1">
+                <a:spLocks noChangeArrowheads="1"/>
+              </p:cNvSpPr>
+              <p:nvPr/>
+            </p:nvSpPr>
+            <p:spPr bwMode="auto">
+              <a:xfrm>
+                <a:off x="6527837" y="3760127"/>
+                <a:ext cx="1114408" cy="276999"/>
+              </a:xfrm>
+              <a:prstGeom prst="rect">
+                <a:avLst/>
+              </a:prstGeom>
+              <a:solidFill>
+                <a:srgbClr val="FFFFFF"/>
+              </a:solidFill>
+              <a:ln w="9525">
+                <a:solidFill>
+                  <a:srgbClr val="000000"/>
+                </a:solidFill>
+                <a:miter lim="800000"/>
+                <a:headEnd/>
+                <a:tailEnd/>
+              </a:ln>
+              <a:extLst/>
+            </p:spPr>
+            <p:txBody>
+              <a:bodyPr wrap="none">
+                <a:spAutoFit/>
+              </a:bodyPr>
+              <a:lstStyle>
+                <a:lvl1pPr eaLnBrk="0" hangingPunct="0">
+                  <a:defRPr>
+                    <a:solidFill>
+                      <a:schemeClr val="tx1"/>
+                    </a:solidFill>
+                    <a:latin typeface="Arial" charset="0"/>
+                    <a:cs typeface="Arial" charset="0"/>
+                  </a:defRPr>
+                </a:lvl1pPr>
+                <a:lvl2pPr marL="742950" indent="-285750" eaLnBrk="0" hangingPunct="0">
+                  <a:defRPr>
+                    <a:solidFill>
+                      <a:schemeClr val="tx1"/>
+                    </a:solidFill>
+                    <a:latin typeface="Arial" charset="0"/>
+                    <a:cs typeface="Arial" charset="0"/>
+                  </a:defRPr>
+                </a:lvl2pPr>
+                <a:lvl3pPr marL="1143000" indent="-228600" eaLnBrk="0" hangingPunct="0">
+                  <a:defRPr>
+                    <a:solidFill>
+                      <a:schemeClr val="tx1"/>
+                    </a:solidFill>
+                    <a:latin typeface="Arial" charset="0"/>
+                    <a:cs typeface="Arial" charset="0"/>
+                  </a:defRPr>
+                </a:lvl3pPr>
+                <a:lvl4pPr marL="1600200" indent="-228600" eaLnBrk="0" hangingPunct="0">
+                  <a:defRPr>
+                    <a:solidFill>
+                      <a:schemeClr val="tx1"/>
+                    </a:solidFill>
+                    <a:latin typeface="Arial" charset="0"/>
+                    <a:cs typeface="Arial" charset="0"/>
+                  </a:defRPr>
+                </a:lvl4pPr>
+                <a:lvl5pPr marL="2057400" indent="-228600" eaLnBrk="0" hangingPunct="0">
+                  <a:defRPr>
+                    <a:solidFill>
+                      <a:schemeClr val="tx1"/>
+                    </a:solidFill>
+                    <a:latin typeface="Arial" charset="0"/>
+                    <a:cs typeface="Arial" charset="0"/>
+                  </a:defRPr>
+                </a:lvl5pPr>
+                <a:lvl6pPr marL="2514600" indent="-228600" eaLnBrk="0" fontAlgn="base" hangingPunct="0">
+                  <a:spcBef>
+                    <a:spcPct val="0"/>
+                  </a:spcBef>
+                  <a:spcAft>
+                    <a:spcPct val="0"/>
+                  </a:spcAft>
+                  <a:defRPr>
+                    <a:solidFill>
+                      <a:schemeClr val="tx1"/>
+                    </a:solidFill>
+                    <a:latin typeface="Arial" charset="0"/>
+                    <a:cs typeface="Arial" charset="0"/>
+                  </a:defRPr>
+                </a:lvl6pPr>
+                <a:lvl7pPr marL="2971800" indent="-228600" eaLnBrk="0" fontAlgn="base" hangingPunct="0">
+                  <a:spcBef>
+                    <a:spcPct val="0"/>
+                  </a:spcBef>
+                  <a:spcAft>
+                    <a:spcPct val="0"/>
+                  </a:spcAft>
+                  <a:defRPr>
+                    <a:solidFill>
+                      <a:schemeClr val="tx1"/>
+                    </a:solidFill>
+                    <a:latin typeface="Arial" charset="0"/>
+                    <a:cs typeface="Arial" charset="0"/>
+                  </a:defRPr>
+                </a:lvl7pPr>
+                <a:lvl8pPr marL="3429000" indent="-228600" eaLnBrk="0" fontAlgn="base" hangingPunct="0">
+                  <a:spcBef>
+                    <a:spcPct val="0"/>
+                  </a:spcBef>
+                  <a:spcAft>
+                    <a:spcPct val="0"/>
+                  </a:spcAft>
+                  <a:defRPr>
+                    <a:solidFill>
+                      <a:schemeClr val="tx1"/>
+                    </a:solidFill>
+                    <a:latin typeface="Arial" charset="0"/>
+                    <a:cs typeface="Arial" charset="0"/>
+                  </a:defRPr>
+                </a:lvl8pPr>
+                <a:lvl9pPr marL="3886200" indent="-228600" eaLnBrk="0" fontAlgn="base" hangingPunct="0">
+                  <a:spcBef>
+                    <a:spcPct val="0"/>
+                  </a:spcBef>
+                  <a:spcAft>
+                    <a:spcPct val="0"/>
+                  </a:spcAft>
+                  <a:defRPr>
+                    <a:solidFill>
+                      <a:schemeClr val="tx1"/>
+                    </a:solidFill>
+                    <a:latin typeface="Arial" charset="0"/>
+                    <a:cs typeface="Arial" charset="0"/>
+                  </a:defRPr>
+                </a:lvl9pPr>
+              </a:lstStyle>
+              <a:p>
+                <a:pPr eaLnBrk="1" hangingPunct="1"/>
+                <a:r>
+                  <a:rPr lang="en-US" sz="1200" b="1" dirty="0" smtClean="0">
+                    <a:latin typeface="Courier New" panose="02070309020205020404" pitchFamily="49" charset="0"/>
+                    <a:cs typeface="Courier New" panose="02070309020205020404" pitchFamily="49" charset="0"/>
+                  </a:rPr>
+                  <a:t>job_60.pbs</a:t>
+                </a:r>
+                <a:endParaRPr lang="nl-BE" sz="1200" b="1" dirty="0">
+                  <a:latin typeface="Courier New" panose="02070309020205020404" pitchFamily="49" charset="0"/>
+                  <a:cs typeface="Courier New" panose="02070309020205020404" pitchFamily="49" charset="0"/>
+                </a:endParaRPr>
+              </a:p>
+            </p:txBody>
+          </p:sp>
+        </p:grpSp>
+        <p:sp>
+          <p:nvSpPr>
+            <p:cNvPr id="8" name="TextBox 7"/>
+            <p:cNvSpPr txBox="1"/>
+            <p:nvPr/>
+          </p:nvSpPr>
+          <p:spPr>
+            <a:xfrm rot="3263479">
+              <a:off x="1101160" y="5380856"/>
+              <a:ext cx="433132" cy="523220"/>
+            </a:xfrm>
+            <a:prstGeom prst="rect">
+              <a:avLst/>
+            </a:prstGeom>
+            <a:noFill/>
+          </p:spPr>
+          <p:txBody>
+            <a:bodyPr wrap="none" rtlCol="0">
+              <a:spAutoFit/>
+            </a:bodyPr>
+            <a:lstStyle/>
+            <a:p>
+              <a:r>
+                <a:rPr lang="en-US" sz="2800" dirty="0" smtClean="0"/>
+                <a:t>…</a:t>
+              </a:r>
+              <a:endParaRPr lang="en-US" sz="2800" dirty="0"/>
+            </a:p>
+          </p:txBody>
+        </p:sp>
+      </p:grpSp>
+    </p:spTree>
+    <p:extLst>
+      <p:ext uri="{BB962C8B-B14F-4D97-AF65-F5344CB8AC3E}">
+        <p14:creationId xmlns:p14="http://schemas.microsoft.com/office/powerpoint/2010/main" val="3774639464"/>
+      </p:ext>
+    </p:extLst>
+  </p:cSld>
+  <p:clrMapOvr>
+    <a:masterClrMapping/>
+  </p:clrMapOvr>
+  <p:timing>
+    <p:tnLst>
+      <p:par>
+        <p:cTn id="1" dur="indefinite" restart="never" nodeType="tmRoot">
+          <p:childTnLst>
+            <p:seq concurrent="1" nextAc="seek">
+              <p:cTn id="2" dur="indefinite" nodeType="mainSeq">
+                <p:childTnLst>
+                  <p:par>
+                    <p:cTn id="3" fill="hold">
+                      <p:stCondLst>
+                        <p:cond delay="indefinite"/>
+                      </p:stCondLst>
+                      <p:childTnLst>
+                        <p:par>
+                          <p:cTn id="4" fill="hold">
+                            <p:stCondLst>
+                              <p:cond delay="0"/>
+                            </p:stCondLst>
+                            <p:childTnLst>
+                              <p:par>
+                                <p:cTn id="5" presetID="1" presetClass="entr" presetSubtype="0" fill="hold" nodeType="clickEffect">
+                                  <p:stCondLst>
+                                    <p:cond delay="0"/>
+                                  </p:stCondLst>
+                                  <p:childTnLst>
+                                    <p:set>
+                                      <p:cBhvr>
+                                        <p:cTn id="6" dur="1" fill="hold">
+                                          <p:stCondLst>
+                                            <p:cond delay="0"/>
+                                          </p:stCondLst>
+                                        </p:cTn>
+                                        <p:tgtEl>
+                                          <p:spTgt spid="18"/>
+                                        </p:tgtEl>
+                                        <p:attrNameLst>
+                                          <p:attrName>style.visibility</p:attrName>
+                                        </p:attrNameLst>
+                                      </p:cBhvr>
+                                      <p:to>
+                                        <p:strVal val="visible"/>
+                                      </p:to>
+                                    </p:set>
+                                  </p:childTnLst>
+                                </p:cTn>
+                              </p:par>
+                            </p:childTnLst>
+                          </p:cTn>
+                        </p:par>
+                      </p:childTnLst>
+                    </p:cTn>
+                  </p:par>
+                  <p:par>
+                    <p:cTn id="7" fill="hold">
+                      <p:stCondLst>
+                        <p:cond delay="indefinite"/>
+                      </p:stCondLst>
+                      <p:childTnLst>
+                        <p:par>
+                          <p:cTn id="8" fill="hold">
+                            <p:stCondLst>
+                              <p:cond delay="0"/>
+                            </p:stCondLst>
+                            <p:childTnLst>
+                              <p:par>
+                                <p:cTn id="9" presetID="1" presetClass="entr" presetSubtype="0" fill="hold" nodeType="clickEffect">
+                                  <p:stCondLst>
+                                    <p:cond delay="0"/>
+                                  </p:stCondLst>
+                                  <p:childTnLst>
+                                    <p:set>
+                                      <p:cBhvr>
+                                        <p:cTn id="10" dur="1" fill="hold">
+                                          <p:stCondLst>
+                                            <p:cond delay="0"/>
+                                          </p:stCondLst>
+                                        </p:cTn>
+                                        <p:tgtEl>
+                                          <p:spTgt spid="19"/>
+                                        </p:tgtEl>
+                                        <p:attrNameLst>
+                                          <p:attrName>style.visibility</p:attrName>
+                                        </p:attrNameLst>
+                                      </p:cBhvr>
+                                      <p:to>
+                                        <p:strVal val="visible"/>
+                                      </p:to>
+                                    </p:set>
+                                  </p:childTnLst>
+                                </p:cTn>
+                              </p:par>
+                            </p:childTnLst>
+                          </p:cTn>
+                        </p:par>
+                      </p:childTnLst>
+                    </p:cTn>
+                  </p:par>
+                </p:childTnLst>
+              </p:cTn>
+              <p:prevCondLst>
+                <p:cond evt="onPrev" delay="0">
+                  <p:tgtEl>
+                    <p:sldTgt/>
+                  </p:tgtEl>
+                </p:cond>
+              </p:prevCondLst>
+              <p:nextCondLst>
+                <p:cond evt="onNext" delay="0">
+                  <p:tgtEl>
+                    <p:sldTgt/>
+                  </p:tgtEl>
+                </p:cond>
+              </p:nextCondLst>
+            </p:seq>
+          </p:childTnLst>
+        </p:cTn>
+      </p:par>
+    </p:tnLst>
+  </p:timing>
+</p:sld>
+</file>
+
+<file path=ppt/slides/slide30.xml><?xml version="1.0" encoding="utf-8"?>
 <p:sld xmlns:a="http://schemas.openxmlformats.org/drawingml/2006/main" xmlns:r="http://schemas.openxmlformats.org/officeDocument/2006/relationships" xmlns:p="http://schemas.openxmlformats.org/presentationml/2006/main">
   <p:cSld>
     <p:spTree>
@@ -22796,7 +25274,7 @@
             <a:graphicData uri="http://schemas.openxmlformats.org/presentationml/2006/ole">
               <mc:AlternateContent xmlns:mc="http://schemas.openxmlformats.org/markup-compatibility/2006">
                 <mc:Choice xmlns:v="urn:schemas-microsoft-com:vml" Requires="v">
-                  <p:oleObj spid="_x0000_s1074" name="Vergelijking" r:id="rId4" imgW="774364" imgH="291973" progId="Equation.3">
+                  <p:oleObj spid="_x0000_s1080" name="Vergelijking" r:id="rId4" imgW="774364" imgH="291973" progId="Equation.3">
                     <p:embed/>
                   </p:oleObj>
                 </mc:Choice>
@@ -23886,7 +26364,7 @@
             <a:graphicData uri="http://schemas.openxmlformats.org/presentationml/2006/ole">
               <mc:AlternateContent xmlns:mc="http://schemas.openxmlformats.org/markup-compatibility/2006">
                 <mc:Choice xmlns:v="urn:schemas-microsoft-com:vml" Requires="v">
-                  <p:oleObj spid="_x0000_s1075" name="Vergelijking" r:id="rId6" imgW="875920" imgH="215806" progId="Equation.3">
+                  <p:oleObj spid="_x0000_s1081" name="Vergelijking" r:id="rId6" imgW="875920" imgH="215806" progId="Equation.3">
                     <p:embed/>
                   </p:oleObj>
                 </mc:Choice>
@@ -24301,7 +26779,7 @@
           <a:p>
             <a:fld id="{0AA598EC-1C61-495B-A9F8-4410E339CCF5}" type="slidenum">
               <a:rPr lang="en-US" smtClean="0"/>
-              <a:t>29</a:t>
+              <a:t>30</a:t>
             </a:fld>
             <a:endParaRPr lang="en-US"/>
           </a:p>
@@ -24327,1865 +26805,7 @@
 </p:sld>
 </file>
 
-<file path=ppt/slides/slide3.xml><?xml version="1.0" encoding="utf-8"?>
-<p:sld xmlns:a="http://schemas.openxmlformats.org/drawingml/2006/main" xmlns:r="http://schemas.openxmlformats.org/officeDocument/2006/relationships" xmlns:p="http://schemas.openxmlformats.org/presentationml/2006/main">
-  <p:cSld>
-    <p:spTree>
-      <p:nvGrpSpPr>
-        <p:cNvPr id="1" name=""/>
-        <p:cNvGrpSpPr/>
-        <p:nvPr/>
-      </p:nvGrpSpPr>
-      <p:grpSpPr>
-        <a:xfrm>
-          <a:off x="0" y="0"/>
-          <a:ext cx="0" cy="0"/>
-          <a:chOff x="0" y="0"/>
-          <a:chExt cx="0" cy="0"/>
-        </a:xfrm>
-      </p:grpSpPr>
-      <p:sp>
-        <p:nvSpPr>
-          <p:cNvPr id="4098" name="Title 1"/>
-          <p:cNvSpPr>
-            <a:spLocks noGrp="1"/>
-          </p:cNvSpPr>
-          <p:nvPr>
-            <p:ph type="title" idx="4294967295"/>
-          </p:nvPr>
-        </p:nvSpPr>
-        <p:spPr>
-          <a:xfrm>
-            <a:off x="485775" y="274638"/>
-            <a:ext cx="8229600" cy="1143000"/>
-          </a:xfrm>
-        </p:spPr>
-        <p:txBody>
-          <a:bodyPr/>
-          <a:lstStyle/>
-          <a:p>
-            <a:pPr eaLnBrk="1" hangingPunct="1"/>
-            <a:r>
-              <a:rPr lang="en-US" smtClean="0"/>
-              <a:t>Use case 1: parameter exploration  </a:t>
-            </a:r>
-            <a:endParaRPr lang="nl-BE" smtClean="0"/>
-          </a:p>
-        </p:txBody>
-      </p:sp>
-      <p:graphicFrame>
-        <p:nvGraphicFramePr>
-          <p:cNvPr id="3" name="Table 2"/>
-          <p:cNvGraphicFramePr>
-            <a:graphicFrameLocks noGrp="1"/>
-          </p:cNvGraphicFramePr>
-          <p:nvPr>
-            <p:extLst>
-              <p:ext uri="{D42A27DB-BD31-4B8C-83A1-F6EECF244321}">
-                <p14:modId xmlns:p14="http://schemas.microsoft.com/office/powerpoint/2010/main" val="1754844820"/>
-              </p:ext>
-            </p:extLst>
-          </p:nvPr>
-        </p:nvGraphicFramePr>
-        <p:xfrm>
-          <a:off x="2571750" y="1628800"/>
-          <a:ext cx="6096000" cy="1482724"/>
-        </p:xfrm>
-        <a:graphic>
-          <a:graphicData uri="http://schemas.openxmlformats.org/drawingml/2006/table">
-            <a:tbl>
-              <a:tblPr firstRow="1" bandRow="1">
-                <a:tableStyleId>{5C22544A-7EE6-4342-B048-85BDC9FD1C3A}</a:tableStyleId>
-              </a:tblPr>
-              <a:tblGrid>
-                <a:gridCol w="2032000"/>
-                <a:gridCol w="2032000"/>
-                <a:gridCol w="2032000"/>
-              </a:tblGrid>
-              <a:tr h="370681">
-                <a:tc>
-                  <a:txBody>
-                    <a:bodyPr/>
-                    <a:lstStyle/>
-                    <a:p>
-                      <a:r>
-                        <a:rPr lang="en-US" sz="1800" dirty="0" smtClean="0"/>
-                        <a:t>temperature</a:t>
-                      </a:r>
-                      <a:endParaRPr lang="nl-BE" sz="1800" dirty="0"/>
-                    </a:p>
-                  </a:txBody>
-                  <a:tcPr marT="45700" marB="45700"/>
-                </a:tc>
-                <a:tc>
-                  <a:txBody>
-                    <a:bodyPr/>
-                    <a:lstStyle/>
-                    <a:p>
-                      <a:r>
-                        <a:rPr lang="en-US" sz="1800" dirty="0" smtClean="0"/>
-                        <a:t>pressure</a:t>
-                      </a:r>
-                      <a:endParaRPr lang="nl-BE" sz="1800" dirty="0"/>
-                    </a:p>
-                  </a:txBody>
-                  <a:tcPr marT="45700" marB="45700"/>
-                </a:tc>
-                <a:tc>
-                  <a:txBody>
-                    <a:bodyPr/>
-                    <a:lstStyle/>
-                    <a:p>
-                      <a:r>
-                        <a:rPr lang="en-US" sz="1800" dirty="0" smtClean="0"/>
-                        <a:t>humidity</a:t>
-                      </a:r>
-                      <a:endParaRPr lang="nl-BE" sz="1800" dirty="0"/>
-                    </a:p>
-                  </a:txBody>
-                  <a:tcPr marT="45700" marB="45700"/>
-                </a:tc>
-              </a:tr>
-              <a:tr h="370681">
-                <a:tc>
-                  <a:txBody>
-                    <a:bodyPr/>
-                    <a:lstStyle/>
-                    <a:p>
-                      <a:r>
-                        <a:rPr lang="en-US" sz="1800" dirty="0" smtClean="0"/>
-                        <a:t>293.0</a:t>
-                      </a:r>
-                    </a:p>
-                  </a:txBody>
-                  <a:tcPr marT="45700" marB="45700"/>
-                </a:tc>
-                <a:tc>
-                  <a:txBody>
-                    <a:bodyPr/>
-                    <a:lstStyle/>
-                    <a:p>
-                      <a:r>
-                        <a:rPr lang="en-US" sz="1800" dirty="0" smtClean="0"/>
-                        <a:t>1.0e05</a:t>
-                      </a:r>
-                      <a:endParaRPr lang="nl-BE" sz="1800" dirty="0"/>
-                    </a:p>
-                  </a:txBody>
-                  <a:tcPr marT="45700" marB="45700"/>
-                </a:tc>
-                <a:tc>
-                  <a:txBody>
-                    <a:bodyPr/>
-                    <a:lstStyle/>
-                    <a:p>
-                      <a:r>
-                        <a:rPr lang="en-US" sz="1800" dirty="0" smtClean="0"/>
-                        <a:t>87</a:t>
-                      </a:r>
-                      <a:endParaRPr lang="nl-BE" sz="1800" dirty="0"/>
-                    </a:p>
-                  </a:txBody>
-                  <a:tcPr marT="45700" marB="45700"/>
-                </a:tc>
-              </a:tr>
-              <a:tr h="370681">
-                <a:tc>
-                  <a:txBody>
-                    <a:bodyPr/>
-                    <a:lstStyle/>
-                    <a:p>
-                      <a:r>
-                        <a:rPr lang="en-US" sz="1800" dirty="0" smtClean="0"/>
-                        <a:t>…</a:t>
-                      </a:r>
-                      <a:endParaRPr lang="nl-BE" sz="1800" dirty="0"/>
-                    </a:p>
-                  </a:txBody>
-                  <a:tcPr marT="45700" marB="45700"/>
-                </a:tc>
-                <a:tc>
-                  <a:txBody>
-                    <a:bodyPr/>
-                    <a:lstStyle/>
-                    <a:p>
-                      <a:r>
-                        <a:rPr lang="en-US" sz="1800" dirty="0" smtClean="0"/>
-                        <a:t>…</a:t>
-                      </a:r>
-                      <a:endParaRPr lang="nl-BE" sz="1800" dirty="0"/>
-                    </a:p>
-                  </a:txBody>
-                  <a:tcPr marT="45700" marB="45700"/>
-                </a:tc>
-                <a:tc>
-                  <a:txBody>
-                    <a:bodyPr/>
-                    <a:lstStyle/>
-                    <a:p>
-                      <a:r>
-                        <a:rPr lang="en-US" sz="1800" dirty="0" smtClean="0"/>
-                        <a:t>…</a:t>
-                      </a:r>
-                      <a:endParaRPr lang="nl-BE" sz="1800" dirty="0"/>
-                    </a:p>
-                  </a:txBody>
-                  <a:tcPr marT="45700" marB="45700"/>
-                </a:tc>
-              </a:tr>
-              <a:tr h="370681">
-                <a:tc>
-                  <a:txBody>
-                    <a:bodyPr/>
-                    <a:lstStyle/>
-                    <a:p>
-                      <a:r>
-                        <a:rPr lang="en-US" sz="1800" dirty="0" smtClean="0"/>
-                        <a:t>313.0</a:t>
-                      </a:r>
-                      <a:endParaRPr lang="nl-BE" sz="1800" dirty="0"/>
-                    </a:p>
-                  </a:txBody>
-                  <a:tcPr marT="45700" marB="45700"/>
-                </a:tc>
-                <a:tc>
-                  <a:txBody>
-                    <a:bodyPr/>
-                    <a:lstStyle/>
-                    <a:p>
-                      <a:r>
-                        <a:rPr lang="en-US" sz="1800" dirty="0" smtClean="0"/>
-                        <a:t>1.3e05</a:t>
-                      </a:r>
-                      <a:endParaRPr lang="nl-BE" sz="1800" dirty="0"/>
-                    </a:p>
-                  </a:txBody>
-                  <a:tcPr marT="45700" marB="45700"/>
-                </a:tc>
-                <a:tc>
-                  <a:txBody>
-                    <a:bodyPr/>
-                    <a:lstStyle/>
-                    <a:p>
-                      <a:r>
-                        <a:rPr lang="en-US" sz="1800" dirty="0" smtClean="0"/>
-                        <a:t>75</a:t>
-                      </a:r>
-                      <a:endParaRPr lang="nl-BE" sz="1800" dirty="0"/>
-                    </a:p>
-                  </a:txBody>
-                  <a:tcPr marT="45700" marB="45700"/>
-                </a:tc>
-              </a:tr>
-            </a:tbl>
-          </a:graphicData>
-        </a:graphic>
-      </p:graphicFrame>
-      <p:grpSp>
-        <p:nvGrpSpPr>
-          <p:cNvPr id="4" name="Group 3"/>
-          <p:cNvGrpSpPr/>
-          <p:nvPr/>
-        </p:nvGrpSpPr>
-        <p:grpSpPr>
-          <a:xfrm>
-            <a:off x="485775" y="3429000"/>
-            <a:ext cx="7213620" cy="1477328"/>
-            <a:chOff x="428625" y="3754438"/>
-            <a:chExt cx="7213620" cy="1477328"/>
-          </a:xfrm>
-        </p:grpSpPr>
-        <p:sp>
-          <p:nvSpPr>
-            <p:cNvPr id="4121" name="TextBox 3"/>
-            <p:cNvSpPr txBox="1">
-              <a:spLocks noChangeArrowheads="1"/>
-            </p:cNvSpPr>
-            <p:nvPr/>
-          </p:nvSpPr>
-          <p:spPr bwMode="auto">
-            <a:xfrm>
-              <a:off x="428625" y="3754438"/>
-              <a:ext cx="7213620" cy="1477328"/>
-            </a:xfrm>
-            <a:prstGeom prst="rect">
-              <a:avLst/>
-            </a:prstGeom>
-            <a:solidFill>
-              <a:schemeClr val="bg1">
-                <a:lumMod val="95000"/>
-              </a:schemeClr>
-            </a:solidFill>
-            <a:ln w="9525">
-              <a:solidFill>
-                <a:schemeClr val="tx1"/>
-              </a:solidFill>
-              <a:miter lim="800000"/>
-              <a:headEnd/>
-              <a:tailEnd/>
-            </a:ln>
-            <a:extLst/>
-          </p:spPr>
-          <p:txBody>
-            <a:bodyPr wrap="square">
-              <a:spAutoFit/>
-            </a:bodyPr>
-            <a:lstStyle>
-              <a:lvl1pPr eaLnBrk="0" hangingPunct="0">
-                <a:defRPr>
-                  <a:solidFill>
-                    <a:schemeClr val="tx1"/>
-                  </a:solidFill>
-                  <a:latin typeface="Arial" charset="0"/>
-                  <a:cs typeface="Arial" charset="0"/>
-                </a:defRPr>
-              </a:lvl1pPr>
-              <a:lvl2pPr marL="742950" indent="-285750" eaLnBrk="0" hangingPunct="0">
-                <a:defRPr>
-                  <a:solidFill>
-                    <a:schemeClr val="tx1"/>
-                  </a:solidFill>
-                  <a:latin typeface="Arial" charset="0"/>
-                  <a:cs typeface="Arial" charset="0"/>
-                </a:defRPr>
-              </a:lvl2pPr>
-              <a:lvl3pPr marL="1143000" indent="-228600" eaLnBrk="0" hangingPunct="0">
-                <a:defRPr>
-                  <a:solidFill>
-                    <a:schemeClr val="tx1"/>
-                  </a:solidFill>
-                  <a:latin typeface="Arial" charset="0"/>
-                  <a:cs typeface="Arial" charset="0"/>
-                </a:defRPr>
-              </a:lvl3pPr>
-              <a:lvl4pPr marL="1600200" indent="-228600" eaLnBrk="0" hangingPunct="0">
-                <a:defRPr>
-                  <a:solidFill>
-                    <a:schemeClr val="tx1"/>
-                  </a:solidFill>
-                  <a:latin typeface="Arial" charset="0"/>
-                  <a:cs typeface="Arial" charset="0"/>
-                </a:defRPr>
-              </a:lvl4pPr>
-              <a:lvl5pPr marL="2057400" indent="-228600" eaLnBrk="0" hangingPunct="0">
-                <a:defRPr>
-                  <a:solidFill>
-                    <a:schemeClr val="tx1"/>
-                  </a:solidFill>
-                  <a:latin typeface="Arial" charset="0"/>
-                  <a:cs typeface="Arial" charset="0"/>
-                </a:defRPr>
-              </a:lvl5pPr>
-              <a:lvl6pPr marL="2514600" indent="-228600" eaLnBrk="0" fontAlgn="base" hangingPunct="0">
-                <a:spcBef>
-                  <a:spcPct val="0"/>
-                </a:spcBef>
-                <a:spcAft>
-                  <a:spcPct val="0"/>
-                </a:spcAft>
-                <a:defRPr>
-                  <a:solidFill>
-                    <a:schemeClr val="tx1"/>
-                  </a:solidFill>
-                  <a:latin typeface="Arial" charset="0"/>
-                  <a:cs typeface="Arial" charset="0"/>
-                </a:defRPr>
-              </a:lvl6pPr>
-              <a:lvl7pPr marL="2971800" indent="-228600" eaLnBrk="0" fontAlgn="base" hangingPunct="0">
-                <a:spcBef>
-                  <a:spcPct val="0"/>
-                </a:spcBef>
-                <a:spcAft>
-                  <a:spcPct val="0"/>
-                </a:spcAft>
-                <a:defRPr>
-                  <a:solidFill>
-                    <a:schemeClr val="tx1"/>
-                  </a:solidFill>
-                  <a:latin typeface="Arial" charset="0"/>
-                  <a:cs typeface="Arial" charset="0"/>
-                </a:defRPr>
-              </a:lvl7pPr>
-              <a:lvl8pPr marL="3429000" indent="-228600" eaLnBrk="0" fontAlgn="base" hangingPunct="0">
-                <a:spcBef>
-                  <a:spcPct val="0"/>
-                </a:spcBef>
-                <a:spcAft>
-                  <a:spcPct val="0"/>
-                </a:spcAft>
-                <a:defRPr>
-                  <a:solidFill>
-                    <a:schemeClr val="tx1"/>
-                  </a:solidFill>
-                  <a:latin typeface="Arial" charset="0"/>
-                  <a:cs typeface="Arial" charset="0"/>
-                </a:defRPr>
-              </a:lvl8pPr>
-              <a:lvl9pPr marL="3886200" indent="-228600" eaLnBrk="0" fontAlgn="base" hangingPunct="0">
-                <a:spcBef>
-                  <a:spcPct val="0"/>
-                </a:spcBef>
-                <a:spcAft>
-                  <a:spcPct val="0"/>
-                </a:spcAft>
-                <a:defRPr>
-                  <a:solidFill>
-                    <a:schemeClr val="tx1"/>
-                  </a:solidFill>
-                  <a:latin typeface="Arial" charset="0"/>
-                  <a:cs typeface="Arial" charset="0"/>
-                </a:defRPr>
-              </a:lvl9pPr>
-            </a:lstStyle>
-            <a:p>
-              <a:pPr eaLnBrk="1" hangingPunct="1"/>
-              <a:r>
-                <a:rPr lang="en-US" dirty="0">
-                  <a:latin typeface="Courier New" pitchFamily="49" charset="0"/>
-                  <a:cs typeface="Courier New" pitchFamily="49" charset="0"/>
-                </a:rPr>
-                <a:t>#!/bin/bash –l</a:t>
-              </a:r>
-            </a:p>
-            <a:p>
-              <a:pPr eaLnBrk="1" hangingPunct="1"/>
-              <a:r>
-                <a:rPr lang="en-US" dirty="0">
-                  <a:latin typeface="Courier New" pitchFamily="49" charset="0"/>
-                  <a:cs typeface="Courier New" pitchFamily="49" charset="0"/>
-                </a:rPr>
-                <a:t>#PBS –l </a:t>
-              </a:r>
-              <a:r>
-                <a:rPr lang="en-US" b="1" dirty="0" smtClean="0">
-                  <a:solidFill>
-                    <a:srgbClr val="C00000"/>
-                  </a:solidFill>
-                  <a:latin typeface="Courier New" pitchFamily="49" charset="0"/>
-                  <a:cs typeface="Courier New" pitchFamily="49" charset="0"/>
-                </a:rPr>
-                <a:t>nodes=2:ppn=20</a:t>
-              </a:r>
-              <a:endParaRPr lang="en-US" b="1" dirty="0">
-                <a:solidFill>
-                  <a:srgbClr val="C00000"/>
-                </a:solidFill>
-                <a:latin typeface="Courier New" pitchFamily="49" charset="0"/>
-                <a:cs typeface="Courier New" pitchFamily="49" charset="0"/>
-              </a:endParaRPr>
-            </a:p>
-            <a:p>
-              <a:pPr eaLnBrk="1" hangingPunct="1"/>
-              <a:endParaRPr lang="en-US" dirty="0">
-                <a:latin typeface="Courier New" pitchFamily="49" charset="0"/>
-                <a:cs typeface="Courier New" pitchFamily="49" charset="0"/>
-              </a:endParaRPr>
-            </a:p>
-            <a:p>
-              <a:pPr eaLnBrk="1" hangingPunct="1"/>
-              <a:r>
-                <a:rPr lang="en-US" dirty="0">
-                  <a:latin typeface="Courier New" pitchFamily="49" charset="0"/>
-                  <a:cs typeface="Courier New" pitchFamily="49" charset="0"/>
-                </a:rPr>
-                <a:t>cd $PBS_O_WORKDIR</a:t>
-              </a:r>
-              <a:br>
-                <a:rPr lang="en-US" dirty="0">
-                  <a:latin typeface="Courier New" pitchFamily="49" charset="0"/>
-                  <a:cs typeface="Courier New" pitchFamily="49" charset="0"/>
-                </a:rPr>
-              </a:br>
-              <a:r>
-                <a:rPr lang="en-US" b="1" dirty="0" err="1" smtClean="0">
-                  <a:solidFill>
-                    <a:srgbClr val="C00000"/>
-                  </a:solidFill>
-                  <a:latin typeface="Courier New" pitchFamily="49" charset="0"/>
-                  <a:cs typeface="Courier New" pitchFamily="49" charset="0"/>
-                </a:rPr>
-                <a:t>mpirun</a:t>
-              </a:r>
-              <a:r>
-                <a:rPr lang="en-US" dirty="0" smtClean="0">
-                  <a:solidFill>
-                    <a:srgbClr val="C00000"/>
-                  </a:solidFill>
-                  <a:latin typeface="Courier New" pitchFamily="49" charset="0"/>
-                  <a:cs typeface="Courier New" pitchFamily="49" charset="0"/>
-                </a:rPr>
-                <a:t> </a:t>
-              </a:r>
-              <a:r>
-                <a:rPr lang="en-US" dirty="0" smtClean="0">
-                  <a:latin typeface="Courier New" pitchFamily="49" charset="0"/>
-                  <a:cs typeface="Courier New" pitchFamily="49" charset="0"/>
-                </a:rPr>
-                <a:t>weather </a:t>
-              </a:r>
-              <a:r>
-                <a:rPr lang="en-US" dirty="0">
-                  <a:latin typeface="Courier New" pitchFamily="49" charset="0"/>
-                  <a:cs typeface="Courier New" pitchFamily="49" charset="0"/>
-                </a:rPr>
-                <a:t>–p </a:t>
-              </a:r>
-              <a:r>
-                <a:rPr lang="en-US" dirty="0" smtClean="0">
-                  <a:latin typeface="Courier New" pitchFamily="49" charset="0"/>
-                  <a:cs typeface="Courier New" pitchFamily="49" charset="0"/>
-                </a:rPr>
-                <a:t>1.0e05  </a:t>
-              </a:r>
-              <a:r>
-                <a:rPr lang="en-US" dirty="0">
-                  <a:latin typeface="Courier New" pitchFamily="49" charset="0"/>
-                  <a:cs typeface="Courier New" pitchFamily="49" charset="0"/>
-                </a:rPr>
-                <a:t>–t </a:t>
-              </a:r>
-              <a:r>
-                <a:rPr lang="en-US" dirty="0" smtClean="0">
-                  <a:latin typeface="Courier New" pitchFamily="49" charset="0"/>
-                  <a:cs typeface="Courier New" pitchFamily="49" charset="0"/>
-                </a:rPr>
-                <a:t>293.0  </a:t>
-              </a:r>
-              <a:r>
-                <a:rPr lang="en-US" dirty="0">
-                  <a:latin typeface="Courier New" pitchFamily="49" charset="0"/>
-                  <a:cs typeface="Courier New" pitchFamily="49" charset="0"/>
-                </a:rPr>
-                <a:t>–h </a:t>
-              </a:r>
-              <a:r>
-                <a:rPr lang="en-US" dirty="0" smtClean="0">
-                  <a:latin typeface="Courier New" pitchFamily="49" charset="0"/>
-                  <a:cs typeface="Courier New" pitchFamily="49" charset="0"/>
-                </a:rPr>
-                <a:t>87</a:t>
-              </a:r>
-              <a:endParaRPr lang="en-US" dirty="0">
-                <a:latin typeface="Courier New" pitchFamily="49" charset="0"/>
-                <a:cs typeface="Courier New" pitchFamily="49" charset="0"/>
-              </a:endParaRPr>
-            </a:p>
-          </p:txBody>
-        </p:sp>
-        <p:sp>
-          <p:nvSpPr>
-            <p:cNvPr id="7" name="TextBox 8"/>
-            <p:cNvSpPr txBox="1">
-              <a:spLocks noChangeArrowheads="1"/>
-            </p:cNvSpPr>
-            <p:nvPr/>
-          </p:nvSpPr>
-          <p:spPr bwMode="auto">
-            <a:xfrm>
-              <a:off x="6527837" y="3760127"/>
-              <a:ext cx="1114408" cy="276999"/>
-            </a:xfrm>
-            <a:prstGeom prst="rect">
-              <a:avLst/>
-            </a:prstGeom>
-            <a:solidFill>
-              <a:srgbClr val="FFFFFF"/>
-            </a:solidFill>
-            <a:ln w="9525">
-              <a:solidFill>
-                <a:srgbClr val="000000"/>
-              </a:solidFill>
-              <a:miter lim="800000"/>
-              <a:headEnd/>
-              <a:tailEnd/>
-            </a:ln>
-            <a:extLst/>
-          </p:spPr>
-          <p:txBody>
-            <a:bodyPr wrap="none">
-              <a:spAutoFit/>
-            </a:bodyPr>
-            <a:lstStyle>
-              <a:lvl1pPr eaLnBrk="0" hangingPunct="0">
-                <a:defRPr>
-                  <a:solidFill>
-                    <a:schemeClr val="tx1"/>
-                  </a:solidFill>
-                  <a:latin typeface="Arial" charset="0"/>
-                  <a:cs typeface="Arial" charset="0"/>
-                </a:defRPr>
-              </a:lvl1pPr>
-              <a:lvl2pPr marL="742950" indent="-285750" eaLnBrk="0" hangingPunct="0">
-                <a:defRPr>
-                  <a:solidFill>
-                    <a:schemeClr val="tx1"/>
-                  </a:solidFill>
-                  <a:latin typeface="Arial" charset="0"/>
-                  <a:cs typeface="Arial" charset="0"/>
-                </a:defRPr>
-              </a:lvl2pPr>
-              <a:lvl3pPr marL="1143000" indent="-228600" eaLnBrk="0" hangingPunct="0">
-                <a:defRPr>
-                  <a:solidFill>
-                    <a:schemeClr val="tx1"/>
-                  </a:solidFill>
-                  <a:latin typeface="Arial" charset="0"/>
-                  <a:cs typeface="Arial" charset="0"/>
-                </a:defRPr>
-              </a:lvl3pPr>
-              <a:lvl4pPr marL="1600200" indent="-228600" eaLnBrk="0" hangingPunct="0">
-                <a:defRPr>
-                  <a:solidFill>
-                    <a:schemeClr val="tx1"/>
-                  </a:solidFill>
-                  <a:latin typeface="Arial" charset="0"/>
-                  <a:cs typeface="Arial" charset="0"/>
-                </a:defRPr>
-              </a:lvl4pPr>
-              <a:lvl5pPr marL="2057400" indent="-228600" eaLnBrk="0" hangingPunct="0">
-                <a:defRPr>
-                  <a:solidFill>
-                    <a:schemeClr val="tx1"/>
-                  </a:solidFill>
-                  <a:latin typeface="Arial" charset="0"/>
-                  <a:cs typeface="Arial" charset="0"/>
-                </a:defRPr>
-              </a:lvl5pPr>
-              <a:lvl6pPr marL="2514600" indent="-228600" eaLnBrk="0" fontAlgn="base" hangingPunct="0">
-                <a:spcBef>
-                  <a:spcPct val="0"/>
-                </a:spcBef>
-                <a:spcAft>
-                  <a:spcPct val="0"/>
-                </a:spcAft>
-                <a:defRPr>
-                  <a:solidFill>
-                    <a:schemeClr val="tx1"/>
-                  </a:solidFill>
-                  <a:latin typeface="Arial" charset="0"/>
-                  <a:cs typeface="Arial" charset="0"/>
-                </a:defRPr>
-              </a:lvl6pPr>
-              <a:lvl7pPr marL="2971800" indent="-228600" eaLnBrk="0" fontAlgn="base" hangingPunct="0">
-                <a:spcBef>
-                  <a:spcPct val="0"/>
-                </a:spcBef>
-                <a:spcAft>
-                  <a:spcPct val="0"/>
-                </a:spcAft>
-                <a:defRPr>
-                  <a:solidFill>
-                    <a:schemeClr val="tx1"/>
-                  </a:solidFill>
-                  <a:latin typeface="Arial" charset="0"/>
-                  <a:cs typeface="Arial" charset="0"/>
-                </a:defRPr>
-              </a:lvl7pPr>
-              <a:lvl8pPr marL="3429000" indent="-228600" eaLnBrk="0" fontAlgn="base" hangingPunct="0">
-                <a:spcBef>
-                  <a:spcPct val="0"/>
-                </a:spcBef>
-                <a:spcAft>
-                  <a:spcPct val="0"/>
-                </a:spcAft>
-                <a:defRPr>
-                  <a:solidFill>
-                    <a:schemeClr val="tx1"/>
-                  </a:solidFill>
-                  <a:latin typeface="Arial" charset="0"/>
-                  <a:cs typeface="Arial" charset="0"/>
-                </a:defRPr>
-              </a:lvl8pPr>
-              <a:lvl9pPr marL="3886200" indent="-228600" eaLnBrk="0" fontAlgn="base" hangingPunct="0">
-                <a:spcBef>
-                  <a:spcPct val="0"/>
-                </a:spcBef>
-                <a:spcAft>
-                  <a:spcPct val="0"/>
-                </a:spcAft>
-                <a:defRPr>
-                  <a:solidFill>
-                    <a:schemeClr val="tx1"/>
-                  </a:solidFill>
-                  <a:latin typeface="Arial" charset="0"/>
-                  <a:cs typeface="Arial" charset="0"/>
-                </a:defRPr>
-              </a:lvl9pPr>
-            </a:lstStyle>
-            <a:p>
-              <a:pPr eaLnBrk="1" hangingPunct="1"/>
-              <a:r>
-                <a:rPr lang="en-US" sz="1200" b="1" dirty="0" smtClean="0">
-                  <a:latin typeface="Courier New" panose="02070309020205020404" pitchFamily="49" charset="0"/>
-                  <a:cs typeface="Courier New" panose="02070309020205020404" pitchFamily="49" charset="0"/>
-                </a:rPr>
-                <a:t>job_01.pbs</a:t>
-              </a:r>
-              <a:endParaRPr lang="nl-BE" sz="1200" b="1" dirty="0">
-                <a:latin typeface="Courier New" panose="02070309020205020404" pitchFamily="49" charset="0"/>
-                <a:cs typeface="Courier New" panose="02070309020205020404" pitchFamily="49" charset="0"/>
-              </a:endParaRPr>
-            </a:p>
-          </p:txBody>
-        </p:sp>
-      </p:grpSp>
-      <p:sp>
-        <p:nvSpPr>
-          <p:cNvPr id="6" name="Slide Number Placeholder 5"/>
-          <p:cNvSpPr>
-            <a:spLocks noGrp="1"/>
-          </p:cNvSpPr>
-          <p:nvPr>
-            <p:ph type="sldNum" sz="quarter" idx="12"/>
-          </p:nvPr>
-        </p:nvSpPr>
-        <p:spPr/>
-        <p:txBody>
-          <a:bodyPr/>
-          <a:lstStyle/>
-          <a:p>
-            <a:fld id="{0AA598EC-1C61-495B-A9F8-4410E339CCF5}" type="slidenum">
-              <a:rPr lang="en-US" smtClean="0"/>
-              <a:t>3</a:t>
-            </a:fld>
-            <a:endParaRPr lang="en-US"/>
-          </a:p>
-        </p:txBody>
-      </p:sp>
-      <p:grpSp>
-        <p:nvGrpSpPr>
-          <p:cNvPr id="18" name="Group 17"/>
-          <p:cNvGrpSpPr/>
-          <p:nvPr/>
-        </p:nvGrpSpPr>
-        <p:grpSpPr>
-          <a:xfrm>
-            <a:off x="627295" y="4026320"/>
-            <a:ext cx="7580090" cy="1477328"/>
-            <a:chOff x="627295" y="4026320"/>
-            <a:chExt cx="7580090" cy="1477328"/>
-          </a:xfrm>
-          <a:effectLst>
-            <a:outerShdw blurRad="50800" dist="38100" dir="8100000" algn="tr" rotWithShape="0">
-              <a:prstClr val="black">
-                <a:alpha val="40000"/>
-              </a:prstClr>
-            </a:outerShdw>
-          </a:effectLst>
-        </p:grpSpPr>
-        <p:grpSp>
-          <p:nvGrpSpPr>
-            <p:cNvPr id="12" name="Group 11"/>
-            <p:cNvGrpSpPr/>
-            <p:nvPr/>
-          </p:nvGrpSpPr>
-          <p:grpSpPr>
-            <a:xfrm>
-              <a:off x="993765" y="4026320"/>
-              <a:ext cx="7213620" cy="1477328"/>
-              <a:chOff x="428625" y="3754438"/>
-              <a:chExt cx="7213620" cy="1477328"/>
-            </a:xfrm>
-          </p:grpSpPr>
-          <p:sp>
-            <p:nvSpPr>
-              <p:cNvPr id="13" name="TextBox 3"/>
-              <p:cNvSpPr txBox="1">
-                <a:spLocks noChangeArrowheads="1"/>
-              </p:cNvSpPr>
-              <p:nvPr/>
-            </p:nvSpPr>
-            <p:spPr bwMode="auto">
-              <a:xfrm>
-                <a:off x="428625" y="3754438"/>
-                <a:ext cx="7213620" cy="1477328"/>
-              </a:xfrm>
-              <a:prstGeom prst="rect">
-                <a:avLst/>
-              </a:prstGeom>
-              <a:solidFill>
-                <a:schemeClr val="bg1">
-                  <a:lumMod val="95000"/>
-                </a:schemeClr>
-              </a:solidFill>
-              <a:ln w="9525">
-                <a:solidFill>
-                  <a:schemeClr val="tx1"/>
-                </a:solidFill>
-                <a:miter lim="800000"/>
-                <a:headEnd/>
-                <a:tailEnd/>
-              </a:ln>
-              <a:extLst/>
-            </p:spPr>
-            <p:txBody>
-              <a:bodyPr wrap="square">
-                <a:spAutoFit/>
-              </a:bodyPr>
-              <a:lstStyle>
-                <a:lvl1pPr eaLnBrk="0" hangingPunct="0">
-                  <a:defRPr>
-                    <a:solidFill>
-                      <a:schemeClr val="tx1"/>
-                    </a:solidFill>
-                    <a:latin typeface="Arial" charset="0"/>
-                    <a:cs typeface="Arial" charset="0"/>
-                  </a:defRPr>
-                </a:lvl1pPr>
-                <a:lvl2pPr marL="742950" indent="-285750" eaLnBrk="0" hangingPunct="0">
-                  <a:defRPr>
-                    <a:solidFill>
-                      <a:schemeClr val="tx1"/>
-                    </a:solidFill>
-                    <a:latin typeface="Arial" charset="0"/>
-                    <a:cs typeface="Arial" charset="0"/>
-                  </a:defRPr>
-                </a:lvl2pPr>
-                <a:lvl3pPr marL="1143000" indent="-228600" eaLnBrk="0" hangingPunct="0">
-                  <a:defRPr>
-                    <a:solidFill>
-                      <a:schemeClr val="tx1"/>
-                    </a:solidFill>
-                    <a:latin typeface="Arial" charset="0"/>
-                    <a:cs typeface="Arial" charset="0"/>
-                  </a:defRPr>
-                </a:lvl3pPr>
-                <a:lvl4pPr marL="1600200" indent="-228600" eaLnBrk="0" hangingPunct="0">
-                  <a:defRPr>
-                    <a:solidFill>
-                      <a:schemeClr val="tx1"/>
-                    </a:solidFill>
-                    <a:latin typeface="Arial" charset="0"/>
-                    <a:cs typeface="Arial" charset="0"/>
-                  </a:defRPr>
-                </a:lvl4pPr>
-                <a:lvl5pPr marL="2057400" indent="-228600" eaLnBrk="0" hangingPunct="0">
-                  <a:defRPr>
-                    <a:solidFill>
-                      <a:schemeClr val="tx1"/>
-                    </a:solidFill>
-                    <a:latin typeface="Arial" charset="0"/>
-                    <a:cs typeface="Arial" charset="0"/>
-                  </a:defRPr>
-                </a:lvl5pPr>
-                <a:lvl6pPr marL="2514600" indent="-228600" eaLnBrk="0" fontAlgn="base" hangingPunct="0">
-                  <a:spcBef>
-                    <a:spcPct val="0"/>
-                  </a:spcBef>
-                  <a:spcAft>
-                    <a:spcPct val="0"/>
-                  </a:spcAft>
-                  <a:defRPr>
-                    <a:solidFill>
-                      <a:schemeClr val="tx1"/>
-                    </a:solidFill>
-                    <a:latin typeface="Arial" charset="0"/>
-                    <a:cs typeface="Arial" charset="0"/>
-                  </a:defRPr>
-                </a:lvl6pPr>
-                <a:lvl7pPr marL="2971800" indent="-228600" eaLnBrk="0" fontAlgn="base" hangingPunct="0">
-                  <a:spcBef>
-                    <a:spcPct val="0"/>
-                  </a:spcBef>
-                  <a:spcAft>
-                    <a:spcPct val="0"/>
-                  </a:spcAft>
-                  <a:defRPr>
-                    <a:solidFill>
-                      <a:schemeClr val="tx1"/>
-                    </a:solidFill>
-                    <a:latin typeface="Arial" charset="0"/>
-                    <a:cs typeface="Arial" charset="0"/>
-                  </a:defRPr>
-                </a:lvl7pPr>
-                <a:lvl8pPr marL="3429000" indent="-228600" eaLnBrk="0" fontAlgn="base" hangingPunct="0">
-                  <a:spcBef>
-                    <a:spcPct val="0"/>
-                  </a:spcBef>
-                  <a:spcAft>
-                    <a:spcPct val="0"/>
-                  </a:spcAft>
-                  <a:defRPr>
-                    <a:solidFill>
-                      <a:schemeClr val="tx1"/>
-                    </a:solidFill>
-                    <a:latin typeface="Arial" charset="0"/>
-                    <a:cs typeface="Arial" charset="0"/>
-                  </a:defRPr>
-                </a:lvl8pPr>
-                <a:lvl9pPr marL="3886200" indent="-228600" eaLnBrk="0" fontAlgn="base" hangingPunct="0">
-                  <a:spcBef>
-                    <a:spcPct val="0"/>
-                  </a:spcBef>
-                  <a:spcAft>
-                    <a:spcPct val="0"/>
-                  </a:spcAft>
-                  <a:defRPr>
-                    <a:solidFill>
-                      <a:schemeClr val="tx1"/>
-                    </a:solidFill>
-                    <a:latin typeface="Arial" charset="0"/>
-                    <a:cs typeface="Arial" charset="0"/>
-                  </a:defRPr>
-                </a:lvl9pPr>
-              </a:lstStyle>
-              <a:p>
-                <a:pPr eaLnBrk="1" hangingPunct="1"/>
-                <a:r>
-                  <a:rPr lang="en-US" dirty="0">
-                    <a:latin typeface="Courier New" pitchFamily="49" charset="0"/>
-                    <a:cs typeface="Courier New" pitchFamily="49" charset="0"/>
-                  </a:rPr>
-                  <a:t>#!/bin/bash –l</a:t>
-                </a:r>
-              </a:p>
-              <a:p>
-                <a:pPr eaLnBrk="1" hangingPunct="1"/>
-                <a:r>
-                  <a:rPr lang="en-US" dirty="0">
-                    <a:latin typeface="Courier New" pitchFamily="49" charset="0"/>
-                    <a:cs typeface="Courier New" pitchFamily="49" charset="0"/>
-                  </a:rPr>
-                  <a:t>#PBS –l </a:t>
-                </a:r>
-                <a:r>
-                  <a:rPr lang="en-US" b="1" dirty="0" smtClean="0">
-                    <a:solidFill>
-                      <a:srgbClr val="C00000"/>
-                    </a:solidFill>
-                    <a:latin typeface="Courier New" pitchFamily="49" charset="0"/>
-                    <a:cs typeface="Courier New" pitchFamily="49" charset="0"/>
-                  </a:rPr>
-                  <a:t>nodes=2:ppn=20</a:t>
-                </a:r>
-                <a:endParaRPr lang="en-US" b="1" dirty="0">
-                  <a:solidFill>
-                    <a:srgbClr val="C00000"/>
-                  </a:solidFill>
-                  <a:latin typeface="Courier New" pitchFamily="49" charset="0"/>
-                  <a:cs typeface="Courier New" pitchFamily="49" charset="0"/>
-                </a:endParaRPr>
-              </a:p>
-              <a:p>
-                <a:pPr eaLnBrk="1" hangingPunct="1"/>
-                <a:endParaRPr lang="en-US" dirty="0">
-                  <a:latin typeface="Courier New" pitchFamily="49" charset="0"/>
-                  <a:cs typeface="Courier New" pitchFamily="49" charset="0"/>
-                </a:endParaRPr>
-              </a:p>
-              <a:p>
-                <a:pPr eaLnBrk="1" hangingPunct="1"/>
-                <a:r>
-                  <a:rPr lang="en-US" dirty="0">
-                    <a:latin typeface="Courier New" pitchFamily="49" charset="0"/>
-                    <a:cs typeface="Courier New" pitchFamily="49" charset="0"/>
-                  </a:rPr>
-                  <a:t>cd $PBS_O_WORKDIR</a:t>
-                </a:r>
-                <a:br>
-                  <a:rPr lang="en-US" dirty="0">
-                    <a:latin typeface="Courier New" pitchFamily="49" charset="0"/>
-                    <a:cs typeface="Courier New" pitchFamily="49" charset="0"/>
-                  </a:rPr>
-                </a:br>
-                <a:r>
-                  <a:rPr lang="en-US" b="1" dirty="0" err="1" smtClean="0">
-                    <a:solidFill>
-                      <a:srgbClr val="C00000"/>
-                    </a:solidFill>
-                    <a:latin typeface="Courier New" pitchFamily="49" charset="0"/>
-                    <a:cs typeface="Courier New" pitchFamily="49" charset="0"/>
-                  </a:rPr>
-                  <a:t>mpirun</a:t>
-                </a:r>
-                <a:r>
-                  <a:rPr lang="en-US" dirty="0" smtClean="0">
-                    <a:solidFill>
-                      <a:srgbClr val="C00000"/>
-                    </a:solidFill>
-                    <a:latin typeface="Courier New" pitchFamily="49" charset="0"/>
-                    <a:cs typeface="Courier New" pitchFamily="49" charset="0"/>
-                  </a:rPr>
-                  <a:t> </a:t>
-                </a:r>
-                <a:r>
-                  <a:rPr lang="en-US" dirty="0" smtClean="0">
-                    <a:latin typeface="Courier New" pitchFamily="49" charset="0"/>
-                    <a:cs typeface="Courier New" pitchFamily="49" charset="0"/>
-                  </a:rPr>
-                  <a:t>weather </a:t>
-                </a:r>
-                <a:r>
-                  <a:rPr lang="en-US" dirty="0">
-                    <a:latin typeface="Courier New" pitchFamily="49" charset="0"/>
-                    <a:cs typeface="Courier New" pitchFamily="49" charset="0"/>
-                  </a:rPr>
-                  <a:t>–p </a:t>
-                </a:r>
-                <a:r>
-                  <a:rPr lang="en-US" dirty="0" smtClean="0">
-                    <a:latin typeface="Courier New" pitchFamily="49" charset="0"/>
-                    <a:cs typeface="Courier New" pitchFamily="49" charset="0"/>
-                  </a:rPr>
-                  <a:t>1.003e05  </a:t>
-                </a:r>
-                <a:r>
-                  <a:rPr lang="en-US" dirty="0">
-                    <a:latin typeface="Courier New" pitchFamily="49" charset="0"/>
-                    <a:cs typeface="Courier New" pitchFamily="49" charset="0"/>
-                  </a:rPr>
-                  <a:t>–t </a:t>
-                </a:r>
-                <a:r>
-                  <a:rPr lang="en-US" dirty="0" smtClean="0">
-                    <a:latin typeface="Courier New" pitchFamily="49" charset="0"/>
-                    <a:cs typeface="Courier New" pitchFamily="49" charset="0"/>
-                  </a:rPr>
-                  <a:t>293.3  </a:t>
-                </a:r>
-                <a:r>
-                  <a:rPr lang="en-US" dirty="0">
-                    <a:latin typeface="Courier New" pitchFamily="49" charset="0"/>
-                    <a:cs typeface="Courier New" pitchFamily="49" charset="0"/>
-                  </a:rPr>
-                  <a:t>–h </a:t>
-                </a:r>
-                <a:r>
-                  <a:rPr lang="en-US" dirty="0" smtClean="0">
-                    <a:latin typeface="Courier New" pitchFamily="49" charset="0"/>
-                    <a:cs typeface="Courier New" pitchFamily="49" charset="0"/>
-                  </a:rPr>
-                  <a:t>67</a:t>
-                </a:r>
-                <a:endParaRPr lang="en-US" dirty="0">
-                  <a:latin typeface="Courier New" pitchFamily="49" charset="0"/>
-                  <a:cs typeface="Courier New" pitchFamily="49" charset="0"/>
-                </a:endParaRPr>
-              </a:p>
-            </p:txBody>
-          </p:sp>
-          <p:sp>
-            <p:nvSpPr>
-              <p:cNvPr id="14" name="TextBox 8"/>
-              <p:cNvSpPr txBox="1">
-                <a:spLocks noChangeArrowheads="1"/>
-              </p:cNvSpPr>
-              <p:nvPr/>
-            </p:nvSpPr>
-            <p:spPr bwMode="auto">
-              <a:xfrm>
-                <a:off x="6527837" y="3760127"/>
-                <a:ext cx="1114408" cy="276999"/>
-              </a:xfrm>
-              <a:prstGeom prst="rect">
-                <a:avLst/>
-              </a:prstGeom>
-              <a:solidFill>
-                <a:srgbClr val="FFFFFF"/>
-              </a:solidFill>
-              <a:ln w="9525">
-                <a:solidFill>
-                  <a:srgbClr val="000000"/>
-                </a:solidFill>
-                <a:miter lim="800000"/>
-                <a:headEnd/>
-                <a:tailEnd/>
-              </a:ln>
-              <a:extLst/>
-            </p:spPr>
-            <p:txBody>
-              <a:bodyPr wrap="none">
-                <a:spAutoFit/>
-              </a:bodyPr>
-              <a:lstStyle>
-                <a:lvl1pPr eaLnBrk="0" hangingPunct="0">
-                  <a:defRPr>
-                    <a:solidFill>
-                      <a:schemeClr val="tx1"/>
-                    </a:solidFill>
-                    <a:latin typeface="Arial" charset="0"/>
-                    <a:cs typeface="Arial" charset="0"/>
-                  </a:defRPr>
-                </a:lvl1pPr>
-                <a:lvl2pPr marL="742950" indent="-285750" eaLnBrk="0" hangingPunct="0">
-                  <a:defRPr>
-                    <a:solidFill>
-                      <a:schemeClr val="tx1"/>
-                    </a:solidFill>
-                    <a:latin typeface="Arial" charset="0"/>
-                    <a:cs typeface="Arial" charset="0"/>
-                  </a:defRPr>
-                </a:lvl2pPr>
-                <a:lvl3pPr marL="1143000" indent="-228600" eaLnBrk="0" hangingPunct="0">
-                  <a:defRPr>
-                    <a:solidFill>
-                      <a:schemeClr val="tx1"/>
-                    </a:solidFill>
-                    <a:latin typeface="Arial" charset="0"/>
-                    <a:cs typeface="Arial" charset="0"/>
-                  </a:defRPr>
-                </a:lvl3pPr>
-                <a:lvl4pPr marL="1600200" indent="-228600" eaLnBrk="0" hangingPunct="0">
-                  <a:defRPr>
-                    <a:solidFill>
-                      <a:schemeClr val="tx1"/>
-                    </a:solidFill>
-                    <a:latin typeface="Arial" charset="0"/>
-                    <a:cs typeface="Arial" charset="0"/>
-                  </a:defRPr>
-                </a:lvl4pPr>
-                <a:lvl5pPr marL="2057400" indent="-228600" eaLnBrk="0" hangingPunct="0">
-                  <a:defRPr>
-                    <a:solidFill>
-                      <a:schemeClr val="tx1"/>
-                    </a:solidFill>
-                    <a:latin typeface="Arial" charset="0"/>
-                    <a:cs typeface="Arial" charset="0"/>
-                  </a:defRPr>
-                </a:lvl5pPr>
-                <a:lvl6pPr marL="2514600" indent="-228600" eaLnBrk="0" fontAlgn="base" hangingPunct="0">
-                  <a:spcBef>
-                    <a:spcPct val="0"/>
-                  </a:spcBef>
-                  <a:spcAft>
-                    <a:spcPct val="0"/>
-                  </a:spcAft>
-                  <a:defRPr>
-                    <a:solidFill>
-                      <a:schemeClr val="tx1"/>
-                    </a:solidFill>
-                    <a:latin typeface="Arial" charset="0"/>
-                    <a:cs typeface="Arial" charset="0"/>
-                  </a:defRPr>
-                </a:lvl6pPr>
-                <a:lvl7pPr marL="2971800" indent="-228600" eaLnBrk="0" fontAlgn="base" hangingPunct="0">
-                  <a:spcBef>
-                    <a:spcPct val="0"/>
-                  </a:spcBef>
-                  <a:spcAft>
-                    <a:spcPct val="0"/>
-                  </a:spcAft>
-                  <a:defRPr>
-                    <a:solidFill>
-                      <a:schemeClr val="tx1"/>
-                    </a:solidFill>
-                    <a:latin typeface="Arial" charset="0"/>
-                    <a:cs typeface="Arial" charset="0"/>
-                  </a:defRPr>
-                </a:lvl7pPr>
-                <a:lvl8pPr marL="3429000" indent="-228600" eaLnBrk="0" fontAlgn="base" hangingPunct="0">
-                  <a:spcBef>
-                    <a:spcPct val="0"/>
-                  </a:spcBef>
-                  <a:spcAft>
-                    <a:spcPct val="0"/>
-                  </a:spcAft>
-                  <a:defRPr>
-                    <a:solidFill>
-                      <a:schemeClr val="tx1"/>
-                    </a:solidFill>
-                    <a:latin typeface="Arial" charset="0"/>
-                    <a:cs typeface="Arial" charset="0"/>
-                  </a:defRPr>
-                </a:lvl8pPr>
-                <a:lvl9pPr marL="3886200" indent="-228600" eaLnBrk="0" fontAlgn="base" hangingPunct="0">
-                  <a:spcBef>
-                    <a:spcPct val="0"/>
-                  </a:spcBef>
-                  <a:spcAft>
-                    <a:spcPct val="0"/>
-                  </a:spcAft>
-                  <a:defRPr>
-                    <a:solidFill>
-                      <a:schemeClr val="tx1"/>
-                    </a:solidFill>
-                    <a:latin typeface="Arial" charset="0"/>
-                    <a:cs typeface="Arial" charset="0"/>
-                  </a:defRPr>
-                </a:lvl9pPr>
-              </a:lstStyle>
-              <a:p>
-                <a:pPr eaLnBrk="1" hangingPunct="1"/>
-                <a:r>
-                  <a:rPr lang="en-US" sz="1200" b="1" dirty="0" smtClean="0">
-                    <a:latin typeface="Courier New" panose="02070309020205020404" pitchFamily="49" charset="0"/>
-                    <a:cs typeface="Courier New" panose="02070309020205020404" pitchFamily="49" charset="0"/>
-                  </a:rPr>
-                  <a:t>job_30.pbs</a:t>
-                </a:r>
-                <a:endParaRPr lang="nl-BE" sz="1200" b="1" dirty="0">
-                  <a:latin typeface="Courier New" panose="02070309020205020404" pitchFamily="49" charset="0"/>
-                  <a:cs typeface="Courier New" panose="02070309020205020404" pitchFamily="49" charset="0"/>
-                </a:endParaRPr>
-              </a:p>
-            </p:txBody>
-          </p:sp>
-        </p:grpSp>
-        <p:sp>
-          <p:nvSpPr>
-            <p:cNvPr id="20" name="TextBox 19"/>
-            <p:cNvSpPr txBox="1"/>
-            <p:nvPr/>
-          </p:nvSpPr>
-          <p:spPr>
-            <a:xfrm rot="3263479">
-              <a:off x="672339" y="4822455"/>
-              <a:ext cx="433132" cy="523220"/>
-            </a:xfrm>
-            <a:prstGeom prst="rect">
-              <a:avLst/>
-            </a:prstGeom>
-            <a:noFill/>
-          </p:spPr>
-          <p:txBody>
-            <a:bodyPr wrap="none" rtlCol="0">
-              <a:spAutoFit/>
-            </a:bodyPr>
-            <a:lstStyle/>
-            <a:p>
-              <a:r>
-                <a:rPr lang="en-US" sz="2800" dirty="0" smtClean="0"/>
-                <a:t>…</a:t>
-              </a:r>
-              <a:endParaRPr lang="en-US" sz="2800" dirty="0"/>
-            </a:p>
-          </p:txBody>
-        </p:sp>
-      </p:grpSp>
-      <p:grpSp>
-        <p:nvGrpSpPr>
-          <p:cNvPr id="19" name="Group 18"/>
-          <p:cNvGrpSpPr/>
-          <p:nvPr/>
-        </p:nvGrpSpPr>
-        <p:grpSpPr>
-          <a:xfrm>
-            <a:off x="1056116" y="4903802"/>
-            <a:ext cx="7615857" cy="1477328"/>
-            <a:chOff x="1056116" y="4903802"/>
-            <a:chExt cx="7615857" cy="1477328"/>
-          </a:xfrm>
-          <a:effectLst>
-            <a:outerShdw blurRad="50800" dist="38100" dir="8100000" algn="tr" rotWithShape="0">
-              <a:prstClr val="black">
-                <a:alpha val="40000"/>
-              </a:prstClr>
-            </a:outerShdw>
-          </a:effectLst>
-        </p:grpSpPr>
-        <p:grpSp>
-          <p:nvGrpSpPr>
-            <p:cNvPr id="15" name="Group 14"/>
-            <p:cNvGrpSpPr/>
-            <p:nvPr/>
-          </p:nvGrpSpPr>
-          <p:grpSpPr>
-            <a:xfrm>
-              <a:off x="1458353" y="4903802"/>
-              <a:ext cx="7213620" cy="1477328"/>
-              <a:chOff x="428625" y="3754438"/>
-              <a:chExt cx="7213620" cy="1477328"/>
-            </a:xfrm>
-          </p:grpSpPr>
-          <p:sp>
-            <p:nvSpPr>
-              <p:cNvPr id="16" name="TextBox 3"/>
-              <p:cNvSpPr txBox="1">
-                <a:spLocks noChangeArrowheads="1"/>
-              </p:cNvSpPr>
-              <p:nvPr/>
-            </p:nvSpPr>
-            <p:spPr bwMode="auto">
-              <a:xfrm>
-                <a:off x="428625" y="3754438"/>
-                <a:ext cx="7213620" cy="1477328"/>
-              </a:xfrm>
-              <a:prstGeom prst="rect">
-                <a:avLst/>
-              </a:prstGeom>
-              <a:solidFill>
-                <a:schemeClr val="bg1">
-                  <a:lumMod val="95000"/>
-                </a:schemeClr>
-              </a:solidFill>
-              <a:ln w="9525">
-                <a:solidFill>
-                  <a:schemeClr val="tx1"/>
-                </a:solidFill>
-                <a:miter lim="800000"/>
-                <a:headEnd/>
-                <a:tailEnd/>
-              </a:ln>
-              <a:extLst/>
-            </p:spPr>
-            <p:txBody>
-              <a:bodyPr wrap="square">
-                <a:spAutoFit/>
-              </a:bodyPr>
-              <a:lstStyle>
-                <a:lvl1pPr eaLnBrk="0" hangingPunct="0">
-                  <a:defRPr>
-                    <a:solidFill>
-                      <a:schemeClr val="tx1"/>
-                    </a:solidFill>
-                    <a:latin typeface="Arial" charset="0"/>
-                    <a:cs typeface="Arial" charset="0"/>
-                  </a:defRPr>
-                </a:lvl1pPr>
-                <a:lvl2pPr marL="742950" indent="-285750" eaLnBrk="0" hangingPunct="0">
-                  <a:defRPr>
-                    <a:solidFill>
-                      <a:schemeClr val="tx1"/>
-                    </a:solidFill>
-                    <a:latin typeface="Arial" charset="0"/>
-                    <a:cs typeface="Arial" charset="0"/>
-                  </a:defRPr>
-                </a:lvl2pPr>
-                <a:lvl3pPr marL="1143000" indent="-228600" eaLnBrk="0" hangingPunct="0">
-                  <a:defRPr>
-                    <a:solidFill>
-                      <a:schemeClr val="tx1"/>
-                    </a:solidFill>
-                    <a:latin typeface="Arial" charset="0"/>
-                    <a:cs typeface="Arial" charset="0"/>
-                  </a:defRPr>
-                </a:lvl3pPr>
-                <a:lvl4pPr marL="1600200" indent="-228600" eaLnBrk="0" hangingPunct="0">
-                  <a:defRPr>
-                    <a:solidFill>
-                      <a:schemeClr val="tx1"/>
-                    </a:solidFill>
-                    <a:latin typeface="Arial" charset="0"/>
-                    <a:cs typeface="Arial" charset="0"/>
-                  </a:defRPr>
-                </a:lvl4pPr>
-                <a:lvl5pPr marL="2057400" indent="-228600" eaLnBrk="0" hangingPunct="0">
-                  <a:defRPr>
-                    <a:solidFill>
-                      <a:schemeClr val="tx1"/>
-                    </a:solidFill>
-                    <a:latin typeface="Arial" charset="0"/>
-                    <a:cs typeface="Arial" charset="0"/>
-                  </a:defRPr>
-                </a:lvl5pPr>
-                <a:lvl6pPr marL="2514600" indent="-228600" eaLnBrk="0" fontAlgn="base" hangingPunct="0">
-                  <a:spcBef>
-                    <a:spcPct val="0"/>
-                  </a:spcBef>
-                  <a:spcAft>
-                    <a:spcPct val="0"/>
-                  </a:spcAft>
-                  <a:defRPr>
-                    <a:solidFill>
-                      <a:schemeClr val="tx1"/>
-                    </a:solidFill>
-                    <a:latin typeface="Arial" charset="0"/>
-                    <a:cs typeface="Arial" charset="0"/>
-                  </a:defRPr>
-                </a:lvl6pPr>
-                <a:lvl7pPr marL="2971800" indent="-228600" eaLnBrk="0" fontAlgn="base" hangingPunct="0">
-                  <a:spcBef>
-                    <a:spcPct val="0"/>
-                  </a:spcBef>
-                  <a:spcAft>
-                    <a:spcPct val="0"/>
-                  </a:spcAft>
-                  <a:defRPr>
-                    <a:solidFill>
-                      <a:schemeClr val="tx1"/>
-                    </a:solidFill>
-                    <a:latin typeface="Arial" charset="0"/>
-                    <a:cs typeface="Arial" charset="0"/>
-                  </a:defRPr>
-                </a:lvl7pPr>
-                <a:lvl8pPr marL="3429000" indent="-228600" eaLnBrk="0" fontAlgn="base" hangingPunct="0">
-                  <a:spcBef>
-                    <a:spcPct val="0"/>
-                  </a:spcBef>
-                  <a:spcAft>
-                    <a:spcPct val="0"/>
-                  </a:spcAft>
-                  <a:defRPr>
-                    <a:solidFill>
-                      <a:schemeClr val="tx1"/>
-                    </a:solidFill>
-                    <a:latin typeface="Arial" charset="0"/>
-                    <a:cs typeface="Arial" charset="0"/>
-                  </a:defRPr>
-                </a:lvl8pPr>
-                <a:lvl9pPr marL="3886200" indent="-228600" eaLnBrk="0" fontAlgn="base" hangingPunct="0">
-                  <a:spcBef>
-                    <a:spcPct val="0"/>
-                  </a:spcBef>
-                  <a:spcAft>
-                    <a:spcPct val="0"/>
-                  </a:spcAft>
-                  <a:defRPr>
-                    <a:solidFill>
-                      <a:schemeClr val="tx1"/>
-                    </a:solidFill>
-                    <a:latin typeface="Arial" charset="0"/>
-                    <a:cs typeface="Arial" charset="0"/>
-                  </a:defRPr>
-                </a:lvl9pPr>
-              </a:lstStyle>
-              <a:p>
-                <a:pPr eaLnBrk="1" hangingPunct="1"/>
-                <a:r>
-                  <a:rPr lang="en-US" dirty="0">
-                    <a:latin typeface="Courier New" pitchFamily="49" charset="0"/>
-                    <a:cs typeface="Courier New" pitchFamily="49" charset="0"/>
-                  </a:rPr>
-                  <a:t>#!/bin/bash –l</a:t>
-                </a:r>
-              </a:p>
-              <a:p>
-                <a:pPr eaLnBrk="1" hangingPunct="1"/>
-                <a:r>
-                  <a:rPr lang="en-US" dirty="0">
-                    <a:latin typeface="Courier New" pitchFamily="49" charset="0"/>
-                    <a:cs typeface="Courier New" pitchFamily="49" charset="0"/>
-                  </a:rPr>
-                  <a:t>#PBS –l </a:t>
-                </a:r>
-                <a:r>
-                  <a:rPr lang="en-US" b="1" dirty="0" smtClean="0">
-                    <a:solidFill>
-                      <a:srgbClr val="C00000"/>
-                    </a:solidFill>
-                    <a:latin typeface="Courier New" pitchFamily="49" charset="0"/>
-                    <a:cs typeface="Courier New" pitchFamily="49" charset="0"/>
-                  </a:rPr>
-                  <a:t>nodes=2:ppn=20</a:t>
-                </a:r>
-                <a:endParaRPr lang="en-US" b="1" dirty="0">
-                  <a:solidFill>
-                    <a:srgbClr val="C00000"/>
-                  </a:solidFill>
-                  <a:latin typeface="Courier New" pitchFamily="49" charset="0"/>
-                  <a:cs typeface="Courier New" pitchFamily="49" charset="0"/>
-                </a:endParaRPr>
-              </a:p>
-              <a:p>
-                <a:pPr eaLnBrk="1" hangingPunct="1"/>
-                <a:endParaRPr lang="en-US" dirty="0">
-                  <a:latin typeface="Courier New" pitchFamily="49" charset="0"/>
-                  <a:cs typeface="Courier New" pitchFamily="49" charset="0"/>
-                </a:endParaRPr>
-              </a:p>
-              <a:p>
-                <a:pPr eaLnBrk="1" hangingPunct="1"/>
-                <a:r>
-                  <a:rPr lang="en-US" dirty="0">
-                    <a:latin typeface="Courier New" pitchFamily="49" charset="0"/>
-                    <a:cs typeface="Courier New" pitchFamily="49" charset="0"/>
-                  </a:rPr>
-                  <a:t>cd $PBS_O_WORKDIR</a:t>
-                </a:r>
-                <a:br>
-                  <a:rPr lang="en-US" dirty="0">
-                    <a:latin typeface="Courier New" pitchFamily="49" charset="0"/>
-                    <a:cs typeface="Courier New" pitchFamily="49" charset="0"/>
-                  </a:rPr>
-                </a:br>
-                <a:r>
-                  <a:rPr lang="en-US" b="1" dirty="0" err="1" smtClean="0">
-                    <a:solidFill>
-                      <a:srgbClr val="C00000"/>
-                    </a:solidFill>
-                    <a:latin typeface="Courier New" pitchFamily="49" charset="0"/>
-                    <a:cs typeface="Courier New" pitchFamily="49" charset="0"/>
-                  </a:rPr>
-                  <a:t>mpirun</a:t>
-                </a:r>
-                <a:r>
-                  <a:rPr lang="en-US" dirty="0" smtClean="0">
-                    <a:solidFill>
-                      <a:srgbClr val="C00000"/>
-                    </a:solidFill>
-                    <a:latin typeface="Courier New" pitchFamily="49" charset="0"/>
-                    <a:cs typeface="Courier New" pitchFamily="49" charset="0"/>
-                  </a:rPr>
-                  <a:t> </a:t>
-                </a:r>
-                <a:r>
-                  <a:rPr lang="en-US" dirty="0" smtClean="0">
-                    <a:latin typeface="Courier New" pitchFamily="49" charset="0"/>
-                    <a:cs typeface="Courier New" pitchFamily="49" charset="0"/>
-                  </a:rPr>
-                  <a:t>weather </a:t>
-                </a:r>
-                <a:r>
-                  <a:rPr lang="en-US" dirty="0">
-                    <a:latin typeface="Courier New" pitchFamily="49" charset="0"/>
-                    <a:cs typeface="Courier New" pitchFamily="49" charset="0"/>
-                  </a:rPr>
-                  <a:t>–p </a:t>
-                </a:r>
-                <a:r>
-                  <a:rPr lang="en-US" dirty="0" smtClean="0">
-                    <a:latin typeface="Courier New" pitchFamily="49" charset="0"/>
-                    <a:cs typeface="Courier New" pitchFamily="49" charset="0"/>
-                  </a:rPr>
-                  <a:t>1.3e05  </a:t>
-                </a:r>
-                <a:r>
-                  <a:rPr lang="en-US" dirty="0">
-                    <a:latin typeface="Courier New" pitchFamily="49" charset="0"/>
-                    <a:cs typeface="Courier New" pitchFamily="49" charset="0"/>
-                  </a:rPr>
-                  <a:t>–t </a:t>
-                </a:r>
-                <a:r>
-                  <a:rPr lang="en-US" dirty="0" smtClean="0">
-                    <a:latin typeface="Courier New" pitchFamily="49" charset="0"/>
-                    <a:cs typeface="Courier New" pitchFamily="49" charset="0"/>
-                  </a:rPr>
-                  <a:t>313.0  </a:t>
-                </a:r>
-                <a:r>
-                  <a:rPr lang="en-US" dirty="0">
-                    <a:latin typeface="Courier New" pitchFamily="49" charset="0"/>
-                    <a:cs typeface="Courier New" pitchFamily="49" charset="0"/>
-                  </a:rPr>
-                  <a:t>–h </a:t>
-                </a:r>
-                <a:r>
-                  <a:rPr lang="en-US" dirty="0" smtClean="0">
-                    <a:latin typeface="Courier New" pitchFamily="49" charset="0"/>
-                    <a:cs typeface="Courier New" pitchFamily="49" charset="0"/>
-                  </a:rPr>
-                  <a:t>75</a:t>
-                </a:r>
-                <a:endParaRPr lang="en-US" dirty="0">
-                  <a:latin typeface="Courier New" pitchFamily="49" charset="0"/>
-                  <a:cs typeface="Courier New" pitchFamily="49" charset="0"/>
-                </a:endParaRPr>
-              </a:p>
-            </p:txBody>
-          </p:sp>
-          <p:sp>
-            <p:nvSpPr>
-              <p:cNvPr id="17" name="TextBox 8"/>
-              <p:cNvSpPr txBox="1">
-                <a:spLocks noChangeArrowheads="1"/>
-              </p:cNvSpPr>
-              <p:nvPr/>
-            </p:nvSpPr>
-            <p:spPr bwMode="auto">
-              <a:xfrm>
-                <a:off x="6527837" y="3760127"/>
-                <a:ext cx="1114408" cy="276999"/>
-              </a:xfrm>
-              <a:prstGeom prst="rect">
-                <a:avLst/>
-              </a:prstGeom>
-              <a:solidFill>
-                <a:srgbClr val="FFFFFF"/>
-              </a:solidFill>
-              <a:ln w="9525">
-                <a:solidFill>
-                  <a:srgbClr val="000000"/>
-                </a:solidFill>
-                <a:miter lim="800000"/>
-                <a:headEnd/>
-                <a:tailEnd/>
-              </a:ln>
-              <a:extLst/>
-            </p:spPr>
-            <p:txBody>
-              <a:bodyPr wrap="none">
-                <a:spAutoFit/>
-              </a:bodyPr>
-              <a:lstStyle>
-                <a:lvl1pPr eaLnBrk="0" hangingPunct="0">
-                  <a:defRPr>
-                    <a:solidFill>
-                      <a:schemeClr val="tx1"/>
-                    </a:solidFill>
-                    <a:latin typeface="Arial" charset="0"/>
-                    <a:cs typeface="Arial" charset="0"/>
-                  </a:defRPr>
-                </a:lvl1pPr>
-                <a:lvl2pPr marL="742950" indent="-285750" eaLnBrk="0" hangingPunct="0">
-                  <a:defRPr>
-                    <a:solidFill>
-                      <a:schemeClr val="tx1"/>
-                    </a:solidFill>
-                    <a:latin typeface="Arial" charset="0"/>
-                    <a:cs typeface="Arial" charset="0"/>
-                  </a:defRPr>
-                </a:lvl2pPr>
-                <a:lvl3pPr marL="1143000" indent="-228600" eaLnBrk="0" hangingPunct="0">
-                  <a:defRPr>
-                    <a:solidFill>
-                      <a:schemeClr val="tx1"/>
-                    </a:solidFill>
-                    <a:latin typeface="Arial" charset="0"/>
-                    <a:cs typeface="Arial" charset="0"/>
-                  </a:defRPr>
-                </a:lvl3pPr>
-                <a:lvl4pPr marL="1600200" indent="-228600" eaLnBrk="0" hangingPunct="0">
-                  <a:defRPr>
-                    <a:solidFill>
-                      <a:schemeClr val="tx1"/>
-                    </a:solidFill>
-                    <a:latin typeface="Arial" charset="0"/>
-                    <a:cs typeface="Arial" charset="0"/>
-                  </a:defRPr>
-                </a:lvl4pPr>
-                <a:lvl5pPr marL="2057400" indent="-228600" eaLnBrk="0" hangingPunct="0">
-                  <a:defRPr>
-                    <a:solidFill>
-                      <a:schemeClr val="tx1"/>
-                    </a:solidFill>
-                    <a:latin typeface="Arial" charset="0"/>
-                    <a:cs typeface="Arial" charset="0"/>
-                  </a:defRPr>
-                </a:lvl5pPr>
-                <a:lvl6pPr marL="2514600" indent="-228600" eaLnBrk="0" fontAlgn="base" hangingPunct="0">
-                  <a:spcBef>
-                    <a:spcPct val="0"/>
-                  </a:spcBef>
-                  <a:spcAft>
-                    <a:spcPct val="0"/>
-                  </a:spcAft>
-                  <a:defRPr>
-                    <a:solidFill>
-                      <a:schemeClr val="tx1"/>
-                    </a:solidFill>
-                    <a:latin typeface="Arial" charset="0"/>
-                    <a:cs typeface="Arial" charset="0"/>
-                  </a:defRPr>
-                </a:lvl6pPr>
-                <a:lvl7pPr marL="2971800" indent="-228600" eaLnBrk="0" fontAlgn="base" hangingPunct="0">
-                  <a:spcBef>
-                    <a:spcPct val="0"/>
-                  </a:spcBef>
-                  <a:spcAft>
-                    <a:spcPct val="0"/>
-                  </a:spcAft>
-                  <a:defRPr>
-                    <a:solidFill>
-                      <a:schemeClr val="tx1"/>
-                    </a:solidFill>
-                    <a:latin typeface="Arial" charset="0"/>
-                    <a:cs typeface="Arial" charset="0"/>
-                  </a:defRPr>
-                </a:lvl7pPr>
-                <a:lvl8pPr marL="3429000" indent="-228600" eaLnBrk="0" fontAlgn="base" hangingPunct="0">
-                  <a:spcBef>
-                    <a:spcPct val="0"/>
-                  </a:spcBef>
-                  <a:spcAft>
-                    <a:spcPct val="0"/>
-                  </a:spcAft>
-                  <a:defRPr>
-                    <a:solidFill>
-                      <a:schemeClr val="tx1"/>
-                    </a:solidFill>
-                    <a:latin typeface="Arial" charset="0"/>
-                    <a:cs typeface="Arial" charset="0"/>
-                  </a:defRPr>
-                </a:lvl8pPr>
-                <a:lvl9pPr marL="3886200" indent="-228600" eaLnBrk="0" fontAlgn="base" hangingPunct="0">
-                  <a:spcBef>
-                    <a:spcPct val="0"/>
-                  </a:spcBef>
-                  <a:spcAft>
-                    <a:spcPct val="0"/>
-                  </a:spcAft>
-                  <a:defRPr>
-                    <a:solidFill>
-                      <a:schemeClr val="tx1"/>
-                    </a:solidFill>
-                    <a:latin typeface="Arial" charset="0"/>
-                    <a:cs typeface="Arial" charset="0"/>
-                  </a:defRPr>
-                </a:lvl9pPr>
-              </a:lstStyle>
-              <a:p>
-                <a:pPr eaLnBrk="1" hangingPunct="1"/>
-                <a:r>
-                  <a:rPr lang="en-US" sz="1200" b="1" dirty="0" smtClean="0">
-                    <a:latin typeface="Courier New" panose="02070309020205020404" pitchFamily="49" charset="0"/>
-                    <a:cs typeface="Courier New" panose="02070309020205020404" pitchFamily="49" charset="0"/>
-                  </a:rPr>
-                  <a:t>job_60.pbs</a:t>
-                </a:r>
-                <a:endParaRPr lang="nl-BE" sz="1200" b="1" dirty="0">
-                  <a:latin typeface="Courier New" panose="02070309020205020404" pitchFamily="49" charset="0"/>
-                  <a:cs typeface="Courier New" panose="02070309020205020404" pitchFamily="49" charset="0"/>
-                </a:endParaRPr>
-              </a:p>
-            </p:txBody>
-          </p:sp>
-        </p:grpSp>
-        <p:sp>
-          <p:nvSpPr>
-            <p:cNvPr id="8" name="TextBox 7"/>
-            <p:cNvSpPr txBox="1"/>
-            <p:nvPr/>
-          </p:nvSpPr>
-          <p:spPr>
-            <a:xfrm rot="3263479">
-              <a:off x="1101160" y="5380856"/>
-              <a:ext cx="433132" cy="523220"/>
-            </a:xfrm>
-            <a:prstGeom prst="rect">
-              <a:avLst/>
-            </a:prstGeom>
-            <a:noFill/>
-          </p:spPr>
-          <p:txBody>
-            <a:bodyPr wrap="none" rtlCol="0">
-              <a:spAutoFit/>
-            </a:bodyPr>
-            <a:lstStyle/>
-            <a:p>
-              <a:r>
-                <a:rPr lang="en-US" sz="2800" dirty="0" smtClean="0"/>
-                <a:t>…</a:t>
-              </a:r>
-              <a:endParaRPr lang="en-US" sz="2800" dirty="0"/>
-            </a:p>
-          </p:txBody>
-        </p:sp>
-      </p:grpSp>
-    </p:spTree>
-    <p:extLst>
-      <p:ext uri="{BB962C8B-B14F-4D97-AF65-F5344CB8AC3E}">
-        <p14:creationId xmlns:p14="http://schemas.microsoft.com/office/powerpoint/2010/main" val="3774639464"/>
-      </p:ext>
-    </p:extLst>
-  </p:cSld>
-  <p:clrMapOvr>
-    <a:masterClrMapping/>
-  </p:clrMapOvr>
-  <p:timing>
-    <p:tnLst>
-      <p:par>
-        <p:cTn id="1" dur="indefinite" restart="never" nodeType="tmRoot">
-          <p:childTnLst>
-            <p:seq concurrent="1" nextAc="seek">
-              <p:cTn id="2" dur="indefinite" nodeType="mainSeq">
-                <p:childTnLst>
-                  <p:par>
-                    <p:cTn id="3" fill="hold">
-                      <p:stCondLst>
-                        <p:cond delay="indefinite"/>
-                      </p:stCondLst>
-                      <p:childTnLst>
-                        <p:par>
-                          <p:cTn id="4" fill="hold">
-                            <p:stCondLst>
-                              <p:cond delay="0"/>
-                            </p:stCondLst>
-                            <p:childTnLst>
-                              <p:par>
-                                <p:cTn id="5" presetID="1" presetClass="entr" presetSubtype="0" fill="hold" nodeType="clickEffect">
-                                  <p:stCondLst>
-                                    <p:cond delay="0"/>
-                                  </p:stCondLst>
-                                  <p:childTnLst>
-                                    <p:set>
-                                      <p:cBhvr>
-                                        <p:cTn id="6" dur="1" fill="hold">
-                                          <p:stCondLst>
-                                            <p:cond delay="0"/>
-                                          </p:stCondLst>
-                                        </p:cTn>
-                                        <p:tgtEl>
-                                          <p:spTgt spid="18"/>
-                                        </p:tgtEl>
-                                        <p:attrNameLst>
-                                          <p:attrName>style.visibility</p:attrName>
-                                        </p:attrNameLst>
-                                      </p:cBhvr>
-                                      <p:to>
-                                        <p:strVal val="visible"/>
-                                      </p:to>
-                                    </p:set>
-                                  </p:childTnLst>
-                                </p:cTn>
-                              </p:par>
-                            </p:childTnLst>
-                          </p:cTn>
-                        </p:par>
-                      </p:childTnLst>
-                    </p:cTn>
-                  </p:par>
-                  <p:par>
-                    <p:cTn id="7" fill="hold">
-                      <p:stCondLst>
-                        <p:cond delay="indefinite"/>
-                      </p:stCondLst>
-                      <p:childTnLst>
-                        <p:par>
-                          <p:cTn id="8" fill="hold">
-                            <p:stCondLst>
-                              <p:cond delay="0"/>
-                            </p:stCondLst>
-                            <p:childTnLst>
-                              <p:par>
-                                <p:cTn id="9" presetID="1" presetClass="entr" presetSubtype="0" fill="hold" nodeType="clickEffect">
-                                  <p:stCondLst>
-                                    <p:cond delay="0"/>
-                                  </p:stCondLst>
-                                  <p:childTnLst>
-                                    <p:set>
-                                      <p:cBhvr>
-                                        <p:cTn id="10" dur="1" fill="hold">
-                                          <p:stCondLst>
-                                            <p:cond delay="0"/>
-                                          </p:stCondLst>
-                                        </p:cTn>
-                                        <p:tgtEl>
-                                          <p:spTgt spid="19"/>
-                                        </p:tgtEl>
-                                        <p:attrNameLst>
-                                          <p:attrName>style.visibility</p:attrName>
-                                        </p:attrNameLst>
-                                      </p:cBhvr>
-                                      <p:to>
-                                        <p:strVal val="visible"/>
-                                      </p:to>
-                                    </p:set>
-                                  </p:childTnLst>
-                                </p:cTn>
-                              </p:par>
-                            </p:childTnLst>
-                          </p:cTn>
-                        </p:par>
-                      </p:childTnLst>
-                    </p:cTn>
-                  </p:par>
-                </p:childTnLst>
-              </p:cTn>
-              <p:prevCondLst>
-                <p:cond evt="onPrev" delay="0">
-                  <p:tgtEl>
-                    <p:sldTgt/>
-                  </p:tgtEl>
-                </p:cond>
-              </p:prevCondLst>
-              <p:nextCondLst>
-                <p:cond evt="onNext" delay="0">
-                  <p:tgtEl>
-                    <p:sldTgt/>
-                  </p:tgtEl>
-                </p:cond>
-              </p:nextCondLst>
-            </p:seq>
-          </p:childTnLst>
-        </p:cTn>
-      </p:par>
-    </p:tnLst>
-  </p:timing>
-</p:sld>
-</file>
-
-<file path=ppt/slides/slide30.xml><?xml version="1.0" encoding="utf-8"?>
+<file path=ppt/slides/slide31.xml><?xml version="1.0" encoding="utf-8"?>
 <p:sld xmlns:a="http://schemas.openxmlformats.org/drawingml/2006/main" xmlns:r="http://schemas.openxmlformats.org/officeDocument/2006/relationships" xmlns:p="http://schemas.openxmlformats.org/presentationml/2006/main">
   <p:cSld>
     <p:spTree>
@@ -28494,7 +29114,7 @@
           <a:graphicData uri="http://schemas.openxmlformats.org/presentationml/2006/ole">
             <mc:AlternateContent xmlns:mc="http://schemas.openxmlformats.org/markup-compatibility/2006">
               <mc:Choice xmlns:v="urn:schemas-microsoft-com:vml" Requires="v">
-                <p:oleObj spid="_x0000_s2096" name="Vergelijking" r:id="rId8" imgW="126780" imgH="164814" progId="Equation.3">
+                <p:oleObj spid="_x0000_s2102" name="Vergelijking" r:id="rId8" imgW="126780" imgH="164814" progId="Equation.3">
                   <p:embed/>
                 </p:oleObj>
               </mc:Choice>
@@ -29553,7 +30173,7 @@
           <a:graphicData uri="http://schemas.openxmlformats.org/presentationml/2006/ole">
             <mc:AlternateContent xmlns:mc="http://schemas.openxmlformats.org/markup-compatibility/2006">
               <mc:Choice xmlns:v="urn:schemas-microsoft-com:vml" Requires="v">
-                <p:oleObj spid="_x0000_s2097" name="Vergelijking" r:id="rId12" imgW="837836" imgH="177723" progId="Equation.3">
+                <p:oleObj spid="_x0000_s2103" name="Vergelijking" r:id="rId12" imgW="837836" imgH="177723" progId="Equation.3">
                   <p:embed/>
                 </p:oleObj>
               </mc:Choice>
@@ -30126,7 +30746,7 @@
           <a:p>
             <a:fld id="{0AA598EC-1C61-495B-A9F8-4410E339CCF5}" type="slidenum">
               <a:rPr lang="en-US" smtClean="0"/>
-              <a:t>30</a:t>
+              <a:t>31</a:t>
             </a:fld>
             <a:endParaRPr lang="en-US"/>
           </a:p>
@@ -31261,7 +31881,7 @@
 </p:sld>
 </file>
 
-<file path=ppt/slides/slide31.xml><?xml version="1.0" encoding="utf-8"?>
+<file path=ppt/slides/slide32.xml><?xml version="1.0" encoding="utf-8"?>
 <p:sld xmlns:a="http://schemas.openxmlformats.org/drawingml/2006/main" xmlns:r="http://schemas.openxmlformats.org/officeDocument/2006/relationships" xmlns:p="http://schemas.openxmlformats.org/presentationml/2006/main">
   <p:cSld>
     <p:spTree>
@@ -35448,7 +36068,7 @@
           <a:p>
             <a:fld id="{0AA598EC-1C61-495B-A9F8-4410E339CCF5}" type="slidenum">
               <a:rPr lang="en-US" smtClean="0"/>
-              <a:t>31</a:t>
+              <a:t>32</a:t>
             </a:fld>
             <a:endParaRPr lang="en-US"/>
           </a:p>
@@ -35474,7 +36094,7 @@
 </p:sld>
 </file>
 
-<file path=ppt/slides/slide32.xml><?xml version="1.0" encoding="utf-8"?>
+<file path=ppt/slides/slide33.xml><?xml version="1.0" encoding="utf-8"?>
 <p:sld xmlns:a="http://schemas.openxmlformats.org/drawingml/2006/main" xmlns:r="http://schemas.openxmlformats.org/officeDocument/2006/relationships" xmlns:p="http://schemas.openxmlformats.org/presentationml/2006/main">
   <p:cSld>
     <p:spTree>
@@ -39219,7 +39839,7 @@
           <a:p>
             <a:fld id="{0AA598EC-1C61-495B-A9F8-4410E339CCF5}" type="slidenum">
               <a:rPr lang="en-US" smtClean="0"/>
-              <a:t>32</a:t>
+              <a:t>33</a:t>
             </a:fld>
             <a:endParaRPr lang="en-US"/>
           </a:p>
@@ -39245,7 +39865,7 @@
 </p:sld>
 </file>
 
-<file path=ppt/slides/slide33.xml><?xml version="1.0" encoding="utf-8"?>
+<file path=ppt/slides/slide34.xml><?xml version="1.0" encoding="utf-8"?>
 <p:sld xmlns:a="http://schemas.openxmlformats.org/drawingml/2006/main" xmlns:r="http://schemas.openxmlformats.org/officeDocument/2006/relationships" xmlns:p="http://schemas.openxmlformats.org/presentationml/2006/main">
   <p:cSld>
     <p:spTree>
@@ -39321,7 +39941,7 @@
           <a:p>
             <a:fld id="{0AA598EC-1C61-495B-A9F8-4410E339CCF5}" type="slidenum">
               <a:rPr lang="en-US" smtClean="0"/>
-              <a:t>33</a:t>
+              <a:t>34</a:t>
             </a:fld>
             <a:endParaRPr lang="en-US"/>
           </a:p>
@@ -39340,7 +39960,7 @@
 </p:sld>
 </file>
 
-<file path=ppt/slides/slide34.xml><?xml version="1.0" encoding="utf-8"?>
+<file path=ppt/slides/slide35.xml><?xml version="1.0" encoding="utf-8"?>
 <p:sld xmlns:a="http://schemas.openxmlformats.org/drawingml/2006/main" xmlns:r="http://schemas.openxmlformats.org/officeDocument/2006/relationships" xmlns:p="http://schemas.openxmlformats.org/presentationml/2006/main">
   <p:cSld>
     <p:spTree>
@@ -39572,7 +40192,7 @@
           <a:p>
             <a:fld id="{0AA598EC-1C61-495B-A9F8-4410E339CCF5}" type="slidenum">
               <a:rPr lang="en-US" smtClean="0"/>
-              <a:t>34</a:t>
+              <a:t>35</a:t>
             </a:fld>
             <a:endParaRPr lang="en-US"/>
           </a:p>
@@ -39926,7 +40546,7 @@
 </p:sld>
 </file>
 
-<file path=ppt/slides/slide35.xml><?xml version="1.0" encoding="utf-8"?>
+<file path=ppt/slides/slide36.xml><?xml version="1.0" encoding="utf-8"?>
 <p:sld xmlns:a="http://schemas.openxmlformats.org/drawingml/2006/main" xmlns:r="http://schemas.openxmlformats.org/officeDocument/2006/relationships" xmlns:p="http://schemas.openxmlformats.org/presentationml/2006/main">
   <p:cSld>
     <p:spTree>
@@ -40073,7 +40693,7 @@
           <a:p>
             <a:fld id="{0AA598EC-1C61-495B-A9F8-4410E339CCF5}" type="slidenum">
               <a:rPr lang="en-US" smtClean="0"/>
-              <a:t>35</a:t>
+              <a:t>36</a:t>
             </a:fld>
             <a:endParaRPr lang="en-US"/>
           </a:p>
@@ -40155,7 +40775,7 @@
         </p:nvSpPr>
         <p:spPr bwMode="auto">
           <a:xfrm>
-            <a:off x="1176597" y="5349634"/>
+            <a:off x="1176597" y="5550331"/>
             <a:ext cx="7510203" cy="830997"/>
           </a:xfrm>
           <a:prstGeom prst="rect">
@@ -40434,9 +41054,9 @@
         <p:grpSpPr>
           <a:xfrm>
             <a:off x="1176597" y="3419589"/>
-            <a:ext cx="7491153" cy="1754326"/>
+            <a:ext cx="7491153" cy="2031325"/>
             <a:chOff x="827584" y="3967896"/>
-            <a:chExt cx="7491153" cy="1754326"/>
+            <a:chExt cx="7491153" cy="2031325"/>
           </a:xfrm>
         </p:grpSpPr>
         <p:sp>
@@ -40450,7 +41070,7 @@
           <p:spPr bwMode="auto">
             <a:xfrm>
               <a:off x="827584" y="3967896"/>
-              <a:ext cx="7491152" cy="1754326"/>
+              <a:ext cx="7491152" cy="2031325"/>
             </a:xfrm>
             <a:prstGeom prst="rect">
               <a:avLst/>
@@ -40607,7 +41227,43 @@
                 </a:rPr>
                 <a:t>nodes=2:ppn=20</a:t>
               </a:r>
-              <a:endParaRPr lang="en-US" dirty="0">
+            </a:p>
+            <a:p>
+              <a:pPr eaLnBrk="1" hangingPunct="1"/>
+              <a:r>
+                <a:rPr lang="en-US" b="1" dirty="0" smtClean="0">
+                  <a:solidFill>
+                    <a:srgbClr val="C00000"/>
+                  </a:solidFill>
+                  <a:latin typeface="Courier New" pitchFamily="49" charset="0"/>
+                  <a:cs typeface="Courier New" pitchFamily="49" charset="0"/>
+                </a:rPr>
+                <a:t>module load </a:t>
+              </a:r>
+              <a:r>
+                <a:rPr lang="en-US" b="1" dirty="0" err="1" smtClean="0">
+                  <a:solidFill>
+                    <a:srgbClr val="C00000"/>
+                  </a:solidFill>
+                  <a:latin typeface="Courier New" pitchFamily="49" charset="0"/>
+                  <a:cs typeface="Courier New" pitchFamily="49" charset="0"/>
+                </a:rPr>
+                <a:t>atools</a:t>
+              </a:r>
+              <a:r>
+                <a:rPr lang="en-US" b="1" dirty="0" smtClean="0">
+                  <a:solidFill>
+                    <a:srgbClr val="C00000"/>
+                  </a:solidFill>
+                  <a:latin typeface="Courier New" pitchFamily="49" charset="0"/>
+                  <a:cs typeface="Courier New" pitchFamily="49" charset="0"/>
+                </a:rPr>
+                <a:t>/1.4.4</a:t>
+              </a:r>
+              <a:endParaRPr lang="en-US" b="1" dirty="0">
+                <a:solidFill>
+                  <a:srgbClr val="C00000"/>
+                </a:solidFill>
                 <a:latin typeface="Courier New" pitchFamily="49" charset="0"/>
                 <a:cs typeface="Courier New" pitchFamily="49" charset="0"/>
               </a:endParaRPr>
@@ -40654,13 +41310,6 @@
                 </a:rPr>
                 <a:t> --data data.csv)</a:t>
               </a:r>
-              <a:endParaRPr lang="en-US" b="1" dirty="0">
-                <a:solidFill>
-                  <a:srgbClr val="C00000"/>
-                </a:solidFill>
-                <a:latin typeface="Courier New" pitchFamily="49" charset="0"/>
-                <a:cs typeface="Courier New" pitchFamily="49" charset="0"/>
-              </a:endParaRPr>
             </a:p>
             <a:p>
               <a:pPr eaLnBrk="1" hangingPunct="1"/>
@@ -40754,14 +41403,7 @@
                   <a:latin typeface="Courier New" pitchFamily="49" charset="0"/>
                   <a:cs typeface="Courier New" pitchFamily="49" charset="0"/>
                 </a:rPr>
-                <a:t>              </a:t>
-              </a:r>
-              <a:r>
-                <a:rPr lang="en-US" dirty="0" smtClean="0">
-                  <a:latin typeface="Courier New" pitchFamily="49" charset="0"/>
-                  <a:cs typeface="Courier New" pitchFamily="49" charset="0"/>
-                </a:rPr>
-                <a:t>–</a:t>
+                <a:t>              –</a:t>
               </a:r>
               <a:r>
                 <a:rPr lang="en-US" dirty="0">
@@ -41537,11 +42179,7 @@
           <a:p>
             <a:r>
               <a:rPr lang="en-US" dirty="0" smtClean="0"/>
-              <a:t>Write PBS script with </a:t>
-            </a:r>
-            <a:r>
-              <a:rPr lang="en-US" dirty="0" smtClean="0"/>
-              <a:t>parameters</a:t>
+              <a:t>Write PBS script with parameters</a:t>
             </a:r>
           </a:p>
           <a:p>
@@ -41550,7 +42188,6 @@
               <a:rPr lang="en-US" dirty="0" smtClean="0"/>
               <a:t>add line to initialize parameters</a:t>
             </a:r>
-            <a:endParaRPr lang="en-US" dirty="0" smtClean="0"/>
           </a:p>
           <a:p>
             <a:r>
@@ -41907,11 +42544,7 @@
             <a:pPr eaLnBrk="1" hangingPunct="1"/>
             <a:r>
               <a:rPr lang="en-US" dirty="0" smtClean="0"/>
-              <a:t>Torque </a:t>
-            </a:r>
-            <a:r>
-              <a:rPr lang="en-US" dirty="0" smtClean="0"/>
-              <a:t>job arrays</a:t>
+              <a:t>Torque job arrays</a:t>
             </a:r>
             <a:endParaRPr lang="nl-BE" dirty="0" smtClean="0"/>
           </a:p>
@@ -43684,6 +44317,13 @@
   <p:clrMapOvr>
     <a:masterClrMapping/>
   </p:clrMapOvr>
+  <p:timing>
+    <p:tnLst>
+      <p:par>
+        <p:cTn id="1" dur="indefinite" restart="never" nodeType="tmRoot"/>
+      </p:par>
+    </p:tnLst>
+  </p:timing>
 </p:sld>
 </file>
 
@@ -43749,421 +44389,54 @@
           <a:p>
             <a:r>
               <a:rPr lang="en-US" dirty="0" smtClean="0"/>
-              <a:t>Getting a summary of a job</a:t>
-            </a:r>
-          </a:p>
-          <a:p>
-            <a:endParaRPr lang="en-US" dirty="0" smtClean="0"/>
-          </a:p>
-          <a:p>
-            <a:pPr lvl="1"/>
-            <a:r>
-              <a:rPr lang="en-US" dirty="0" smtClean="0"/>
-              <a:t>Number of successfully completed items</a:t>
+              <a:t>Logging for</a:t>
             </a:r>
           </a:p>
           <a:p>
             <a:pPr lvl="1"/>
             <a:r>
               <a:rPr lang="en-US" dirty="0" smtClean="0"/>
-              <a:t>Number of failed items</a:t>
+              <a:t>bookkeeping: success/failures?</a:t>
             </a:r>
+          </a:p>
+          <a:p>
+            <a:pPr lvl="1"/>
+            <a:r>
+              <a:rPr lang="en-US" dirty="0" smtClean="0"/>
+              <a:t>redo failures</a:t>
+            </a:r>
+          </a:p>
+          <a:p>
+            <a:pPr lvl="1"/>
+            <a:r>
+              <a:rPr lang="en-US" dirty="0" smtClean="0"/>
+              <a:t>performance analysis</a:t>
+            </a:r>
+            <a:endParaRPr lang="en-US" dirty="0" smtClean="0"/>
           </a:p>
           <a:p>
             <a:r>
               <a:rPr lang="en-US" dirty="0" smtClean="0"/>
-              <a:t>Monitoring progress of a running job</a:t>
+              <a:t>Scheduler provides logs</a:t>
             </a:r>
           </a:p>
           <a:p>
-            <a:endParaRPr lang="en-US" dirty="0" smtClean="0"/>
-          </a:p>
-        </p:txBody>
-      </p:sp>
-      <p:sp>
-        <p:nvSpPr>
-          <p:cNvPr id="14340" name="TextBox 70"/>
-          <p:cNvSpPr txBox="1">
-            <a:spLocks noChangeArrowheads="1"/>
-          </p:cNvSpPr>
-          <p:nvPr/>
-        </p:nvSpPr>
-        <p:spPr bwMode="auto">
-          <a:xfrm>
-            <a:off x="1601787" y="2204864"/>
-            <a:ext cx="6083717" cy="461665"/>
-          </a:xfrm>
-          <a:prstGeom prst="rect">
-            <a:avLst/>
-          </a:prstGeom>
-          <a:solidFill>
-            <a:schemeClr val="tx1"/>
-          </a:solidFill>
-          <a:ln>
-            <a:noFill/>
-          </a:ln>
-          <a:extLst/>
-        </p:spPr>
-        <p:txBody>
-          <a:bodyPr wrap="square">
-            <a:spAutoFit/>
-          </a:bodyPr>
-          <a:lstStyle>
-            <a:lvl1pPr eaLnBrk="0" hangingPunct="0">
-              <a:defRPr>
-                <a:solidFill>
-                  <a:schemeClr val="tx1"/>
-                </a:solidFill>
-                <a:latin typeface="Arial" charset="0"/>
-                <a:cs typeface="Arial" charset="0"/>
-              </a:defRPr>
-            </a:lvl1pPr>
-            <a:lvl2pPr marL="742950" indent="-285750" eaLnBrk="0" hangingPunct="0">
-              <a:defRPr>
-                <a:solidFill>
-                  <a:schemeClr val="tx1"/>
-                </a:solidFill>
-                <a:latin typeface="Arial" charset="0"/>
-                <a:cs typeface="Arial" charset="0"/>
-              </a:defRPr>
-            </a:lvl2pPr>
-            <a:lvl3pPr marL="1143000" indent="-228600" eaLnBrk="0" hangingPunct="0">
-              <a:defRPr>
-                <a:solidFill>
-                  <a:schemeClr val="tx1"/>
-                </a:solidFill>
-                <a:latin typeface="Arial" charset="0"/>
-                <a:cs typeface="Arial" charset="0"/>
-              </a:defRPr>
-            </a:lvl3pPr>
-            <a:lvl4pPr marL="1600200" indent="-228600" eaLnBrk="0" hangingPunct="0">
-              <a:defRPr>
-                <a:solidFill>
-                  <a:schemeClr val="tx1"/>
-                </a:solidFill>
-                <a:latin typeface="Arial" charset="0"/>
-                <a:cs typeface="Arial" charset="0"/>
-              </a:defRPr>
-            </a:lvl4pPr>
-            <a:lvl5pPr marL="2057400" indent="-228600" eaLnBrk="0" hangingPunct="0">
-              <a:defRPr>
-                <a:solidFill>
-                  <a:schemeClr val="tx1"/>
-                </a:solidFill>
-                <a:latin typeface="Arial" charset="0"/>
-                <a:cs typeface="Arial" charset="0"/>
-              </a:defRPr>
-            </a:lvl5pPr>
-            <a:lvl6pPr marL="2514600" indent="-228600" eaLnBrk="0" fontAlgn="base" hangingPunct="0">
-              <a:spcBef>
-                <a:spcPct val="0"/>
-              </a:spcBef>
-              <a:spcAft>
-                <a:spcPct val="0"/>
-              </a:spcAft>
-              <a:defRPr>
-                <a:solidFill>
-                  <a:schemeClr val="tx1"/>
-                </a:solidFill>
-                <a:latin typeface="Arial" charset="0"/>
-                <a:cs typeface="Arial" charset="0"/>
-              </a:defRPr>
-            </a:lvl6pPr>
-            <a:lvl7pPr marL="2971800" indent="-228600" eaLnBrk="0" fontAlgn="base" hangingPunct="0">
-              <a:spcBef>
-                <a:spcPct val="0"/>
-              </a:spcBef>
-              <a:spcAft>
-                <a:spcPct val="0"/>
-              </a:spcAft>
-              <a:defRPr>
-                <a:solidFill>
-                  <a:schemeClr val="tx1"/>
-                </a:solidFill>
-                <a:latin typeface="Arial" charset="0"/>
-                <a:cs typeface="Arial" charset="0"/>
-              </a:defRPr>
-            </a:lvl7pPr>
-            <a:lvl8pPr marL="3429000" indent="-228600" eaLnBrk="0" fontAlgn="base" hangingPunct="0">
-              <a:spcBef>
-                <a:spcPct val="0"/>
-              </a:spcBef>
-              <a:spcAft>
-                <a:spcPct val="0"/>
-              </a:spcAft>
-              <a:defRPr>
-                <a:solidFill>
-                  <a:schemeClr val="tx1"/>
-                </a:solidFill>
-                <a:latin typeface="Arial" charset="0"/>
-                <a:cs typeface="Arial" charset="0"/>
-              </a:defRPr>
-            </a:lvl8pPr>
-            <a:lvl9pPr marL="3886200" indent="-228600" eaLnBrk="0" fontAlgn="base" hangingPunct="0">
-              <a:spcBef>
-                <a:spcPct val="0"/>
-              </a:spcBef>
-              <a:spcAft>
-                <a:spcPct val="0"/>
-              </a:spcAft>
-              <a:defRPr>
-                <a:solidFill>
-                  <a:schemeClr val="tx1"/>
-                </a:solidFill>
-                <a:latin typeface="Arial" charset="0"/>
-                <a:cs typeface="Arial" charset="0"/>
-              </a:defRPr>
-            </a:lvl9pPr>
-          </a:lstStyle>
-          <a:p>
-            <a:pPr eaLnBrk="1" hangingPunct="1"/>
+            <a:pPr lvl="1"/>
             <a:r>
-              <a:rPr lang="nl-BE" sz="2400" b="1" dirty="0" smtClean="0">
-                <a:solidFill>
-                  <a:schemeClr val="bg1"/>
-                </a:solidFill>
-                <a:latin typeface="Courier New" pitchFamily="49" charset="0"/>
-                <a:cs typeface="Courier New" pitchFamily="49" charset="0"/>
-              </a:rPr>
-              <a:t>$ wsummarize  run.pbs.log445948</a:t>
-            </a:r>
-            <a:endParaRPr lang="nl-BE" sz="2400" b="1" dirty="0">
-              <a:solidFill>
-                <a:schemeClr val="bg1"/>
-              </a:solidFill>
-              <a:latin typeface="Courier New" pitchFamily="49" charset="0"/>
-              <a:cs typeface="Courier New" pitchFamily="49" charset="0"/>
-            </a:endParaRPr>
-          </a:p>
-        </p:txBody>
-      </p:sp>
-      <p:sp>
-        <p:nvSpPr>
-          <p:cNvPr id="14341" name="TextBox 70"/>
-          <p:cNvSpPr txBox="1">
-            <a:spLocks noChangeArrowheads="1"/>
-          </p:cNvSpPr>
-          <p:nvPr/>
-        </p:nvSpPr>
-        <p:spPr bwMode="auto">
-          <a:xfrm>
-            <a:off x="1595639" y="4437112"/>
-            <a:ext cx="6083717" cy="830997"/>
-          </a:xfrm>
-          <a:prstGeom prst="rect">
-            <a:avLst/>
-          </a:prstGeom>
-          <a:solidFill>
-            <a:schemeClr val="tx1"/>
-          </a:solidFill>
-          <a:ln>
-            <a:noFill/>
-          </a:ln>
-          <a:extLst/>
-        </p:spPr>
-        <p:txBody>
-          <a:bodyPr wrap="none">
-            <a:spAutoFit/>
-          </a:bodyPr>
-          <a:lstStyle>
-            <a:lvl1pPr eaLnBrk="0" hangingPunct="0">
-              <a:defRPr>
-                <a:solidFill>
-                  <a:schemeClr val="tx1"/>
-                </a:solidFill>
-                <a:latin typeface="Arial" charset="0"/>
-                <a:cs typeface="Arial" charset="0"/>
-              </a:defRPr>
-            </a:lvl1pPr>
-            <a:lvl2pPr marL="742950" indent="-285750" eaLnBrk="0" hangingPunct="0">
-              <a:defRPr>
-                <a:solidFill>
-                  <a:schemeClr val="tx1"/>
-                </a:solidFill>
-                <a:latin typeface="Arial" charset="0"/>
-                <a:cs typeface="Arial" charset="0"/>
-              </a:defRPr>
-            </a:lvl2pPr>
-            <a:lvl3pPr marL="1143000" indent="-228600" eaLnBrk="0" hangingPunct="0">
-              <a:defRPr>
-                <a:solidFill>
-                  <a:schemeClr val="tx1"/>
-                </a:solidFill>
-                <a:latin typeface="Arial" charset="0"/>
-                <a:cs typeface="Arial" charset="0"/>
-              </a:defRPr>
-            </a:lvl3pPr>
-            <a:lvl4pPr marL="1600200" indent="-228600" eaLnBrk="0" hangingPunct="0">
-              <a:defRPr>
-                <a:solidFill>
-                  <a:schemeClr val="tx1"/>
-                </a:solidFill>
-                <a:latin typeface="Arial" charset="0"/>
-                <a:cs typeface="Arial" charset="0"/>
-              </a:defRPr>
-            </a:lvl4pPr>
-            <a:lvl5pPr marL="2057400" indent="-228600" eaLnBrk="0" hangingPunct="0">
-              <a:defRPr>
-                <a:solidFill>
-                  <a:schemeClr val="tx1"/>
-                </a:solidFill>
-                <a:latin typeface="Arial" charset="0"/>
-                <a:cs typeface="Arial" charset="0"/>
-              </a:defRPr>
-            </a:lvl5pPr>
-            <a:lvl6pPr marL="2514600" indent="-228600" eaLnBrk="0" fontAlgn="base" hangingPunct="0">
-              <a:spcBef>
-                <a:spcPct val="0"/>
-              </a:spcBef>
-              <a:spcAft>
-                <a:spcPct val="0"/>
-              </a:spcAft>
-              <a:defRPr>
-                <a:solidFill>
-                  <a:schemeClr val="tx1"/>
-                </a:solidFill>
-                <a:latin typeface="Arial" charset="0"/>
-                <a:cs typeface="Arial" charset="0"/>
-              </a:defRPr>
-            </a:lvl6pPr>
-            <a:lvl7pPr marL="2971800" indent="-228600" eaLnBrk="0" fontAlgn="base" hangingPunct="0">
-              <a:spcBef>
-                <a:spcPct val="0"/>
-              </a:spcBef>
-              <a:spcAft>
-                <a:spcPct val="0"/>
-              </a:spcAft>
-              <a:defRPr>
-                <a:solidFill>
-                  <a:schemeClr val="tx1"/>
-                </a:solidFill>
-                <a:latin typeface="Arial" charset="0"/>
-                <a:cs typeface="Arial" charset="0"/>
-              </a:defRPr>
-            </a:lvl7pPr>
-            <a:lvl8pPr marL="3429000" indent="-228600" eaLnBrk="0" fontAlgn="base" hangingPunct="0">
-              <a:spcBef>
-                <a:spcPct val="0"/>
-              </a:spcBef>
-              <a:spcAft>
-                <a:spcPct val="0"/>
-              </a:spcAft>
-              <a:defRPr>
-                <a:solidFill>
-                  <a:schemeClr val="tx1"/>
-                </a:solidFill>
-                <a:latin typeface="Arial" charset="0"/>
-                <a:cs typeface="Arial" charset="0"/>
-              </a:defRPr>
-            </a:lvl8pPr>
-            <a:lvl9pPr marL="3886200" indent="-228600" eaLnBrk="0" fontAlgn="base" hangingPunct="0">
-              <a:spcBef>
-                <a:spcPct val="0"/>
-              </a:spcBef>
-              <a:spcAft>
-                <a:spcPct val="0"/>
-              </a:spcAft>
-              <a:defRPr>
-                <a:solidFill>
-                  <a:schemeClr val="tx1"/>
-                </a:solidFill>
-                <a:latin typeface="Arial" charset="0"/>
-                <a:cs typeface="Arial" charset="0"/>
-              </a:defRPr>
-            </a:lvl9pPr>
-          </a:lstStyle>
-          <a:p>
-            <a:pPr eaLnBrk="1" hangingPunct="1"/>
-            <a:r>
-              <a:rPr lang="en-US" sz="2400" b="1" dirty="0" smtClean="0">
-                <a:solidFill>
-                  <a:schemeClr val="bg1"/>
-                </a:solidFill>
-                <a:latin typeface="Courier New" pitchFamily="49" charset="0"/>
-                <a:cs typeface="Courier New" pitchFamily="49" charset="0"/>
-              </a:rPr>
-              <a:t>$ watch  </a:t>
-            </a:r>
-            <a:r>
-              <a:rPr lang="en-US" sz="2400" b="1" dirty="0">
-                <a:solidFill>
-                  <a:schemeClr val="bg1"/>
-                </a:solidFill>
-                <a:latin typeface="Courier New" pitchFamily="49" charset="0"/>
-                <a:cs typeface="Courier New" pitchFamily="49" charset="0"/>
-              </a:rPr>
-              <a:t>-n 60  </a:t>
-            </a:r>
-            <a:r>
-              <a:rPr lang="en-US" sz="2400" b="1" dirty="0" smtClean="0">
-                <a:solidFill>
-                  <a:schemeClr val="bg1"/>
-                </a:solidFill>
-                <a:latin typeface="Courier New" pitchFamily="49" charset="0"/>
-                <a:cs typeface="Courier New" pitchFamily="49" charset="0"/>
-              </a:rPr>
-              <a:t>\</a:t>
+              <a:rPr lang="en-US" dirty="0" smtClean="0"/>
+              <a:t>inconvenient</a:t>
             </a:r>
           </a:p>
           <a:p>
-            <a:pPr eaLnBrk="1" hangingPunct="1"/>
+            <a:pPr lvl="1"/>
             <a:r>
-              <a:rPr lang="en-US" sz="2400" b="1" dirty="0">
-                <a:solidFill>
-                  <a:schemeClr val="bg1"/>
-                </a:solidFill>
-                <a:latin typeface="Courier New" pitchFamily="49" charset="0"/>
-                <a:cs typeface="Courier New" pitchFamily="49" charset="0"/>
-              </a:rPr>
-              <a:t> </a:t>
+              <a:rPr lang="en-US" dirty="0" smtClean="0"/>
+              <a:t>not always user-accessible</a:t>
             </a:r>
-            <a:r>
-              <a:rPr lang="en-US" sz="2400" b="1" dirty="0" smtClean="0">
-                <a:solidFill>
-                  <a:schemeClr val="bg1"/>
-                </a:solidFill>
-                <a:latin typeface="Courier New" pitchFamily="49" charset="0"/>
-                <a:cs typeface="Courier New" pitchFamily="49" charset="0"/>
-              </a:rPr>
-              <a:t>   </a:t>
-            </a:r>
-            <a:r>
-              <a:rPr lang="en-US" sz="2400" b="1" dirty="0" err="1" smtClean="0">
-                <a:solidFill>
-                  <a:schemeClr val="bg1"/>
-                </a:solidFill>
-                <a:latin typeface="Courier New" pitchFamily="49" charset="0"/>
-                <a:cs typeface="Courier New" pitchFamily="49" charset="0"/>
-              </a:rPr>
-              <a:t>wsummarize</a:t>
-            </a:r>
-            <a:r>
-              <a:rPr lang="en-US" sz="2400" b="1" dirty="0" smtClean="0">
-                <a:solidFill>
-                  <a:schemeClr val="bg1"/>
-                </a:solidFill>
-                <a:latin typeface="Courier New" pitchFamily="49" charset="0"/>
-                <a:cs typeface="Courier New" pitchFamily="49" charset="0"/>
-              </a:rPr>
-              <a:t> </a:t>
-            </a:r>
-            <a:r>
-              <a:rPr lang="en-US" sz="2400" b="1" dirty="0">
-                <a:solidFill>
-                  <a:schemeClr val="bg1"/>
-                </a:solidFill>
-                <a:latin typeface="Courier New" pitchFamily="49" charset="0"/>
-                <a:cs typeface="Courier New" pitchFamily="49" charset="0"/>
-              </a:rPr>
-              <a:t>run.pbs.log445948</a:t>
-            </a:r>
-            <a:endParaRPr lang="nl-BE" sz="2400" b="1" dirty="0">
-              <a:solidFill>
-                <a:schemeClr val="bg1"/>
-              </a:solidFill>
-              <a:latin typeface="Courier New" pitchFamily="49" charset="0"/>
-              <a:cs typeface="Courier New" pitchFamily="49" charset="0"/>
-            </a:endParaRPr>
+            <a:endParaRPr lang="en-US" dirty="0" smtClean="0"/>
+          </a:p>
+          <a:p>
+            <a:endParaRPr lang="en-US" dirty="0" smtClean="0"/>
           </a:p>
         </p:txBody>
       </p:sp>
@@ -44268,7 +44541,11 @@
                                           </p:stCondLst>
                                         </p:cTn>
                                         <p:tgtEl>
-                                          <p:spTgt spid="14340"/>
+                                          <p:spTgt spid="14339">
+                                            <p:txEl>
+                                              <p:pRg st="1" end="1"/>
+                                            </p:txEl>
+                                          </p:spTgt>
                                         </p:tgtEl>
                                         <p:attrNameLst>
                                           <p:attrName>style.visibility</p:attrName>
@@ -44281,33 +44558,15 @@
                                   </p:childTnLst>
                                 </p:cTn>
                               </p:par>
-                            </p:childTnLst>
-                          </p:cTn>
-                        </p:par>
-                      </p:childTnLst>
-                    </p:cTn>
-                  </p:par>
-                  <p:par>
-                    <p:cTn id="9" fill="hold">
-                      <p:stCondLst>
-                        <p:cond delay="indefinite"/>
-                      </p:stCondLst>
-                      <p:childTnLst>
-                        <p:par>
-                          <p:cTn id="10" fill="hold">
-                            <p:stCondLst>
-                              <p:cond delay="0"/>
-                            </p:stCondLst>
-                            <p:childTnLst>
                               <p:par>
-                                <p:cTn id="11" presetID="1" presetClass="entr" presetSubtype="0" fill="hold" grpId="0" nodeType="clickEffect">
+                                <p:cTn id="9" presetID="1" presetClass="entr" presetSubtype="0" fill="hold" grpId="0" nodeType="withEffect">
                                   <p:stCondLst>
                                     <p:cond delay="0"/>
                                   </p:stCondLst>
                                   <p:childTnLst>
                                     <p:set>
                                       <p:cBhvr>
-                                        <p:cTn id="12" dur="1" fill="hold">
+                                        <p:cTn id="10" dur="1" fill="hold">
                                           <p:stCondLst>
                                             <p:cond delay="0"/>
                                           </p:stCondLst>
@@ -44331,14 +44590,14 @@
                                 </p:cTn>
                               </p:par>
                               <p:par>
-                                <p:cTn id="13" presetID="1" presetClass="entr" presetSubtype="0" fill="hold" grpId="0" nodeType="withEffect">
+                                <p:cTn id="11" presetID="1" presetClass="entr" presetSubtype="0" fill="hold" grpId="0" nodeType="withEffect">
                                   <p:stCondLst>
                                     <p:cond delay="0"/>
                                   </p:stCondLst>
                                   <p:childTnLst>
                                     <p:set>
                                       <p:cBhvr>
-                                        <p:cTn id="14" dur="1" fill="hold">
+                                        <p:cTn id="12" dur="1" fill="hold">
                                           <p:stCondLst>
                                             <p:cond delay="0"/>
                                           </p:stCondLst>
@@ -44368,19 +44627,50 @@
                     </p:cTn>
                   </p:par>
                   <p:par>
-                    <p:cTn id="15" fill="hold">
+                    <p:cTn id="13" fill="hold">
                       <p:stCondLst>
                         <p:cond delay="indefinite"/>
                       </p:stCondLst>
                       <p:childTnLst>
                         <p:par>
-                          <p:cTn id="16" fill="hold">
+                          <p:cTn id="14" fill="hold">
                             <p:stCondLst>
                               <p:cond delay="0"/>
                             </p:stCondLst>
                             <p:childTnLst>
                               <p:par>
-                                <p:cTn id="17" presetID="1" presetClass="entr" presetSubtype="0" fill="hold" grpId="0" nodeType="clickEffect">
+                                <p:cTn id="15" presetID="1" presetClass="entr" presetSubtype="0" fill="hold" grpId="0" nodeType="clickEffect">
+                                  <p:stCondLst>
+                                    <p:cond delay="0"/>
+                                  </p:stCondLst>
+                                  <p:childTnLst>
+                                    <p:set>
+                                      <p:cBhvr>
+                                        <p:cTn id="16" dur="1" fill="hold">
+                                          <p:stCondLst>
+                                            <p:cond delay="0"/>
+                                          </p:stCondLst>
+                                        </p:cTn>
+                                        <p:tgtEl>
+                                          <p:spTgt spid="14339">
+                                            <p:txEl>
+                                              <p:pRg st="4" end="4"/>
+                                            </p:txEl>
+                                          </p:spTgt>
+                                        </p:tgtEl>
+                                        <p:attrNameLst>
+                                          <p:attrName>style.visibility</p:attrName>
+                                        </p:attrNameLst>
+                                      </p:cBhvr>
+                                      <p:to>
+                                        <p:strVal val="visible"/>
+                                      </p:to>
+                                    </p:set>
+                                  </p:childTnLst>
+                                </p:cTn>
+                              </p:par>
+                              <p:par>
+                                <p:cTn id="17" presetID="1" presetClass="entr" presetSubtype="0" fill="hold" grpId="0" nodeType="withEffect">
                                   <p:stCondLst>
                                     <p:cond delay="0"/>
                                   </p:stCondLst>
@@ -44395,7 +44685,7 @@
                                         <p:tgtEl>
                                           <p:spTgt spid="14339">
                                             <p:txEl>
-                                              <p:pRg st="4" end="4"/>
+                                              <p:pRg st="5" end="5"/>
                                             </p:txEl>
                                           </p:spTgt>
                                         </p:tgtEl>
@@ -44424,7 +44714,11 @@
                                           </p:stCondLst>
                                         </p:cTn>
                                         <p:tgtEl>
-                                          <p:spTgt spid="14341"/>
+                                          <p:spTgt spid="14339">
+                                            <p:txEl>
+                                              <p:pRg st="6" end="6"/>
+                                            </p:txEl>
+                                          </p:spTgt>
                                         </p:tgtEl>
                                         <p:attrNameLst>
                                           <p:attrName>style.visibility</p:attrName>
@@ -44466,8 +44760,6 @@
     </p:tnLst>
     <p:bldLst>
       <p:bldP spid="14339" grpId="0" uiExpand="1" build="p"/>
-      <p:bldP spid="14340" grpId="0" animBg="1"/>
-      <p:bldP spid="14341" grpId="0" animBg="1"/>
     </p:bldLst>
   </p:timing>
 </p:sld>
@@ -44492,7 +44784,7 @@
       </p:grpSpPr>
       <p:sp>
         <p:nvSpPr>
-          <p:cNvPr id="15362" name="Title 1"/>
+          <p:cNvPr id="2" name="Title 1"/>
           <p:cNvSpPr>
             <a:spLocks noGrp="1"/>
           </p:cNvSpPr>
@@ -44506,443 +44798,26 @@
           <a:lstStyle/>
           <a:p>
             <a:r>
-              <a:rPr lang="en-US" smtClean="0"/>
-              <a:t>More features: resuming</a:t>
-            </a:r>
-            <a:endParaRPr lang="nl-BE" smtClean="0"/>
-          </a:p>
-        </p:txBody>
-      </p:sp>
-      <p:sp>
-        <p:nvSpPr>
-          <p:cNvPr id="15363" name="Content Placeholder 2"/>
-          <p:cNvSpPr>
-            <a:spLocks noGrp="1"/>
-          </p:cNvSpPr>
-          <p:nvPr>
-            <p:ph idx="1"/>
-          </p:nvPr>
-        </p:nvSpPr>
-        <p:spPr/>
-        <p:txBody>
-          <a:bodyPr/>
-          <a:lstStyle/>
-          <a:p>
-            <a:r>
               <a:rPr lang="en-US" dirty="0" smtClean="0"/>
-              <a:t>Resuming a job that hit the </a:t>
+              <a:t>Logging: </a:t>
             </a:r>
             <a:r>
-              <a:rPr lang="en-US" dirty="0" err="1" smtClean="0"/>
-              <a:t>walltime</a:t>
+              <a:rPr lang="en-US" dirty="0" err="1" smtClean="0">
+                <a:latin typeface="Courier New" panose="02070309020205020404" pitchFamily="49" charset="0"/>
+                <a:cs typeface="Courier New" panose="02070309020205020404" pitchFamily="49" charset="0"/>
+              </a:rPr>
+              <a:t>alog</a:t>
             </a:r>
-            <a:endParaRPr lang="nl-BE" dirty="0" smtClean="0"/>
-          </a:p>
-          <a:p>
-            <a:endParaRPr lang="en-US" dirty="0" smtClean="0"/>
-          </a:p>
-          <a:p>
-            <a:endParaRPr lang="en-US" dirty="0" smtClean="0"/>
-          </a:p>
-          <a:p>
-            <a:r>
-              <a:rPr lang="en-US" dirty="0" smtClean="0"/>
-              <a:t>Redoing failed work items</a:t>
-            </a:r>
-            <a:endParaRPr lang="nl-BE" dirty="0" smtClean="0"/>
-          </a:p>
-        </p:txBody>
-      </p:sp>
-      <p:sp>
-        <p:nvSpPr>
-          <p:cNvPr id="15364" name="TextBox 70"/>
-          <p:cNvSpPr txBox="1">
-            <a:spLocks noChangeArrowheads="1"/>
-          </p:cNvSpPr>
-          <p:nvPr/>
-        </p:nvSpPr>
-        <p:spPr bwMode="auto">
-          <a:xfrm>
-            <a:off x="539750" y="2247900"/>
-            <a:ext cx="8480207" cy="461665"/>
-          </a:xfrm>
-          <a:prstGeom prst="rect">
-            <a:avLst/>
-          </a:prstGeom>
-          <a:solidFill>
-            <a:schemeClr val="tx1"/>
-          </a:solidFill>
-          <a:ln>
-            <a:noFill/>
-          </a:ln>
-          <a:extLst/>
-        </p:spPr>
-        <p:txBody>
-          <a:bodyPr wrap="none">
-            <a:spAutoFit/>
-          </a:bodyPr>
-          <a:lstStyle>
-            <a:lvl1pPr eaLnBrk="0" hangingPunct="0">
-              <a:defRPr>
-                <a:solidFill>
-                  <a:schemeClr val="tx1"/>
-                </a:solidFill>
-                <a:latin typeface="Arial" charset="0"/>
-                <a:cs typeface="Arial" charset="0"/>
-              </a:defRPr>
-            </a:lvl1pPr>
-            <a:lvl2pPr marL="742950" indent="-285750" eaLnBrk="0" hangingPunct="0">
-              <a:defRPr>
-                <a:solidFill>
-                  <a:schemeClr val="tx1"/>
-                </a:solidFill>
-                <a:latin typeface="Arial" charset="0"/>
-                <a:cs typeface="Arial" charset="0"/>
-              </a:defRPr>
-            </a:lvl2pPr>
-            <a:lvl3pPr marL="1143000" indent="-228600" eaLnBrk="0" hangingPunct="0">
-              <a:defRPr>
-                <a:solidFill>
-                  <a:schemeClr val="tx1"/>
-                </a:solidFill>
-                <a:latin typeface="Arial" charset="0"/>
-                <a:cs typeface="Arial" charset="0"/>
-              </a:defRPr>
-            </a:lvl3pPr>
-            <a:lvl4pPr marL="1600200" indent="-228600" eaLnBrk="0" hangingPunct="0">
-              <a:defRPr>
-                <a:solidFill>
-                  <a:schemeClr val="tx1"/>
-                </a:solidFill>
-                <a:latin typeface="Arial" charset="0"/>
-                <a:cs typeface="Arial" charset="0"/>
-              </a:defRPr>
-            </a:lvl4pPr>
-            <a:lvl5pPr marL="2057400" indent="-228600" eaLnBrk="0" hangingPunct="0">
-              <a:defRPr>
-                <a:solidFill>
-                  <a:schemeClr val="tx1"/>
-                </a:solidFill>
-                <a:latin typeface="Arial" charset="0"/>
-                <a:cs typeface="Arial" charset="0"/>
-              </a:defRPr>
-            </a:lvl5pPr>
-            <a:lvl6pPr marL="2514600" indent="-228600" eaLnBrk="0" fontAlgn="base" hangingPunct="0">
-              <a:spcBef>
-                <a:spcPct val="0"/>
-              </a:spcBef>
-              <a:spcAft>
-                <a:spcPct val="0"/>
-              </a:spcAft>
-              <a:defRPr>
-                <a:solidFill>
-                  <a:schemeClr val="tx1"/>
-                </a:solidFill>
-                <a:latin typeface="Arial" charset="0"/>
-                <a:cs typeface="Arial" charset="0"/>
-              </a:defRPr>
-            </a:lvl6pPr>
-            <a:lvl7pPr marL="2971800" indent="-228600" eaLnBrk="0" fontAlgn="base" hangingPunct="0">
-              <a:spcBef>
-                <a:spcPct val="0"/>
-              </a:spcBef>
-              <a:spcAft>
-                <a:spcPct val="0"/>
-              </a:spcAft>
-              <a:defRPr>
-                <a:solidFill>
-                  <a:schemeClr val="tx1"/>
-                </a:solidFill>
-                <a:latin typeface="Arial" charset="0"/>
-                <a:cs typeface="Arial" charset="0"/>
-              </a:defRPr>
-            </a:lvl7pPr>
-            <a:lvl8pPr marL="3429000" indent="-228600" eaLnBrk="0" fontAlgn="base" hangingPunct="0">
-              <a:spcBef>
-                <a:spcPct val="0"/>
-              </a:spcBef>
-              <a:spcAft>
-                <a:spcPct val="0"/>
-              </a:spcAft>
-              <a:defRPr>
-                <a:solidFill>
-                  <a:schemeClr val="tx1"/>
-                </a:solidFill>
-                <a:latin typeface="Arial" charset="0"/>
-                <a:cs typeface="Arial" charset="0"/>
-              </a:defRPr>
-            </a:lvl8pPr>
-            <a:lvl9pPr marL="3886200" indent="-228600" eaLnBrk="0" fontAlgn="base" hangingPunct="0">
-              <a:spcBef>
-                <a:spcPct val="0"/>
-              </a:spcBef>
-              <a:spcAft>
-                <a:spcPct val="0"/>
-              </a:spcAft>
-              <a:defRPr>
-                <a:solidFill>
-                  <a:schemeClr val="tx1"/>
-                </a:solidFill>
-                <a:latin typeface="Arial" charset="0"/>
-                <a:cs typeface="Arial" charset="0"/>
-              </a:defRPr>
-            </a:lvl9pPr>
-          </a:lstStyle>
-          <a:p>
-            <a:pPr eaLnBrk="1" hangingPunct="1"/>
-            <a:r>
-              <a:rPr lang="en-US" sz="2400" b="1" dirty="0" smtClean="0">
-                <a:solidFill>
-                  <a:schemeClr val="bg1"/>
-                </a:solidFill>
-                <a:latin typeface="Courier New" pitchFamily="49" charset="0"/>
-                <a:cs typeface="Courier New" pitchFamily="49" charset="0"/>
-              </a:rPr>
-              <a:t>$ </a:t>
-            </a:r>
-            <a:r>
-              <a:rPr lang="en-US" sz="2400" b="1" dirty="0" err="1" smtClean="0">
-                <a:solidFill>
-                  <a:schemeClr val="bg1"/>
-                </a:solidFill>
-                <a:latin typeface="Courier New" pitchFamily="49" charset="0"/>
-                <a:cs typeface="Courier New" pitchFamily="49" charset="0"/>
-              </a:rPr>
-              <a:t>wresume</a:t>
-            </a:r>
-            <a:r>
-              <a:rPr lang="en-US" sz="2400" b="1" dirty="0" smtClean="0">
-                <a:solidFill>
-                  <a:schemeClr val="bg1"/>
-                </a:solidFill>
-                <a:latin typeface="Courier New" pitchFamily="49" charset="0"/>
-                <a:cs typeface="Courier New" pitchFamily="49" charset="0"/>
-              </a:rPr>
-              <a:t>  </a:t>
-            </a:r>
-            <a:r>
-              <a:rPr lang="en-US" sz="2400" b="1" dirty="0">
-                <a:solidFill>
-                  <a:schemeClr val="bg1"/>
-                </a:solidFill>
-                <a:latin typeface="Courier New" pitchFamily="49" charset="0"/>
-                <a:cs typeface="Courier New" pitchFamily="49" charset="0"/>
-              </a:rPr>
-              <a:t>-l </a:t>
-            </a:r>
-            <a:r>
-              <a:rPr lang="en-US" sz="2400" b="1" dirty="0" err="1">
-                <a:solidFill>
-                  <a:schemeClr val="bg1"/>
-                </a:solidFill>
-                <a:latin typeface="Courier New" pitchFamily="49" charset="0"/>
-                <a:cs typeface="Courier New" pitchFamily="49" charset="0"/>
-              </a:rPr>
-              <a:t>walltime</a:t>
-            </a:r>
-            <a:r>
-              <a:rPr lang="en-US" sz="2400" b="1" dirty="0">
-                <a:solidFill>
-                  <a:schemeClr val="bg1"/>
-                </a:solidFill>
-                <a:latin typeface="Courier New" pitchFamily="49" charset="0"/>
-                <a:cs typeface="Courier New" pitchFamily="49" charset="0"/>
-              </a:rPr>
-              <a:t>=1:30:00  -</a:t>
-            </a:r>
-            <a:r>
-              <a:rPr lang="en-US" sz="2400" b="1" dirty="0" err="1">
-                <a:solidFill>
-                  <a:schemeClr val="bg1"/>
-                </a:solidFill>
-                <a:latin typeface="Courier New" pitchFamily="49" charset="0"/>
-                <a:cs typeface="Courier New" pitchFamily="49" charset="0"/>
-              </a:rPr>
-              <a:t>jobid</a:t>
-            </a:r>
-            <a:r>
-              <a:rPr lang="en-US" sz="2400" b="1" dirty="0">
-                <a:solidFill>
-                  <a:schemeClr val="bg1"/>
-                </a:solidFill>
-                <a:latin typeface="Courier New" pitchFamily="49" charset="0"/>
-                <a:cs typeface="Courier New" pitchFamily="49" charset="0"/>
-              </a:rPr>
-              <a:t> 445948</a:t>
-            </a:r>
-            <a:endParaRPr lang="nl-BE" sz="2400" b="1" dirty="0">
-              <a:solidFill>
-                <a:schemeClr val="bg1"/>
-              </a:solidFill>
-              <a:latin typeface="Courier New" pitchFamily="49" charset="0"/>
-              <a:cs typeface="Courier New" pitchFamily="49" charset="0"/>
+            <a:endParaRPr lang="en-US" dirty="0">
+              <a:latin typeface="Courier New" panose="02070309020205020404" pitchFamily="49" charset="0"/>
+              <a:cs typeface="Courier New" panose="02070309020205020404" pitchFamily="49" charset="0"/>
             </a:endParaRPr>
           </a:p>
         </p:txBody>
       </p:sp>
       <p:sp>
         <p:nvSpPr>
-          <p:cNvPr id="15365" name="TextBox 70"/>
-          <p:cNvSpPr txBox="1">
-            <a:spLocks noChangeArrowheads="1"/>
-          </p:cNvSpPr>
-          <p:nvPr/>
-        </p:nvSpPr>
-        <p:spPr bwMode="auto">
-          <a:xfrm>
-            <a:off x="539750" y="4005064"/>
-            <a:ext cx="8480207" cy="461665"/>
-          </a:xfrm>
-          <a:prstGeom prst="rect">
-            <a:avLst/>
-          </a:prstGeom>
-          <a:solidFill>
-            <a:schemeClr val="tx1"/>
-          </a:solidFill>
-          <a:ln>
-            <a:noFill/>
-          </a:ln>
-          <a:extLst/>
-        </p:spPr>
-        <p:txBody>
-          <a:bodyPr wrap="square">
-            <a:spAutoFit/>
-          </a:bodyPr>
-          <a:lstStyle>
-            <a:lvl1pPr eaLnBrk="0" hangingPunct="0">
-              <a:defRPr>
-                <a:solidFill>
-                  <a:schemeClr val="tx1"/>
-                </a:solidFill>
-                <a:latin typeface="Arial" charset="0"/>
-                <a:cs typeface="Arial" charset="0"/>
-              </a:defRPr>
-            </a:lvl1pPr>
-            <a:lvl2pPr marL="742950" indent="-285750" eaLnBrk="0" hangingPunct="0">
-              <a:defRPr>
-                <a:solidFill>
-                  <a:schemeClr val="tx1"/>
-                </a:solidFill>
-                <a:latin typeface="Arial" charset="0"/>
-                <a:cs typeface="Arial" charset="0"/>
-              </a:defRPr>
-            </a:lvl2pPr>
-            <a:lvl3pPr marL="1143000" indent="-228600" eaLnBrk="0" hangingPunct="0">
-              <a:defRPr>
-                <a:solidFill>
-                  <a:schemeClr val="tx1"/>
-                </a:solidFill>
-                <a:latin typeface="Arial" charset="0"/>
-                <a:cs typeface="Arial" charset="0"/>
-              </a:defRPr>
-            </a:lvl3pPr>
-            <a:lvl4pPr marL="1600200" indent="-228600" eaLnBrk="0" hangingPunct="0">
-              <a:defRPr>
-                <a:solidFill>
-                  <a:schemeClr val="tx1"/>
-                </a:solidFill>
-                <a:latin typeface="Arial" charset="0"/>
-                <a:cs typeface="Arial" charset="0"/>
-              </a:defRPr>
-            </a:lvl4pPr>
-            <a:lvl5pPr marL="2057400" indent="-228600" eaLnBrk="0" hangingPunct="0">
-              <a:defRPr>
-                <a:solidFill>
-                  <a:schemeClr val="tx1"/>
-                </a:solidFill>
-                <a:latin typeface="Arial" charset="0"/>
-                <a:cs typeface="Arial" charset="0"/>
-              </a:defRPr>
-            </a:lvl5pPr>
-            <a:lvl6pPr marL="2514600" indent="-228600" eaLnBrk="0" fontAlgn="base" hangingPunct="0">
-              <a:spcBef>
-                <a:spcPct val="0"/>
-              </a:spcBef>
-              <a:spcAft>
-                <a:spcPct val="0"/>
-              </a:spcAft>
-              <a:defRPr>
-                <a:solidFill>
-                  <a:schemeClr val="tx1"/>
-                </a:solidFill>
-                <a:latin typeface="Arial" charset="0"/>
-                <a:cs typeface="Arial" charset="0"/>
-              </a:defRPr>
-            </a:lvl6pPr>
-            <a:lvl7pPr marL="2971800" indent="-228600" eaLnBrk="0" fontAlgn="base" hangingPunct="0">
-              <a:spcBef>
-                <a:spcPct val="0"/>
-              </a:spcBef>
-              <a:spcAft>
-                <a:spcPct val="0"/>
-              </a:spcAft>
-              <a:defRPr>
-                <a:solidFill>
-                  <a:schemeClr val="tx1"/>
-                </a:solidFill>
-                <a:latin typeface="Arial" charset="0"/>
-                <a:cs typeface="Arial" charset="0"/>
-              </a:defRPr>
-            </a:lvl7pPr>
-            <a:lvl8pPr marL="3429000" indent="-228600" eaLnBrk="0" fontAlgn="base" hangingPunct="0">
-              <a:spcBef>
-                <a:spcPct val="0"/>
-              </a:spcBef>
-              <a:spcAft>
-                <a:spcPct val="0"/>
-              </a:spcAft>
-              <a:defRPr>
-                <a:solidFill>
-                  <a:schemeClr val="tx1"/>
-                </a:solidFill>
-                <a:latin typeface="Arial" charset="0"/>
-                <a:cs typeface="Arial" charset="0"/>
-              </a:defRPr>
-            </a:lvl8pPr>
-            <a:lvl9pPr marL="3886200" indent="-228600" eaLnBrk="0" fontAlgn="base" hangingPunct="0">
-              <a:spcBef>
-                <a:spcPct val="0"/>
-              </a:spcBef>
-              <a:spcAft>
-                <a:spcPct val="0"/>
-              </a:spcAft>
-              <a:defRPr>
-                <a:solidFill>
-                  <a:schemeClr val="tx1"/>
-                </a:solidFill>
-                <a:latin typeface="Arial" charset="0"/>
-                <a:cs typeface="Arial" charset="0"/>
-              </a:defRPr>
-            </a:lvl9pPr>
-          </a:lstStyle>
-          <a:p>
-            <a:pPr eaLnBrk="1" hangingPunct="1"/>
-            <a:r>
-              <a:rPr lang="nl-BE" sz="2400" b="1" dirty="0" smtClean="0">
-                <a:solidFill>
-                  <a:schemeClr val="bg1"/>
-                </a:solidFill>
-                <a:latin typeface="Courier New" pitchFamily="49" charset="0"/>
-                <a:cs typeface="Courier New" pitchFamily="49" charset="0"/>
-              </a:rPr>
-              <a:t>$ wresume  -</a:t>
-            </a:r>
-            <a:r>
-              <a:rPr lang="nl-BE" sz="2400" b="1" dirty="0">
-                <a:solidFill>
-                  <a:schemeClr val="bg1"/>
-                </a:solidFill>
-                <a:latin typeface="Courier New" pitchFamily="49" charset="0"/>
-                <a:cs typeface="Courier New" pitchFamily="49" charset="0"/>
-              </a:rPr>
-              <a:t>jobid 445948  -retry</a:t>
-            </a:r>
-          </a:p>
-        </p:txBody>
-      </p:sp>
-      <p:sp>
-        <p:nvSpPr>
-          <p:cNvPr id="2" name="Slide Number Placeholder 1"/>
+          <p:cNvPr id="4" name="Slide Number Placeholder 3"/>
           <p:cNvSpPr>
             <a:spLocks noGrp="1"/>
           </p:cNvSpPr>
@@ -44963,10 +44838,922 @@
           </a:p>
         </p:txBody>
       </p:sp>
+      <p:grpSp>
+        <p:nvGrpSpPr>
+          <p:cNvPr id="5" name="Group 4"/>
+          <p:cNvGrpSpPr/>
+          <p:nvPr/>
+        </p:nvGrpSpPr>
+        <p:grpSpPr>
+          <a:xfrm>
+            <a:off x="683568" y="1772816"/>
+            <a:ext cx="7491153" cy="2585323"/>
+            <a:chOff x="827584" y="3967896"/>
+            <a:chExt cx="7491153" cy="2585323"/>
+          </a:xfrm>
+        </p:grpSpPr>
+        <p:sp>
+          <p:nvSpPr>
+            <p:cNvPr id="6" name="TextBox 3"/>
+            <p:cNvSpPr txBox="1">
+              <a:spLocks noChangeArrowheads="1"/>
+            </p:cNvSpPr>
+            <p:nvPr/>
+          </p:nvSpPr>
+          <p:spPr bwMode="auto">
+            <a:xfrm>
+              <a:off x="827584" y="3967896"/>
+              <a:ext cx="7491152" cy="2585323"/>
+            </a:xfrm>
+            <a:prstGeom prst="rect">
+              <a:avLst/>
+            </a:prstGeom>
+            <a:solidFill>
+              <a:schemeClr val="bg1">
+                <a:lumMod val="95000"/>
+              </a:schemeClr>
+            </a:solidFill>
+            <a:ln w="9525">
+              <a:solidFill>
+                <a:schemeClr val="tx1"/>
+              </a:solidFill>
+              <a:miter lim="800000"/>
+              <a:headEnd/>
+              <a:tailEnd/>
+            </a:ln>
+            <a:extLst/>
+          </p:spPr>
+          <p:txBody>
+            <a:bodyPr wrap="square">
+              <a:spAutoFit/>
+            </a:bodyPr>
+            <a:lstStyle>
+              <a:lvl1pPr eaLnBrk="0" hangingPunct="0">
+                <a:defRPr>
+                  <a:solidFill>
+                    <a:schemeClr val="tx1"/>
+                  </a:solidFill>
+                  <a:latin typeface="Arial" charset="0"/>
+                  <a:cs typeface="Arial" charset="0"/>
+                </a:defRPr>
+              </a:lvl1pPr>
+              <a:lvl2pPr marL="742950" indent="-285750" eaLnBrk="0" hangingPunct="0">
+                <a:defRPr>
+                  <a:solidFill>
+                    <a:schemeClr val="tx1"/>
+                  </a:solidFill>
+                  <a:latin typeface="Arial" charset="0"/>
+                  <a:cs typeface="Arial" charset="0"/>
+                </a:defRPr>
+              </a:lvl2pPr>
+              <a:lvl3pPr marL="1143000" indent="-228600" eaLnBrk="0" hangingPunct="0">
+                <a:defRPr>
+                  <a:solidFill>
+                    <a:schemeClr val="tx1"/>
+                  </a:solidFill>
+                  <a:latin typeface="Arial" charset="0"/>
+                  <a:cs typeface="Arial" charset="0"/>
+                </a:defRPr>
+              </a:lvl3pPr>
+              <a:lvl4pPr marL="1600200" indent="-228600" eaLnBrk="0" hangingPunct="0">
+                <a:defRPr>
+                  <a:solidFill>
+                    <a:schemeClr val="tx1"/>
+                  </a:solidFill>
+                  <a:latin typeface="Arial" charset="0"/>
+                  <a:cs typeface="Arial" charset="0"/>
+                </a:defRPr>
+              </a:lvl4pPr>
+              <a:lvl5pPr marL="2057400" indent="-228600" eaLnBrk="0" hangingPunct="0">
+                <a:defRPr>
+                  <a:solidFill>
+                    <a:schemeClr val="tx1"/>
+                  </a:solidFill>
+                  <a:latin typeface="Arial" charset="0"/>
+                  <a:cs typeface="Arial" charset="0"/>
+                </a:defRPr>
+              </a:lvl5pPr>
+              <a:lvl6pPr marL="2514600" indent="-228600" eaLnBrk="0" fontAlgn="base" hangingPunct="0">
+                <a:spcBef>
+                  <a:spcPct val="0"/>
+                </a:spcBef>
+                <a:spcAft>
+                  <a:spcPct val="0"/>
+                </a:spcAft>
+                <a:defRPr>
+                  <a:solidFill>
+                    <a:schemeClr val="tx1"/>
+                  </a:solidFill>
+                  <a:latin typeface="Arial" charset="0"/>
+                  <a:cs typeface="Arial" charset="0"/>
+                </a:defRPr>
+              </a:lvl6pPr>
+              <a:lvl7pPr marL="2971800" indent="-228600" eaLnBrk="0" fontAlgn="base" hangingPunct="0">
+                <a:spcBef>
+                  <a:spcPct val="0"/>
+                </a:spcBef>
+                <a:spcAft>
+                  <a:spcPct val="0"/>
+                </a:spcAft>
+                <a:defRPr>
+                  <a:solidFill>
+                    <a:schemeClr val="tx1"/>
+                  </a:solidFill>
+                  <a:latin typeface="Arial" charset="0"/>
+                  <a:cs typeface="Arial" charset="0"/>
+                </a:defRPr>
+              </a:lvl7pPr>
+              <a:lvl8pPr marL="3429000" indent="-228600" eaLnBrk="0" fontAlgn="base" hangingPunct="0">
+                <a:spcBef>
+                  <a:spcPct val="0"/>
+                </a:spcBef>
+                <a:spcAft>
+                  <a:spcPct val="0"/>
+                </a:spcAft>
+                <a:defRPr>
+                  <a:solidFill>
+                    <a:schemeClr val="tx1"/>
+                  </a:solidFill>
+                  <a:latin typeface="Arial" charset="0"/>
+                  <a:cs typeface="Arial" charset="0"/>
+                </a:defRPr>
+              </a:lvl8pPr>
+              <a:lvl9pPr marL="3886200" indent="-228600" eaLnBrk="0" fontAlgn="base" hangingPunct="0">
+                <a:spcBef>
+                  <a:spcPct val="0"/>
+                </a:spcBef>
+                <a:spcAft>
+                  <a:spcPct val="0"/>
+                </a:spcAft>
+                <a:defRPr>
+                  <a:solidFill>
+                    <a:schemeClr val="tx1"/>
+                  </a:solidFill>
+                  <a:latin typeface="Arial" charset="0"/>
+                  <a:cs typeface="Arial" charset="0"/>
+                </a:defRPr>
+              </a:lvl9pPr>
+            </a:lstStyle>
+            <a:p>
+              <a:pPr eaLnBrk="1" hangingPunct="1"/>
+              <a:r>
+                <a:rPr lang="en-US" dirty="0">
+                  <a:latin typeface="Courier New" pitchFamily="49" charset="0"/>
+                  <a:cs typeface="Courier New" pitchFamily="49" charset="0"/>
+                </a:rPr>
+                <a:t>#!/bin/bash –l</a:t>
+              </a:r>
+            </a:p>
+            <a:p>
+              <a:pPr eaLnBrk="1" hangingPunct="1"/>
+              <a:r>
+                <a:rPr lang="en-US" dirty="0">
+                  <a:latin typeface="Courier New" pitchFamily="49" charset="0"/>
+                  <a:cs typeface="Courier New" pitchFamily="49" charset="0"/>
+                </a:rPr>
+                <a:t>#PBS –l </a:t>
+              </a:r>
+              <a:r>
+                <a:rPr lang="en-US" dirty="0" smtClean="0">
+                  <a:latin typeface="Courier New" pitchFamily="49" charset="0"/>
+                  <a:cs typeface="Courier New" pitchFamily="49" charset="0"/>
+                </a:rPr>
+                <a:t>nodes=2:ppn=20</a:t>
+              </a:r>
+            </a:p>
+            <a:p>
+              <a:pPr eaLnBrk="1" hangingPunct="1"/>
+              <a:r>
+                <a:rPr lang="en-US" dirty="0" smtClean="0">
+                  <a:latin typeface="Courier New" pitchFamily="49" charset="0"/>
+                  <a:cs typeface="Courier New" pitchFamily="49" charset="0"/>
+                </a:rPr>
+                <a:t>module load </a:t>
+              </a:r>
+              <a:r>
+                <a:rPr lang="en-US" dirty="0" err="1" smtClean="0">
+                  <a:latin typeface="Courier New" pitchFamily="49" charset="0"/>
+                  <a:cs typeface="Courier New" pitchFamily="49" charset="0"/>
+                </a:rPr>
+                <a:t>atools</a:t>
+              </a:r>
+              <a:r>
+                <a:rPr lang="en-US" dirty="0" smtClean="0">
+                  <a:latin typeface="Courier New" pitchFamily="49" charset="0"/>
+                  <a:cs typeface="Courier New" pitchFamily="49" charset="0"/>
+                </a:rPr>
+                <a:t>/1.4.4</a:t>
+              </a:r>
+              <a:endParaRPr lang="en-US" dirty="0">
+                <a:latin typeface="Courier New" pitchFamily="49" charset="0"/>
+                <a:cs typeface="Courier New" pitchFamily="49" charset="0"/>
+              </a:endParaRPr>
+            </a:p>
+            <a:p>
+              <a:pPr eaLnBrk="1" hangingPunct="1"/>
+              <a:r>
+                <a:rPr lang="en-US" dirty="0" smtClean="0">
+                  <a:latin typeface="Courier New" panose="02070309020205020404" pitchFamily="49" charset="0"/>
+                  <a:cs typeface="Courier New" panose="02070309020205020404" pitchFamily="49" charset="0"/>
+                </a:rPr>
+                <a:t>source </a:t>
+              </a:r>
+              <a:r>
+                <a:rPr lang="en-US" dirty="0">
+                  <a:latin typeface="Courier New" panose="02070309020205020404" pitchFamily="49" charset="0"/>
+                  <a:cs typeface="Courier New" panose="02070309020205020404" pitchFamily="49" charset="0"/>
+                </a:rPr>
+                <a:t>&lt;(</a:t>
+              </a:r>
+              <a:r>
+                <a:rPr lang="en-US" dirty="0" err="1">
+                  <a:latin typeface="Courier New" panose="02070309020205020404" pitchFamily="49" charset="0"/>
+                  <a:cs typeface="Courier New" panose="02070309020205020404" pitchFamily="49" charset="0"/>
+                </a:rPr>
+                <a:t>aenv</a:t>
+              </a:r>
+              <a:r>
+                <a:rPr lang="en-US" dirty="0">
+                  <a:latin typeface="Courier New" panose="02070309020205020404" pitchFamily="49" charset="0"/>
+                  <a:cs typeface="Courier New" panose="02070309020205020404" pitchFamily="49" charset="0"/>
+                </a:rPr>
+                <a:t> --data data.csv)</a:t>
+              </a:r>
+            </a:p>
+            <a:p>
+              <a:pPr eaLnBrk="1" hangingPunct="1"/>
+              <a:r>
+                <a:rPr lang="en-US" dirty="0">
+                  <a:latin typeface="Courier New" panose="02070309020205020404" pitchFamily="49" charset="0"/>
+                  <a:cs typeface="Courier New" panose="02070309020205020404" pitchFamily="49" charset="0"/>
+                </a:rPr>
+                <a:t>cd $</a:t>
+              </a:r>
+              <a:r>
+                <a:rPr lang="en-US" dirty="0" smtClean="0">
+                  <a:latin typeface="Courier New" pitchFamily="49" charset="0"/>
+                  <a:cs typeface="Courier New" pitchFamily="49" charset="0"/>
+                </a:rPr>
+                <a:t>PBS_O_WORKDIR</a:t>
+              </a:r>
+            </a:p>
+            <a:p>
+              <a:pPr eaLnBrk="1" hangingPunct="1"/>
+              <a:r>
+                <a:rPr lang="en-US" b="1" dirty="0" err="1" smtClean="0">
+                  <a:solidFill>
+                    <a:srgbClr val="C00000"/>
+                  </a:solidFill>
+                  <a:latin typeface="Courier New" panose="02070309020205020404" pitchFamily="49" charset="0"/>
+                  <a:cs typeface="Courier New" panose="02070309020205020404" pitchFamily="49" charset="0"/>
+                </a:rPr>
+                <a:t>alog</a:t>
+              </a:r>
+              <a:r>
+                <a:rPr lang="en-US" b="1" dirty="0" smtClean="0">
+                  <a:solidFill>
+                    <a:srgbClr val="C00000"/>
+                  </a:solidFill>
+                  <a:latin typeface="Courier New" panose="02070309020205020404" pitchFamily="49" charset="0"/>
+                  <a:cs typeface="Courier New" panose="02070309020205020404" pitchFamily="49" charset="0"/>
+                </a:rPr>
+                <a:t>  </a:t>
+              </a:r>
+              <a:r>
+                <a:rPr lang="en-US" b="1" dirty="0">
+                  <a:solidFill>
+                    <a:srgbClr val="C00000"/>
+                  </a:solidFill>
+                  <a:latin typeface="Courier New" panose="02070309020205020404" pitchFamily="49" charset="0"/>
+                  <a:cs typeface="Courier New" panose="02070309020205020404" pitchFamily="49" charset="0"/>
+                </a:rPr>
+                <a:t>--state </a:t>
+              </a:r>
+              <a:r>
+                <a:rPr lang="en-US" b="1" dirty="0" smtClean="0">
+                  <a:solidFill>
+                    <a:srgbClr val="C00000"/>
+                  </a:solidFill>
+                  <a:latin typeface="Courier New" panose="02070309020205020404" pitchFamily="49" charset="0"/>
+                  <a:cs typeface="Courier New" panose="02070309020205020404" pitchFamily="49" charset="0"/>
+                </a:rPr>
+                <a:t>start</a:t>
+              </a:r>
+              <a:r>
+                <a:rPr lang="en-US" dirty="0">
+                  <a:latin typeface="Courier New" pitchFamily="49" charset="0"/>
+                  <a:cs typeface="Courier New" pitchFamily="49" charset="0"/>
+                </a:rPr>
+                <a:t/>
+              </a:r>
+              <a:br>
+                <a:rPr lang="en-US" dirty="0">
+                  <a:latin typeface="Courier New" pitchFamily="49" charset="0"/>
+                  <a:cs typeface="Courier New" pitchFamily="49" charset="0"/>
+                </a:rPr>
+              </a:br>
+              <a:r>
+                <a:rPr lang="en-US" dirty="0" err="1" smtClean="0">
+                  <a:latin typeface="Courier New" pitchFamily="49" charset="0"/>
+                  <a:cs typeface="Courier New" pitchFamily="49" charset="0"/>
+                </a:rPr>
+                <a:t>mpirun</a:t>
+              </a:r>
+              <a:r>
+                <a:rPr lang="en-US" dirty="0" smtClean="0">
+                  <a:latin typeface="Courier New" pitchFamily="49" charset="0"/>
+                  <a:cs typeface="Courier New" pitchFamily="49" charset="0"/>
+                </a:rPr>
+                <a:t> weather </a:t>
+              </a:r>
+              <a:r>
+                <a:rPr lang="en-US" dirty="0">
+                  <a:latin typeface="Courier New" pitchFamily="49" charset="0"/>
+                  <a:cs typeface="Courier New" pitchFamily="49" charset="0"/>
+                </a:rPr>
+                <a:t>–p $pressure  –t $temperature  </a:t>
+              </a:r>
+              <a:r>
+                <a:rPr lang="en-US" dirty="0" smtClean="0">
+                  <a:latin typeface="Courier New" pitchFamily="49" charset="0"/>
+                  <a:cs typeface="Courier New" pitchFamily="49" charset="0"/>
+                </a:rPr>
+                <a:t>\</a:t>
+              </a:r>
+            </a:p>
+            <a:p>
+              <a:pPr eaLnBrk="1" hangingPunct="1"/>
+              <a:r>
+                <a:rPr lang="en-US" dirty="0">
+                  <a:latin typeface="Courier New" pitchFamily="49" charset="0"/>
+                  <a:cs typeface="Courier New" pitchFamily="49" charset="0"/>
+                </a:rPr>
+                <a:t> </a:t>
+              </a:r>
+              <a:r>
+                <a:rPr lang="en-US" dirty="0" smtClean="0">
+                  <a:latin typeface="Courier New" pitchFamily="49" charset="0"/>
+                  <a:cs typeface="Courier New" pitchFamily="49" charset="0"/>
+                </a:rPr>
+                <a:t>              –</a:t>
+              </a:r>
+              <a:r>
+                <a:rPr lang="en-US" dirty="0">
+                  <a:latin typeface="Courier New" pitchFamily="49" charset="0"/>
+                  <a:cs typeface="Courier New" pitchFamily="49" charset="0"/>
+                </a:rPr>
+                <a:t>h $</a:t>
+              </a:r>
+              <a:r>
+                <a:rPr lang="en-US" dirty="0" smtClean="0">
+                  <a:latin typeface="Courier New" pitchFamily="49" charset="0"/>
+                  <a:cs typeface="Courier New" pitchFamily="49" charset="0"/>
+                </a:rPr>
+                <a:t>humidity</a:t>
+              </a:r>
+            </a:p>
+            <a:p>
+              <a:pPr eaLnBrk="1" hangingPunct="1"/>
+              <a:r>
+                <a:rPr lang="en-US" b="1" dirty="0" err="1" smtClean="0">
+                  <a:solidFill>
+                    <a:srgbClr val="C00000"/>
+                  </a:solidFill>
+                  <a:latin typeface="Courier New" panose="02070309020205020404" pitchFamily="49" charset="0"/>
+                  <a:cs typeface="Courier New" panose="02070309020205020404" pitchFamily="49" charset="0"/>
+                </a:rPr>
+                <a:t>alog</a:t>
+              </a:r>
+              <a:r>
+                <a:rPr lang="en-US" b="1" dirty="0" smtClean="0">
+                  <a:solidFill>
+                    <a:srgbClr val="C00000"/>
+                  </a:solidFill>
+                  <a:latin typeface="Courier New" panose="02070309020205020404" pitchFamily="49" charset="0"/>
+                  <a:cs typeface="Courier New" panose="02070309020205020404" pitchFamily="49" charset="0"/>
+                </a:rPr>
+                <a:t>  </a:t>
+              </a:r>
+              <a:r>
+                <a:rPr lang="en-US" b="1" dirty="0">
+                  <a:solidFill>
+                    <a:srgbClr val="C00000"/>
+                  </a:solidFill>
+                  <a:latin typeface="Courier New" panose="02070309020205020404" pitchFamily="49" charset="0"/>
+                  <a:cs typeface="Courier New" panose="02070309020205020404" pitchFamily="49" charset="0"/>
+                </a:rPr>
+                <a:t>--state </a:t>
+              </a:r>
+              <a:r>
+                <a:rPr lang="en-US" b="1" dirty="0" smtClean="0">
+                  <a:solidFill>
+                    <a:srgbClr val="C00000"/>
+                  </a:solidFill>
+                  <a:latin typeface="Courier New" panose="02070309020205020404" pitchFamily="49" charset="0"/>
+                  <a:cs typeface="Courier New" panose="02070309020205020404" pitchFamily="49" charset="0"/>
+                </a:rPr>
+                <a:t>end  </a:t>
+              </a:r>
+              <a:r>
+                <a:rPr lang="en-US" b="1" dirty="0">
+                  <a:solidFill>
+                    <a:srgbClr val="C00000"/>
+                  </a:solidFill>
+                  <a:latin typeface="Courier New" panose="02070309020205020404" pitchFamily="49" charset="0"/>
+                  <a:cs typeface="Courier New" panose="02070309020205020404" pitchFamily="49" charset="0"/>
+                </a:rPr>
+                <a:t>--exit $?</a:t>
+              </a:r>
+              <a:endParaRPr lang="en-US" b="1" dirty="0">
+                <a:solidFill>
+                  <a:srgbClr val="C00000"/>
+                </a:solidFill>
+                <a:latin typeface="Courier New" pitchFamily="49" charset="0"/>
+                <a:cs typeface="Courier New" pitchFamily="49" charset="0"/>
+              </a:endParaRPr>
+            </a:p>
+          </p:txBody>
+        </p:sp>
+        <p:sp>
+          <p:nvSpPr>
+            <p:cNvPr id="7" name="TextBox 8"/>
+            <p:cNvSpPr txBox="1">
+              <a:spLocks noChangeArrowheads="1"/>
+            </p:cNvSpPr>
+            <p:nvPr/>
+          </p:nvSpPr>
+          <p:spPr bwMode="auto">
+            <a:xfrm>
+              <a:off x="7483252" y="3967896"/>
+              <a:ext cx="835485" cy="276999"/>
+            </a:xfrm>
+            <a:prstGeom prst="rect">
+              <a:avLst/>
+            </a:prstGeom>
+            <a:solidFill>
+              <a:srgbClr val="FFFFFF"/>
+            </a:solidFill>
+            <a:ln w="9525">
+              <a:solidFill>
+                <a:srgbClr val="000000"/>
+              </a:solidFill>
+              <a:miter lim="800000"/>
+              <a:headEnd/>
+              <a:tailEnd/>
+            </a:ln>
+            <a:extLst/>
+          </p:spPr>
+          <p:txBody>
+            <a:bodyPr wrap="none">
+              <a:spAutoFit/>
+            </a:bodyPr>
+            <a:lstStyle>
+              <a:lvl1pPr eaLnBrk="0" hangingPunct="0">
+                <a:defRPr>
+                  <a:solidFill>
+                    <a:schemeClr val="tx1"/>
+                  </a:solidFill>
+                  <a:latin typeface="Arial" charset="0"/>
+                  <a:cs typeface="Arial" charset="0"/>
+                </a:defRPr>
+              </a:lvl1pPr>
+              <a:lvl2pPr marL="742950" indent="-285750" eaLnBrk="0" hangingPunct="0">
+                <a:defRPr>
+                  <a:solidFill>
+                    <a:schemeClr val="tx1"/>
+                  </a:solidFill>
+                  <a:latin typeface="Arial" charset="0"/>
+                  <a:cs typeface="Arial" charset="0"/>
+                </a:defRPr>
+              </a:lvl2pPr>
+              <a:lvl3pPr marL="1143000" indent="-228600" eaLnBrk="0" hangingPunct="0">
+                <a:defRPr>
+                  <a:solidFill>
+                    <a:schemeClr val="tx1"/>
+                  </a:solidFill>
+                  <a:latin typeface="Arial" charset="0"/>
+                  <a:cs typeface="Arial" charset="0"/>
+                </a:defRPr>
+              </a:lvl3pPr>
+              <a:lvl4pPr marL="1600200" indent="-228600" eaLnBrk="0" hangingPunct="0">
+                <a:defRPr>
+                  <a:solidFill>
+                    <a:schemeClr val="tx1"/>
+                  </a:solidFill>
+                  <a:latin typeface="Arial" charset="0"/>
+                  <a:cs typeface="Arial" charset="0"/>
+                </a:defRPr>
+              </a:lvl4pPr>
+              <a:lvl5pPr marL="2057400" indent="-228600" eaLnBrk="0" hangingPunct="0">
+                <a:defRPr>
+                  <a:solidFill>
+                    <a:schemeClr val="tx1"/>
+                  </a:solidFill>
+                  <a:latin typeface="Arial" charset="0"/>
+                  <a:cs typeface="Arial" charset="0"/>
+                </a:defRPr>
+              </a:lvl5pPr>
+              <a:lvl6pPr marL="2514600" indent="-228600" eaLnBrk="0" fontAlgn="base" hangingPunct="0">
+                <a:spcBef>
+                  <a:spcPct val="0"/>
+                </a:spcBef>
+                <a:spcAft>
+                  <a:spcPct val="0"/>
+                </a:spcAft>
+                <a:defRPr>
+                  <a:solidFill>
+                    <a:schemeClr val="tx1"/>
+                  </a:solidFill>
+                  <a:latin typeface="Arial" charset="0"/>
+                  <a:cs typeface="Arial" charset="0"/>
+                </a:defRPr>
+              </a:lvl6pPr>
+              <a:lvl7pPr marL="2971800" indent="-228600" eaLnBrk="0" fontAlgn="base" hangingPunct="0">
+                <a:spcBef>
+                  <a:spcPct val="0"/>
+                </a:spcBef>
+                <a:spcAft>
+                  <a:spcPct val="0"/>
+                </a:spcAft>
+                <a:defRPr>
+                  <a:solidFill>
+                    <a:schemeClr val="tx1"/>
+                  </a:solidFill>
+                  <a:latin typeface="Arial" charset="0"/>
+                  <a:cs typeface="Arial" charset="0"/>
+                </a:defRPr>
+              </a:lvl7pPr>
+              <a:lvl8pPr marL="3429000" indent="-228600" eaLnBrk="0" fontAlgn="base" hangingPunct="0">
+                <a:spcBef>
+                  <a:spcPct val="0"/>
+                </a:spcBef>
+                <a:spcAft>
+                  <a:spcPct val="0"/>
+                </a:spcAft>
+                <a:defRPr>
+                  <a:solidFill>
+                    <a:schemeClr val="tx1"/>
+                  </a:solidFill>
+                  <a:latin typeface="Arial" charset="0"/>
+                  <a:cs typeface="Arial" charset="0"/>
+                </a:defRPr>
+              </a:lvl8pPr>
+              <a:lvl9pPr marL="3886200" indent="-228600" eaLnBrk="0" fontAlgn="base" hangingPunct="0">
+                <a:spcBef>
+                  <a:spcPct val="0"/>
+                </a:spcBef>
+                <a:spcAft>
+                  <a:spcPct val="0"/>
+                </a:spcAft>
+                <a:defRPr>
+                  <a:solidFill>
+                    <a:schemeClr val="tx1"/>
+                  </a:solidFill>
+                  <a:latin typeface="Arial" charset="0"/>
+                  <a:cs typeface="Arial" charset="0"/>
+                </a:defRPr>
+              </a:lvl9pPr>
+            </a:lstStyle>
+            <a:p>
+              <a:pPr eaLnBrk="1" hangingPunct="1"/>
+              <a:r>
+                <a:rPr lang="en-US" sz="1200" b="1" dirty="0" err="1">
+                  <a:latin typeface="Courier New" panose="02070309020205020404" pitchFamily="49" charset="0"/>
+                  <a:cs typeface="Courier New" panose="02070309020205020404" pitchFamily="49" charset="0"/>
+                </a:rPr>
+                <a:t>job.pbs</a:t>
+              </a:r>
+              <a:endParaRPr lang="nl-BE" sz="1200" b="1" dirty="0">
+                <a:latin typeface="Courier New" panose="02070309020205020404" pitchFamily="49" charset="0"/>
+                <a:cs typeface="Courier New" panose="02070309020205020404" pitchFamily="49" charset="0"/>
+              </a:endParaRPr>
+            </a:p>
+          </p:txBody>
+        </p:sp>
+      </p:grpSp>
+      <p:grpSp>
+        <p:nvGrpSpPr>
+          <p:cNvPr id="10" name="Group 9"/>
+          <p:cNvGrpSpPr/>
+          <p:nvPr/>
+        </p:nvGrpSpPr>
+        <p:grpSpPr>
+          <a:xfrm>
+            <a:off x="683568" y="4710613"/>
+            <a:ext cx="6250429" cy="1754326"/>
+            <a:chOff x="1537568" y="4717523"/>
+            <a:chExt cx="6250429" cy="1754326"/>
+          </a:xfrm>
+        </p:grpSpPr>
+        <p:sp>
+          <p:nvSpPr>
+            <p:cNvPr id="8" name="TextBox 7"/>
+            <p:cNvSpPr txBox="1"/>
+            <p:nvPr/>
+          </p:nvSpPr>
+          <p:spPr>
+            <a:xfrm>
+              <a:off x="1537568" y="4717523"/>
+              <a:ext cx="6250429" cy="1754326"/>
+            </a:xfrm>
+            <a:prstGeom prst="rect">
+              <a:avLst/>
+            </a:prstGeom>
+            <a:solidFill>
+              <a:schemeClr val="bg2">
+                <a:lumMod val="50000"/>
+              </a:schemeClr>
+            </a:solidFill>
+          </p:spPr>
+          <p:txBody>
+            <a:bodyPr wrap="none" rtlCol="0">
+              <a:spAutoFit/>
+            </a:bodyPr>
+            <a:lstStyle/>
+            <a:p>
+              <a:r>
+                <a:rPr lang="en-US" dirty="0">
+                  <a:latin typeface="Courier New" panose="02070309020205020404" pitchFamily="49" charset="0"/>
+                  <a:cs typeface="Courier New" panose="02070309020205020404" pitchFamily="49" charset="0"/>
+                </a:rPr>
+                <a:t>1 started by r1i1n3 at 2016-09-02 </a:t>
+              </a:r>
+              <a:r>
+                <a:rPr lang="en-US" dirty="0" smtClean="0">
+                  <a:latin typeface="Courier New" panose="02070309020205020404" pitchFamily="49" charset="0"/>
+                  <a:cs typeface="Courier New" panose="02070309020205020404" pitchFamily="49" charset="0"/>
+                </a:rPr>
+                <a:t>11:47:45</a:t>
+              </a:r>
+            </a:p>
+            <a:p>
+              <a:r>
+                <a:rPr lang="en-US" dirty="0" smtClean="0">
+                  <a:latin typeface="Courier New" panose="02070309020205020404" pitchFamily="49" charset="0"/>
+                  <a:cs typeface="Courier New" panose="02070309020205020404" pitchFamily="49" charset="0"/>
+                </a:rPr>
+                <a:t>2 </a:t>
+              </a:r>
+              <a:r>
+                <a:rPr lang="en-US" dirty="0">
+                  <a:latin typeface="Courier New" panose="02070309020205020404" pitchFamily="49" charset="0"/>
+                  <a:cs typeface="Courier New" panose="02070309020205020404" pitchFamily="49" charset="0"/>
+                </a:rPr>
+                <a:t>started by r1i1n3 at 2016-09-02 </a:t>
+              </a:r>
+              <a:r>
+                <a:rPr lang="en-US" dirty="0" smtClean="0">
+                  <a:latin typeface="Courier New" panose="02070309020205020404" pitchFamily="49" charset="0"/>
+                  <a:cs typeface="Courier New" panose="02070309020205020404" pitchFamily="49" charset="0"/>
+                </a:rPr>
+                <a:t>11:47:45</a:t>
+              </a:r>
+            </a:p>
+            <a:p>
+              <a:r>
+                <a:rPr lang="en-US" dirty="0" smtClean="0">
+                  <a:latin typeface="Courier New" panose="02070309020205020404" pitchFamily="49" charset="0"/>
+                  <a:cs typeface="Courier New" panose="02070309020205020404" pitchFamily="49" charset="0"/>
+                </a:rPr>
+                <a:t>3 </a:t>
+              </a:r>
+              <a:r>
+                <a:rPr lang="en-US" dirty="0">
+                  <a:latin typeface="Courier New" panose="02070309020205020404" pitchFamily="49" charset="0"/>
+                  <a:cs typeface="Courier New" panose="02070309020205020404" pitchFamily="49" charset="0"/>
+                </a:rPr>
+                <a:t>started by r1i1n3 at 2016-09-02 </a:t>
+              </a:r>
+              <a:r>
+                <a:rPr lang="en-US" dirty="0" smtClean="0">
+                  <a:latin typeface="Courier New" panose="02070309020205020404" pitchFamily="49" charset="0"/>
+                  <a:cs typeface="Courier New" panose="02070309020205020404" pitchFamily="49" charset="0"/>
+                </a:rPr>
+                <a:t>11:47:46</a:t>
+              </a:r>
+            </a:p>
+            <a:p>
+              <a:r>
+                <a:rPr lang="en-US" dirty="0" smtClean="0">
+                  <a:latin typeface="Courier New" panose="02070309020205020404" pitchFamily="49" charset="0"/>
+                  <a:cs typeface="Courier New" panose="02070309020205020404" pitchFamily="49" charset="0"/>
+                </a:rPr>
+                <a:t>2 failed </a:t>
+              </a:r>
+              <a:r>
+                <a:rPr lang="en-US" dirty="0">
+                  <a:latin typeface="Courier New" panose="02070309020205020404" pitchFamily="49" charset="0"/>
+                  <a:cs typeface="Courier New" panose="02070309020205020404" pitchFamily="49" charset="0"/>
+                </a:rPr>
+                <a:t>by r1i1n3 at 2016-09-02 11:47:46: </a:t>
+              </a:r>
+              <a:r>
+                <a:rPr lang="en-US" dirty="0" smtClean="0">
+                  <a:latin typeface="Courier New" panose="02070309020205020404" pitchFamily="49" charset="0"/>
+                  <a:cs typeface="Courier New" panose="02070309020205020404" pitchFamily="49" charset="0"/>
+                </a:rPr>
+                <a:t>1</a:t>
+              </a:r>
+            </a:p>
+            <a:p>
+              <a:r>
+                <a:rPr lang="en-US" dirty="0" smtClean="0">
+                  <a:latin typeface="Courier New" panose="02070309020205020404" pitchFamily="49" charset="0"/>
+                  <a:cs typeface="Courier New" panose="02070309020205020404" pitchFamily="49" charset="0"/>
+                </a:rPr>
+                <a:t>3 </a:t>
+              </a:r>
+              <a:r>
+                <a:rPr lang="en-US" dirty="0">
+                  <a:latin typeface="Courier New" panose="02070309020205020404" pitchFamily="49" charset="0"/>
+                  <a:cs typeface="Courier New" panose="02070309020205020404" pitchFamily="49" charset="0"/>
+                </a:rPr>
+                <a:t>completed by r1i1n3 at 2016-09-02 </a:t>
+              </a:r>
+              <a:r>
+                <a:rPr lang="en-US" dirty="0" smtClean="0">
+                  <a:latin typeface="Courier New" panose="02070309020205020404" pitchFamily="49" charset="0"/>
+                  <a:cs typeface="Courier New" panose="02070309020205020404" pitchFamily="49" charset="0"/>
+                </a:rPr>
+                <a:t>11:47:47</a:t>
+              </a:r>
+            </a:p>
+            <a:p>
+              <a:r>
+                <a:rPr lang="en-US" dirty="0" smtClean="0">
+                  <a:latin typeface="Courier New" panose="02070309020205020404" pitchFamily="49" charset="0"/>
+                  <a:cs typeface="Courier New" panose="02070309020205020404" pitchFamily="49" charset="0"/>
+                </a:rPr>
+                <a:t>…</a:t>
+              </a:r>
+              <a:endParaRPr lang="en-US" dirty="0">
+                <a:latin typeface="Courier New" panose="02070309020205020404" pitchFamily="49" charset="0"/>
+                <a:cs typeface="Courier New" panose="02070309020205020404" pitchFamily="49" charset="0"/>
+              </a:endParaRPr>
+            </a:p>
+          </p:txBody>
+        </p:sp>
+        <p:sp>
+          <p:nvSpPr>
+            <p:cNvPr id="9" name="TextBox 8"/>
+            <p:cNvSpPr txBox="1">
+              <a:spLocks noChangeArrowheads="1"/>
+            </p:cNvSpPr>
+            <p:nvPr/>
+          </p:nvSpPr>
+          <p:spPr bwMode="auto">
+            <a:xfrm>
+              <a:off x="6016558" y="6194850"/>
+              <a:ext cx="1765227" cy="276999"/>
+            </a:xfrm>
+            <a:prstGeom prst="rect">
+              <a:avLst/>
+            </a:prstGeom>
+            <a:solidFill>
+              <a:srgbClr val="FFFFFF"/>
+            </a:solidFill>
+            <a:ln w="9525">
+              <a:solidFill>
+                <a:srgbClr val="000000"/>
+              </a:solidFill>
+              <a:miter lim="800000"/>
+              <a:headEnd/>
+              <a:tailEnd/>
+            </a:ln>
+            <a:extLst/>
+          </p:spPr>
+          <p:txBody>
+            <a:bodyPr wrap="none">
+              <a:spAutoFit/>
+            </a:bodyPr>
+            <a:lstStyle>
+              <a:lvl1pPr eaLnBrk="0" hangingPunct="0">
+                <a:defRPr>
+                  <a:solidFill>
+                    <a:schemeClr val="tx1"/>
+                  </a:solidFill>
+                  <a:latin typeface="Arial" charset="0"/>
+                  <a:cs typeface="Arial" charset="0"/>
+                </a:defRPr>
+              </a:lvl1pPr>
+              <a:lvl2pPr marL="742950" indent="-285750" eaLnBrk="0" hangingPunct="0">
+                <a:defRPr>
+                  <a:solidFill>
+                    <a:schemeClr val="tx1"/>
+                  </a:solidFill>
+                  <a:latin typeface="Arial" charset="0"/>
+                  <a:cs typeface="Arial" charset="0"/>
+                </a:defRPr>
+              </a:lvl2pPr>
+              <a:lvl3pPr marL="1143000" indent="-228600" eaLnBrk="0" hangingPunct="0">
+                <a:defRPr>
+                  <a:solidFill>
+                    <a:schemeClr val="tx1"/>
+                  </a:solidFill>
+                  <a:latin typeface="Arial" charset="0"/>
+                  <a:cs typeface="Arial" charset="0"/>
+                </a:defRPr>
+              </a:lvl3pPr>
+              <a:lvl4pPr marL="1600200" indent="-228600" eaLnBrk="0" hangingPunct="0">
+                <a:defRPr>
+                  <a:solidFill>
+                    <a:schemeClr val="tx1"/>
+                  </a:solidFill>
+                  <a:latin typeface="Arial" charset="0"/>
+                  <a:cs typeface="Arial" charset="0"/>
+                </a:defRPr>
+              </a:lvl4pPr>
+              <a:lvl5pPr marL="2057400" indent="-228600" eaLnBrk="0" hangingPunct="0">
+                <a:defRPr>
+                  <a:solidFill>
+                    <a:schemeClr val="tx1"/>
+                  </a:solidFill>
+                  <a:latin typeface="Arial" charset="0"/>
+                  <a:cs typeface="Arial" charset="0"/>
+                </a:defRPr>
+              </a:lvl5pPr>
+              <a:lvl6pPr marL="2514600" indent="-228600" eaLnBrk="0" fontAlgn="base" hangingPunct="0">
+                <a:spcBef>
+                  <a:spcPct val="0"/>
+                </a:spcBef>
+                <a:spcAft>
+                  <a:spcPct val="0"/>
+                </a:spcAft>
+                <a:defRPr>
+                  <a:solidFill>
+                    <a:schemeClr val="tx1"/>
+                  </a:solidFill>
+                  <a:latin typeface="Arial" charset="0"/>
+                  <a:cs typeface="Arial" charset="0"/>
+                </a:defRPr>
+              </a:lvl6pPr>
+              <a:lvl7pPr marL="2971800" indent="-228600" eaLnBrk="0" fontAlgn="base" hangingPunct="0">
+                <a:spcBef>
+                  <a:spcPct val="0"/>
+                </a:spcBef>
+                <a:spcAft>
+                  <a:spcPct val="0"/>
+                </a:spcAft>
+                <a:defRPr>
+                  <a:solidFill>
+                    <a:schemeClr val="tx1"/>
+                  </a:solidFill>
+                  <a:latin typeface="Arial" charset="0"/>
+                  <a:cs typeface="Arial" charset="0"/>
+                </a:defRPr>
+              </a:lvl7pPr>
+              <a:lvl8pPr marL="3429000" indent="-228600" eaLnBrk="0" fontAlgn="base" hangingPunct="0">
+                <a:spcBef>
+                  <a:spcPct val="0"/>
+                </a:spcBef>
+                <a:spcAft>
+                  <a:spcPct val="0"/>
+                </a:spcAft>
+                <a:defRPr>
+                  <a:solidFill>
+                    <a:schemeClr val="tx1"/>
+                  </a:solidFill>
+                  <a:latin typeface="Arial" charset="0"/>
+                  <a:cs typeface="Arial" charset="0"/>
+                </a:defRPr>
+              </a:lvl8pPr>
+              <a:lvl9pPr marL="3886200" indent="-228600" eaLnBrk="0" fontAlgn="base" hangingPunct="0">
+                <a:spcBef>
+                  <a:spcPct val="0"/>
+                </a:spcBef>
+                <a:spcAft>
+                  <a:spcPct val="0"/>
+                </a:spcAft>
+                <a:defRPr>
+                  <a:solidFill>
+                    <a:schemeClr val="tx1"/>
+                  </a:solidFill>
+                  <a:latin typeface="Arial" charset="0"/>
+                  <a:cs typeface="Arial" charset="0"/>
+                </a:defRPr>
+              </a:lvl9pPr>
+            </a:lstStyle>
+            <a:p>
+              <a:pPr eaLnBrk="1" hangingPunct="1"/>
+              <a:r>
+                <a:rPr lang="en-US" sz="1200" b="1" dirty="0" smtClean="0">
+                  <a:latin typeface="Courier New" panose="02070309020205020404" pitchFamily="49" charset="0"/>
+                  <a:cs typeface="Courier New" panose="02070309020205020404" pitchFamily="49" charset="0"/>
+                </a:rPr>
+                <a:t>job.pbs.log145485</a:t>
+              </a:r>
+              <a:endParaRPr lang="nl-BE" sz="1200" b="1" dirty="0">
+                <a:latin typeface="Courier New" panose="02070309020205020404" pitchFamily="49" charset="0"/>
+                <a:cs typeface="Courier New" panose="02070309020205020404" pitchFamily="49" charset="0"/>
+              </a:endParaRPr>
+            </a:p>
+          </p:txBody>
+        </p:sp>
+      </p:grpSp>
     </p:spTree>
     <p:extLst>
       <p:ext uri="{BB962C8B-B14F-4D97-AF65-F5344CB8AC3E}">
-        <p14:creationId xmlns:p14="http://schemas.microsoft.com/office/powerpoint/2010/main" val="211947443"/>
+        <p14:creationId xmlns:p14="http://schemas.microsoft.com/office/powerpoint/2010/main" val="3883806309"/>
       </p:ext>
     </p:extLst>
   </p:cSld>
@@ -44985,9 +45772,6 @@
                     <p:cTn id="3" fill="hold">
                       <p:stCondLst>
                         <p:cond delay="indefinite"/>
-                        <p:cond evt="onBegin" delay="0">
-                          <p:tn val="2"/>
-                        </p:cond>
                       </p:stCondLst>
                       <p:childTnLst>
                         <p:par>
@@ -44997,7 +45781,7 @@
                             </p:stCondLst>
                             <p:childTnLst>
                               <p:par>
-                                <p:cTn id="5" presetID="1" presetClass="entr" presetSubtype="0" fill="hold" grpId="0" nodeType="withEffect">
+                                <p:cTn id="5" presetID="1" presetClass="entr" presetSubtype="0" fill="hold" nodeType="clickEffect">
                                   <p:stCondLst>
                                     <p:cond delay="0"/>
                                   </p:stCondLst>
@@ -45010,114 +45794,7 @@
                                           </p:stCondLst>
                                         </p:cTn>
                                         <p:tgtEl>
-                                          <p:spTgt spid="15363">
-                                            <p:txEl>
-                                              <p:pRg st="0" end="0"/>
-                                            </p:txEl>
-                                          </p:spTgt>
-                                        </p:tgtEl>
-                                        <p:attrNameLst>
-                                          <p:attrName>style.visibility</p:attrName>
-                                        </p:attrNameLst>
-                                      </p:cBhvr>
-                                      <p:to>
-                                        <p:strVal val="visible"/>
-                                      </p:to>
-                                    </p:set>
-                                  </p:childTnLst>
-                                </p:cTn>
-                              </p:par>
-                              <p:par>
-                                <p:cTn id="7" presetID="1" presetClass="entr" presetSubtype="0" fill="hold" grpId="0" nodeType="withEffect">
-                                  <p:stCondLst>
-                                    <p:cond delay="0"/>
-                                  </p:stCondLst>
-                                  <p:childTnLst>
-                                    <p:set>
-                                      <p:cBhvr>
-                                        <p:cTn id="8" dur="1" fill="hold">
-                                          <p:stCondLst>
-                                            <p:cond delay="0"/>
-                                          </p:stCondLst>
-                                        </p:cTn>
-                                        <p:tgtEl>
-                                          <p:spTgt spid="15364"/>
-                                        </p:tgtEl>
-                                        <p:attrNameLst>
-                                          <p:attrName>style.visibility</p:attrName>
-                                        </p:attrNameLst>
-                                      </p:cBhvr>
-                                      <p:to>
-                                        <p:strVal val="visible"/>
-                                      </p:to>
-                                    </p:set>
-                                  </p:childTnLst>
-                                </p:cTn>
-                              </p:par>
-                            </p:childTnLst>
-                          </p:cTn>
-                        </p:par>
-                      </p:childTnLst>
-                    </p:cTn>
-                  </p:par>
-                  <p:par>
-                    <p:cTn id="9" fill="hold">
-                      <p:stCondLst>
-                        <p:cond delay="indefinite"/>
-                      </p:stCondLst>
-                      <p:childTnLst>
-                        <p:par>
-                          <p:cTn id="10" fill="hold">
-                            <p:stCondLst>
-                              <p:cond delay="0"/>
-                            </p:stCondLst>
-                            <p:childTnLst>
-                              <p:par>
-                                <p:cTn id="11" presetID="1" presetClass="entr" presetSubtype="0" fill="hold" grpId="0" nodeType="clickEffect">
-                                  <p:stCondLst>
-                                    <p:cond delay="0"/>
-                                  </p:stCondLst>
-                                  <p:childTnLst>
-                                    <p:set>
-                                      <p:cBhvr>
-                                        <p:cTn id="12" dur="1" fill="hold">
-                                          <p:stCondLst>
-                                            <p:cond delay="0"/>
-                                          </p:stCondLst>
-                                        </p:cTn>
-                                        <p:tgtEl>
-                                          <p:spTgt spid="15363">
-                                            <p:txEl>
-                                              <p:pRg st="3" end="3"/>
-                                            </p:txEl>
-                                          </p:spTgt>
-                                        </p:tgtEl>
-                                        <p:attrNameLst>
-                                          <p:attrName>style.visibility</p:attrName>
-                                        </p:attrNameLst>
-                                      </p:cBhvr>
-                                      <p:to>
-                                        <p:strVal val="visible"/>
-                                      </p:to>
-                                    </p:set>
-                                  </p:childTnLst>
-                                </p:cTn>
-                              </p:par>
-                              <p:par>
-                                <p:cTn id="13" presetID="1" presetClass="entr" presetSubtype="0" fill="hold" grpId="0" nodeType="withEffect">
-                                  <p:stCondLst>
-                                    <p:cond delay="0"/>
-                                  </p:stCondLst>
-                                  <p:childTnLst>
-                                    <p:set>
-                                      <p:cBhvr>
-                                        <p:cTn id="14" dur="1" fill="hold">
-                                          <p:stCondLst>
-                                            <p:cond delay="0"/>
-                                          </p:stCondLst>
-                                        </p:cTn>
-                                        <p:tgtEl>
-                                          <p:spTgt spid="15365"/>
+                                          <p:spTgt spid="10"/>
                                         </p:tgtEl>
                                         <p:attrNameLst>
                                           <p:attrName>style.visibility</p:attrName>
@@ -45157,11 +45834,6 @@
         </p:cTn>
       </p:par>
     </p:tnLst>
-    <p:bldLst>
-      <p:bldP spid="15363" grpId="0" uiExpand="1" build="p"/>
-      <p:bldP spid="15364" grpId="0" animBg="1"/>
-      <p:bldP spid="15365" grpId="0" animBg="1"/>
-    </p:bldLst>
   </p:timing>
 </p:sld>
 </file>

--- a/atools.pptx
+++ b/atools.pptx
@@ -5,7 +5,7 @@
     <p:sldMasterId id="2147483648" r:id="rId1"/>
   </p:sldMasterIdLst>
   <p:notesMasterIdLst>
-    <p:notesMasterId r:id="rId30"/>
+    <p:notesMasterId r:id="rId31"/>
   </p:notesMasterIdLst>
   <p:sldIdLst>
     <p:sldId id="257" r:id="rId2"/>
@@ -17,25 +17,26 @@
     <p:sldId id="306" r:id="rId8"/>
     <p:sldId id="269" r:id="rId9"/>
     <p:sldId id="309" r:id="rId10"/>
-    <p:sldId id="310" r:id="rId11"/>
-    <p:sldId id="270" r:id="rId12"/>
-    <p:sldId id="272" r:id="rId13"/>
-    <p:sldId id="273" r:id="rId14"/>
-    <p:sldId id="300" r:id="rId15"/>
-    <p:sldId id="301" r:id="rId16"/>
-    <p:sldId id="302" r:id="rId17"/>
-    <p:sldId id="307" r:id="rId18"/>
-    <p:sldId id="281" r:id="rId19"/>
-    <p:sldId id="294" r:id="rId20"/>
-    <p:sldId id="295" r:id="rId21"/>
-    <p:sldId id="296" r:id="rId22"/>
-    <p:sldId id="297" r:id="rId23"/>
-    <p:sldId id="298" r:id="rId24"/>
-    <p:sldId id="285" r:id="rId25"/>
-    <p:sldId id="299" r:id="rId26"/>
-    <p:sldId id="308" r:id="rId27"/>
-    <p:sldId id="280" r:id="rId28"/>
-    <p:sldId id="304" r:id="rId29"/>
+    <p:sldId id="311" r:id="rId11"/>
+    <p:sldId id="310" r:id="rId12"/>
+    <p:sldId id="270" r:id="rId13"/>
+    <p:sldId id="272" r:id="rId14"/>
+    <p:sldId id="273" r:id="rId15"/>
+    <p:sldId id="300" r:id="rId16"/>
+    <p:sldId id="301" r:id="rId17"/>
+    <p:sldId id="302" r:id="rId18"/>
+    <p:sldId id="307" r:id="rId19"/>
+    <p:sldId id="281" r:id="rId20"/>
+    <p:sldId id="294" r:id="rId21"/>
+    <p:sldId id="295" r:id="rId22"/>
+    <p:sldId id="296" r:id="rId23"/>
+    <p:sldId id="297" r:id="rId24"/>
+    <p:sldId id="298" r:id="rId25"/>
+    <p:sldId id="285" r:id="rId26"/>
+    <p:sldId id="299" r:id="rId27"/>
+    <p:sldId id="308" r:id="rId28"/>
+    <p:sldId id="280" r:id="rId29"/>
+    <p:sldId id="304" r:id="rId30"/>
   </p:sldIdLst>
   <p:sldSz cx="9144000" cy="6858000" type="screen4x3"/>
   <p:notesSz cx="6858000" cy="9144000"/>
@@ -275,11 +276,11 @@
           <c:showPercent val="0"/>
           <c:showBubbleSize val="0"/>
         </c:dLbls>
-        <c:axId val="370395200"/>
-        <c:axId val="370395984"/>
+        <c:axId val="371446072"/>
+        <c:axId val="371446856"/>
       </c:scatterChart>
       <c:valAx>
-        <c:axId val="370395200"/>
+        <c:axId val="371446072"/>
         <c:scaling>
           <c:logBase val="2"/>
           <c:orientation val="minMax"/>
@@ -291,14 +292,14 @@
         <c:majorTickMark val="out"/>
         <c:minorTickMark val="none"/>
         <c:tickLblPos val="nextTo"/>
-        <c:crossAx val="370395984"/>
+        <c:crossAx val="371446856"/>
         <c:crosses val="autoZero"/>
         <c:crossBetween val="midCat"/>
         <c:majorUnit val="4"/>
         <c:minorUnit val="4"/>
       </c:valAx>
       <c:valAx>
-        <c:axId val="370395984"/>
+        <c:axId val="371446856"/>
         <c:scaling>
           <c:logBase val="2"/>
           <c:orientation val="minMax"/>
@@ -311,7 +312,7 @@
         <c:majorTickMark val="out"/>
         <c:minorTickMark val="none"/>
         <c:tickLblPos val="nextTo"/>
-        <c:crossAx val="370395200"/>
+        <c:crossAx val="371446072"/>
         <c:crosses val="autoZero"/>
         <c:crossBetween val="midCat"/>
         <c:majorUnit val="4"/>
@@ -684,11 +685,11 @@
           <c:showPercent val="0"/>
           <c:showBubbleSize val="0"/>
         </c:dLbls>
-        <c:axId val="370397160"/>
-        <c:axId val="370394416"/>
+        <c:axId val="371448424"/>
+        <c:axId val="371450384"/>
       </c:scatterChart>
       <c:valAx>
-        <c:axId val="370397160"/>
+        <c:axId val="371448424"/>
         <c:scaling>
           <c:logBase val="2"/>
           <c:orientation val="minMax"/>
@@ -701,14 +702,14 @@
         <c:majorTickMark val="out"/>
         <c:minorTickMark val="none"/>
         <c:tickLblPos val="nextTo"/>
-        <c:crossAx val="370394416"/>
+        <c:crossAx val="371450384"/>
         <c:crosses val="autoZero"/>
         <c:crossBetween val="midCat"/>
         <c:majorUnit val="4"/>
         <c:minorUnit val="4"/>
       </c:valAx>
       <c:valAx>
-        <c:axId val="370394416"/>
+        <c:axId val="371450384"/>
         <c:scaling>
           <c:logBase val="2"/>
           <c:orientation val="minMax"/>
@@ -722,7 +723,7 @@
         <c:majorTickMark val="out"/>
         <c:minorTickMark val="none"/>
         <c:tickLblPos val="nextTo"/>
-        <c:crossAx val="370397160"/>
+        <c:crossAx val="371448424"/>
         <c:crosses val="autoZero"/>
         <c:crossBetween val="midCat"/>
         <c:majorUnit val="4"/>
@@ -935,11 +936,11 @@
           <c:showPercent val="0"/>
           <c:showBubbleSize val="0"/>
         </c:dLbls>
-        <c:axId val="371528056"/>
-        <c:axId val="371523744"/>
+        <c:axId val="371449600"/>
+        <c:axId val="371450776"/>
       </c:scatterChart>
       <c:valAx>
-        <c:axId val="371528056"/>
+        <c:axId val="371449600"/>
         <c:scaling>
           <c:logBase val="2"/>
           <c:orientation val="minMax"/>
@@ -952,13 +953,13 @@
         <c:majorTickMark val="out"/>
         <c:minorTickMark val="none"/>
         <c:tickLblPos val="nextTo"/>
-        <c:crossAx val="371523744"/>
+        <c:crossAx val="371450776"/>
         <c:crosses val="autoZero"/>
         <c:crossBetween val="midCat"/>
         <c:minorUnit val="4"/>
       </c:valAx>
       <c:valAx>
-        <c:axId val="371523744"/>
+        <c:axId val="371450776"/>
         <c:scaling>
           <c:logBase val="2"/>
           <c:orientation val="minMax"/>
@@ -972,7 +973,7 @@
         <c:majorTickMark val="out"/>
         <c:minorTickMark val="none"/>
         <c:tickLblPos val="nextTo"/>
-        <c:crossAx val="371528056"/>
+        <c:crossAx val="371449600"/>
         <c:crosses val="autoZero"/>
         <c:crossBetween val="midCat"/>
         <c:majorUnit val="2"/>
@@ -1103,11 +1104,11 @@
           <c:showPercent val="0"/>
           <c:showBubbleSize val="0"/>
         </c:dLbls>
-        <c:axId val="371525704"/>
-        <c:axId val="371526880"/>
+        <c:axId val="371444896"/>
+        <c:axId val="371445288"/>
       </c:scatterChart>
       <c:valAx>
-        <c:axId val="371525704"/>
+        <c:axId val="371444896"/>
         <c:scaling>
           <c:logBase val="2"/>
           <c:orientation val="minMax"/>
@@ -1120,13 +1121,13 @@
         <c:majorTickMark val="out"/>
         <c:minorTickMark val="none"/>
         <c:tickLblPos val="nextTo"/>
-        <c:crossAx val="371526880"/>
+        <c:crossAx val="371445288"/>
         <c:crosses val="autoZero"/>
         <c:crossBetween val="midCat"/>
         <c:majorUnit val="4"/>
       </c:valAx>
       <c:valAx>
-        <c:axId val="371526880"/>
+        <c:axId val="371445288"/>
         <c:scaling>
           <c:logBase val="2"/>
           <c:orientation val="minMax"/>
@@ -1139,7 +1140,7 @@
         <c:majorTickMark val="out"/>
         <c:minorTickMark val="none"/>
         <c:tickLblPos val="nextTo"/>
-        <c:crossAx val="371525704"/>
+        <c:crossAx val="371444896"/>
         <c:crosses val="autoZero"/>
         <c:crossBetween val="midCat"/>
         <c:majorUnit val="2"/>
@@ -1265,11 +1266,11 @@
           <c:showPercent val="0"/>
           <c:showBubbleSize val="0"/>
         </c:dLbls>
-        <c:axId val="371524920"/>
-        <c:axId val="371521392"/>
+        <c:axId val="371451168"/>
+        <c:axId val="371447248"/>
       </c:scatterChart>
       <c:valAx>
-        <c:axId val="371524920"/>
+        <c:axId val="371451168"/>
         <c:scaling>
           <c:logBase val="2"/>
           <c:orientation val="minMax"/>
@@ -1282,14 +1283,14 @@
         <c:majorTickMark val="out"/>
         <c:minorTickMark val="none"/>
         <c:tickLblPos val="nextTo"/>
-        <c:crossAx val="371521392"/>
+        <c:crossAx val="371447248"/>
         <c:crosses val="autoZero"/>
         <c:crossBetween val="midCat"/>
         <c:majorUnit val="4"/>
         <c:minorUnit val="4"/>
       </c:valAx>
       <c:valAx>
-        <c:axId val="371521392"/>
+        <c:axId val="371447248"/>
         <c:scaling>
           <c:orientation val="minMax"/>
           <c:max val="1"/>
@@ -1301,7 +1302,7 @@
         <c:majorTickMark val="out"/>
         <c:minorTickMark val="none"/>
         <c:tickLblPos val="nextTo"/>
-        <c:crossAx val="371524920"/>
+        <c:crossAx val="371451168"/>
         <c:crosses val="autoZero"/>
         <c:crossBetween val="midCat"/>
       </c:valAx>
@@ -1398,7 +1399,7 @@
           <a:p>
             <a:fld id="{D11149F5-5960-4488-90B9-E5BC4883398F}" type="datetimeFigureOut">
               <a:rPr lang="en-US" smtClean="0"/>
-              <a:t>2017-10-13</a:t>
+              <a:t>2017-10-15</a:t>
             </a:fld>
             <a:endParaRPr lang="en-US"/>
           </a:p>
@@ -1838,7 +1839,7 @@
           <a:p>
             <a:fld id="{19D97038-7595-45D6-8411-BE59ABE7F953}" type="slidenum">
               <a:rPr lang="en-US" smtClean="0"/>
-              <a:t>14</a:t>
+              <a:t>15</a:t>
             </a:fld>
             <a:endParaRPr lang="en-US"/>
           </a:p>
@@ -1945,7 +1946,7 @@
           <a:p>
             <a:fld id="{19D97038-7595-45D6-8411-BE59ABE7F953}" type="slidenum">
               <a:rPr lang="en-US" smtClean="0"/>
-              <a:t>16</a:t>
+              <a:t>17</a:t>
             </a:fld>
             <a:endParaRPr lang="en-US"/>
           </a:p>
@@ -2052,7 +2053,7 @@
           <a:p>
             <a:fld id="{19D97038-7595-45D6-8411-BE59ABE7F953}" type="slidenum">
               <a:rPr lang="en-US" smtClean="0"/>
-              <a:t>18</a:t>
+              <a:t>19</a:t>
             </a:fld>
             <a:endParaRPr lang="en-US"/>
           </a:p>
@@ -2159,7 +2160,7 @@
           <a:p>
             <a:fld id="{19D97038-7595-45D6-8411-BE59ABE7F953}" type="slidenum">
               <a:rPr lang="en-US" smtClean="0"/>
-              <a:t>27</a:t>
+              <a:t>28</a:t>
             </a:fld>
             <a:endParaRPr lang="en-US"/>
           </a:p>
@@ -2801,7 +2802,7 @@
           <a:p>
             <a:fld id="{19D97038-7595-45D6-8411-BE59ABE7F953}" type="slidenum">
               <a:rPr lang="en-US" smtClean="0"/>
-              <a:t>11</a:t>
+              <a:t>12</a:t>
             </a:fld>
             <a:endParaRPr lang="en-US"/>
           </a:p>
@@ -2908,7 +2909,7 @@
           <a:p>
             <a:fld id="{19D97038-7595-45D6-8411-BE59ABE7F953}" type="slidenum">
               <a:rPr lang="en-US" smtClean="0"/>
-              <a:t>12</a:t>
+              <a:t>13</a:t>
             </a:fld>
             <a:endParaRPr lang="en-US"/>
           </a:p>
@@ -3015,7 +3016,7 @@
           <a:p>
             <a:fld id="{19D97038-7595-45D6-8411-BE59ABE7F953}" type="slidenum">
               <a:rPr lang="en-US" smtClean="0"/>
-              <a:t>13</a:t>
+              <a:t>14</a:t>
             </a:fld>
             <a:endParaRPr lang="en-US"/>
           </a:p>
@@ -3238,7 +3239,7 @@
           <a:p>
             <a:fld id="{85749FB6-36E8-451B-8662-E59FA6095BF0}" type="datetime1">
               <a:rPr lang="en-US" smtClean="0"/>
-              <a:t>2017-10-13</a:t>
+              <a:t>2017-10-15</a:t>
             </a:fld>
             <a:endParaRPr lang="en-US"/>
           </a:p>
@@ -3408,7 +3409,7 @@
           <a:p>
             <a:fld id="{55CB9A8F-D6DB-46A0-B73B-1B7449235CF5}" type="datetime1">
               <a:rPr lang="en-US" smtClean="0"/>
-              <a:t>2017-10-13</a:t>
+              <a:t>2017-10-15</a:t>
             </a:fld>
             <a:endParaRPr lang="en-US"/>
           </a:p>
@@ -3588,7 +3589,7 @@
           <a:p>
             <a:fld id="{5BB3135F-B8AD-45EC-AD1E-79BABBD83142}" type="datetime1">
               <a:rPr lang="en-US" smtClean="0"/>
-              <a:t>2017-10-13</a:t>
+              <a:t>2017-10-15</a:t>
             </a:fld>
             <a:endParaRPr lang="en-US"/>
           </a:p>
@@ -3758,7 +3759,7 @@
           <a:p>
             <a:fld id="{CAB8AE2B-282E-4A56-B058-ED663E85E7AD}" type="datetime1">
               <a:rPr lang="en-US" smtClean="0"/>
-              <a:t>2017-10-13</a:t>
+              <a:t>2017-10-15</a:t>
             </a:fld>
             <a:endParaRPr lang="en-US"/>
           </a:p>
@@ -4004,7 +4005,7 @@
           <a:p>
             <a:fld id="{8CC589D3-C256-4C11-98F8-554C211E2A65}" type="datetime1">
               <a:rPr lang="en-US" smtClean="0"/>
-              <a:t>2017-10-13</a:t>
+              <a:t>2017-10-15</a:t>
             </a:fld>
             <a:endParaRPr lang="en-US"/>
           </a:p>
@@ -4292,7 +4293,7 @@
           <a:p>
             <a:fld id="{1046C4B0-F431-4683-AC91-4170D3FAB633}" type="datetime1">
               <a:rPr lang="en-US" smtClean="0"/>
-              <a:t>2017-10-13</a:t>
+              <a:t>2017-10-15</a:t>
             </a:fld>
             <a:endParaRPr lang="en-US"/>
           </a:p>
@@ -4714,7 +4715,7 @@
           <a:p>
             <a:fld id="{3B9E1D88-3A46-4DC6-80E6-BAD93D3D2CCA}" type="datetime1">
               <a:rPr lang="en-US" smtClean="0"/>
-              <a:t>2017-10-13</a:t>
+              <a:t>2017-10-15</a:t>
             </a:fld>
             <a:endParaRPr lang="en-US"/>
           </a:p>
@@ -4832,7 +4833,7 @@
           <a:p>
             <a:fld id="{69296429-EC4B-470C-8270-7164D3901DE6}" type="datetime1">
               <a:rPr lang="en-US" smtClean="0"/>
-              <a:t>2017-10-13</a:t>
+              <a:t>2017-10-15</a:t>
             </a:fld>
             <a:endParaRPr lang="en-US"/>
           </a:p>
@@ -4927,7 +4928,7 @@
           <a:p>
             <a:fld id="{266404B9-8412-41CD-ADD8-50F3F390F6EB}" type="datetime1">
               <a:rPr lang="en-US" smtClean="0"/>
-              <a:t>2017-10-13</a:t>
+              <a:t>2017-10-15</a:t>
             </a:fld>
             <a:endParaRPr lang="en-US"/>
           </a:p>
@@ -5204,7 +5205,7 @@
           <a:p>
             <a:fld id="{E66EB5A5-6441-4493-B99B-EC6EB586904E}" type="datetime1">
               <a:rPr lang="en-US" smtClean="0"/>
-              <a:t>2017-10-13</a:t>
+              <a:t>2017-10-15</a:t>
             </a:fld>
             <a:endParaRPr lang="en-US"/>
           </a:p>
@@ -5457,7 +5458,7 @@
           <a:p>
             <a:fld id="{32EF196B-420B-4E68-AFFC-5CD5012B31A2}" type="datetime1">
               <a:rPr lang="en-US" smtClean="0"/>
-              <a:t>2017-10-13</a:t>
+              <a:t>2017-10-15</a:t>
             </a:fld>
             <a:endParaRPr lang="en-US"/>
           </a:p>
@@ -5670,7 +5671,7 @@
           <a:p>
             <a:fld id="{51870FD8-0596-4BB3-8199-80439DAC9FD9}" type="datetime1">
               <a:rPr lang="en-US" smtClean="0"/>
-              <a:t>2017-10-13</a:t>
+              <a:t>2017-10-15</a:t>
             </a:fld>
             <a:endParaRPr lang="en-US"/>
           </a:p>
@@ -6247,14 +6248,14 @@
           <a:p>
             <a:r>
               <a:rPr lang="en-US" dirty="0" smtClean="0"/>
-              <a:t>Monitoring: </a:t>
+              <a:t>Adapting PBS files: </a:t>
             </a:r>
             <a:r>
               <a:rPr lang="en-US" dirty="0" err="1" smtClean="0">
                 <a:latin typeface="Courier New" panose="02070309020205020404" pitchFamily="49" charset="0"/>
                 <a:cs typeface="Courier New" panose="02070309020205020404" pitchFamily="49" charset="0"/>
               </a:rPr>
-              <a:t>arange</a:t>
+              <a:t>acreate</a:t>
             </a:r>
             <a:endParaRPr lang="en-US" dirty="0">
               <a:latin typeface="Courier New" panose="02070309020205020404" pitchFamily="49" charset="0"/>
@@ -6280,7 +6281,42 @@
           <a:p>
             <a:r>
               <a:rPr lang="en-US" dirty="0" smtClean="0"/>
-              <a:t>For running or finished job</a:t>
+              <a:t>Automatically adapt PBS file for </a:t>
+            </a:r>
+            <a:r>
+              <a:rPr lang="en-US" dirty="0" err="1" smtClean="0"/>
+              <a:t>atools</a:t>
+            </a:r>
+            <a:endParaRPr lang="en-US" dirty="0" smtClean="0"/>
+          </a:p>
+          <a:p>
+            <a:pPr lvl="1"/>
+            <a:r>
+              <a:rPr lang="en-US" dirty="0" smtClean="0"/>
+              <a:t>only logging</a:t>
+            </a:r>
+          </a:p>
+          <a:p>
+            <a:pPr lvl="1"/>
+            <a:endParaRPr lang="en-US" dirty="0"/>
+          </a:p>
+          <a:p>
+            <a:pPr lvl="1"/>
+            <a:endParaRPr lang="en-US" dirty="0" smtClean="0"/>
+          </a:p>
+          <a:p>
+            <a:pPr lvl="1"/>
+            <a:endParaRPr lang="en-US" dirty="0"/>
+          </a:p>
+          <a:p>
+            <a:pPr lvl="1"/>
+            <a:r>
+              <a:rPr lang="en-US" dirty="0" smtClean="0"/>
+              <a:t>logging and using </a:t>
+            </a:r>
+            <a:r>
+              <a:rPr lang="en-US" dirty="0" err="1" smtClean="0"/>
+              <a:t>aenv</a:t>
             </a:r>
             <a:endParaRPr lang="en-US" dirty="0"/>
           </a:p>
@@ -6319,8 +6355,8 @@
         </p:nvSpPr>
         <p:spPr bwMode="auto">
           <a:xfrm>
-            <a:off x="539750" y="2247900"/>
-            <a:ext cx="6264498" cy="1200329"/>
+            <a:off x="647663" y="2780928"/>
+            <a:ext cx="7848674" cy="461665"/>
           </a:xfrm>
           <a:prstGeom prst="rect">
             <a:avLst/>
@@ -6447,61 +6483,902 @@
           <a:p>
             <a:pPr eaLnBrk="1" hangingPunct="1"/>
             <a:r>
-              <a:rPr lang="en-US" sz="2400" dirty="0">
+              <a:rPr lang="en-US" sz="2400" b="1" dirty="0">
                 <a:solidFill>
                   <a:schemeClr val="bg1"/>
                 </a:solidFill>
+                <a:latin typeface="Courier New" panose="02070309020205020404" pitchFamily="49" charset="0"/>
+                <a:cs typeface="Courier New" panose="02070309020205020404" pitchFamily="49" charset="0"/>
               </a:rPr>
               <a:t>$ </a:t>
             </a:r>
             <a:r>
-              <a:rPr lang="en-US" sz="2400" dirty="0" smtClean="0">
+              <a:rPr lang="en-US" sz="2400" b="1" dirty="0" err="1" smtClean="0">
                 <a:solidFill>
                   <a:schemeClr val="bg1"/>
                 </a:solidFill>
+                <a:latin typeface="Courier New" panose="02070309020205020404" pitchFamily="49" charset="0"/>
+                <a:cs typeface="Courier New" panose="02070309020205020404" pitchFamily="49" charset="0"/>
               </a:rPr>
-              <a:t>arrange  </a:t>
-            </a:r>
-            <a:r>
-              <a:rPr lang="en-US" sz="2400" dirty="0">
+              <a:t>acreate</a:t>
+            </a:r>
+            <a:r>
+              <a:rPr lang="en-US" sz="2400" b="1" dirty="0" smtClean="0">
                 <a:solidFill>
                   <a:schemeClr val="bg1"/>
                 </a:solidFill>
+                <a:latin typeface="Courier New" panose="02070309020205020404" pitchFamily="49" charset="0"/>
+                <a:cs typeface="Courier New" panose="02070309020205020404" pitchFamily="49" charset="0"/>
               </a:rPr>
-              <a:t>--data data.csv </a:t>
-            </a:r>
-            <a:r>
-              <a:rPr lang="en-US" sz="2400" dirty="0" smtClean="0">
+              <a:t>  </a:t>
+            </a:r>
+            <a:r>
+              <a:rPr lang="en-US" sz="2400" b="1" dirty="0" err="1" smtClean="0">
                 <a:solidFill>
                   <a:schemeClr val="bg1"/>
                 </a:solidFill>
+                <a:latin typeface="Courier New" panose="02070309020205020404" pitchFamily="49" charset="0"/>
+                <a:cs typeface="Courier New" panose="02070309020205020404" pitchFamily="49" charset="0"/>
               </a:rPr>
-              <a:t>                         \</a:t>
-            </a:r>
-          </a:p>
-          <a:p>
-            <a:pPr eaLnBrk="1" hangingPunct="1"/>
-            <a:r>
-              <a:rPr lang="en-US" sz="2400" dirty="0">
+              <a:t>job.pbs</a:t>
+            </a:r>
+            <a:r>
+              <a:rPr lang="en-US" sz="2400" b="1" dirty="0" smtClean="0">
                 <a:solidFill>
                   <a:schemeClr val="bg1"/>
                 </a:solidFill>
+                <a:latin typeface="Courier New" panose="02070309020205020404" pitchFamily="49" charset="0"/>
+                <a:cs typeface="Courier New" panose="02070309020205020404" pitchFamily="49" charset="0"/>
               </a:rPr>
-              <a:t> </a:t>
-            </a:r>
-            <a:r>
-              <a:rPr lang="en-US" sz="2400" dirty="0" smtClean="0">
+              <a:t>  &gt;  </a:t>
+            </a:r>
+            <a:r>
+              <a:rPr lang="en-US" sz="2400" b="1" dirty="0" err="1" smtClean="0">
                 <a:solidFill>
                   <a:schemeClr val="bg1"/>
                 </a:solidFill>
+                <a:latin typeface="Courier New" panose="02070309020205020404" pitchFamily="49" charset="0"/>
+                <a:cs typeface="Courier New" panose="02070309020205020404" pitchFamily="49" charset="0"/>
               </a:rPr>
-              <a:t>                 --</a:t>
-            </a:r>
-            <a:r>
-              <a:rPr lang="en-US" sz="2400" dirty="0">
+              <a:t>job_atools.pbs</a:t>
+            </a:r>
+            <a:endParaRPr lang="nl-BE" sz="2400" b="1" dirty="0">
+              <a:solidFill>
+                <a:schemeClr val="bg1"/>
+              </a:solidFill>
+              <a:latin typeface="Courier New" pitchFamily="49" charset="0"/>
+              <a:cs typeface="Courier New" pitchFamily="49" charset="0"/>
+            </a:endParaRPr>
+          </a:p>
+        </p:txBody>
+      </p:sp>
+      <p:sp>
+        <p:nvSpPr>
+          <p:cNvPr id="6" name="TextBox 70"/>
+          <p:cNvSpPr txBox="1">
+            <a:spLocks noChangeArrowheads="1"/>
+          </p:cNvSpPr>
+          <p:nvPr/>
+        </p:nvSpPr>
+        <p:spPr bwMode="auto">
+          <a:xfrm>
+            <a:off x="647663" y="4801721"/>
+            <a:ext cx="7848674" cy="830997"/>
+          </a:xfrm>
+          <a:prstGeom prst="rect">
+            <a:avLst/>
+          </a:prstGeom>
+          <a:solidFill>
+            <a:schemeClr val="tx1"/>
+          </a:solidFill>
+          <a:ln>
+            <a:noFill/>
+          </a:ln>
+          <a:extLst/>
+        </p:spPr>
+        <p:txBody>
+          <a:bodyPr wrap="square">
+            <a:spAutoFit/>
+          </a:bodyPr>
+          <a:lstStyle>
+            <a:lvl1pPr eaLnBrk="0" hangingPunct="0">
+              <a:defRPr>
+                <a:solidFill>
+                  <a:schemeClr val="tx1"/>
+                </a:solidFill>
+                <a:latin typeface="Arial" charset="0"/>
+                <a:cs typeface="Arial" charset="0"/>
+              </a:defRPr>
+            </a:lvl1pPr>
+            <a:lvl2pPr marL="742950" indent="-285750" eaLnBrk="0" hangingPunct="0">
+              <a:defRPr>
+                <a:solidFill>
+                  <a:schemeClr val="tx1"/>
+                </a:solidFill>
+                <a:latin typeface="Arial" charset="0"/>
+                <a:cs typeface="Arial" charset="0"/>
+              </a:defRPr>
+            </a:lvl2pPr>
+            <a:lvl3pPr marL="1143000" indent="-228600" eaLnBrk="0" hangingPunct="0">
+              <a:defRPr>
+                <a:solidFill>
+                  <a:schemeClr val="tx1"/>
+                </a:solidFill>
+                <a:latin typeface="Arial" charset="0"/>
+                <a:cs typeface="Arial" charset="0"/>
+              </a:defRPr>
+            </a:lvl3pPr>
+            <a:lvl4pPr marL="1600200" indent="-228600" eaLnBrk="0" hangingPunct="0">
+              <a:defRPr>
+                <a:solidFill>
+                  <a:schemeClr val="tx1"/>
+                </a:solidFill>
+                <a:latin typeface="Arial" charset="0"/>
+                <a:cs typeface="Arial" charset="0"/>
+              </a:defRPr>
+            </a:lvl4pPr>
+            <a:lvl5pPr marL="2057400" indent="-228600" eaLnBrk="0" hangingPunct="0">
+              <a:defRPr>
+                <a:solidFill>
+                  <a:schemeClr val="tx1"/>
+                </a:solidFill>
+                <a:latin typeface="Arial" charset="0"/>
+                <a:cs typeface="Arial" charset="0"/>
+              </a:defRPr>
+            </a:lvl5pPr>
+            <a:lvl6pPr marL="2514600" indent="-228600" eaLnBrk="0" fontAlgn="base" hangingPunct="0">
+              <a:spcBef>
+                <a:spcPct val="0"/>
+              </a:spcBef>
+              <a:spcAft>
+                <a:spcPct val="0"/>
+              </a:spcAft>
+              <a:defRPr>
+                <a:solidFill>
+                  <a:schemeClr val="tx1"/>
+                </a:solidFill>
+                <a:latin typeface="Arial" charset="0"/>
+                <a:cs typeface="Arial" charset="0"/>
+              </a:defRPr>
+            </a:lvl6pPr>
+            <a:lvl7pPr marL="2971800" indent="-228600" eaLnBrk="0" fontAlgn="base" hangingPunct="0">
+              <a:spcBef>
+                <a:spcPct val="0"/>
+              </a:spcBef>
+              <a:spcAft>
+                <a:spcPct val="0"/>
+              </a:spcAft>
+              <a:defRPr>
+                <a:solidFill>
+                  <a:schemeClr val="tx1"/>
+                </a:solidFill>
+                <a:latin typeface="Arial" charset="0"/>
+                <a:cs typeface="Arial" charset="0"/>
+              </a:defRPr>
+            </a:lvl7pPr>
+            <a:lvl8pPr marL="3429000" indent="-228600" eaLnBrk="0" fontAlgn="base" hangingPunct="0">
+              <a:spcBef>
+                <a:spcPct val="0"/>
+              </a:spcBef>
+              <a:spcAft>
+                <a:spcPct val="0"/>
+              </a:spcAft>
+              <a:defRPr>
+                <a:solidFill>
+                  <a:schemeClr val="tx1"/>
+                </a:solidFill>
+                <a:latin typeface="Arial" charset="0"/>
+                <a:cs typeface="Arial" charset="0"/>
+              </a:defRPr>
+            </a:lvl8pPr>
+            <a:lvl9pPr marL="3886200" indent="-228600" eaLnBrk="0" fontAlgn="base" hangingPunct="0">
+              <a:spcBef>
+                <a:spcPct val="0"/>
+              </a:spcBef>
+              <a:spcAft>
+                <a:spcPct val="0"/>
+              </a:spcAft>
+              <a:defRPr>
+                <a:solidFill>
+                  <a:schemeClr val="tx1"/>
+                </a:solidFill>
+                <a:latin typeface="Arial" charset="0"/>
+                <a:cs typeface="Arial" charset="0"/>
+              </a:defRPr>
+            </a:lvl9pPr>
+          </a:lstStyle>
+          <a:p>
+            <a:pPr eaLnBrk="1" hangingPunct="1"/>
+            <a:r>
+              <a:rPr lang="en-US" sz="2400" b="1" dirty="0">
                 <a:solidFill>
                   <a:schemeClr val="bg1"/>
                 </a:solidFill>
+                <a:latin typeface="Courier New" panose="02070309020205020404" pitchFamily="49" charset="0"/>
+                <a:cs typeface="Courier New" panose="02070309020205020404" pitchFamily="49" charset="0"/>
+              </a:rPr>
+              <a:t>$ </a:t>
+            </a:r>
+            <a:r>
+              <a:rPr lang="en-US" sz="2400" b="1" dirty="0" err="1" smtClean="0">
+                <a:solidFill>
+                  <a:schemeClr val="bg1"/>
+                </a:solidFill>
+                <a:latin typeface="Courier New" panose="02070309020205020404" pitchFamily="49" charset="0"/>
+                <a:cs typeface="Courier New" panose="02070309020205020404" pitchFamily="49" charset="0"/>
+              </a:rPr>
+              <a:t>acreate</a:t>
+            </a:r>
+            <a:r>
+              <a:rPr lang="en-US" sz="2400" b="1" dirty="0" smtClean="0">
+                <a:solidFill>
+                  <a:schemeClr val="bg1"/>
+                </a:solidFill>
+                <a:latin typeface="Courier New" panose="02070309020205020404" pitchFamily="49" charset="0"/>
+                <a:cs typeface="Courier New" panose="02070309020205020404" pitchFamily="49" charset="0"/>
+              </a:rPr>
+              <a:t>  </a:t>
+            </a:r>
+            <a:r>
+              <a:rPr lang="en-US" sz="2400" b="1" dirty="0">
+                <a:solidFill>
+                  <a:schemeClr val="bg1"/>
+                </a:solidFill>
+                <a:latin typeface="Courier New" panose="02070309020205020404" pitchFamily="49" charset="0"/>
+                <a:cs typeface="Courier New" panose="02070309020205020404" pitchFamily="49" charset="0"/>
+              </a:rPr>
+              <a:t>--data data.csv </a:t>
+            </a:r>
+            <a:r>
+              <a:rPr lang="en-US" sz="2400" b="1" dirty="0" smtClean="0">
+                <a:solidFill>
+                  <a:schemeClr val="bg1"/>
+                </a:solidFill>
+                <a:latin typeface="Courier New" panose="02070309020205020404" pitchFamily="49" charset="0"/>
+                <a:cs typeface="Courier New" panose="02070309020205020404" pitchFamily="49" charset="0"/>
+              </a:rPr>
+              <a:t>     </a:t>
+            </a:r>
+            <a:r>
+              <a:rPr lang="en-US" sz="2400" b="1" dirty="0" smtClean="0">
+                <a:solidFill>
+                  <a:schemeClr val="bg1"/>
+                </a:solidFill>
+                <a:latin typeface="Courier New" panose="02070309020205020404" pitchFamily="49" charset="0"/>
+                <a:cs typeface="Courier New" panose="02070309020205020404" pitchFamily="49" charset="0"/>
+              </a:rPr>
+              <a:t>    </a:t>
+            </a:r>
+            <a:r>
+              <a:rPr lang="en-US" sz="2400" b="1" dirty="0" smtClean="0">
+                <a:solidFill>
+                  <a:schemeClr val="bg1"/>
+                </a:solidFill>
+                <a:latin typeface="Courier New" panose="02070309020205020404" pitchFamily="49" charset="0"/>
+                <a:cs typeface="Courier New" panose="02070309020205020404" pitchFamily="49" charset="0"/>
+              </a:rPr>
+              <a:t>\</a:t>
+            </a:r>
+          </a:p>
+          <a:p>
+            <a:pPr eaLnBrk="1" hangingPunct="1"/>
+            <a:r>
+              <a:rPr lang="en-US" sz="2400" b="1" dirty="0" smtClean="0">
+                <a:solidFill>
+                  <a:schemeClr val="bg1"/>
+                </a:solidFill>
+                <a:latin typeface="Courier New" panose="02070309020205020404" pitchFamily="49" charset="0"/>
+                <a:cs typeface="Courier New" panose="02070309020205020404" pitchFamily="49" charset="0"/>
+              </a:rPr>
+              <a:t>           </a:t>
+            </a:r>
+            <a:r>
+              <a:rPr lang="en-US" sz="2400" b="1" dirty="0" err="1" smtClean="0">
+                <a:solidFill>
+                  <a:schemeClr val="bg1"/>
+                </a:solidFill>
+                <a:latin typeface="Courier New" panose="02070309020205020404" pitchFamily="49" charset="0"/>
+                <a:cs typeface="Courier New" panose="02070309020205020404" pitchFamily="49" charset="0"/>
+              </a:rPr>
+              <a:t>job.pbs</a:t>
+            </a:r>
+            <a:r>
+              <a:rPr lang="en-US" sz="2400" b="1" dirty="0" smtClean="0">
+                <a:solidFill>
+                  <a:schemeClr val="bg1"/>
+                </a:solidFill>
+                <a:latin typeface="Courier New" panose="02070309020205020404" pitchFamily="49" charset="0"/>
+                <a:cs typeface="Courier New" panose="02070309020205020404" pitchFamily="49" charset="0"/>
+              </a:rPr>
+              <a:t>  &gt;  </a:t>
+            </a:r>
+            <a:r>
+              <a:rPr lang="en-US" sz="2400" b="1" dirty="0" err="1" smtClean="0">
+                <a:solidFill>
+                  <a:schemeClr val="bg1"/>
+                </a:solidFill>
+                <a:latin typeface="Courier New" panose="02070309020205020404" pitchFamily="49" charset="0"/>
+                <a:cs typeface="Courier New" panose="02070309020205020404" pitchFamily="49" charset="0"/>
+              </a:rPr>
+              <a:t>job_atools.pbs</a:t>
+            </a:r>
+            <a:endParaRPr lang="nl-BE" sz="2400" b="1" dirty="0">
+              <a:solidFill>
+                <a:schemeClr val="bg1"/>
+              </a:solidFill>
+              <a:latin typeface="Courier New" pitchFamily="49" charset="0"/>
+              <a:cs typeface="Courier New" pitchFamily="49" charset="0"/>
+            </a:endParaRPr>
+          </a:p>
+        </p:txBody>
+      </p:sp>
+    </p:spTree>
+    <p:extLst>
+      <p:ext uri="{BB962C8B-B14F-4D97-AF65-F5344CB8AC3E}">
+        <p14:creationId xmlns:p14="http://schemas.microsoft.com/office/powerpoint/2010/main" val="2143669305"/>
+      </p:ext>
+    </p:extLst>
+  </p:cSld>
+  <p:clrMapOvr>
+    <a:masterClrMapping/>
+  </p:clrMapOvr>
+  <p:timing>
+    <p:tnLst>
+      <p:par>
+        <p:cTn id="1" dur="indefinite" restart="never" nodeType="tmRoot">
+          <p:childTnLst>
+            <p:seq concurrent="1" nextAc="seek">
+              <p:cTn id="2" dur="indefinite" nodeType="mainSeq">
+                <p:childTnLst>
+                  <p:par>
+                    <p:cTn id="3" fill="hold">
+                      <p:stCondLst>
+                        <p:cond delay="indefinite"/>
+                        <p:cond evt="onBegin" delay="0">
+                          <p:tn val="2"/>
+                        </p:cond>
+                      </p:stCondLst>
+                      <p:childTnLst>
+                        <p:par>
+                          <p:cTn id="4" fill="hold">
+                            <p:stCondLst>
+                              <p:cond delay="0"/>
+                            </p:stCondLst>
+                            <p:childTnLst>
+                              <p:par>
+                                <p:cTn id="5" presetID="1" presetClass="entr" presetSubtype="0" fill="hold" grpId="0" nodeType="withEffect">
+                                  <p:stCondLst>
+                                    <p:cond delay="0"/>
+                                  </p:stCondLst>
+                                  <p:childTnLst>
+                                    <p:set>
+                                      <p:cBhvr>
+                                        <p:cTn id="6" dur="1" fill="hold">
+                                          <p:stCondLst>
+                                            <p:cond delay="0"/>
+                                          </p:stCondLst>
+                                        </p:cTn>
+                                        <p:tgtEl>
+                                          <p:spTgt spid="3">
+                                            <p:txEl>
+                                              <p:pRg st="0" end="0"/>
+                                            </p:txEl>
+                                          </p:spTgt>
+                                        </p:tgtEl>
+                                        <p:attrNameLst>
+                                          <p:attrName>style.visibility</p:attrName>
+                                        </p:attrNameLst>
+                                      </p:cBhvr>
+                                      <p:to>
+                                        <p:strVal val="visible"/>
+                                      </p:to>
+                                    </p:set>
+                                  </p:childTnLst>
+                                </p:cTn>
+                              </p:par>
+                              <p:par>
+                                <p:cTn id="7" presetID="1" presetClass="entr" presetSubtype="0" fill="hold" grpId="0" nodeType="withEffect">
+                                  <p:stCondLst>
+                                    <p:cond delay="0"/>
+                                  </p:stCondLst>
+                                  <p:childTnLst>
+                                    <p:set>
+                                      <p:cBhvr>
+                                        <p:cTn id="8" dur="1" fill="hold">
+                                          <p:stCondLst>
+                                            <p:cond delay="0"/>
+                                          </p:stCondLst>
+                                        </p:cTn>
+                                        <p:tgtEl>
+                                          <p:spTgt spid="3">
+                                            <p:txEl>
+                                              <p:pRg st="1" end="1"/>
+                                            </p:txEl>
+                                          </p:spTgt>
+                                        </p:tgtEl>
+                                        <p:attrNameLst>
+                                          <p:attrName>style.visibility</p:attrName>
+                                        </p:attrNameLst>
+                                      </p:cBhvr>
+                                      <p:to>
+                                        <p:strVal val="visible"/>
+                                      </p:to>
+                                    </p:set>
+                                  </p:childTnLst>
+                                </p:cTn>
+                              </p:par>
+                              <p:par>
+                                <p:cTn id="9" presetID="1" presetClass="entr" presetSubtype="0" fill="hold" grpId="0" nodeType="withEffect">
+                                  <p:stCondLst>
+                                    <p:cond delay="0"/>
+                                  </p:stCondLst>
+                                  <p:childTnLst>
+                                    <p:set>
+                                      <p:cBhvr>
+                                        <p:cTn id="10" dur="1" fill="hold">
+                                          <p:stCondLst>
+                                            <p:cond delay="0"/>
+                                          </p:stCondLst>
+                                        </p:cTn>
+                                        <p:tgtEl>
+                                          <p:spTgt spid="5"/>
+                                        </p:tgtEl>
+                                        <p:attrNameLst>
+                                          <p:attrName>style.visibility</p:attrName>
+                                        </p:attrNameLst>
+                                      </p:cBhvr>
+                                      <p:to>
+                                        <p:strVal val="visible"/>
+                                      </p:to>
+                                    </p:set>
+                                  </p:childTnLst>
+                                </p:cTn>
+                              </p:par>
+                            </p:childTnLst>
+                          </p:cTn>
+                        </p:par>
+                      </p:childTnLst>
+                    </p:cTn>
+                  </p:par>
+                  <p:par>
+                    <p:cTn id="11" fill="hold">
+                      <p:stCondLst>
+                        <p:cond delay="indefinite"/>
+                      </p:stCondLst>
+                      <p:childTnLst>
+                        <p:par>
+                          <p:cTn id="12" fill="hold">
+                            <p:stCondLst>
+                              <p:cond delay="0"/>
+                            </p:stCondLst>
+                            <p:childTnLst>
+                              <p:par>
+                                <p:cTn id="13" presetID="1" presetClass="entr" presetSubtype="0" fill="hold" grpId="0" nodeType="clickEffect">
+                                  <p:stCondLst>
+                                    <p:cond delay="0"/>
+                                  </p:stCondLst>
+                                  <p:childTnLst>
+                                    <p:set>
+                                      <p:cBhvr>
+                                        <p:cTn id="14" dur="1" fill="hold">
+                                          <p:stCondLst>
+                                            <p:cond delay="0"/>
+                                          </p:stCondLst>
+                                        </p:cTn>
+                                        <p:tgtEl>
+                                          <p:spTgt spid="3">
+                                            <p:txEl>
+                                              <p:pRg st="5" end="5"/>
+                                            </p:txEl>
+                                          </p:spTgt>
+                                        </p:tgtEl>
+                                        <p:attrNameLst>
+                                          <p:attrName>style.visibility</p:attrName>
+                                        </p:attrNameLst>
+                                      </p:cBhvr>
+                                      <p:to>
+                                        <p:strVal val="visible"/>
+                                      </p:to>
+                                    </p:set>
+                                  </p:childTnLst>
+                                </p:cTn>
+                              </p:par>
+                              <p:par>
+                                <p:cTn id="15" presetID="1" presetClass="entr" presetSubtype="0" fill="hold" grpId="0" nodeType="withEffect">
+                                  <p:stCondLst>
+                                    <p:cond delay="0"/>
+                                  </p:stCondLst>
+                                  <p:childTnLst>
+                                    <p:set>
+                                      <p:cBhvr>
+                                        <p:cTn id="16" dur="1" fill="hold">
+                                          <p:stCondLst>
+                                            <p:cond delay="0"/>
+                                          </p:stCondLst>
+                                        </p:cTn>
+                                        <p:tgtEl>
+                                          <p:spTgt spid="6"/>
+                                        </p:tgtEl>
+                                        <p:attrNameLst>
+                                          <p:attrName>style.visibility</p:attrName>
+                                        </p:attrNameLst>
+                                      </p:cBhvr>
+                                      <p:to>
+                                        <p:strVal val="visible"/>
+                                      </p:to>
+                                    </p:set>
+                                  </p:childTnLst>
+                                </p:cTn>
+                              </p:par>
+                            </p:childTnLst>
+                          </p:cTn>
+                        </p:par>
+                      </p:childTnLst>
+                    </p:cTn>
+                  </p:par>
+                </p:childTnLst>
+              </p:cTn>
+              <p:prevCondLst>
+                <p:cond evt="onPrev" delay="0">
+                  <p:tgtEl>
+                    <p:sldTgt/>
+                  </p:tgtEl>
+                </p:cond>
+              </p:prevCondLst>
+              <p:nextCondLst>
+                <p:cond evt="onNext" delay="0">
+                  <p:tgtEl>
+                    <p:sldTgt/>
+                  </p:tgtEl>
+                </p:cond>
+              </p:nextCondLst>
+            </p:seq>
+          </p:childTnLst>
+        </p:cTn>
+      </p:par>
+    </p:tnLst>
+    <p:bldLst>
+      <p:bldP spid="3" grpId="0" uiExpand="1" build="p"/>
+      <p:bldP spid="5" grpId="0" animBg="1"/>
+      <p:bldP spid="6" grpId="0" animBg="1"/>
+    </p:bldLst>
+  </p:timing>
+</p:sld>
+</file>
+
+<file path=ppt/slides/slide11.xml><?xml version="1.0" encoding="utf-8"?>
+<p:sld xmlns:a="http://schemas.openxmlformats.org/drawingml/2006/main" xmlns:r="http://schemas.openxmlformats.org/officeDocument/2006/relationships" xmlns:p="http://schemas.openxmlformats.org/presentationml/2006/main">
+  <p:cSld>
+    <p:spTree>
+      <p:nvGrpSpPr>
+        <p:cNvPr id="1" name=""/>
+        <p:cNvGrpSpPr/>
+        <p:nvPr/>
+      </p:nvGrpSpPr>
+      <p:grpSpPr>
+        <a:xfrm>
+          <a:off x="0" y="0"/>
+          <a:ext cx="0" cy="0"/>
+          <a:chOff x="0" y="0"/>
+          <a:chExt cx="0" cy="0"/>
+        </a:xfrm>
+      </p:grpSpPr>
+      <p:sp>
+        <p:nvSpPr>
+          <p:cNvPr id="2" name="Title 1"/>
+          <p:cNvSpPr>
+            <a:spLocks noGrp="1"/>
+          </p:cNvSpPr>
+          <p:nvPr>
+            <p:ph type="title"/>
+          </p:nvPr>
+        </p:nvSpPr>
+        <p:spPr/>
+        <p:txBody>
+          <a:bodyPr/>
+          <a:lstStyle/>
+          <a:p>
+            <a:r>
+              <a:rPr lang="en-US" dirty="0" smtClean="0"/>
+              <a:t>Monitoring: </a:t>
+            </a:r>
+            <a:r>
+              <a:rPr lang="en-US" dirty="0" err="1" smtClean="0">
+                <a:latin typeface="Courier New" panose="02070309020205020404" pitchFamily="49" charset="0"/>
+                <a:cs typeface="Courier New" panose="02070309020205020404" pitchFamily="49" charset="0"/>
+              </a:rPr>
+              <a:t>arange</a:t>
+            </a:r>
+            <a:endParaRPr lang="en-US" dirty="0">
+              <a:latin typeface="Courier New" panose="02070309020205020404" pitchFamily="49" charset="0"/>
+              <a:cs typeface="Courier New" panose="02070309020205020404" pitchFamily="49" charset="0"/>
+            </a:endParaRPr>
+          </a:p>
+        </p:txBody>
+      </p:sp>
+      <p:sp>
+        <p:nvSpPr>
+          <p:cNvPr id="3" name="Content Placeholder 2"/>
+          <p:cNvSpPr>
+            <a:spLocks noGrp="1"/>
+          </p:cNvSpPr>
+          <p:nvPr>
+            <p:ph idx="1"/>
+          </p:nvPr>
+        </p:nvSpPr>
+        <p:spPr/>
+        <p:txBody>
+          <a:bodyPr/>
+          <a:lstStyle/>
+          <a:p>
+            <a:r>
+              <a:rPr lang="en-US" dirty="0" smtClean="0"/>
+              <a:t>For running or finished job</a:t>
+            </a:r>
+            <a:endParaRPr lang="en-US" dirty="0"/>
+          </a:p>
+        </p:txBody>
+      </p:sp>
+      <p:sp>
+        <p:nvSpPr>
+          <p:cNvPr id="4" name="Slide Number Placeholder 3"/>
+          <p:cNvSpPr>
+            <a:spLocks noGrp="1"/>
+          </p:cNvSpPr>
+          <p:nvPr>
+            <p:ph type="sldNum" sz="quarter" idx="12"/>
+          </p:nvPr>
+        </p:nvSpPr>
+        <p:spPr/>
+        <p:txBody>
+          <a:bodyPr/>
+          <a:lstStyle/>
+          <a:p>
+            <a:fld id="{0AA598EC-1C61-495B-A9F8-4410E339CCF5}" type="slidenum">
+              <a:rPr lang="en-US" smtClean="0"/>
+              <a:t>11</a:t>
+            </a:fld>
+            <a:endParaRPr lang="en-US"/>
+          </a:p>
+        </p:txBody>
+      </p:sp>
+      <p:sp>
+        <p:nvSpPr>
+          <p:cNvPr id="5" name="TextBox 70"/>
+          <p:cNvSpPr txBox="1">
+            <a:spLocks noChangeArrowheads="1"/>
+          </p:cNvSpPr>
+          <p:nvPr/>
+        </p:nvSpPr>
+        <p:spPr bwMode="auto">
+          <a:xfrm>
+            <a:off x="539750" y="2247900"/>
+            <a:ext cx="7848674" cy="1200329"/>
+          </a:xfrm>
+          <a:prstGeom prst="rect">
+            <a:avLst/>
+          </a:prstGeom>
+          <a:solidFill>
+            <a:schemeClr val="tx1"/>
+          </a:solidFill>
+          <a:ln>
+            <a:noFill/>
+          </a:ln>
+          <a:extLst/>
+        </p:spPr>
+        <p:txBody>
+          <a:bodyPr wrap="square">
+            <a:spAutoFit/>
+          </a:bodyPr>
+          <a:lstStyle>
+            <a:lvl1pPr eaLnBrk="0" hangingPunct="0">
+              <a:defRPr>
+                <a:solidFill>
+                  <a:schemeClr val="tx1"/>
+                </a:solidFill>
+                <a:latin typeface="Arial" charset="0"/>
+                <a:cs typeface="Arial" charset="0"/>
+              </a:defRPr>
+            </a:lvl1pPr>
+            <a:lvl2pPr marL="742950" indent="-285750" eaLnBrk="0" hangingPunct="0">
+              <a:defRPr>
+                <a:solidFill>
+                  <a:schemeClr val="tx1"/>
+                </a:solidFill>
+                <a:latin typeface="Arial" charset="0"/>
+                <a:cs typeface="Arial" charset="0"/>
+              </a:defRPr>
+            </a:lvl2pPr>
+            <a:lvl3pPr marL="1143000" indent="-228600" eaLnBrk="0" hangingPunct="0">
+              <a:defRPr>
+                <a:solidFill>
+                  <a:schemeClr val="tx1"/>
+                </a:solidFill>
+                <a:latin typeface="Arial" charset="0"/>
+                <a:cs typeface="Arial" charset="0"/>
+              </a:defRPr>
+            </a:lvl3pPr>
+            <a:lvl4pPr marL="1600200" indent="-228600" eaLnBrk="0" hangingPunct="0">
+              <a:defRPr>
+                <a:solidFill>
+                  <a:schemeClr val="tx1"/>
+                </a:solidFill>
+                <a:latin typeface="Arial" charset="0"/>
+                <a:cs typeface="Arial" charset="0"/>
+              </a:defRPr>
+            </a:lvl4pPr>
+            <a:lvl5pPr marL="2057400" indent="-228600" eaLnBrk="0" hangingPunct="0">
+              <a:defRPr>
+                <a:solidFill>
+                  <a:schemeClr val="tx1"/>
+                </a:solidFill>
+                <a:latin typeface="Arial" charset="0"/>
+                <a:cs typeface="Arial" charset="0"/>
+              </a:defRPr>
+            </a:lvl5pPr>
+            <a:lvl6pPr marL="2514600" indent="-228600" eaLnBrk="0" fontAlgn="base" hangingPunct="0">
+              <a:spcBef>
+                <a:spcPct val="0"/>
+              </a:spcBef>
+              <a:spcAft>
+                <a:spcPct val="0"/>
+              </a:spcAft>
+              <a:defRPr>
+                <a:solidFill>
+                  <a:schemeClr val="tx1"/>
+                </a:solidFill>
+                <a:latin typeface="Arial" charset="0"/>
+                <a:cs typeface="Arial" charset="0"/>
+              </a:defRPr>
+            </a:lvl6pPr>
+            <a:lvl7pPr marL="2971800" indent="-228600" eaLnBrk="0" fontAlgn="base" hangingPunct="0">
+              <a:spcBef>
+                <a:spcPct val="0"/>
+              </a:spcBef>
+              <a:spcAft>
+                <a:spcPct val="0"/>
+              </a:spcAft>
+              <a:defRPr>
+                <a:solidFill>
+                  <a:schemeClr val="tx1"/>
+                </a:solidFill>
+                <a:latin typeface="Arial" charset="0"/>
+                <a:cs typeface="Arial" charset="0"/>
+              </a:defRPr>
+            </a:lvl7pPr>
+            <a:lvl8pPr marL="3429000" indent="-228600" eaLnBrk="0" fontAlgn="base" hangingPunct="0">
+              <a:spcBef>
+                <a:spcPct val="0"/>
+              </a:spcBef>
+              <a:spcAft>
+                <a:spcPct val="0"/>
+              </a:spcAft>
+              <a:defRPr>
+                <a:solidFill>
+                  <a:schemeClr val="tx1"/>
+                </a:solidFill>
+                <a:latin typeface="Arial" charset="0"/>
+                <a:cs typeface="Arial" charset="0"/>
+              </a:defRPr>
+            </a:lvl8pPr>
+            <a:lvl9pPr marL="3886200" indent="-228600" eaLnBrk="0" fontAlgn="base" hangingPunct="0">
+              <a:spcBef>
+                <a:spcPct val="0"/>
+              </a:spcBef>
+              <a:spcAft>
+                <a:spcPct val="0"/>
+              </a:spcAft>
+              <a:defRPr>
+                <a:solidFill>
+                  <a:schemeClr val="tx1"/>
+                </a:solidFill>
+                <a:latin typeface="Arial" charset="0"/>
+                <a:cs typeface="Arial" charset="0"/>
+              </a:defRPr>
+            </a:lvl9pPr>
+          </a:lstStyle>
+          <a:p>
+            <a:pPr eaLnBrk="1" hangingPunct="1"/>
+            <a:r>
+              <a:rPr lang="en-US" sz="2400" b="1" dirty="0">
+                <a:solidFill>
+                  <a:schemeClr val="bg1"/>
+                </a:solidFill>
+                <a:latin typeface="Courier New" panose="02070309020205020404" pitchFamily="49" charset="0"/>
+                <a:cs typeface="Courier New" panose="02070309020205020404" pitchFamily="49" charset="0"/>
+              </a:rPr>
+              <a:t>$ </a:t>
+            </a:r>
+            <a:r>
+              <a:rPr lang="en-US" sz="2400" b="1" dirty="0" smtClean="0">
+                <a:solidFill>
+                  <a:schemeClr val="bg1"/>
+                </a:solidFill>
+                <a:latin typeface="Courier New" panose="02070309020205020404" pitchFamily="49" charset="0"/>
+                <a:cs typeface="Courier New" panose="02070309020205020404" pitchFamily="49" charset="0"/>
+              </a:rPr>
+              <a:t>arrange  </a:t>
+            </a:r>
+            <a:r>
+              <a:rPr lang="en-US" sz="2400" b="1" dirty="0">
+                <a:solidFill>
+                  <a:schemeClr val="bg1"/>
+                </a:solidFill>
+                <a:latin typeface="Courier New" panose="02070309020205020404" pitchFamily="49" charset="0"/>
+                <a:cs typeface="Courier New" panose="02070309020205020404" pitchFamily="49" charset="0"/>
+              </a:rPr>
+              <a:t>--data data.csv </a:t>
+            </a:r>
+            <a:r>
+              <a:rPr lang="en-US" sz="2400" b="1" dirty="0" smtClean="0">
+                <a:solidFill>
+                  <a:schemeClr val="bg1"/>
+                </a:solidFill>
+                <a:latin typeface="Courier New" panose="02070309020205020404" pitchFamily="49" charset="0"/>
+                <a:cs typeface="Courier New" panose="02070309020205020404" pitchFamily="49" charset="0"/>
+              </a:rPr>
+              <a:t>     </a:t>
+            </a:r>
+            <a:r>
+              <a:rPr lang="en-US" sz="2400" b="1" dirty="0" smtClean="0">
+                <a:solidFill>
+                  <a:schemeClr val="bg1"/>
+                </a:solidFill>
+                <a:latin typeface="Courier New" panose="02070309020205020404" pitchFamily="49" charset="0"/>
+                <a:cs typeface="Courier New" panose="02070309020205020404" pitchFamily="49" charset="0"/>
+              </a:rPr>
+              <a:t>    </a:t>
+            </a:r>
+            <a:r>
+              <a:rPr lang="en-US" sz="2400" b="1" dirty="0" smtClean="0">
+                <a:solidFill>
+                  <a:schemeClr val="bg1"/>
+                </a:solidFill>
+                <a:latin typeface="Courier New" panose="02070309020205020404" pitchFamily="49" charset="0"/>
+                <a:cs typeface="Courier New" panose="02070309020205020404" pitchFamily="49" charset="0"/>
+              </a:rPr>
+              <a:t>\</a:t>
+            </a:r>
+          </a:p>
+          <a:p>
+            <a:pPr eaLnBrk="1" hangingPunct="1"/>
+            <a:r>
+              <a:rPr lang="en-US" sz="2400" b="1" dirty="0">
+                <a:solidFill>
+                  <a:schemeClr val="bg1"/>
+                </a:solidFill>
+                <a:latin typeface="Courier New" panose="02070309020205020404" pitchFamily="49" charset="0"/>
+                <a:cs typeface="Courier New" panose="02070309020205020404" pitchFamily="49" charset="0"/>
+              </a:rPr>
+              <a:t> </a:t>
+            </a:r>
+            <a:r>
+              <a:rPr lang="en-US" sz="2400" b="1" dirty="0" smtClean="0">
+                <a:solidFill>
+                  <a:schemeClr val="bg1"/>
+                </a:solidFill>
+                <a:latin typeface="Courier New" panose="02070309020205020404" pitchFamily="49" charset="0"/>
+                <a:cs typeface="Courier New" panose="02070309020205020404" pitchFamily="49" charset="0"/>
+              </a:rPr>
+              <a:t>          </a:t>
+            </a:r>
+            <a:r>
+              <a:rPr lang="en-US" sz="2400" b="1" dirty="0" smtClean="0">
+                <a:solidFill>
+                  <a:schemeClr val="bg1"/>
+                </a:solidFill>
+                <a:latin typeface="Courier New" panose="02070309020205020404" pitchFamily="49" charset="0"/>
+                <a:cs typeface="Courier New" panose="02070309020205020404" pitchFamily="49" charset="0"/>
+              </a:rPr>
+              <a:t>--</a:t>
+            </a:r>
+            <a:r>
+              <a:rPr lang="en-US" sz="2400" b="1" dirty="0">
+                <a:solidFill>
+                  <a:schemeClr val="bg1"/>
+                </a:solidFill>
+                <a:latin typeface="Courier New" panose="02070309020205020404" pitchFamily="49" charset="0"/>
+                <a:cs typeface="Courier New" panose="02070309020205020404" pitchFamily="49" charset="0"/>
               </a:rPr>
               <a:t>log </a:t>
             </a:r>
@@ -6532,23 +7409,27 @@
                 <a:latin typeface="Courier New" panose="02070309020205020404" pitchFamily="49" charset="0"/>
                 <a:cs typeface="Courier New" panose="02070309020205020404" pitchFamily="49" charset="0"/>
               </a:rPr>
-              <a:t>        </a:t>
-            </a:r>
-            <a:r>
-              <a:rPr lang="en-US" sz="2400" dirty="0" smtClean="0">
+              <a:t>         </a:t>
+            </a:r>
+            <a:r>
+              <a:rPr lang="en-US" sz="2400" b="1" dirty="0" smtClean="0">
                 <a:solidFill>
                   <a:schemeClr val="bg1"/>
                 </a:solidFill>
+                <a:latin typeface="Courier New" panose="02070309020205020404" pitchFamily="49" charset="0"/>
+                <a:cs typeface="Courier New" panose="02070309020205020404" pitchFamily="49" charset="0"/>
               </a:rPr>
-              <a:t> </a:t>
-            </a:r>
-            <a:r>
-              <a:rPr lang="en-US" sz="2400" dirty="0">
+              <a:t>  --</a:t>
+            </a:r>
+            <a:r>
+              <a:rPr lang="en-US" sz="2400" b="1" dirty="0">
                 <a:solidFill>
                   <a:schemeClr val="bg1"/>
                 </a:solidFill>
+                <a:latin typeface="Courier New" panose="02070309020205020404" pitchFamily="49" charset="0"/>
+                <a:cs typeface="Courier New" panose="02070309020205020404" pitchFamily="49" charset="0"/>
               </a:rPr>
-              <a:t>--summary</a:t>
+              <a:t>summary</a:t>
             </a:r>
             <a:endParaRPr lang="nl-BE" sz="2400" b="1" dirty="0">
               <a:solidFill>
@@ -6654,7 +7535,7 @@
 </p:sld>
 </file>
 
-<file path=ppt/slides/slide11.xml><?xml version="1.0" encoding="utf-8"?>
+<file path=ppt/slides/slide12.xml><?xml version="1.0" encoding="utf-8"?>
 <p:sld xmlns:a="http://schemas.openxmlformats.org/drawingml/2006/main" xmlns:r="http://schemas.openxmlformats.org/officeDocument/2006/relationships" xmlns:p="http://schemas.openxmlformats.org/presentationml/2006/main">
   <p:cSld>
     <p:spTree>
@@ -6728,11 +7609,7 @@
           <a:p>
             <a:r>
               <a:rPr lang="en-US" dirty="0" smtClean="0"/>
-              <a:t>Resume </a:t>
-            </a:r>
-            <a:r>
-              <a:rPr lang="en-US" dirty="0" smtClean="0"/>
-              <a:t>a job that hit the </a:t>
+              <a:t>Resume a job that hit the </a:t>
             </a:r>
             <a:r>
               <a:rPr lang="en-US" dirty="0" err="1" smtClean="0"/>
@@ -6752,11 +7629,7 @@
           <a:p>
             <a:r>
               <a:rPr lang="en-US" dirty="0" smtClean="0"/>
-              <a:t>Redo </a:t>
-            </a:r>
-            <a:r>
-              <a:rPr lang="en-US" dirty="0" smtClean="0"/>
-              <a:t>failed work items</a:t>
+              <a:t>Redo failed work items</a:t>
             </a:r>
             <a:endParaRPr lang="nl-BE" dirty="0" smtClean="0"/>
           </a:p>
@@ -6980,17 +7853,7 @@
                 <a:latin typeface="Courier New" panose="02070309020205020404" pitchFamily="49" charset="0"/>
                 <a:cs typeface="Courier New" pitchFamily="49" charset="0"/>
               </a:rPr>
-              <a:t>                     </a:t>
-            </a:r>
-            <a:r>
-              <a:rPr lang="en-US" sz="2400" dirty="0">
-                <a:solidFill>
-                  <a:schemeClr val="bg1"/>
-                </a:solidFill>
-                <a:latin typeface="Courier New" panose="02070309020205020404" pitchFamily="49" charset="0"/>
-                <a:cs typeface="Courier New" panose="02070309020205020404" pitchFamily="49" charset="0"/>
-              </a:rPr>
-              <a:t>--log </a:t>
+              <a:t>                     --log </a:t>
             </a:r>
             <a:r>
               <a:rPr lang="en-US" sz="2400" b="1" dirty="0" smtClean="0">
@@ -7042,7 +7905,7 @@
           <a:p>
             <a:fld id="{0AA598EC-1C61-495B-A9F8-4410E339CCF5}" type="slidenum">
               <a:rPr lang="en-US" smtClean="0"/>
-              <a:t>11</a:t>
+              <a:t>12</a:t>
             </a:fld>
             <a:endParaRPr lang="en-US"/>
           </a:p>
@@ -7259,7 +8122,7 @@
               <a:t>                     </a:t>
             </a:r>
             <a:r>
-              <a:rPr lang="en-US" sz="2400" dirty="0">
+              <a:rPr lang="en-US" sz="2400" b="1" dirty="0">
                 <a:solidFill>
                   <a:schemeClr val="bg1"/>
                 </a:solidFill>
@@ -7624,7 +8487,7 @@
 </p:sld>
 </file>
 
-<file path=ppt/slides/slide12.xml><?xml version="1.0" encoding="utf-8"?>
+<file path=ppt/slides/slide13.xml><?xml version="1.0" encoding="utf-8"?>
 <p:sld xmlns:a="http://schemas.openxmlformats.org/drawingml/2006/main" xmlns:r="http://schemas.openxmlformats.org/officeDocument/2006/relationships" xmlns:p="http://schemas.openxmlformats.org/presentationml/2006/main">
   <p:cSld>
     <p:spTree>
@@ -7711,10 +8574,6 @@
               </a:rPr>
               <a:t>PBS_ARRAYID</a:t>
             </a:r>
-            <a:endParaRPr lang="en-US" dirty="0" smtClean="0">
-              <a:latin typeface="Courier New" panose="02070309020205020404" pitchFamily="49" charset="0"/>
-              <a:cs typeface="Courier New" panose="02070309020205020404" pitchFamily="49" charset="0"/>
-            </a:endParaRPr>
           </a:p>
           <a:p>
             <a:r>
@@ -8659,7 +9518,7 @@
           <a:p>
             <a:fld id="{0AA598EC-1C61-495B-A9F8-4410E339CCF5}" type="slidenum">
               <a:rPr lang="en-US" smtClean="0"/>
-              <a:t>12</a:t>
+              <a:t>13</a:t>
             </a:fld>
             <a:endParaRPr lang="en-US"/>
           </a:p>
@@ -9242,7 +10101,7 @@
 </p:sld>
 </file>
 
-<file path=ppt/slides/slide13.xml><?xml version="1.0" encoding="utf-8"?>
+<file path=ppt/slides/slide14.xml><?xml version="1.0" encoding="utf-8"?>
 <p:sld xmlns:a="http://schemas.openxmlformats.org/drawingml/2006/main" xmlns:r="http://schemas.openxmlformats.org/officeDocument/2006/relationships" xmlns:p="http://schemas.openxmlformats.org/presentationml/2006/main">
   <p:cSld>
     <p:spTree>
@@ -9411,7 +10270,6 @@
               <a:rPr lang="en-US" dirty="0" smtClean="0"/>
               <a:t>single column row</a:t>
             </a:r>
-            <a:endParaRPr lang="en-US" dirty="0" smtClean="0"/>
           </a:p>
         </p:txBody>
       </p:sp>
@@ -9557,31 +10415,17 @@
                 <a:latin typeface="Courier New" pitchFamily="49" charset="0"/>
                 <a:cs typeface="Courier New" pitchFamily="49" charset="0"/>
               </a:rPr>
-              <a:t>areduce  --t 1-100  --data data.csv  </a:t>
-            </a:r>
+              <a:t>areduce  --t 1-100  --data data.csv  \</a:t>
+            </a:r>
+          </a:p>
+          <a:p>
+            <a:pPr eaLnBrk="1" hangingPunct="1"/>
             <a:r>
               <a:rPr lang="nl-BE" sz="2400" dirty="0" smtClean="0">
                 <a:latin typeface="Courier New" pitchFamily="49" charset="0"/>
                 <a:cs typeface="Courier New" pitchFamily="49" charset="0"/>
               </a:rPr>
-              <a:t>\</a:t>
-            </a:r>
-          </a:p>
-          <a:p>
-            <a:pPr eaLnBrk="1" hangingPunct="1"/>
-            <a:r>
-              <a:rPr lang="nl-BE" sz="2400" dirty="0" smtClean="0">
-                <a:latin typeface="Courier New" pitchFamily="49" charset="0"/>
-                <a:cs typeface="Courier New" pitchFamily="49" charset="0"/>
-              </a:rPr>
-              <a:t>      </a:t>
-            </a:r>
-            <a:r>
-              <a:rPr lang="nl-BE" sz="2400" dirty="0" smtClean="0">
-                <a:latin typeface="Courier New" pitchFamily="49" charset="0"/>
-                <a:cs typeface="Courier New" pitchFamily="49" charset="0"/>
-              </a:rPr>
-              <a:t>   --pattern output-</a:t>
+              <a:t>         --pattern output-</a:t>
             </a:r>
             <a:r>
               <a:rPr lang="nl-BE" sz="2400" b="1" dirty="0" smtClean="0">
@@ -9598,42 +10442,17 @@
                 <a:latin typeface="Courier New" pitchFamily="49" charset="0"/>
                 <a:cs typeface="Courier New" pitchFamily="49" charset="0"/>
               </a:rPr>
-              <a:t>.</a:t>
-            </a:r>
+              <a:t>.txt    \</a:t>
+            </a:r>
+          </a:p>
+          <a:p>
+            <a:pPr eaLnBrk="1" hangingPunct="1"/>
             <a:r>
               <a:rPr lang="nl-BE" sz="2400" dirty="0" smtClean="0">
                 <a:latin typeface="Courier New" pitchFamily="49" charset="0"/>
                 <a:cs typeface="Courier New" pitchFamily="49" charset="0"/>
               </a:rPr>
-              <a:t>txt  </a:t>
-            </a:r>
-            <a:r>
-              <a:rPr lang="nl-BE" sz="2400" dirty="0" smtClean="0">
-                <a:latin typeface="Courier New" pitchFamily="49" charset="0"/>
-                <a:cs typeface="Courier New" pitchFamily="49" charset="0"/>
-              </a:rPr>
-              <a:t>  \</a:t>
-            </a:r>
-            <a:endParaRPr lang="nl-BE" sz="2400" dirty="0" smtClean="0">
-              <a:latin typeface="Courier New" pitchFamily="49" charset="0"/>
-              <a:cs typeface="Courier New" pitchFamily="49" charset="0"/>
-            </a:endParaRPr>
-          </a:p>
-          <a:p>
-            <a:pPr eaLnBrk="1" hangingPunct="1"/>
-            <a:r>
-              <a:rPr lang="nl-BE" sz="2400" dirty="0" smtClean="0">
-                <a:latin typeface="Courier New" pitchFamily="49" charset="0"/>
-                <a:cs typeface="Courier New" pitchFamily="49" charset="0"/>
-              </a:rPr>
-              <a:t>      </a:t>
-            </a:r>
-            <a:r>
-              <a:rPr lang="nl-BE" sz="2400" dirty="0" smtClean="0">
-                <a:latin typeface="Courier New" pitchFamily="49" charset="0"/>
-                <a:cs typeface="Courier New" pitchFamily="49" charset="0"/>
-              </a:rPr>
-              <a:t>   --output output.txt</a:t>
+              <a:t>         --output output.txt</a:t>
             </a:r>
             <a:endParaRPr lang="nl-BE" sz="2400" dirty="0">
               <a:latin typeface="Courier New" pitchFamily="49" charset="0"/>
@@ -9768,7 +10587,7 @@
           <a:p>
             <a:fld id="{0AA598EC-1C61-495B-A9F8-4410E339CCF5}" type="slidenum">
               <a:rPr lang="en-US" smtClean="0"/>
-              <a:t>13</a:t>
+              <a:t>14</a:t>
             </a:fld>
             <a:endParaRPr lang="en-US"/>
           </a:p>
@@ -10167,7 +10986,7 @@
 </p:sld>
 </file>
 
-<file path=ppt/slides/slide14.xml><?xml version="1.0" encoding="utf-8"?>
+<file path=ppt/slides/slide15.xml><?xml version="1.0" encoding="utf-8"?>
 <p:sld xmlns:a="http://schemas.openxmlformats.org/drawingml/2006/main" xmlns:r="http://schemas.openxmlformats.org/officeDocument/2006/relationships" xmlns:p="http://schemas.openxmlformats.org/presentationml/2006/main">
   <p:cSld>
     <p:spTree>
@@ -10261,11 +11080,7 @@
             </a:r>
             <a:r>
               <a:rPr lang="en-US" dirty="0" smtClean="0"/>
-              <a:t> </a:t>
-            </a:r>
-            <a:r>
-              <a:rPr lang="en-US" dirty="0" smtClean="0"/>
-              <a:t>can be any executable</a:t>
+              <a:t> can be any executable</a:t>
             </a:r>
           </a:p>
           <a:p>
@@ -10299,11 +11114,7 @@
             </a:pPr>
             <a:r>
               <a:rPr lang="en-US" dirty="0" smtClean="0"/>
-              <a:t>name of file to "append</a:t>
-            </a:r>
-            <a:r>
-              <a:rPr lang="en-US" dirty="0" smtClean="0"/>
-              <a:t>"</a:t>
+              <a:t>name of file to "append"</a:t>
             </a:r>
           </a:p>
           <a:p>
@@ -10333,10 +11144,6 @@
               </a:rPr>
               <a:t> …</a:t>
             </a:r>
-            <a:endParaRPr lang="en-US" dirty="0" smtClean="0">
-              <a:latin typeface="Courier New" panose="02070309020205020404" pitchFamily="49" charset="0"/>
-              <a:cs typeface="Courier New" panose="02070309020205020404" pitchFamily="49" charset="0"/>
-            </a:endParaRPr>
           </a:p>
         </p:txBody>
       </p:sp>
@@ -10489,10 +11296,6 @@
               </a:rPr>
               <a:t>reduce  –-t 1-100  --data data.csv  \</a:t>
             </a:r>
-            <a:endParaRPr lang="nl-BE" sz="2400" dirty="0" smtClean="0">
-              <a:latin typeface="Courier New" pitchFamily="49" charset="0"/>
-              <a:cs typeface="Courier New" pitchFamily="49" charset="0"/>
-            </a:endParaRPr>
           </a:p>
           <a:p>
             <a:pPr eaLnBrk="1" hangingPunct="1"/>
@@ -10501,14 +11304,7 @@
                 <a:latin typeface="Courier New" pitchFamily="49" charset="0"/>
                 <a:cs typeface="Courier New" pitchFamily="49" charset="0"/>
               </a:rPr>
-              <a:t>         </a:t>
-            </a:r>
-            <a:r>
-              <a:rPr lang="nl-BE" sz="2400" dirty="0" smtClean="0">
-                <a:latin typeface="Courier New" pitchFamily="49" charset="0"/>
-                <a:cs typeface="Courier New" pitchFamily="49" charset="0"/>
-              </a:rPr>
-              <a:t>--pattern output-{t}.txt    \</a:t>
+              <a:t>         --pattern output-{t}.txt    \</a:t>
             </a:r>
           </a:p>
           <a:p>
@@ -10544,10 +11340,6 @@
               </a:rPr>
               <a:t>           \</a:t>
             </a:r>
-            <a:endParaRPr lang="nl-BE" sz="2400" dirty="0" smtClean="0">
-              <a:latin typeface="Courier New" pitchFamily="49" charset="0"/>
-              <a:cs typeface="Courier New" pitchFamily="49" charset="0"/>
-            </a:endParaRPr>
           </a:p>
           <a:p>
             <a:pPr eaLnBrk="1" hangingPunct="1"/>
@@ -10566,52 +11358,24 @@
                 <a:latin typeface="Courier New" pitchFamily="49" charset="0"/>
                 <a:cs typeface="Courier New" pitchFamily="49" charset="0"/>
               </a:rPr>
-              <a:t>--reduce </a:t>
-            </a:r>
-            <a:r>
-              <a:rPr lang="nl-BE" sz="2400" b="1" dirty="0" smtClean="0">
-                <a:solidFill>
-                  <a:srgbClr val="C00000"/>
-                </a:solidFill>
-                <a:latin typeface="Courier New" pitchFamily="49" charset="0"/>
-                <a:cs typeface="Courier New" pitchFamily="49" charset="0"/>
-              </a:rPr>
-              <a:t>reductor.sh</a:t>
+              <a:t>--reduce reductor.sh</a:t>
             </a:r>
             <a:r>
               <a:rPr lang="nl-BE" sz="2400" dirty="0" smtClean="0">
                 <a:latin typeface="Courier New" pitchFamily="49" charset="0"/>
                 <a:cs typeface="Courier New" pitchFamily="49" charset="0"/>
               </a:rPr>
-              <a:t>        </a:t>
-            </a:r>
+              <a:t>        \</a:t>
+            </a:r>
+          </a:p>
+          <a:p>
+            <a:pPr eaLnBrk="1" hangingPunct="1"/>
             <a:r>
               <a:rPr lang="nl-BE" sz="2400" dirty="0" smtClean="0">
                 <a:latin typeface="Courier New" pitchFamily="49" charset="0"/>
                 <a:cs typeface="Courier New" pitchFamily="49" charset="0"/>
               </a:rPr>
-              <a:t>\</a:t>
-            </a:r>
-            <a:endParaRPr lang="nl-BE" sz="2400" dirty="0" smtClean="0">
-              <a:latin typeface="Courier New" pitchFamily="49" charset="0"/>
-              <a:cs typeface="Courier New" pitchFamily="49" charset="0"/>
-            </a:endParaRPr>
-          </a:p>
-          <a:p>
-            <a:pPr eaLnBrk="1" hangingPunct="1"/>
-            <a:r>
-              <a:rPr lang="nl-BE" sz="2400" dirty="0" smtClean="0">
-                <a:latin typeface="Courier New" pitchFamily="49" charset="0"/>
-                <a:cs typeface="Courier New" pitchFamily="49" charset="0"/>
-              </a:rPr>
-              <a:t>         </a:t>
-            </a:r>
-            <a:r>
-              <a:rPr lang="nl-BE" sz="2400" dirty="0" smtClean="0">
-                <a:latin typeface="Courier New" pitchFamily="49" charset="0"/>
-                <a:cs typeface="Courier New" pitchFamily="49" charset="0"/>
-              </a:rPr>
-              <a:t>--out output.bin</a:t>
+              <a:t>         --out output.bin</a:t>
             </a:r>
             <a:endParaRPr lang="nl-BE" sz="2400" dirty="0">
               <a:latin typeface="Courier New" pitchFamily="49" charset="0"/>
@@ -10637,7 +11401,7 @@
           <a:p>
             <a:fld id="{0AA598EC-1C61-495B-A9F8-4410E339CCF5}" type="slidenum">
               <a:rPr lang="en-US" smtClean="0"/>
-              <a:t>14</a:t>
+              <a:t>15</a:t>
             </a:fld>
             <a:endParaRPr lang="en-US"/>
           </a:p>
@@ -10945,7 +11709,7 @@
 </p:sld>
 </file>
 
-<file path=ppt/slides/slide15.xml><?xml version="1.0" encoding="utf-8"?>
+<file path=ppt/slides/slide16.xml><?xml version="1.0" encoding="utf-8"?>
 <p:sld xmlns:a="http://schemas.openxmlformats.org/drawingml/2006/main" xmlns:r="http://schemas.openxmlformats.org/officeDocument/2006/relationships" xmlns:p="http://schemas.openxmlformats.org/presentationml/2006/main">
   <p:cSld>
     <p:spTree>
@@ -11006,7 +11770,7 @@
           <a:p>
             <a:fld id="{0AA598EC-1C61-495B-A9F8-4410E339CCF5}" type="slidenum">
               <a:rPr lang="en-US" smtClean="0"/>
-              <a:t>15</a:t>
+              <a:t>16</a:t>
             </a:fld>
             <a:endParaRPr lang="en-US"/>
           </a:p>
@@ -12680,7 +13444,7 @@
 </p:sld>
 </file>
 
-<file path=ppt/slides/slide16.xml><?xml version="1.0" encoding="utf-8"?>
+<file path=ppt/slides/slide17.xml><?xml version="1.0" encoding="utf-8"?>
 <p:sld xmlns:a="http://schemas.openxmlformats.org/drawingml/2006/main" xmlns:r="http://schemas.openxmlformats.org/officeDocument/2006/relationships" xmlns:p="http://schemas.openxmlformats.org/presentationml/2006/main">
   <p:cSld>
     <p:spTree>
@@ -12749,33 +13513,15 @@
           <a:p>
             <a:r>
               <a:rPr lang="en-US" dirty="0" smtClean="0"/>
-              <a:t>Load balance is </a:t>
-            </a:r>
+              <a:t>Load balance is mostly taken care of by  scheduler, but</a:t>
+            </a:r>
+          </a:p>
+          <a:p>
+            <a:pPr lvl="1"/>
             <a:r>
               <a:rPr lang="en-US" dirty="0" smtClean="0"/>
-              <a:t>mostly taken care of by  scheduler, but</a:t>
-            </a:r>
-            <a:endParaRPr lang="en-US" dirty="0" smtClean="0"/>
-          </a:p>
-          <a:p>
-            <a:pPr lvl="1"/>
-            <a:r>
-              <a:rPr lang="en-US" dirty="0" smtClean="0"/>
-              <a:t>do all </a:t>
-            </a:r>
-            <a:r>
-              <a:rPr lang="en-US" dirty="0" smtClean="0"/>
-              <a:t>jobs approximately </a:t>
-            </a:r>
-            <a:r>
-              <a:rPr lang="en-US" dirty="0" smtClean="0"/>
-              <a:t>the same amount of work</a:t>
-            </a:r>
-            <a:r>
-              <a:rPr lang="en-US" dirty="0" smtClean="0"/>
-              <a:t>?</a:t>
-            </a:r>
-            <a:endParaRPr lang="en-US" dirty="0" smtClean="0"/>
+              <a:t>do all jobs approximately the same amount of work?</a:t>
+            </a:r>
           </a:p>
           <a:p>
             <a:r>
@@ -12791,19 +13537,7 @@
             </a:r>
             <a:r>
               <a:rPr lang="en-US" dirty="0" smtClean="0"/>
-              <a:t> </a:t>
-            </a:r>
-            <a:r>
-              <a:rPr lang="en-US" dirty="0" smtClean="0"/>
-              <a:t>to </a:t>
-            </a:r>
-            <a:r>
-              <a:rPr lang="en-US" dirty="0" smtClean="0"/>
-              <a:t>analyze </a:t>
-            </a:r>
-            <a:r>
-              <a:rPr lang="en-US" dirty="0" smtClean="0"/>
-              <a:t>runs</a:t>
+              <a:t> to analyze runs</a:t>
             </a:r>
           </a:p>
           <a:p>
@@ -12835,11 +13569,7 @@
             <a:pPr lvl="1"/>
             <a:r>
               <a:rPr lang="en-US" dirty="0" smtClean="0"/>
-              <a:t>report on </a:t>
-            </a:r>
-            <a:r>
-              <a:rPr lang="en-US" dirty="0" smtClean="0"/>
-              <a:t>nodes: </a:t>
+              <a:t>report on nodes: </a:t>
             </a:r>
             <a:r>
               <a:rPr lang="en-US" dirty="0" smtClean="0">
@@ -12879,7 +13609,7 @@
           <a:p>
             <a:fld id="{0AA598EC-1C61-495B-A9F8-4410E339CCF5}" type="slidenum">
               <a:rPr lang="en-US" smtClean="0"/>
-              <a:t>16</a:t>
+              <a:t>17</a:t>
             </a:fld>
             <a:endParaRPr lang="en-US"/>
           </a:p>
@@ -13313,7 +14043,7 @@
 </p:sld>
 </file>
 
-<file path=ppt/slides/slide17.xml><?xml version="1.0" encoding="utf-8"?>
+<file path=ppt/slides/slide18.xml><?xml version="1.0" encoding="utf-8"?>
 <p:sld xmlns:a="http://schemas.openxmlformats.org/drawingml/2006/main" xmlns:r="http://schemas.openxmlformats.org/officeDocument/2006/relationships" xmlns:p="http://schemas.openxmlformats.org/presentationml/2006/main">
   <p:cSld>
     <p:spTree>
@@ -13389,7 +14119,7 @@
           <a:p>
             <a:fld id="{0AA598EC-1C61-495B-A9F8-4410E339CCF5}" type="slidenum">
               <a:rPr lang="en-US" smtClean="0"/>
-              <a:t>17</a:t>
+              <a:t>18</a:t>
             </a:fld>
             <a:endParaRPr lang="en-US"/>
           </a:p>
@@ -13415,7 +14145,7 @@
 </p:sld>
 </file>
 
-<file path=ppt/slides/slide18.xml><?xml version="1.0" encoding="utf-8"?>
+<file path=ppt/slides/slide19.xml><?xml version="1.0" encoding="utf-8"?>
 <p:sld xmlns:a="http://schemas.openxmlformats.org/drawingml/2006/main" xmlns:r="http://schemas.openxmlformats.org/officeDocument/2006/relationships" xmlns:p="http://schemas.openxmlformats.org/presentationml/2006/main">
   <p:cSld>
     <p:spTree>
@@ -13457,11 +14187,7 @@
             </a:r>
             <a:r>
               <a:rPr lang="en-US" dirty="0" smtClean="0"/>
-              <a:t> well</a:t>
-            </a:r>
-            <a:r>
-              <a:rPr lang="en-US" dirty="0" smtClean="0"/>
-              <a:t>?</a:t>
+              <a:t> well?</a:t>
             </a:r>
             <a:endParaRPr lang="nl-NL" dirty="0" smtClean="0"/>
           </a:p>
@@ -13501,11 +14227,6 @@
               </a:rPr>
               <a:t> just credits</a:t>
             </a:r>
-            <a:endParaRPr lang="en-US" dirty="0" smtClean="0">
-              <a:solidFill>
-                <a:srgbClr val="FF0000"/>
-              </a:solidFill>
-            </a:endParaRPr>
           </a:p>
           <a:p>
             <a:r>
@@ -13524,9 +14245,6 @@
               </a:rPr>
               <a:t>Limits to number of jobs in queue</a:t>
             </a:r>
-            <a:endParaRPr lang="en-US" dirty="0" smtClean="0">
-              <a:cs typeface="Courier New" panose="02070309020205020404" pitchFamily="49" charset="0"/>
-            </a:endParaRPr>
           </a:p>
           <a:p>
             <a:pPr lvl="1"/>
@@ -13551,7 +14269,7 @@
           <a:p>
             <a:fld id="{0AA598EC-1C61-495B-A9F8-4410E339CCF5}" type="slidenum">
               <a:rPr lang="en-US" smtClean="0"/>
-              <a:t>18</a:t>
+              <a:t>19</a:t>
             </a:fld>
             <a:endParaRPr lang="en-US"/>
           </a:p>
@@ -13784,7 +14502,102 @@
 </p:sld>
 </file>
 
-<file path=ppt/slides/slide19.xml><?xml version="1.0" encoding="utf-8"?>
+<file path=ppt/slides/slide2.xml><?xml version="1.0" encoding="utf-8"?>
+<p:sld xmlns:a="http://schemas.openxmlformats.org/drawingml/2006/main" xmlns:r="http://schemas.openxmlformats.org/officeDocument/2006/relationships" xmlns:p="http://schemas.openxmlformats.org/presentationml/2006/main">
+  <p:cSld>
+    <p:spTree>
+      <p:nvGrpSpPr>
+        <p:cNvPr id="1" name=""/>
+        <p:cNvGrpSpPr/>
+        <p:nvPr/>
+      </p:nvGrpSpPr>
+      <p:grpSpPr>
+        <a:xfrm>
+          <a:off x="0" y="0"/>
+          <a:ext cx="0" cy="0"/>
+          <a:chOff x="0" y="0"/>
+          <a:chExt cx="0" cy="0"/>
+        </a:xfrm>
+      </p:grpSpPr>
+      <p:sp>
+        <p:nvSpPr>
+          <p:cNvPr id="2" name="Title 1"/>
+          <p:cNvSpPr>
+            <a:spLocks noGrp="1"/>
+          </p:cNvSpPr>
+          <p:nvPr>
+            <p:ph type="title"/>
+          </p:nvPr>
+        </p:nvSpPr>
+        <p:spPr/>
+        <p:txBody>
+          <a:bodyPr/>
+          <a:lstStyle/>
+          <a:p>
+            <a:r>
+              <a:rPr lang="en-US" dirty="0" smtClean="0"/>
+              <a:t>Scenario: parameter exploration</a:t>
+            </a:r>
+            <a:endParaRPr lang="en-US" dirty="0"/>
+          </a:p>
+        </p:txBody>
+      </p:sp>
+      <p:sp>
+        <p:nvSpPr>
+          <p:cNvPr id="3" name="Text Placeholder 2"/>
+          <p:cNvSpPr>
+            <a:spLocks noGrp="1"/>
+          </p:cNvSpPr>
+          <p:nvPr>
+            <p:ph type="body" idx="1"/>
+          </p:nvPr>
+        </p:nvSpPr>
+        <p:spPr/>
+        <p:txBody>
+          <a:bodyPr/>
+          <a:lstStyle/>
+          <a:p>
+            <a:endParaRPr lang="en-US"/>
+          </a:p>
+        </p:txBody>
+      </p:sp>
+      <p:sp>
+        <p:nvSpPr>
+          <p:cNvPr id="4" name="Slide Number Placeholder 3"/>
+          <p:cNvSpPr>
+            <a:spLocks noGrp="1"/>
+          </p:cNvSpPr>
+          <p:nvPr>
+            <p:ph type="sldNum" sz="quarter" idx="12"/>
+          </p:nvPr>
+        </p:nvSpPr>
+        <p:spPr/>
+        <p:txBody>
+          <a:bodyPr/>
+          <a:lstStyle/>
+          <a:p>
+            <a:fld id="{0AA598EC-1C61-495B-A9F8-4410E339CCF5}" type="slidenum">
+              <a:rPr lang="en-US" smtClean="0"/>
+              <a:t>2</a:t>
+            </a:fld>
+            <a:endParaRPr lang="en-US"/>
+          </a:p>
+        </p:txBody>
+      </p:sp>
+    </p:spTree>
+    <p:extLst>
+      <p:ext uri="{BB962C8B-B14F-4D97-AF65-F5344CB8AC3E}">
+        <p14:creationId xmlns:p14="http://schemas.microsoft.com/office/powerpoint/2010/main" val="2485938535"/>
+      </p:ext>
+    </p:extLst>
+  </p:cSld>
+  <p:clrMapOvr>
+    <a:masterClrMapping/>
+  </p:clrMapOvr>
+</p:sld>
+</file>
+
+<file path=ppt/slides/slide20.xml><?xml version="1.0" encoding="utf-8"?>
 <p:sld xmlns:a="http://schemas.openxmlformats.org/drawingml/2006/main" xmlns:r="http://schemas.openxmlformats.org/officeDocument/2006/relationships" xmlns:p="http://schemas.openxmlformats.org/presentationml/2006/main">
   <p:cSld>
     <p:spTree>
@@ -14164,7 +14977,7 @@
           <a:p>
             <a:fld id="{6597116C-F94B-4B5B-973A-17F07FB5C418}" type="slidenum">
               <a:rPr lang="nl-BE" smtClean="0"/>
-              <a:t>19</a:t>
+              <a:t>20</a:t>
             </a:fld>
             <a:endParaRPr lang="nl-BE"/>
           </a:p>
@@ -14344,102 +15157,7 @@
 </p:sld>
 </file>
 
-<file path=ppt/slides/slide2.xml><?xml version="1.0" encoding="utf-8"?>
-<p:sld xmlns:a="http://schemas.openxmlformats.org/drawingml/2006/main" xmlns:r="http://schemas.openxmlformats.org/officeDocument/2006/relationships" xmlns:p="http://schemas.openxmlformats.org/presentationml/2006/main">
-  <p:cSld>
-    <p:spTree>
-      <p:nvGrpSpPr>
-        <p:cNvPr id="1" name=""/>
-        <p:cNvGrpSpPr/>
-        <p:nvPr/>
-      </p:nvGrpSpPr>
-      <p:grpSpPr>
-        <a:xfrm>
-          <a:off x="0" y="0"/>
-          <a:ext cx="0" cy="0"/>
-          <a:chOff x="0" y="0"/>
-          <a:chExt cx="0" cy="0"/>
-        </a:xfrm>
-      </p:grpSpPr>
-      <p:sp>
-        <p:nvSpPr>
-          <p:cNvPr id="2" name="Title 1"/>
-          <p:cNvSpPr>
-            <a:spLocks noGrp="1"/>
-          </p:cNvSpPr>
-          <p:nvPr>
-            <p:ph type="title"/>
-          </p:nvPr>
-        </p:nvSpPr>
-        <p:spPr/>
-        <p:txBody>
-          <a:bodyPr/>
-          <a:lstStyle/>
-          <a:p>
-            <a:r>
-              <a:rPr lang="en-US" dirty="0" smtClean="0"/>
-              <a:t>Scenario: parameter exploration</a:t>
-            </a:r>
-            <a:endParaRPr lang="en-US" dirty="0"/>
-          </a:p>
-        </p:txBody>
-      </p:sp>
-      <p:sp>
-        <p:nvSpPr>
-          <p:cNvPr id="3" name="Text Placeholder 2"/>
-          <p:cNvSpPr>
-            <a:spLocks noGrp="1"/>
-          </p:cNvSpPr>
-          <p:nvPr>
-            <p:ph type="body" idx="1"/>
-          </p:nvPr>
-        </p:nvSpPr>
-        <p:spPr/>
-        <p:txBody>
-          <a:bodyPr/>
-          <a:lstStyle/>
-          <a:p>
-            <a:endParaRPr lang="en-US"/>
-          </a:p>
-        </p:txBody>
-      </p:sp>
-      <p:sp>
-        <p:nvSpPr>
-          <p:cNvPr id="4" name="Slide Number Placeholder 3"/>
-          <p:cNvSpPr>
-            <a:spLocks noGrp="1"/>
-          </p:cNvSpPr>
-          <p:nvPr>
-            <p:ph type="sldNum" sz="quarter" idx="12"/>
-          </p:nvPr>
-        </p:nvSpPr>
-        <p:spPr/>
-        <p:txBody>
-          <a:bodyPr/>
-          <a:lstStyle/>
-          <a:p>
-            <a:fld id="{0AA598EC-1C61-495B-A9F8-4410E339CCF5}" type="slidenum">
-              <a:rPr lang="en-US" smtClean="0"/>
-              <a:t>2</a:t>
-            </a:fld>
-            <a:endParaRPr lang="en-US"/>
-          </a:p>
-        </p:txBody>
-      </p:sp>
-    </p:spTree>
-    <p:extLst>
-      <p:ext uri="{BB962C8B-B14F-4D97-AF65-F5344CB8AC3E}">
-        <p14:creationId xmlns:p14="http://schemas.microsoft.com/office/powerpoint/2010/main" val="2485938535"/>
-      </p:ext>
-    </p:extLst>
-  </p:cSld>
-  <p:clrMapOvr>
-    <a:masterClrMapping/>
-  </p:clrMapOvr>
-</p:sld>
-</file>
-
-<file path=ppt/slides/slide20.xml><?xml version="1.0" encoding="utf-8"?>
+<file path=ppt/slides/slide21.xml><?xml version="1.0" encoding="utf-8"?>
 <p:sld xmlns:a="http://schemas.openxmlformats.org/drawingml/2006/main" xmlns:r="http://schemas.openxmlformats.org/officeDocument/2006/relationships" xmlns:p="http://schemas.openxmlformats.org/presentationml/2006/main">
   <p:cSld>
     <p:spTree>
@@ -15227,7 +15945,7 @@
           <a:p>
             <a:fld id="{6597116C-F94B-4B5B-973A-17F07FB5C418}" type="slidenum">
               <a:rPr lang="nl-BE" smtClean="0"/>
-              <a:t>20</a:t>
+              <a:t>21</a:t>
             </a:fld>
             <a:endParaRPr lang="nl-BE"/>
           </a:p>
@@ -15498,7 +16216,7 @@
 </p:sld>
 </file>
 
-<file path=ppt/slides/slide21.xml><?xml version="1.0" encoding="utf-8"?>
+<file path=ppt/slides/slide22.xml><?xml version="1.0" encoding="utf-8"?>
 <p:sld xmlns:a="http://schemas.openxmlformats.org/drawingml/2006/main" xmlns:r="http://schemas.openxmlformats.org/officeDocument/2006/relationships" xmlns:p="http://schemas.openxmlformats.org/presentationml/2006/main">
   <p:cSld>
     <p:spTree>
@@ -16338,7 +17056,7 @@
           <a:p>
             <a:fld id="{6597116C-F94B-4B5B-973A-17F07FB5C418}" type="slidenum">
               <a:rPr lang="nl-BE" smtClean="0"/>
-              <a:t>21</a:t>
+              <a:t>22</a:t>
             </a:fld>
             <a:endParaRPr lang="nl-BE"/>
           </a:p>
@@ -16684,7 +17402,7 @@
 </p:sld>
 </file>
 
-<file path=ppt/slides/slide22.xml><?xml version="1.0" encoding="utf-8"?>
+<file path=ppt/slides/slide23.xml><?xml version="1.0" encoding="utf-8"?>
 <p:sld xmlns:a="http://schemas.openxmlformats.org/drawingml/2006/main" xmlns:r="http://schemas.openxmlformats.org/officeDocument/2006/relationships" xmlns:p="http://schemas.openxmlformats.org/presentationml/2006/main">
   <p:cSld>
     <p:spTree>
@@ -17229,7 +17947,7 @@
           <a:p>
             <a:fld id="{6597116C-F94B-4B5B-973A-17F07FB5C418}" type="slidenum">
               <a:rPr lang="nl-BE" smtClean="0"/>
-              <a:t>22</a:t>
+              <a:t>23</a:t>
             </a:fld>
             <a:endParaRPr lang="nl-BE"/>
           </a:p>
@@ -17326,7 +18044,7 @@
 </p:sld>
 </file>
 
-<file path=ppt/slides/slide23.xml><?xml version="1.0" encoding="utf-8"?>
+<file path=ppt/slides/slide24.xml><?xml version="1.0" encoding="utf-8"?>
 <p:sld xmlns:a="http://schemas.openxmlformats.org/drawingml/2006/main" xmlns:r="http://schemas.openxmlformats.org/officeDocument/2006/relationships" xmlns:p="http://schemas.openxmlformats.org/presentationml/2006/main">
   <p:cSld>
     <p:spTree>
@@ -17548,7 +18266,7 @@
           <a:p>
             <a:fld id="{6597116C-F94B-4B5B-973A-17F07FB5C418}" type="slidenum">
               <a:rPr lang="nl-BE" smtClean="0"/>
-              <a:t>23</a:t>
+              <a:t>24</a:t>
             </a:fld>
             <a:endParaRPr lang="nl-BE"/>
           </a:p>
@@ -17874,7 +18592,7 @@
 </p:sld>
 </file>
 
-<file path=ppt/slides/slide24.xml><?xml version="1.0" encoding="utf-8"?>
+<file path=ppt/slides/slide25.xml><?xml version="1.0" encoding="utf-8"?>
 <p:sld xmlns:a="http://schemas.openxmlformats.org/drawingml/2006/main" xmlns:r="http://schemas.openxmlformats.org/officeDocument/2006/relationships" xmlns:p="http://schemas.openxmlformats.org/presentationml/2006/main">
   <p:cSld>
     <p:spTree>
@@ -18646,7 +19364,7 @@
           <a:p>
             <a:fld id="{0AA598EC-1C61-495B-A9F8-4410E339CCF5}" type="slidenum">
               <a:rPr lang="en-US" smtClean="0"/>
-              <a:t>24</a:t>
+              <a:t>25</a:t>
             </a:fld>
             <a:endParaRPr lang="en-US"/>
           </a:p>
@@ -18878,7 +19596,7 @@
 </p:sld>
 </file>
 
-<file path=ppt/slides/slide25.xml><?xml version="1.0" encoding="utf-8"?>
+<file path=ppt/slides/slide26.xml><?xml version="1.0" encoding="utf-8"?>
 <p:sld xmlns:a="http://schemas.openxmlformats.org/drawingml/2006/main" xmlns:r="http://schemas.openxmlformats.org/officeDocument/2006/relationships" xmlns:p="http://schemas.openxmlformats.org/presentationml/2006/main">
   <p:cSld>
     <p:spTree>
@@ -19023,7 +19741,7 @@
           <a:graphicData uri="http://schemas.openxmlformats.org/presentationml/2006/ole">
             <mc:AlternateContent xmlns:mc="http://schemas.openxmlformats.org/markup-compatibility/2006">
               <mc:Choice xmlns:v="urn:schemas-microsoft-com:vml" Requires="v">
-                <p:oleObj spid="_x0000_s3108" name="Equation" r:id="rId3" imgW="812520" imgH="393480" progId="Equation.3">
+                <p:oleObj spid="_x0000_s3112" name="Equation" r:id="rId3" imgW="812520" imgH="393480" progId="Equation.3">
                   <p:embed/>
                 </p:oleObj>
               </mc:Choice>
@@ -19076,7 +19794,7 @@
           <a:graphicData uri="http://schemas.openxmlformats.org/presentationml/2006/ole">
             <mc:AlternateContent xmlns:mc="http://schemas.openxmlformats.org/markup-compatibility/2006">
               <mc:Choice xmlns:v="urn:schemas-microsoft-com:vml" Requires="v">
-                <p:oleObj spid="_x0000_s3109" name="Equation" r:id="rId5" imgW="2489040" imgH="431640" progId="Equation.3">
+                <p:oleObj spid="_x0000_s3113" name="Equation" r:id="rId5" imgW="2489040" imgH="431640" progId="Equation.3">
                   <p:embed/>
                 </p:oleObj>
               </mc:Choice>
@@ -19163,7 +19881,7 @@
           <a:p>
             <a:fld id="{6597116C-F94B-4B5B-973A-17F07FB5C418}" type="slidenum">
               <a:rPr lang="nl-BE" smtClean="0"/>
-              <a:t>25</a:t>
+              <a:t>26</a:t>
             </a:fld>
             <a:endParaRPr lang="nl-BE"/>
           </a:p>
@@ -19599,7 +20317,7 @@
 </p:sld>
 </file>
 
-<file path=ppt/slides/slide26.xml><?xml version="1.0" encoding="utf-8"?>
+<file path=ppt/slides/slide27.xml><?xml version="1.0" encoding="utf-8"?>
 <p:sld xmlns:a="http://schemas.openxmlformats.org/drawingml/2006/main" xmlns:r="http://schemas.openxmlformats.org/officeDocument/2006/relationships" xmlns:p="http://schemas.openxmlformats.org/presentationml/2006/main">
   <p:cSld>
     <p:spTree>
@@ -19675,7 +20393,7 @@
           <a:p>
             <a:fld id="{0AA598EC-1C61-495B-A9F8-4410E339CCF5}" type="slidenum">
               <a:rPr lang="en-US" smtClean="0"/>
-              <a:t>26</a:t>
+              <a:t>27</a:t>
             </a:fld>
             <a:endParaRPr lang="en-US"/>
           </a:p>
@@ -19701,7 +20419,7 @@
 </p:sld>
 </file>
 
-<file path=ppt/slides/slide27.xml><?xml version="1.0" encoding="utf-8"?>
+<file path=ppt/slides/slide28.xml><?xml version="1.0" encoding="utf-8"?>
 <p:sld xmlns:a="http://schemas.openxmlformats.org/drawingml/2006/main" xmlns:r="http://schemas.openxmlformats.org/officeDocument/2006/relationships" xmlns:p="http://schemas.openxmlformats.org/presentationml/2006/main">
   <p:cSld>
     <p:spTree>
@@ -19744,11 +20462,7 @@
             </a:r>
             <a:r>
               <a:rPr lang="en-US" dirty="0" smtClean="0"/>
-              <a:t> a </a:t>
-            </a:r>
-            <a:r>
-              <a:rPr lang="en-US" dirty="0" smtClean="0"/>
-              <a:t>panacea?</a:t>
+              <a:t> a panacea?</a:t>
             </a:r>
             <a:endParaRPr lang="nl-BE" dirty="0" smtClean="0"/>
           </a:p>
@@ -19787,7 +20501,6 @@
               <a:rPr lang="en-US" dirty="0" smtClean="0"/>
               <a:t> advantages</a:t>
             </a:r>
-            <a:endParaRPr lang="en-US" dirty="0" smtClean="0"/>
           </a:p>
           <a:p>
             <a:pPr lvl="1" eaLnBrk="1" fontAlgn="auto" hangingPunct="1">
@@ -19800,11 +20513,7 @@
             </a:pPr>
             <a:r>
               <a:rPr lang="en-US" dirty="0" smtClean="0"/>
-              <a:t>Easy to </a:t>
-            </a:r>
-            <a:r>
-              <a:rPr lang="en-US" dirty="0" smtClean="0"/>
-              <a:t>use</a:t>
+              <a:t>Easy to use</a:t>
             </a:r>
           </a:p>
           <a:p>
@@ -19820,7 +20529,6 @@
               <a:rPr lang="en-US" dirty="0" smtClean="0"/>
               <a:t>Supports MPI work items</a:t>
             </a:r>
-            <a:endParaRPr lang="en-US" dirty="0" smtClean="0"/>
           </a:p>
           <a:p>
             <a:pPr lvl="1" eaLnBrk="1" fontAlgn="auto" hangingPunct="1">
@@ -19833,13 +20541,8 @@
             </a:pPr>
             <a:r>
               <a:rPr lang="en-US" dirty="0" smtClean="0"/>
-              <a:t>Supports several </a:t>
-            </a:r>
-            <a:r>
-              <a:rPr lang="en-US" dirty="0" smtClean="0"/>
-              <a:t>schedulers (PBS torque, SGE,…)</a:t>
-            </a:r>
-            <a:endParaRPr lang="en-US" dirty="0" smtClean="0"/>
+              <a:t>Supports several schedulers (PBS torque, SGE,…)</a:t>
+            </a:r>
           </a:p>
           <a:p>
             <a:pPr eaLnBrk="1" fontAlgn="auto" hangingPunct="1">
@@ -19858,7 +20561,6 @@
               <a:rPr lang="en-US" dirty="0" smtClean="0"/>
               <a:t> disadvantages</a:t>
             </a:r>
-            <a:endParaRPr lang="en-US" dirty="0" smtClean="0"/>
           </a:p>
           <a:p>
             <a:pPr lvl="1" eaLnBrk="1" fontAlgn="auto" hangingPunct="1">
@@ -19871,13 +20573,8 @@
             </a:pPr>
             <a:r>
               <a:rPr lang="en-US" dirty="0" smtClean="0"/>
-              <a:t>Some overhead </a:t>
-            </a:r>
-            <a:r>
-              <a:rPr lang="en-US" dirty="0" smtClean="0"/>
-              <a:t>from the scheduler</a:t>
-            </a:r>
-            <a:endParaRPr lang="en-US" dirty="0" smtClean="0"/>
+              <a:t>Some overhead from the scheduler</a:t>
+            </a:r>
           </a:p>
           <a:p>
             <a:pPr lvl="1" eaLnBrk="1" fontAlgn="auto" hangingPunct="1">
@@ -19976,7 +20673,7 @@
           <a:p>
             <a:fld id="{0AA598EC-1C61-495B-A9F8-4410E339CCF5}" type="slidenum">
               <a:rPr lang="en-US" smtClean="0"/>
-              <a:t>27</a:t>
+              <a:t>28</a:t>
             </a:fld>
             <a:endParaRPr lang="en-US"/>
           </a:p>
@@ -20361,7 +21058,7 @@
 </p:sld>
 </file>
 
-<file path=ppt/slides/slide28.xml><?xml version="1.0" encoding="utf-8"?>
+<file path=ppt/slides/slide29.xml><?xml version="1.0" encoding="utf-8"?>
 <p:sld xmlns:a="http://schemas.openxmlformats.org/drawingml/2006/main" xmlns:r="http://schemas.openxmlformats.org/officeDocument/2006/relationships" xmlns:p="http://schemas.openxmlformats.org/presentationml/2006/main">
   <p:cSld>
     <p:spTree>
@@ -20443,7 +21140,6 @@
               <a:rPr lang="en-US" dirty="0" smtClean="0"/>
               <a:t> </a:t>
             </a:r>
-            <a:endParaRPr lang="en-US" dirty="0" smtClean="0"/>
           </a:p>
           <a:p>
             <a:r>
@@ -20463,13 +21159,7 @@
               <a:rPr lang="en-US" dirty="0" smtClean="0">
                 <a:hlinkClick r:id="rId3"/>
               </a:rPr>
-              <a:t>://atools.readthedocs.io/en/latest</a:t>
-            </a:r>
-            <a:r>
-              <a:rPr lang="en-US" dirty="0" smtClean="0">
-                <a:hlinkClick r:id="rId3"/>
-              </a:rPr>
-              <a:t>/</a:t>
+              <a:t>://atools.readthedocs.io/en/latest/</a:t>
             </a:r>
             <a:r>
               <a:rPr lang="en-US" dirty="0" smtClean="0"/>
@@ -20515,7 +21205,7 @@
           <a:p>
             <a:fld id="{0AA598EC-1C61-495B-A9F8-4410E339CCF5}" type="slidenum">
               <a:rPr lang="en-US" smtClean="0"/>
-              <a:t>28</a:t>
+              <a:t>29</a:t>
             </a:fld>
             <a:endParaRPr lang="en-US"/>
           </a:p>
@@ -26099,7 +26789,6 @@
               <a:rPr lang="en-US" dirty="0" smtClean="0"/>
               <a:t>performance analysis</a:t>
             </a:r>
-            <a:endParaRPr lang="en-US" dirty="0" smtClean="0"/>
           </a:p>
           <a:p>
             <a:r>
@@ -26120,7 +26809,6 @@
               <a:rPr lang="en-US" dirty="0" smtClean="0"/>
               <a:t>not always user-accessible</a:t>
             </a:r>
-            <a:endParaRPr lang="en-US" dirty="0" smtClean="0"/>
           </a:p>
           <a:p>
             <a:endParaRPr lang="en-US" dirty="0" smtClean="0"/>
@@ -26951,13 +27639,6 @@
                 </a:rPr>
                 <a:t>--exit $?</a:t>
               </a:r>
-              <a:endParaRPr lang="en-US" b="1" dirty="0">
-                <a:solidFill>
-                  <a:srgbClr val="C00000"/>
-                </a:solidFill>
-                <a:latin typeface="Courier New" pitchFamily="49" charset="0"/>
-                <a:cs typeface="Courier New" pitchFamily="49" charset="0"/>
-              </a:endParaRPr>
             </a:p>
           </p:txBody>
         </p:sp>

--- a/atools.pptx
+++ b/atools.pptx
@@ -5,7 +5,7 @@
     <p:sldMasterId id="2147483648" r:id="rId1"/>
   </p:sldMasterIdLst>
   <p:notesMasterIdLst>
-    <p:notesMasterId r:id="rId31"/>
+    <p:notesMasterId r:id="rId34"/>
   </p:notesMasterIdLst>
   <p:sldIdLst>
     <p:sldId id="257" r:id="rId2"/>
@@ -34,9 +34,12 @@
     <p:sldId id="298" r:id="rId25"/>
     <p:sldId id="285" r:id="rId26"/>
     <p:sldId id="299" r:id="rId27"/>
-    <p:sldId id="308" r:id="rId28"/>
-    <p:sldId id="280" r:id="rId29"/>
-    <p:sldId id="304" r:id="rId30"/>
+    <p:sldId id="312" r:id="rId28"/>
+    <p:sldId id="313" r:id="rId29"/>
+    <p:sldId id="314" r:id="rId30"/>
+    <p:sldId id="308" r:id="rId31"/>
+    <p:sldId id="280" r:id="rId32"/>
+    <p:sldId id="304" r:id="rId33"/>
   </p:sldIdLst>
   <p:sldSz cx="9144000" cy="6858000" type="screen4x3"/>
   <p:notesSz cx="6858000" cy="9144000"/>
@@ -276,11 +279,11 @@
           <c:showPercent val="0"/>
           <c:showBubbleSize val="0"/>
         </c:dLbls>
-        <c:axId val="371446072"/>
-        <c:axId val="371446856"/>
+        <c:axId val="359837736"/>
+        <c:axId val="359835776"/>
       </c:scatterChart>
       <c:valAx>
-        <c:axId val="371446072"/>
+        <c:axId val="359837736"/>
         <c:scaling>
           <c:logBase val="2"/>
           <c:orientation val="minMax"/>
@@ -292,14 +295,14 @@
         <c:majorTickMark val="out"/>
         <c:minorTickMark val="none"/>
         <c:tickLblPos val="nextTo"/>
-        <c:crossAx val="371446856"/>
+        <c:crossAx val="359835776"/>
         <c:crosses val="autoZero"/>
         <c:crossBetween val="midCat"/>
         <c:majorUnit val="4"/>
         <c:minorUnit val="4"/>
       </c:valAx>
       <c:valAx>
-        <c:axId val="371446856"/>
+        <c:axId val="359835776"/>
         <c:scaling>
           <c:logBase val="2"/>
           <c:orientation val="minMax"/>
@@ -312,7 +315,7 @@
         <c:majorTickMark val="out"/>
         <c:minorTickMark val="none"/>
         <c:tickLblPos val="nextTo"/>
-        <c:crossAx val="371446072"/>
+        <c:crossAx val="359837736"/>
         <c:crosses val="autoZero"/>
         <c:crossBetween val="midCat"/>
         <c:majorUnit val="4"/>
@@ -685,11 +688,11 @@
           <c:showPercent val="0"/>
           <c:showBubbleSize val="0"/>
         </c:dLbls>
-        <c:axId val="371448424"/>
-        <c:axId val="371450384"/>
+        <c:axId val="359838128"/>
+        <c:axId val="359834992"/>
       </c:scatterChart>
       <c:valAx>
-        <c:axId val="371448424"/>
+        <c:axId val="359838128"/>
         <c:scaling>
           <c:logBase val="2"/>
           <c:orientation val="minMax"/>
@@ -702,14 +705,14 @@
         <c:majorTickMark val="out"/>
         <c:minorTickMark val="none"/>
         <c:tickLblPos val="nextTo"/>
-        <c:crossAx val="371450384"/>
+        <c:crossAx val="359834992"/>
         <c:crosses val="autoZero"/>
         <c:crossBetween val="midCat"/>
         <c:majorUnit val="4"/>
         <c:minorUnit val="4"/>
       </c:valAx>
       <c:valAx>
-        <c:axId val="371450384"/>
+        <c:axId val="359834992"/>
         <c:scaling>
           <c:logBase val="2"/>
           <c:orientation val="minMax"/>
@@ -723,7 +726,7 @@
         <c:majorTickMark val="out"/>
         <c:minorTickMark val="none"/>
         <c:tickLblPos val="nextTo"/>
-        <c:crossAx val="371448424"/>
+        <c:crossAx val="359838128"/>
         <c:crosses val="autoZero"/>
         <c:crossBetween val="midCat"/>
         <c:majorUnit val="4"/>
@@ -732,6 +735,7 @@
     </c:plotArea>
     <c:legend>
       <c:legendPos val="r"/>
+      <c:layout/>
       <c:overlay val="0"/>
     </c:legend>
     <c:plotVisOnly val="1"/>
@@ -936,11 +940,11 @@
           <c:showPercent val="0"/>
           <c:showBubbleSize val="0"/>
         </c:dLbls>
-        <c:axId val="371449600"/>
-        <c:axId val="371450776"/>
+        <c:axId val="360708952"/>
+        <c:axId val="360709344"/>
       </c:scatterChart>
       <c:valAx>
-        <c:axId val="371449600"/>
+        <c:axId val="360708952"/>
         <c:scaling>
           <c:logBase val="2"/>
           <c:orientation val="minMax"/>
@@ -953,13 +957,13 @@
         <c:majorTickMark val="out"/>
         <c:minorTickMark val="none"/>
         <c:tickLblPos val="nextTo"/>
-        <c:crossAx val="371450776"/>
+        <c:crossAx val="360709344"/>
         <c:crosses val="autoZero"/>
         <c:crossBetween val="midCat"/>
         <c:minorUnit val="4"/>
       </c:valAx>
       <c:valAx>
-        <c:axId val="371450776"/>
+        <c:axId val="360709344"/>
         <c:scaling>
           <c:logBase val="2"/>
           <c:orientation val="minMax"/>
@@ -973,7 +977,7 @@
         <c:majorTickMark val="out"/>
         <c:minorTickMark val="none"/>
         <c:tickLblPos val="nextTo"/>
-        <c:crossAx val="371449600"/>
+        <c:crossAx val="360708952"/>
         <c:crosses val="autoZero"/>
         <c:crossBetween val="midCat"/>
         <c:majorUnit val="2"/>
@@ -982,6 +986,7 @@
     </c:plotArea>
     <c:legend>
       <c:legendPos val="r"/>
+      <c:layout/>
       <c:overlay val="0"/>
     </c:legend>
     <c:plotVisOnly val="1"/>
@@ -1104,11 +1109,11 @@
           <c:showPercent val="0"/>
           <c:showBubbleSize val="0"/>
         </c:dLbls>
-        <c:axId val="371444896"/>
-        <c:axId val="371445288"/>
+        <c:axId val="360710912"/>
+        <c:axId val="360705032"/>
       </c:scatterChart>
       <c:valAx>
-        <c:axId val="371444896"/>
+        <c:axId val="360710912"/>
         <c:scaling>
           <c:logBase val="2"/>
           <c:orientation val="minMax"/>
@@ -1121,13 +1126,13 @@
         <c:majorTickMark val="out"/>
         <c:minorTickMark val="none"/>
         <c:tickLblPos val="nextTo"/>
-        <c:crossAx val="371445288"/>
+        <c:crossAx val="360705032"/>
         <c:crosses val="autoZero"/>
         <c:crossBetween val="midCat"/>
         <c:majorUnit val="4"/>
       </c:valAx>
       <c:valAx>
-        <c:axId val="371445288"/>
+        <c:axId val="360705032"/>
         <c:scaling>
           <c:logBase val="2"/>
           <c:orientation val="minMax"/>
@@ -1140,7 +1145,7 @@
         <c:majorTickMark val="out"/>
         <c:minorTickMark val="none"/>
         <c:tickLblPos val="nextTo"/>
-        <c:crossAx val="371444896"/>
+        <c:crossAx val="360710912"/>
         <c:crosses val="autoZero"/>
         <c:crossBetween val="midCat"/>
         <c:majorUnit val="2"/>
@@ -1266,11 +1271,11 @@
           <c:showPercent val="0"/>
           <c:showBubbleSize val="0"/>
         </c:dLbls>
-        <c:axId val="371451168"/>
-        <c:axId val="371447248"/>
+        <c:axId val="360706208"/>
+        <c:axId val="360706600"/>
       </c:scatterChart>
       <c:valAx>
-        <c:axId val="371451168"/>
+        <c:axId val="360706208"/>
         <c:scaling>
           <c:logBase val="2"/>
           <c:orientation val="minMax"/>
@@ -1283,14 +1288,14 @@
         <c:majorTickMark val="out"/>
         <c:minorTickMark val="none"/>
         <c:tickLblPos val="nextTo"/>
-        <c:crossAx val="371447248"/>
+        <c:crossAx val="360706600"/>
         <c:crosses val="autoZero"/>
         <c:crossBetween val="midCat"/>
         <c:majorUnit val="4"/>
         <c:minorUnit val="4"/>
       </c:valAx>
       <c:valAx>
-        <c:axId val="371447248"/>
+        <c:axId val="360706600"/>
         <c:scaling>
           <c:orientation val="minMax"/>
           <c:max val="1"/>
@@ -1302,7 +1307,7 @@
         <c:majorTickMark val="out"/>
         <c:minorTickMark val="none"/>
         <c:tickLblPos val="nextTo"/>
-        <c:crossAx val="371451168"/>
+        <c:crossAx val="360706208"/>
         <c:crosses val="autoZero"/>
         <c:crossBetween val="midCat"/>
       </c:valAx>
@@ -2160,7 +2165,7 @@
           <a:p>
             <a:fld id="{19D97038-7595-45D6-8411-BE59ABE7F953}" type="slidenum">
               <a:rPr lang="en-US" smtClean="0"/>
-              <a:t>28</a:t>
+              <a:t>31</a:t>
             </a:fld>
             <a:endParaRPr lang="en-US"/>
           </a:p>
@@ -6737,27 +6742,7 @@
                 <a:latin typeface="Courier New" panose="02070309020205020404" pitchFamily="49" charset="0"/>
                 <a:cs typeface="Courier New" panose="02070309020205020404" pitchFamily="49" charset="0"/>
               </a:rPr>
-              <a:t>     </a:t>
-            </a:r>
-            <a:r>
-              <a:rPr lang="en-US" sz="2400" b="1" dirty="0" smtClean="0">
-                <a:solidFill>
-                  <a:schemeClr val="bg1"/>
-                </a:solidFill>
-                <a:latin typeface="Courier New" panose="02070309020205020404" pitchFamily="49" charset="0"/>
-                <a:cs typeface="Courier New" panose="02070309020205020404" pitchFamily="49" charset="0"/>
-              </a:rPr>
-              <a:t>    </a:t>
-            </a:r>
-            <a:r>
-              <a:rPr lang="en-US" sz="2400" b="1" dirty="0" smtClean="0">
-                <a:solidFill>
-                  <a:schemeClr val="bg1"/>
-                </a:solidFill>
-                <a:latin typeface="Courier New" panose="02070309020205020404" pitchFamily="49" charset="0"/>
-                <a:cs typeface="Courier New" panose="02070309020205020404" pitchFamily="49" charset="0"/>
-              </a:rPr>
-              <a:t>\</a:t>
+              <a:t>         \</a:t>
             </a:r>
           </a:p>
           <a:p>
@@ -7317,27 +7302,7 @@
                 <a:latin typeface="Courier New" panose="02070309020205020404" pitchFamily="49" charset="0"/>
                 <a:cs typeface="Courier New" panose="02070309020205020404" pitchFamily="49" charset="0"/>
               </a:rPr>
-              <a:t>     </a:t>
-            </a:r>
-            <a:r>
-              <a:rPr lang="en-US" sz="2400" b="1" dirty="0" smtClean="0">
-                <a:solidFill>
-                  <a:schemeClr val="bg1"/>
-                </a:solidFill>
-                <a:latin typeface="Courier New" panose="02070309020205020404" pitchFamily="49" charset="0"/>
-                <a:cs typeface="Courier New" panose="02070309020205020404" pitchFamily="49" charset="0"/>
-              </a:rPr>
-              <a:t>    </a:t>
-            </a:r>
-            <a:r>
-              <a:rPr lang="en-US" sz="2400" b="1" dirty="0" smtClean="0">
-                <a:solidFill>
-                  <a:schemeClr val="bg1"/>
-                </a:solidFill>
-                <a:latin typeface="Courier New" panose="02070309020205020404" pitchFamily="49" charset="0"/>
-                <a:cs typeface="Courier New" panose="02070309020205020404" pitchFamily="49" charset="0"/>
-              </a:rPr>
-              <a:t>\</a:t>
+              <a:t>         \</a:t>
             </a:r>
           </a:p>
           <a:p>
@@ -7360,17 +7325,7 @@
                 <a:latin typeface="Courier New" panose="02070309020205020404" pitchFamily="49" charset="0"/>
                 <a:cs typeface="Courier New" panose="02070309020205020404" pitchFamily="49" charset="0"/>
               </a:rPr>
-              <a:t>          </a:t>
-            </a:r>
-            <a:r>
-              <a:rPr lang="en-US" sz="2400" b="1" dirty="0" smtClean="0">
-                <a:solidFill>
-                  <a:schemeClr val="bg1"/>
-                </a:solidFill>
-                <a:latin typeface="Courier New" panose="02070309020205020404" pitchFamily="49" charset="0"/>
-                <a:cs typeface="Courier New" panose="02070309020205020404" pitchFamily="49" charset="0"/>
-              </a:rPr>
-              <a:t>--</a:t>
+              <a:t>          --</a:t>
             </a:r>
             <a:r>
               <a:rPr lang="en-US" sz="2400" b="1" dirty="0">
@@ -7409,17 +7364,7 @@
                 <a:latin typeface="Courier New" panose="02070309020205020404" pitchFamily="49" charset="0"/>
                 <a:cs typeface="Courier New" panose="02070309020205020404" pitchFamily="49" charset="0"/>
               </a:rPr>
-              <a:t>         </a:t>
-            </a:r>
-            <a:r>
-              <a:rPr lang="en-US" sz="2400" b="1" dirty="0" smtClean="0">
-                <a:solidFill>
-                  <a:schemeClr val="bg1"/>
-                </a:solidFill>
-                <a:latin typeface="Courier New" panose="02070309020205020404" pitchFamily="49" charset="0"/>
-                <a:cs typeface="Courier New" panose="02070309020205020404" pitchFamily="49" charset="0"/>
-              </a:rPr>
-              <a:t>  --</a:t>
+              <a:t>           --</a:t>
             </a:r>
             <a:r>
               <a:rPr lang="en-US" sz="2400" b="1" dirty="0">
@@ -19741,7 +19686,7 @@
           <a:graphicData uri="http://schemas.openxmlformats.org/presentationml/2006/ole">
             <mc:AlternateContent xmlns:mc="http://schemas.openxmlformats.org/markup-compatibility/2006">
               <mc:Choice xmlns:v="urn:schemas-microsoft-com:vml" Requires="v">
-                <p:oleObj spid="_x0000_s3112" name="Equation" r:id="rId3" imgW="812520" imgH="393480" progId="Equation.3">
+                <p:oleObj spid="_x0000_s3116" name="Equation" r:id="rId3" imgW="812520" imgH="393480" progId="Equation.3">
                   <p:embed/>
                 </p:oleObj>
               </mc:Choice>
@@ -19794,7 +19739,7 @@
           <a:graphicData uri="http://schemas.openxmlformats.org/presentationml/2006/ole">
             <mc:AlternateContent xmlns:mc="http://schemas.openxmlformats.org/markup-compatibility/2006">
               <mc:Choice xmlns:v="urn:schemas-microsoft-com:vml" Requires="v">
-                <p:oleObj spid="_x0000_s3113" name="Equation" r:id="rId5" imgW="2489040" imgH="431640" progId="Equation.3">
+                <p:oleObj spid="_x0000_s3117" name="Equation" r:id="rId5" imgW="2489040" imgH="431640" progId="Equation.3">
                   <p:embed/>
                 </p:oleObj>
               </mc:Choice>
@@ -20351,7 +20296,7 @@
           <a:p>
             <a:r>
               <a:rPr lang="en-US" dirty="0" smtClean="0"/>
-              <a:t>Conclusions</a:t>
+              <a:t>Implementation</a:t>
             </a:r>
             <a:endParaRPr lang="en-US" dirty="0"/>
           </a:p>
@@ -20402,20 +20347,13 @@
     </p:spTree>
     <p:extLst>
       <p:ext uri="{BB962C8B-B14F-4D97-AF65-F5344CB8AC3E}">
-        <p14:creationId xmlns:p14="http://schemas.microsoft.com/office/powerpoint/2010/main" val="1656205303"/>
+        <p14:creationId xmlns:p14="http://schemas.microsoft.com/office/powerpoint/2010/main" val="498732560"/>
       </p:ext>
     </p:extLst>
   </p:cSld>
   <p:clrMapOvr>
     <a:masterClrMapping/>
   </p:clrMapOvr>
-  <p:timing>
-    <p:tnLst>
-      <p:par>
-        <p:cTn id="1" dur="indefinite" restart="never" nodeType="tmRoot"/>
-      </p:par>
-    </p:tnLst>
-  </p:timing>
 </p:sld>
 </file>
 
@@ -20438,12 +20376,12 @@
       </p:grpSpPr>
       <p:sp>
         <p:nvSpPr>
-          <p:cNvPr id="23554" name="Title 1"/>
+          <p:cNvPr id="2" name="Title 1"/>
           <p:cNvSpPr>
             <a:spLocks noGrp="1"/>
           </p:cNvSpPr>
           <p:nvPr>
-            <p:ph type="title" idx="4294967295"/>
+            <p:ph type="title"/>
           </p:nvPr>
         </p:nvSpPr>
         <p:spPr/>
@@ -20451,20 +20389,15 @@
           <a:bodyPr/>
           <a:lstStyle/>
           <a:p>
-            <a:pPr eaLnBrk="1" hangingPunct="1"/>
-            <a:r>
-              <a:rPr lang="en-US" dirty="0" smtClean="0"/>
-              <a:t>Is </a:t>
-            </a:r>
             <a:r>
               <a:rPr lang="en-US" dirty="0" err="1" smtClean="0"/>
               <a:t>atools</a:t>
             </a:r>
             <a:r>
               <a:rPr lang="en-US" dirty="0" smtClean="0"/>
-              <a:t> a panacea?</a:t>
-            </a:r>
-            <a:endParaRPr lang="nl-BE" dirty="0" smtClean="0"/>
+              <a:t> implementation</a:t>
+            </a:r>
+            <a:endParaRPr lang="en-US" dirty="0"/>
           </a:p>
         </p:txBody>
       </p:sp>
@@ -20475,190 +20408,52 @@
             <a:spLocks noGrp="1"/>
           </p:cNvSpPr>
           <p:nvPr>
-            <p:ph idx="4294967295"/>
+            <p:ph idx="1"/>
           </p:nvPr>
         </p:nvSpPr>
         <p:spPr/>
         <p:txBody>
-          <a:bodyPr rtlCol="0">
-            <a:normAutofit fontScale="92500" lnSpcReduction="20000"/>
-          </a:bodyPr>
+          <a:bodyPr/>
           <a:lstStyle/>
           <a:p>
-            <a:pPr eaLnBrk="1" fontAlgn="auto" hangingPunct="1">
-              <a:spcAft>
-                <a:spcPts val="0"/>
-              </a:spcAft>
-              <a:buFont typeface="Arial" pitchFamily="34" charset="0"/>
-              <a:buChar char="•"/>
-              <a:defRPr/>
-            </a:pPr>
-            <a:r>
-              <a:rPr lang="en-US" dirty="0" err="1" smtClean="0"/>
-              <a:t>atools</a:t>
-            </a:r>
             <a:r>
               <a:rPr lang="en-US" dirty="0" smtClean="0"/>
-              <a:t> advantages</a:t>
-            </a:r>
-          </a:p>
-          <a:p>
-            <a:pPr lvl="1" eaLnBrk="1" fontAlgn="auto" hangingPunct="1">
-              <a:spcAft>
-                <a:spcPts val="0"/>
-              </a:spcAft>
-              <a:buFont typeface="Arial" pitchFamily="34" charset="0"/>
-              <a:buChar char="–"/>
-              <a:defRPr/>
-            </a:pPr>
+              <a:t>Front end</a:t>
+            </a:r>
+          </a:p>
+          <a:p>
+            <a:pPr lvl="1"/>
             <a:r>
               <a:rPr lang="en-US" dirty="0" smtClean="0"/>
-              <a:t>Easy to use</a:t>
-            </a:r>
-          </a:p>
-          <a:p>
-            <a:pPr lvl="1" eaLnBrk="1" fontAlgn="auto" hangingPunct="1">
-              <a:spcAft>
-                <a:spcPts val="0"/>
-              </a:spcAft>
-              <a:buFont typeface="Arial" pitchFamily="34" charset="0"/>
-              <a:buChar char="–"/>
-              <a:defRPr/>
-            </a:pPr>
+              <a:t>Bash scripts, wrappers around Python scripts</a:t>
+            </a:r>
+          </a:p>
+          <a:p>
+            <a:pPr lvl="1"/>
             <a:r>
               <a:rPr lang="en-US" dirty="0" smtClean="0"/>
-              <a:t>Supports MPI work items</a:t>
-            </a:r>
-          </a:p>
-          <a:p>
-            <a:pPr lvl="1" eaLnBrk="1" fontAlgn="auto" hangingPunct="1">
-              <a:spcAft>
-                <a:spcPts val="0"/>
-              </a:spcAft>
-              <a:buFont typeface="Arial" pitchFamily="34" charset="0"/>
-              <a:buChar char="–"/>
-              <a:defRPr/>
-            </a:pPr>
+              <a:t>Bash features in PBS scripts</a:t>
+            </a:r>
+          </a:p>
+          <a:p>
             <a:r>
               <a:rPr lang="en-US" dirty="0" smtClean="0"/>
-              <a:t>Supports several schedulers (PBS torque, SGE,…)</a:t>
-            </a:r>
-          </a:p>
-          <a:p>
-            <a:pPr eaLnBrk="1" fontAlgn="auto" hangingPunct="1">
-              <a:spcAft>
-                <a:spcPts val="0"/>
-              </a:spcAft>
-              <a:buFont typeface="Arial" pitchFamily="34" charset="0"/>
-              <a:buChar char="•"/>
-              <a:defRPr/>
-            </a:pPr>
-            <a:r>
-              <a:rPr lang="en-US" dirty="0" err="1" smtClean="0"/>
-              <a:t>atools</a:t>
-            </a:r>
+              <a:t>Back end</a:t>
+            </a:r>
+          </a:p>
+          <a:p>
+            <a:pPr lvl="1"/>
             <a:r>
               <a:rPr lang="en-US" dirty="0" smtClean="0"/>
-              <a:t> disadvantages</a:t>
-            </a:r>
-          </a:p>
-          <a:p>
-            <a:pPr lvl="1" eaLnBrk="1" fontAlgn="auto" hangingPunct="1">
-              <a:spcAft>
-                <a:spcPts val="0"/>
-              </a:spcAft>
-              <a:buFont typeface="Arial" pitchFamily="34" charset="0"/>
-              <a:buChar char="–"/>
-              <a:defRPr/>
-            </a:pPr>
-            <a:r>
-              <a:rPr lang="en-US" dirty="0" smtClean="0"/>
-              <a:t>Some overhead from the scheduler</a:t>
-            </a:r>
-          </a:p>
-          <a:p>
-            <a:pPr lvl="1" eaLnBrk="1" fontAlgn="auto" hangingPunct="1">
-              <a:spcAft>
-                <a:spcPts val="0"/>
-              </a:spcAft>
-              <a:buFont typeface="Arial" pitchFamily="34" charset="0"/>
-              <a:buChar char="–"/>
-              <a:defRPr/>
-            </a:pPr>
-            <a:endParaRPr lang="en-US" dirty="0" smtClean="0"/>
-          </a:p>
-          <a:p>
-            <a:pPr eaLnBrk="1" fontAlgn="auto" hangingPunct="1">
-              <a:spcAft>
-                <a:spcPts val="0"/>
-              </a:spcAft>
-              <a:buFont typeface="Arial" pitchFamily="34" charset="0"/>
-              <a:buChar char="•"/>
-              <a:defRPr/>
-            </a:pPr>
-            <a:r>
-              <a:rPr lang="en-US" dirty="0" err="1" smtClean="0"/>
-              <a:t>atools</a:t>
-            </a:r>
-            <a:r>
-              <a:rPr lang="en-US" dirty="0" smtClean="0"/>
-              <a:t> is </a:t>
-            </a:r>
-            <a:r>
-              <a:rPr lang="en-US" i="1" dirty="0" smtClean="0">
-                <a:solidFill>
-                  <a:srgbClr val="FF0000"/>
-                </a:solidFill>
-              </a:rPr>
-              <a:t>not</a:t>
-            </a:r>
-            <a:r>
-              <a:rPr lang="en-US" dirty="0" smtClean="0"/>
-              <a:t> a replacement for </a:t>
-            </a:r>
-          </a:p>
-          <a:p>
-            <a:pPr lvl="1" eaLnBrk="1" fontAlgn="auto" hangingPunct="1">
-              <a:spcAft>
-                <a:spcPts val="0"/>
-              </a:spcAft>
-              <a:buFont typeface="Arial" pitchFamily="34" charset="0"/>
-              <a:buChar char="–"/>
-              <a:defRPr/>
-            </a:pPr>
-            <a:r>
-              <a:rPr lang="en-US" dirty="0" smtClean="0"/>
-              <a:t>Parsing files in </a:t>
-            </a:r>
-            <a:r>
-              <a:rPr lang="en-US" dirty="0" err="1" smtClean="0"/>
-              <a:t>Matlab</a:t>
-            </a:r>
-            <a:r>
-              <a:rPr lang="en-US" dirty="0" smtClean="0"/>
-              <a:t> or R</a:t>
-            </a:r>
-          </a:p>
-          <a:p>
-            <a:pPr lvl="1" eaLnBrk="1" fontAlgn="auto" hangingPunct="1">
-              <a:spcAft>
-                <a:spcPts val="0"/>
-              </a:spcAft>
-              <a:buFont typeface="Arial" pitchFamily="34" charset="0"/>
-              <a:buChar char="–"/>
-              <a:defRPr/>
-            </a:pPr>
-            <a:r>
-              <a:rPr lang="en-US" dirty="0" smtClean="0"/>
-              <a:t>Using for-loops</a:t>
-            </a:r>
-            <a:endParaRPr lang="nl-BE" dirty="0"/>
+              <a:t>Python 2.7.x scripts</a:t>
+            </a:r>
+            <a:endParaRPr lang="en-US" dirty="0"/>
           </a:p>
         </p:txBody>
       </p:sp>
       <p:sp>
         <p:nvSpPr>
-          <p:cNvPr id="2" name="Slide Number Placeholder 1"/>
+          <p:cNvPr id="4" name="Slide Number Placeholder 3"/>
           <p:cNvSpPr>
             <a:spLocks noGrp="1"/>
           </p:cNvSpPr>
@@ -20682,7 +20477,751 @@
     </p:spTree>
     <p:extLst>
       <p:ext uri="{BB962C8B-B14F-4D97-AF65-F5344CB8AC3E}">
-        <p14:creationId xmlns:p14="http://schemas.microsoft.com/office/powerpoint/2010/main" val="13763103"/>
+        <p14:creationId xmlns:p14="http://schemas.microsoft.com/office/powerpoint/2010/main" val="1401485241"/>
+      </p:ext>
+    </p:extLst>
+  </p:cSld>
+  <p:clrMapOvr>
+    <a:masterClrMapping/>
+  </p:clrMapOvr>
+</p:sld>
+</file>
+
+<file path=ppt/slides/slide29.xml><?xml version="1.0" encoding="utf-8"?>
+<p:sld xmlns:a="http://schemas.openxmlformats.org/drawingml/2006/main" xmlns:r="http://schemas.openxmlformats.org/officeDocument/2006/relationships" xmlns:p="http://schemas.openxmlformats.org/presentationml/2006/main">
+  <p:cSld>
+    <p:spTree>
+      <p:nvGrpSpPr>
+        <p:cNvPr id="1" name=""/>
+        <p:cNvGrpSpPr/>
+        <p:nvPr/>
+      </p:nvGrpSpPr>
+      <p:grpSpPr>
+        <a:xfrm>
+          <a:off x="0" y="0"/>
+          <a:ext cx="0" cy="0"/>
+          <a:chOff x="0" y="0"/>
+          <a:chExt cx="0" cy="0"/>
+        </a:xfrm>
+      </p:grpSpPr>
+      <p:sp>
+        <p:nvSpPr>
+          <p:cNvPr id="2" name="Title 1"/>
+          <p:cNvSpPr>
+            <a:spLocks noGrp="1"/>
+          </p:cNvSpPr>
+          <p:nvPr>
+            <p:ph type="title"/>
+          </p:nvPr>
+        </p:nvSpPr>
+        <p:spPr/>
+        <p:txBody>
+          <a:bodyPr/>
+          <a:lstStyle/>
+          <a:p>
+            <a:r>
+              <a:rPr lang="en-US" dirty="0" smtClean="0"/>
+              <a:t>Bash feature refresher</a:t>
+            </a:r>
+            <a:endParaRPr lang="en-US" dirty="0"/>
+          </a:p>
+        </p:txBody>
+      </p:sp>
+      <p:sp>
+        <p:nvSpPr>
+          <p:cNvPr id="3" name="Content Placeholder 2"/>
+          <p:cNvSpPr>
+            <a:spLocks noGrp="1"/>
+          </p:cNvSpPr>
+          <p:nvPr>
+            <p:ph idx="1"/>
+          </p:nvPr>
+        </p:nvSpPr>
+        <p:spPr/>
+        <p:txBody>
+          <a:bodyPr/>
+          <a:lstStyle/>
+          <a:p>
+            <a:r>
+              <a:rPr lang="en-US" dirty="0" smtClean="0"/>
+              <a:t>Assigning result of command to variable</a:t>
+            </a:r>
+          </a:p>
+          <a:p>
+            <a:pPr marL="0" indent="0">
+              <a:buNone/>
+            </a:pPr>
+            <a:endParaRPr lang="en-US" dirty="0" smtClean="0"/>
+          </a:p>
+          <a:p>
+            <a:pPr marL="0" indent="0">
+              <a:buNone/>
+            </a:pPr>
+            <a:endParaRPr lang="en-US" dirty="0" smtClean="0"/>
+          </a:p>
+          <a:p>
+            <a:r>
+              <a:rPr lang="en-US" dirty="0" smtClean="0"/>
+              <a:t>Creating file handle for command input from command output</a:t>
+            </a:r>
+            <a:endParaRPr lang="en-US" dirty="0"/>
+          </a:p>
+        </p:txBody>
+      </p:sp>
+      <p:sp>
+        <p:nvSpPr>
+          <p:cNvPr id="4" name="Slide Number Placeholder 3"/>
+          <p:cNvSpPr>
+            <a:spLocks noGrp="1"/>
+          </p:cNvSpPr>
+          <p:nvPr>
+            <p:ph type="sldNum" sz="quarter" idx="12"/>
+          </p:nvPr>
+        </p:nvSpPr>
+        <p:spPr/>
+        <p:txBody>
+          <a:bodyPr/>
+          <a:lstStyle/>
+          <a:p>
+            <a:fld id="{0AA598EC-1C61-495B-A9F8-4410E339CCF5}" type="slidenum">
+              <a:rPr lang="en-US" smtClean="0"/>
+              <a:t>29</a:t>
+            </a:fld>
+            <a:endParaRPr lang="en-US"/>
+          </a:p>
+        </p:txBody>
+      </p:sp>
+      <p:sp>
+        <p:nvSpPr>
+          <p:cNvPr id="5" name="TextBox 7"/>
+          <p:cNvSpPr txBox="1">
+            <a:spLocks noChangeArrowheads="1"/>
+          </p:cNvSpPr>
+          <p:nvPr/>
+        </p:nvSpPr>
+        <p:spPr bwMode="auto">
+          <a:xfrm>
+            <a:off x="971601" y="2276689"/>
+            <a:ext cx="7344815" cy="461665"/>
+          </a:xfrm>
+          <a:prstGeom prst="rect">
+            <a:avLst/>
+          </a:prstGeom>
+          <a:solidFill>
+            <a:schemeClr val="tx1"/>
+          </a:solidFill>
+          <a:ln>
+            <a:noFill/>
+          </a:ln>
+          <a:extLst/>
+        </p:spPr>
+        <p:txBody>
+          <a:bodyPr wrap="square">
+            <a:spAutoFit/>
+          </a:bodyPr>
+          <a:lstStyle>
+            <a:lvl1pPr eaLnBrk="0" hangingPunct="0">
+              <a:defRPr>
+                <a:solidFill>
+                  <a:schemeClr val="tx1"/>
+                </a:solidFill>
+                <a:latin typeface="Arial" charset="0"/>
+                <a:cs typeface="Arial" charset="0"/>
+              </a:defRPr>
+            </a:lvl1pPr>
+            <a:lvl2pPr marL="742950" indent="-285750" eaLnBrk="0" hangingPunct="0">
+              <a:defRPr>
+                <a:solidFill>
+                  <a:schemeClr val="tx1"/>
+                </a:solidFill>
+                <a:latin typeface="Arial" charset="0"/>
+                <a:cs typeface="Arial" charset="0"/>
+              </a:defRPr>
+            </a:lvl2pPr>
+            <a:lvl3pPr marL="1143000" indent="-228600" eaLnBrk="0" hangingPunct="0">
+              <a:defRPr>
+                <a:solidFill>
+                  <a:schemeClr val="tx1"/>
+                </a:solidFill>
+                <a:latin typeface="Arial" charset="0"/>
+                <a:cs typeface="Arial" charset="0"/>
+              </a:defRPr>
+            </a:lvl3pPr>
+            <a:lvl4pPr marL="1600200" indent="-228600" eaLnBrk="0" hangingPunct="0">
+              <a:defRPr>
+                <a:solidFill>
+                  <a:schemeClr val="tx1"/>
+                </a:solidFill>
+                <a:latin typeface="Arial" charset="0"/>
+                <a:cs typeface="Arial" charset="0"/>
+              </a:defRPr>
+            </a:lvl4pPr>
+            <a:lvl5pPr marL="2057400" indent="-228600" eaLnBrk="0" hangingPunct="0">
+              <a:defRPr>
+                <a:solidFill>
+                  <a:schemeClr val="tx1"/>
+                </a:solidFill>
+                <a:latin typeface="Arial" charset="0"/>
+                <a:cs typeface="Arial" charset="0"/>
+              </a:defRPr>
+            </a:lvl5pPr>
+            <a:lvl6pPr marL="2514600" indent="-228600" eaLnBrk="0" fontAlgn="base" hangingPunct="0">
+              <a:spcBef>
+                <a:spcPct val="0"/>
+              </a:spcBef>
+              <a:spcAft>
+                <a:spcPct val="0"/>
+              </a:spcAft>
+              <a:defRPr>
+                <a:solidFill>
+                  <a:schemeClr val="tx1"/>
+                </a:solidFill>
+                <a:latin typeface="Arial" charset="0"/>
+                <a:cs typeface="Arial" charset="0"/>
+              </a:defRPr>
+            </a:lvl6pPr>
+            <a:lvl7pPr marL="2971800" indent="-228600" eaLnBrk="0" fontAlgn="base" hangingPunct="0">
+              <a:spcBef>
+                <a:spcPct val="0"/>
+              </a:spcBef>
+              <a:spcAft>
+                <a:spcPct val="0"/>
+              </a:spcAft>
+              <a:defRPr>
+                <a:solidFill>
+                  <a:schemeClr val="tx1"/>
+                </a:solidFill>
+                <a:latin typeface="Arial" charset="0"/>
+                <a:cs typeface="Arial" charset="0"/>
+              </a:defRPr>
+            </a:lvl7pPr>
+            <a:lvl8pPr marL="3429000" indent="-228600" eaLnBrk="0" fontAlgn="base" hangingPunct="0">
+              <a:spcBef>
+                <a:spcPct val="0"/>
+              </a:spcBef>
+              <a:spcAft>
+                <a:spcPct val="0"/>
+              </a:spcAft>
+              <a:defRPr>
+                <a:solidFill>
+                  <a:schemeClr val="tx1"/>
+                </a:solidFill>
+                <a:latin typeface="Arial" charset="0"/>
+                <a:cs typeface="Arial" charset="0"/>
+              </a:defRPr>
+            </a:lvl8pPr>
+            <a:lvl9pPr marL="3886200" indent="-228600" eaLnBrk="0" fontAlgn="base" hangingPunct="0">
+              <a:spcBef>
+                <a:spcPct val="0"/>
+              </a:spcBef>
+              <a:spcAft>
+                <a:spcPct val="0"/>
+              </a:spcAft>
+              <a:defRPr>
+                <a:solidFill>
+                  <a:schemeClr val="tx1"/>
+                </a:solidFill>
+                <a:latin typeface="Arial" charset="0"/>
+                <a:cs typeface="Arial" charset="0"/>
+              </a:defRPr>
+            </a:lvl9pPr>
+          </a:lstStyle>
+          <a:p>
+            <a:pPr eaLnBrk="1" hangingPunct="1"/>
+            <a:r>
+              <a:rPr lang="en-US" sz="2400" b="1" dirty="0">
+                <a:solidFill>
+                  <a:schemeClr val="bg1"/>
+                </a:solidFill>
+                <a:latin typeface="Courier New" panose="02070309020205020404" pitchFamily="49" charset="0"/>
+                <a:cs typeface="Courier New" pitchFamily="49" charset="0"/>
+              </a:rPr>
+              <a:t>$ </a:t>
+            </a:r>
+            <a:r>
+              <a:rPr lang="en-US" sz="2400" b="1" dirty="0" err="1">
+                <a:solidFill>
+                  <a:schemeClr val="bg1"/>
+                </a:solidFill>
+                <a:latin typeface="Courier New" pitchFamily="49" charset="0"/>
+                <a:cs typeface="Courier New" pitchFamily="49" charset="0"/>
+              </a:rPr>
+              <a:t>array_ids</a:t>
+            </a:r>
+            <a:r>
+              <a:rPr lang="en-US" sz="2400" b="1" dirty="0">
+                <a:solidFill>
+                  <a:schemeClr val="bg1"/>
+                </a:solidFill>
+                <a:latin typeface="Courier New" pitchFamily="49" charset="0"/>
+                <a:cs typeface="Courier New" pitchFamily="49" charset="0"/>
+              </a:rPr>
+              <a:t>=</a:t>
+            </a:r>
+            <a:r>
+              <a:rPr lang="en-US" sz="2400" b="1" dirty="0">
+                <a:solidFill>
+                  <a:srgbClr val="FF0000"/>
+                </a:solidFill>
+                <a:latin typeface="Courier New" pitchFamily="49" charset="0"/>
+                <a:cs typeface="Courier New" pitchFamily="49" charset="0"/>
+              </a:rPr>
+              <a:t>$(</a:t>
+            </a:r>
+            <a:r>
+              <a:rPr lang="en-US" sz="2400" b="1" dirty="0" err="1">
+                <a:solidFill>
+                  <a:schemeClr val="bg1"/>
+                </a:solidFill>
+                <a:latin typeface="Courier New" pitchFamily="49" charset="0"/>
+                <a:cs typeface="Courier New" pitchFamily="49" charset="0"/>
+              </a:rPr>
+              <a:t>arange</a:t>
+            </a:r>
+            <a:r>
+              <a:rPr lang="en-US" sz="2400" b="1" dirty="0">
+                <a:solidFill>
+                  <a:schemeClr val="bg1"/>
+                </a:solidFill>
+                <a:latin typeface="Courier New" pitchFamily="49" charset="0"/>
+                <a:cs typeface="Courier New" pitchFamily="49" charset="0"/>
+              </a:rPr>
+              <a:t> --data </a:t>
+            </a:r>
+            <a:r>
+              <a:rPr lang="en-US" sz="2400" b="1" dirty="0" smtClean="0">
+                <a:solidFill>
+                  <a:schemeClr val="bg1"/>
+                </a:solidFill>
+                <a:latin typeface="Courier New" pitchFamily="49" charset="0"/>
+                <a:cs typeface="Courier New" pitchFamily="49" charset="0"/>
+              </a:rPr>
+              <a:t>data.csv</a:t>
+            </a:r>
+            <a:r>
+              <a:rPr lang="en-US" sz="2400" b="1" dirty="0" smtClean="0">
+                <a:solidFill>
+                  <a:srgbClr val="FF0000"/>
+                </a:solidFill>
+                <a:latin typeface="Courier New" pitchFamily="49" charset="0"/>
+                <a:cs typeface="Courier New" pitchFamily="49" charset="0"/>
+              </a:rPr>
+              <a:t>)</a:t>
+            </a:r>
+            <a:endParaRPr lang="en-US" sz="2400" b="1" dirty="0">
+              <a:solidFill>
+                <a:srgbClr val="FF0000"/>
+              </a:solidFill>
+              <a:latin typeface="Courier New" pitchFamily="49" charset="0"/>
+              <a:cs typeface="Courier New" pitchFamily="49" charset="0"/>
+            </a:endParaRPr>
+          </a:p>
+        </p:txBody>
+      </p:sp>
+      <p:grpSp>
+        <p:nvGrpSpPr>
+          <p:cNvPr id="6" name="Group 5"/>
+          <p:cNvGrpSpPr/>
+          <p:nvPr/>
+        </p:nvGrpSpPr>
+        <p:grpSpPr>
+          <a:xfrm>
+            <a:off x="971601" y="4532927"/>
+            <a:ext cx="7344815" cy="1200329"/>
+            <a:chOff x="973922" y="3967896"/>
+            <a:chExt cx="7344815" cy="1200329"/>
+          </a:xfrm>
+        </p:grpSpPr>
+        <p:sp>
+          <p:nvSpPr>
+            <p:cNvPr id="7" name="TextBox 3"/>
+            <p:cNvSpPr txBox="1">
+              <a:spLocks noChangeArrowheads="1"/>
+            </p:cNvSpPr>
+            <p:nvPr/>
+          </p:nvSpPr>
+          <p:spPr bwMode="auto">
+            <a:xfrm>
+              <a:off x="973922" y="3967896"/>
+              <a:ext cx="7344814" cy="1200329"/>
+            </a:xfrm>
+            <a:prstGeom prst="rect">
+              <a:avLst/>
+            </a:prstGeom>
+            <a:solidFill>
+              <a:schemeClr val="bg1">
+                <a:lumMod val="95000"/>
+              </a:schemeClr>
+            </a:solidFill>
+            <a:ln w="9525">
+              <a:solidFill>
+                <a:schemeClr val="tx1"/>
+              </a:solidFill>
+              <a:miter lim="800000"/>
+              <a:headEnd/>
+              <a:tailEnd/>
+            </a:ln>
+            <a:extLst/>
+          </p:spPr>
+          <p:txBody>
+            <a:bodyPr wrap="square">
+              <a:spAutoFit/>
+            </a:bodyPr>
+            <a:lstStyle>
+              <a:lvl1pPr eaLnBrk="0" hangingPunct="0">
+                <a:defRPr>
+                  <a:solidFill>
+                    <a:schemeClr val="tx1"/>
+                  </a:solidFill>
+                  <a:latin typeface="Arial" charset="0"/>
+                  <a:cs typeface="Arial" charset="0"/>
+                </a:defRPr>
+              </a:lvl1pPr>
+              <a:lvl2pPr marL="742950" indent="-285750" eaLnBrk="0" hangingPunct="0">
+                <a:defRPr>
+                  <a:solidFill>
+                    <a:schemeClr val="tx1"/>
+                  </a:solidFill>
+                  <a:latin typeface="Arial" charset="0"/>
+                  <a:cs typeface="Arial" charset="0"/>
+                </a:defRPr>
+              </a:lvl2pPr>
+              <a:lvl3pPr marL="1143000" indent="-228600" eaLnBrk="0" hangingPunct="0">
+                <a:defRPr>
+                  <a:solidFill>
+                    <a:schemeClr val="tx1"/>
+                  </a:solidFill>
+                  <a:latin typeface="Arial" charset="0"/>
+                  <a:cs typeface="Arial" charset="0"/>
+                </a:defRPr>
+              </a:lvl3pPr>
+              <a:lvl4pPr marL="1600200" indent="-228600" eaLnBrk="0" hangingPunct="0">
+                <a:defRPr>
+                  <a:solidFill>
+                    <a:schemeClr val="tx1"/>
+                  </a:solidFill>
+                  <a:latin typeface="Arial" charset="0"/>
+                  <a:cs typeface="Arial" charset="0"/>
+                </a:defRPr>
+              </a:lvl4pPr>
+              <a:lvl5pPr marL="2057400" indent="-228600" eaLnBrk="0" hangingPunct="0">
+                <a:defRPr>
+                  <a:solidFill>
+                    <a:schemeClr val="tx1"/>
+                  </a:solidFill>
+                  <a:latin typeface="Arial" charset="0"/>
+                  <a:cs typeface="Arial" charset="0"/>
+                </a:defRPr>
+              </a:lvl5pPr>
+              <a:lvl6pPr marL="2514600" indent="-228600" eaLnBrk="0" fontAlgn="base" hangingPunct="0">
+                <a:spcBef>
+                  <a:spcPct val="0"/>
+                </a:spcBef>
+                <a:spcAft>
+                  <a:spcPct val="0"/>
+                </a:spcAft>
+                <a:defRPr>
+                  <a:solidFill>
+                    <a:schemeClr val="tx1"/>
+                  </a:solidFill>
+                  <a:latin typeface="Arial" charset="0"/>
+                  <a:cs typeface="Arial" charset="0"/>
+                </a:defRPr>
+              </a:lvl6pPr>
+              <a:lvl7pPr marL="2971800" indent="-228600" eaLnBrk="0" fontAlgn="base" hangingPunct="0">
+                <a:spcBef>
+                  <a:spcPct val="0"/>
+                </a:spcBef>
+                <a:spcAft>
+                  <a:spcPct val="0"/>
+                </a:spcAft>
+                <a:defRPr>
+                  <a:solidFill>
+                    <a:schemeClr val="tx1"/>
+                  </a:solidFill>
+                  <a:latin typeface="Arial" charset="0"/>
+                  <a:cs typeface="Arial" charset="0"/>
+                </a:defRPr>
+              </a:lvl7pPr>
+              <a:lvl8pPr marL="3429000" indent="-228600" eaLnBrk="0" fontAlgn="base" hangingPunct="0">
+                <a:spcBef>
+                  <a:spcPct val="0"/>
+                </a:spcBef>
+                <a:spcAft>
+                  <a:spcPct val="0"/>
+                </a:spcAft>
+                <a:defRPr>
+                  <a:solidFill>
+                    <a:schemeClr val="tx1"/>
+                  </a:solidFill>
+                  <a:latin typeface="Arial" charset="0"/>
+                  <a:cs typeface="Arial" charset="0"/>
+                </a:defRPr>
+              </a:lvl8pPr>
+              <a:lvl9pPr marL="3886200" indent="-228600" eaLnBrk="0" fontAlgn="base" hangingPunct="0">
+                <a:spcBef>
+                  <a:spcPct val="0"/>
+                </a:spcBef>
+                <a:spcAft>
+                  <a:spcPct val="0"/>
+                </a:spcAft>
+                <a:defRPr>
+                  <a:solidFill>
+                    <a:schemeClr val="tx1"/>
+                  </a:solidFill>
+                  <a:latin typeface="Arial" charset="0"/>
+                  <a:cs typeface="Arial" charset="0"/>
+                </a:defRPr>
+              </a:lvl9pPr>
+            </a:lstStyle>
+            <a:p>
+              <a:pPr eaLnBrk="1" hangingPunct="1"/>
+              <a:r>
+                <a:rPr lang="en-US" sz="2400" dirty="0" smtClean="0">
+                  <a:latin typeface="Courier New" pitchFamily="49" charset="0"/>
+                  <a:cs typeface="Courier New" pitchFamily="49" charset="0"/>
+                </a:rPr>
+                <a:t>…</a:t>
+              </a:r>
+              <a:endParaRPr lang="en-US" sz="2400" b="1" dirty="0">
+                <a:solidFill>
+                  <a:srgbClr val="C00000"/>
+                </a:solidFill>
+                <a:latin typeface="Courier New" pitchFamily="49" charset="0"/>
+                <a:cs typeface="Courier New" pitchFamily="49" charset="0"/>
+              </a:endParaRPr>
+            </a:p>
+            <a:p>
+              <a:pPr eaLnBrk="1" hangingPunct="1"/>
+              <a:r>
+                <a:rPr lang="en-US" sz="2400" dirty="0" smtClean="0">
+                  <a:latin typeface="Courier New" panose="02070309020205020404" pitchFamily="49" charset="0"/>
+                  <a:cs typeface="Courier New" panose="02070309020205020404" pitchFamily="49" charset="0"/>
+                </a:rPr>
+                <a:t>source</a:t>
+              </a:r>
+              <a:r>
+                <a:rPr lang="en-US" sz="2400" b="1" dirty="0" smtClean="0">
+                  <a:solidFill>
+                    <a:srgbClr val="C00000"/>
+                  </a:solidFill>
+                  <a:latin typeface="Courier New" panose="02070309020205020404" pitchFamily="49" charset="0"/>
+                  <a:cs typeface="Courier New" panose="02070309020205020404" pitchFamily="49" charset="0"/>
+                </a:rPr>
+                <a:t> </a:t>
+              </a:r>
+              <a:r>
+                <a:rPr lang="en-US" sz="2400" b="1" dirty="0">
+                  <a:solidFill>
+                    <a:srgbClr val="C00000"/>
+                  </a:solidFill>
+                  <a:latin typeface="Courier New" panose="02070309020205020404" pitchFamily="49" charset="0"/>
+                  <a:cs typeface="Courier New" panose="02070309020205020404" pitchFamily="49" charset="0"/>
+                </a:rPr>
+                <a:t>&lt;(</a:t>
+              </a:r>
+              <a:r>
+                <a:rPr lang="en-US" sz="2400" dirty="0" err="1">
+                  <a:latin typeface="Courier New" panose="02070309020205020404" pitchFamily="49" charset="0"/>
+                  <a:cs typeface="Courier New" panose="02070309020205020404" pitchFamily="49" charset="0"/>
+                </a:rPr>
+                <a:t>aenv</a:t>
+              </a:r>
+              <a:r>
+                <a:rPr lang="en-US" sz="2400" dirty="0">
+                  <a:latin typeface="Courier New" panose="02070309020205020404" pitchFamily="49" charset="0"/>
+                  <a:cs typeface="Courier New" panose="02070309020205020404" pitchFamily="49" charset="0"/>
+                </a:rPr>
+                <a:t> --data data.csv</a:t>
+              </a:r>
+              <a:r>
+                <a:rPr lang="en-US" sz="2400" b="1" dirty="0" smtClean="0">
+                  <a:solidFill>
+                    <a:srgbClr val="C00000"/>
+                  </a:solidFill>
+                  <a:latin typeface="Courier New" panose="02070309020205020404" pitchFamily="49" charset="0"/>
+                  <a:cs typeface="Courier New" panose="02070309020205020404" pitchFamily="49" charset="0"/>
+                </a:rPr>
+                <a:t>)</a:t>
+              </a:r>
+            </a:p>
+            <a:p>
+              <a:pPr eaLnBrk="1" hangingPunct="1"/>
+              <a:r>
+                <a:rPr lang="en-US" sz="2400" dirty="0" smtClean="0">
+                  <a:latin typeface="Courier New" panose="02070309020205020404" pitchFamily="49" charset="0"/>
+                  <a:cs typeface="Courier New" panose="02070309020205020404" pitchFamily="49" charset="0"/>
+                </a:rPr>
+                <a:t>…</a:t>
+              </a:r>
+              <a:endParaRPr lang="en-US" sz="2400" dirty="0">
+                <a:latin typeface="Courier New" panose="02070309020205020404" pitchFamily="49" charset="0"/>
+                <a:cs typeface="Courier New" panose="02070309020205020404" pitchFamily="49" charset="0"/>
+              </a:endParaRPr>
+            </a:p>
+          </p:txBody>
+        </p:sp>
+        <p:sp>
+          <p:nvSpPr>
+            <p:cNvPr id="8" name="TextBox 8"/>
+            <p:cNvSpPr txBox="1">
+              <a:spLocks noChangeArrowheads="1"/>
+            </p:cNvSpPr>
+            <p:nvPr/>
+          </p:nvSpPr>
+          <p:spPr bwMode="auto">
+            <a:xfrm>
+              <a:off x="7483252" y="3967896"/>
+              <a:ext cx="835485" cy="276999"/>
+            </a:xfrm>
+            <a:prstGeom prst="rect">
+              <a:avLst/>
+            </a:prstGeom>
+            <a:solidFill>
+              <a:srgbClr val="FFFFFF"/>
+            </a:solidFill>
+            <a:ln w="9525">
+              <a:solidFill>
+                <a:srgbClr val="000000"/>
+              </a:solidFill>
+              <a:miter lim="800000"/>
+              <a:headEnd/>
+              <a:tailEnd/>
+            </a:ln>
+            <a:extLst/>
+          </p:spPr>
+          <p:txBody>
+            <a:bodyPr wrap="none">
+              <a:spAutoFit/>
+            </a:bodyPr>
+            <a:lstStyle>
+              <a:lvl1pPr eaLnBrk="0" hangingPunct="0">
+                <a:defRPr>
+                  <a:solidFill>
+                    <a:schemeClr val="tx1"/>
+                  </a:solidFill>
+                  <a:latin typeface="Arial" charset="0"/>
+                  <a:cs typeface="Arial" charset="0"/>
+                </a:defRPr>
+              </a:lvl1pPr>
+              <a:lvl2pPr marL="742950" indent="-285750" eaLnBrk="0" hangingPunct="0">
+                <a:defRPr>
+                  <a:solidFill>
+                    <a:schemeClr val="tx1"/>
+                  </a:solidFill>
+                  <a:latin typeface="Arial" charset="0"/>
+                  <a:cs typeface="Arial" charset="0"/>
+                </a:defRPr>
+              </a:lvl2pPr>
+              <a:lvl3pPr marL="1143000" indent="-228600" eaLnBrk="0" hangingPunct="0">
+                <a:defRPr>
+                  <a:solidFill>
+                    <a:schemeClr val="tx1"/>
+                  </a:solidFill>
+                  <a:latin typeface="Arial" charset="0"/>
+                  <a:cs typeface="Arial" charset="0"/>
+                </a:defRPr>
+              </a:lvl3pPr>
+              <a:lvl4pPr marL="1600200" indent="-228600" eaLnBrk="0" hangingPunct="0">
+                <a:defRPr>
+                  <a:solidFill>
+                    <a:schemeClr val="tx1"/>
+                  </a:solidFill>
+                  <a:latin typeface="Arial" charset="0"/>
+                  <a:cs typeface="Arial" charset="0"/>
+                </a:defRPr>
+              </a:lvl4pPr>
+              <a:lvl5pPr marL="2057400" indent="-228600" eaLnBrk="0" hangingPunct="0">
+                <a:defRPr>
+                  <a:solidFill>
+                    <a:schemeClr val="tx1"/>
+                  </a:solidFill>
+                  <a:latin typeface="Arial" charset="0"/>
+                  <a:cs typeface="Arial" charset="0"/>
+                </a:defRPr>
+              </a:lvl5pPr>
+              <a:lvl6pPr marL="2514600" indent="-228600" eaLnBrk="0" fontAlgn="base" hangingPunct="0">
+                <a:spcBef>
+                  <a:spcPct val="0"/>
+                </a:spcBef>
+                <a:spcAft>
+                  <a:spcPct val="0"/>
+                </a:spcAft>
+                <a:defRPr>
+                  <a:solidFill>
+                    <a:schemeClr val="tx1"/>
+                  </a:solidFill>
+                  <a:latin typeface="Arial" charset="0"/>
+                  <a:cs typeface="Arial" charset="0"/>
+                </a:defRPr>
+              </a:lvl6pPr>
+              <a:lvl7pPr marL="2971800" indent="-228600" eaLnBrk="0" fontAlgn="base" hangingPunct="0">
+                <a:spcBef>
+                  <a:spcPct val="0"/>
+                </a:spcBef>
+                <a:spcAft>
+                  <a:spcPct val="0"/>
+                </a:spcAft>
+                <a:defRPr>
+                  <a:solidFill>
+                    <a:schemeClr val="tx1"/>
+                  </a:solidFill>
+                  <a:latin typeface="Arial" charset="0"/>
+                  <a:cs typeface="Arial" charset="0"/>
+                </a:defRPr>
+              </a:lvl7pPr>
+              <a:lvl8pPr marL="3429000" indent="-228600" eaLnBrk="0" fontAlgn="base" hangingPunct="0">
+                <a:spcBef>
+                  <a:spcPct val="0"/>
+                </a:spcBef>
+                <a:spcAft>
+                  <a:spcPct val="0"/>
+                </a:spcAft>
+                <a:defRPr>
+                  <a:solidFill>
+                    <a:schemeClr val="tx1"/>
+                  </a:solidFill>
+                  <a:latin typeface="Arial" charset="0"/>
+                  <a:cs typeface="Arial" charset="0"/>
+                </a:defRPr>
+              </a:lvl8pPr>
+              <a:lvl9pPr marL="3886200" indent="-228600" eaLnBrk="0" fontAlgn="base" hangingPunct="0">
+                <a:spcBef>
+                  <a:spcPct val="0"/>
+                </a:spcBef>
+                <a:spcAft>
+                  <a:spcPct val="0"/>
+                </a:spcAft>
+                <a:defRPr>
+                  <a:solidFill>
+                    <a:schemeClr val="tx1"/>
+                  </a:solidFill>
+                  <a:latin typeface="Arial" charset="0"/>
+                  <a:cs typeface="Arial" charset="0"/>
+                </a:defRPr>
+              </a:lvl9pPr>
+            </a:lstStyle>
+            <a:p>
+              <a:pPr eaLnBrk="1" hangingPunct="1"/>
+              <a:r>
+                <a:rPr lang="en-US" sz="1200" b="1" dirty="0" err="1">
+                  <a:latin typeface="Courier New" panose="02070309020205020404" pitchFamily="49" charset="0"/>
+                  <a:cs typeface="Courier New" panose="02070309020205020404" pitchFamily="49" charset="0"/>
+                </a:rPr>
+                <a:t>job.pbs</a:t>
+              </a:r>
+              <a:endParaRPr lang="nl-BE" sz="1200" b="1" dirty="0">
+                <a:latin typeface="Courier New" panose="02070309020205020404" pitchFamily="49" charset="0"/>
+                <a:cs typeface="Courier New" panose="02070309020205020404" pitchFamily="49" charset="0"/>
+              </a:endParaRPr>
+            </a:p>
+          </p:txBody>
+        </p:sp>
+      </p:grpSp>
+    </p:spTree>
+    <p:extLst>
+      <p:ext uri="{BB962C8B-B14F-4D97-AF65-F5344CB8AC3E}">
+        <p14:creationId xmlns:p14="http://schemas.microsoft.com/office/powerpoint/2010/main" val="2908675304"/>
       </p:ext>
     </p:extLst>
   </p:cSld>
@@ -20701,6 +21240,9 @@
                     <p:cTn id="3" fill="hold">
                       <p:stCondLst>
                         <p:cond delay="indefinite"/>
+                        <p:cond evt="onBegin" delay="0">
+                          <p:tn val="2"/>
+                        </p:cond>
                       </p:stCondLst>
                       <p:childTnLst>
                         <p:par>
@@ -20710,7 +21252,7 @@
                             </p:stCondLst>
                             <p:childTnLst>
                               <p:par>
-                                <p:cTn id="5" presetID="1" presetClass="entr" presetSubtype="0" fill="hold" grpId="0" nodeType="clickEffect">
+                                <p:cTn id="5" presetID="1" presetClass="entr" presetSubtype="0" fill="hold" grpId="0" nodeType="withEffect">
                                   <p:stCondLst>
                                     <p:cond delay="0"/>
                                   </p:stCondLst>
@@ -20723,104 +21265,7 @@
                                           </p:stCondLst>
                                         </p:cTn>
                                         <p:tgtEl>
-                                          <p:spTgt spid="3">
-                                            <p:txEl>
-                                              <p:pRg st="0" end="0"/>
-                                            </p:txEl>
-                                          </p:spTgt>
-                                        </p:tgtEl>
-                                        <p:attrNameLst>
-                                          <p:attrName>style.visibility</p:attrName>
-                                        </p:attrNameLst>
-                                      </p:cBhvr>
-                                      <p:to>
-                                        <p:strVal val="visible"/>
-                                      </p:to>
-                                    </p:set>
-                                  </p:childTnLst>
-                                </p:cTn>
-                              </p:par>
-                              <p:par>
-                                <p:cTn id="7" presetID="1" presetClass="entr" presetSubtype="0" fill="hold" grpId="0" nodeType="withEffect">
-                                  <p:stCondLst>
-                                    <p:cond delay="0"/>
-                                  </p:stCondLst>
-                                  <p:childTnLst>
-                                    <p:set>
-                                      <p:cBhvr>
-                                        <p:cTn id="8" dur="1" fill="hold">
-                                          <p:stCondLst>
-                                            <p:cond delay="0"/>
-                                          </p:stCondLst>
-                                        </p:cTn>
-                                        <p:tgtEl>
-                                          <p:spTgt spid="3">
-                                            <p:txEl>
-                                              <p:pRg st="1" end="1"/>
-                                            </p:txEl>
-                                          </p:spTgt>
-                                        </p:tgtEl>
-                                        <p:attrNameLst>
-                                          <p:attrName>style.visibility</p:attrName>
-                                        </p:attrNameLst>
-                                      </p:cBhvr>
-                                      <p:to>
-                                        <p:strVal val="visible"/>
-                                      </p:to>
-                                    </p:set>
-                                  </p:childTnLst>
-                                </p:cTn>
-                              </p:par>
-                              <p:par>
-                                <p:cTn id="9" presetID="1" presetClass="entr" presetSubtype="0" fill="hold" grpId="0" nodeType="withEffect">
-                                  <p:stCondLst>
-                                    <p:cond delay="0"/>
-                                  </p:stCondLst>
-                                  <p:childTnLst>
-                                    <p:set>
-                                      <p:cBhvr>
-                                        <p:cTn id="10" dur="1" fill="hold">
-                                          <p:stCondLst>
-                                            <p:cond delay="0"/>
-                                          </p:stCondLst>
-                                        </p:cTn>
-                                        <p:tgtEl>
-                                          <p:spTgt spid="3">
-                                            <p:txEl>
-                                              <p:pRg st="2" end="2"/>
-                                            </p:txEl>
-                                          </p:spTgt>
-                                        </p:tgtEl>
-                                        <p:attrNameLst>
-                                          <p:attrName>style.visibility</p:attrName>
-                                        </p:attrNameLst>
-                                      </p:cBhvr>
-                                      <p:to>
-                                        <p:strVal val="visible"/>
-                                      </p:to>
-                                    </p:set>
-                                  </p:childTnLst>
-                                </p:cTn>
-                              </p:par>
-                              <p:par>
-                                <p:cTn id="11" presetID="1" presetClass="entr" presetSubtype="0" fill="hold" grpId="0" nodeType="withEffect">
-                                  <p:stCondLst>
-                                    <p:cond delay="0"/>
-                                  </p:stCondLst>
-                                  <p:childTnLst>
-                                    <p:set>
-                                      <p:cBhvr>
-                                        <p:cTn id="12" dur="1" fill="hold">
-                                          <p:stCondLst>
-                                            <p:cond delay="0"/>
-                                          </p:stCondLst>
-                                        </p:cTn>
-                                        <p:tgtEl>
-                                          <p:spTgt spid="3">
-                                            <p:txEl>
-                                              <p:pRg st="3" end="3"/>
-                                            </p:txEl>
-                                          </p:spTgt>
+                                          <p:spTgt spid="5"/>
                                         </p:tgtEl>
                                         <p:attrNameLst>
                                           <p:attrName>style.visibility</p:attrName>
@@ -20840,178 +21285,32 @@
                     </p:cTn>
                   </p:par>
                   <p:par>
-                    <p:cTn id="13" fill="hold">
+                    <p:cTn id="7" fill="hold">
                       <p:stCondLst>
                         <p:cond delay="indefinite"/>
                       </p:stCondLst>
                       <p:childTnLst>
                         <p:par>
-                          <p:cTn id="14" fill="hold">
+                          <p:cTn id="8" fill="hold">
                             <p:stCondLst>
                               <p:cond delay="0"/>
                             </p:stCondLst>
                             <p:childTnLst>
                               <p:par>
-                                <p:cTn id="15" presetID="1" presetClass="entr" presetSubtype="0" fill="hold" grpId="0" nodeType="clickEffect">
+                                <p:cTn id="9" presetID="1" presetClass="entr" presetSubtype="0" fill="hold" nodeType="clickEffect">
                                   <p:stCondLst>
                                     <p:cond delay="0"/>
                                   </p:stCondLst>
                                   <p:childTnLst>
                                     <p:set>
                                       <p:cBhvr>
-                                        <p:cTn id="16" dur="1" fill="hold">
+                                        <p:cTn id="10" dur="1" fill="hold">
                                           <p:stCondLst>
                                             <p:cond delay="0"/>
                                           </p:stCondLst>
                                         </p:cTn>
                                         <p:tgtEl>
-                                          <p:spTgt spid="3">
-                                            <p:txEl>
-                                              <p:pRg st="4" end="4"/>
-                                            </p:txEl>
-                                          </p:spTgt>
-                                        </p:tgtEl>
-                                        <p:attrNameLst>
-                                          <p:attrName>style.visibility</p:attrName>
-                                        </p:attrNameLst>
-                                      </p:cBhvr>
-                                      <p:to>
-                                        <p:strVal val="visible"/>
-                                      </p:to>
-                                    </p:set>
-                                  </p:childTnLst>
-                                </p:cTn>
-                              </p:par>
-                              <p:par>
-                                <p:cTn id="17" presetID="1" presetClass="entr" presetSubtype="0" fill="hold" grpId="0" nodeType="withEffect">
-                                  <p:stCondLst>
-                                    <p:cond delay="0"/>
-                                  </p:stCondLst>
-                                  <p:childTnLst>
-                                    <p:set>
-                                      <p:cBhvr>
-                                        <p:cTn id="18" dur="1" fill="hold">
-                                          <p:stCondLst>
-                                            <p:cond delay="0"/>
-                                          </p:stCondLst>
-                                        </p:cTn>
-                                        <p:tgtEl>
-                                          <p:spTgt spid="3">
-                                            <p:txEl>
-                                              <p:pRg st="5" end="5"/>
-                                            </p:txEl>
-                                          </p:spTgt>
-                                        </p:tgtEl>
-                                        <p:attrNameLst>
-                                          <p:attrName>style.visibility</p:attrName>
-                                        </p:attrNameLst>
-                                      </p:cBhvr>
-                                      <p:to>
-                                        <p:strVal val="visible"/>
-                                      </p:to>
-                                    </p:set>
-                                  </p:childTnLst>
-                                </p:cTn>
-                              </p:par>
-                            </p:childTnLst>
-                          </p:cTn>
-                        </p:par>
-                      </p:childTnLst>
-                    </p:cTn>
-                  </p:par>
-                  <p:par>
-                    <p:cTn id="19" fill="hold">
-                      <p:stCondLst>
-                        <p:cond delay="indefinite"/>
-                      </p:stCondLst>
-                      <p:childTnLst>
-                        <p:par>
-                          <p:cTn id="20" fill="hold">
-                            <p:stCondLst>
-                              <p:cond delay="0"/>
-                            </p:stCondLst>
-                            <p:childTnLst>
-                              <p:par>
-                                <p:cTn id="21" presetID="1" presetClass="entr" presetSubtype="0" fill="hold" grpId="0" nodeType="clickEffect">
-                                  <p:stCondLst>
-                                    <p:cond delay="0"/>
-                                  </p:stCondLst>
-                                  <p:childTnLst>
-                                    <p:set>
-                                      <p:cBhvr>
-                                        <p:cTn id="22" dur="1" fill="hold">
-                                          <p:stCondLst>
-                                            <p:cond delay="0"/>
-                                          </p:stCondLst>
-                                        </p:cTn>
-                                        <p:tgtEl>
-                                          <p:spTgt spid="3">
-                                            <p:txEl>
-                                              <p:pRg st="7" end="7"/>
-                                            </p:txEl>
-                                          </p:spTgt>
-                                        </p:tgtEl>
-                                        <p:attrNameLst>
-                                          <p:attrName>style.visibility</p:attrName>
-                                        </p:attrNameLst>
-                                      </p:cBhvr>
-                                      <p:to>
-                                        <p:strVal val="visible"/>
-                                      </p:to>
-                                    </p:set>
-                                  </p:childTnLst>
-                                </p:cTn>
-                              </p:par>
-                              <p:par>
-                                <p:cTn id="23" presetID="1" presetClass="entr" presetSubtype="0" fill="hold" grpId="0" nodeType="withEffect">
-                                  <p:stCondLst>
-                                    <p:cond delay="0"/>
-                                  </p:stCondLst>
-                                  <p:childTnLst>
-                                    <p:set>
-                                      <p:cBhvr>
-                                        <p:cTn id="24" dur="1" fill="hold">
-                                          <p:stCondLst>
-                                            <p:cond delay="0"/>
-                                          </p:stCondLst>
-                                        </p:cTn>
-                                        <p:tgtEl>
-                                          <p:spTgt spid="3">
-                                            <p:txEl>
-                                              <p:pRg st="8" end="8"/>
-                                            </p:txEl>
-                                          </p:spTgt>
-                                        </p:tgtEl>
-                                        <p:attrNameLst>
-                                          <p:attrName>style.visibility</p:attrName>
-                                        </p:attrNameLst>
-                                      </p:cBhvr>
-                                      <p:to>
-                                        <p:strVal val="visible"/>
-                                      </p:to>
-                                    </p:set>
-                                  </p:childTnLst>
-                                </p:cTn>
-                              </p:par>
-                              <p:par>
-                                <p:cTn id="25" presetID="1" presetClass="entr" presetSubtype="0" fill="hold" grpId="0" nodeType="withEffect">
-                                  <p:stCondLst>
-                                    <p:cond delay="0"/>
-                                  </p:stCondLst>
-                                  <p:childTnLst>
-                                    <p:set>
-                                      <p:cBhvr>
-                                        <p:cTn id="26" dur="1" fill="hold">
-                                          <p:stCondLst>
-                                            <p:cond delay="0"/>
-                                          </p:stCondLst>
-                                        </p:cTn>
-                                        <p:tgtEl>
-                                          <p:spTgt spid="3">
-                                            <p:txEl>
-                                              <p:pRg st="9" end="9"/>
-                                            </p:txEl>
-                                          </p:spTgt>
+                                          <p:spTgt spid="6"/>
                                         </p:tgtEl>
                                         <p:attrNameLst>
                                           <p:attrName>style.visibility</p:attrName>
@@ -21052,181 +21351,8 @@
       </p:par>
     </p:tnLst>
     <p:bldLst>
-      <p:bldP spid="3" grpId="0" uiExpand="1" build="p"/>
+      <p:bldP spid="5" grpId="0" animBg="1"/>
     </p:bldLst>
-  </p:timing>
-</p:sld>
-</file>
-
-<file path=ppt/slides/slide29.xml><?xml version="1.0" encoding="utf-8"?>
-<p:sld xmlns:a="http://schemas.openxmlformats.org/drawingml/2006/main" xmlns:r="http://schemas.openxmlformats.org/officeDocument/2006/relationships" xmlns:p="http://schemas.openxmlformats.org/presentationml/2006/main">
-  <p:cSld>
-    <p:spTree>
-      <p:nvGrpSpPr>
-        <p:cNvPr id="1" name=""/>
-        <p:cNvGrpSpPr/>
-        <p:nvPr/>
-      </p:nvGrpSpPr>
-      <p:grpSpPr>
-        <a:xfrm>
-          <a:off x="0" y="0"/>
-          <a:ext cx="0" cy="0"/>
-          <a:chOff x="0" y="0"/>
-          <a:chExt cx="0" cy="0"/>
-        </a:xfrm>
-      </p:grpSpPr>
-      <p:sp>
-        <p:nvSpPr>
-          <p:cNvPr id="2" name="Title 1"/>
-          <p:cNvSpPr>
-            <a:spLocks noGrp="1"/>
-          </p:cNvSpPr>
-          <p:nvPr>
-            <p:ph type="title"/>
-          </p:nvPr>
-        </p:nvSpPr>
-        <p:spPr/>
-        <p:txBody>
-          <a:bodyPr/>
-          <a:lstStyle/>
-          <a:p>
-            <a:r>
-              <a:rPr lang="en-US" dirty="0" smtClean="0"/>
-              <a:t>References</a:t>
-            </a:r>
-            <a:endParaRPr lang="en-US" dirty="0"/>
-          </a:p>
-        </p:txBody>
-      </p:sp>
-      <p:sp>
-        <p:nvSpPr>
-          <p:cNvPr id="3" name="Content Placeholder 2"/>
-          <p:cNvSpPr>
-            <a:spLocks noGrp="1"/>
-          </p:cNvSpPr>
-          <p:nvPr>
-            <p:ph idx="1"/>
-          </p:nvPr>
-        </p:nvSpPr>
-        <p:spPr/>
-        <p:txBody>
-          <a:bodyPr/>
-          <a:lstStyle/>
-          <a:p>
-            <a:r>
-              <a:rPr lang="en-US" dirty="0" smtClean="0"/>
-              <a:t>Website</a:t>
-            </a:r>
-            <a:r>
-              <a:rPr lang="en-US" dirty="0"/>
-              <a:t/>
-            </a:r>
-            <a:br>
-              <a:rPr lang="en-US" dirty="0"/>
-            </a:br>
-            <a:r>
-              <a:rPr lang="en-US" dirty="0">
-                <a:hlinkClick r:id="rId2"/>
-              </a:rPr>
-              <a:t>https://</a:t>
-            </a:r>
-            <a:r>
-              <a:rPr lang="en-US" dirty="0" smtClean="0">
-                <a:hlinkClick r:id="rId2"/>
-              </a:rPr>
-              <a:t>github.com/gjbex/atools</a:t>
-            </a:r>
-            <a:r>
-              <a:rPr lang="en-US" dirty="0" smtClean="0"/>
-              <a:t> </a:t>
-            </a:r>
-          </a:p>
-          <a:p>
-            <a:r>
-              <a:rPr lang="en-US" dirty="0"/>
-              <a:t>Documentation</a:t>
-            </a:r>
-            <a:br>
-              <a:rPr lang="en-US" dirty="0"/>
-            </a:br>
-            <a:r>
-              <a:rPr lang="en-US" dirty="0">
-                <a:hlinkClick r:id="rId3"/>
-              </a:rPr>
-              <a:t>http</a:t>
-            </a:r>
-            <a:r>
-              <a:rPr lang="en-US" dirty="0" smtClean="0">
-                <a:hlinkClick r:id="rId3"/>
-              </a:rPr>
-              <a:t>://atools.readthedocs.io/en/latest/</a:t>
-            </a:r>
-            <a:r>
-              <a:rPr lang="en-US" dirty="0" smtClean="0"/>
-              <a:t> </a:t>
-            </a:r>
-          </a:p>
-          <a:p>
-            <a:r>
-              <a:rPr lang="en-US" dirty="0" smtClean="0"/>
-              <a:t>Developer</a:t>
-            </a:r>
-            <a:br>
-              <a:rPr lang="en-US" dirty="0" smtClean="0"/>
-            </a:br>
-            <a:r>
-              <a:rPr lang="en-US" dirty="0" smtClean="0">
-                <a:hlinkClick r:id="rId4"/>
-              </a:rPr>
-              <a:t>geertjan.bex@uhasselt.be</a:t>
-            </a:r>
-            <a:r>
-              <a:rPr lang="en-US" dirty="0" smtClean="0"/>
-              <a:t> </a:t>
-            </a:r>
-            <a:endParaRPr lang="en-US" dirty="0"/>
-          </a:p>
-        </p:txBody>
-      </p:sp>
-      <p:sp>
-        <p:nvSpPr>
-          <p:cNvPr id="4" name="Slide Number Placeholder 3"/>
-          <p:cNvSpPr>
-            <a:spLocks noGrp="1"/>
-          </p:cNvSpPr>
-          <p:nvPr>
-            <p:ph type="sldNum" sz="quarter" idx="12"/>
-          </p:nvPr>
-        </p:nvSpPr>
-        <p:spPr/>
-        <p:txBody>
-          <a:bodyPr/>
-          <a:lstStyle/>
-          <a:p>
-            <a:fld id="{0AA598EC-1C61-495B-A9F8-4410E339CCF5}" type="slidenum">
-              <a:rPr lang="en-US" smtClean="0"/>
-              <a:t>29</a:t>
-            </a:fld>
-            <a:endParaRPr lang="en-US"/>
-          </a:p>
-        </p:txBody>
-      </p:sp>
-    </p:spTree>
-    <p:extLst>
-      <p:ext uri="{BB962C8B-B14F-4D97-AF65-F5344CB8AC3E}">
-        <p14:creationId xmlns:p14="http://schemas.microsoft.com/office/powerpoint/2010/main" val="610164010"/>
-      </p:ext>
-    </p:extLst>
-  </p:cSld>
-  <p:clrMapOvr>
-    <a:masterClrMapping/>
-  </p:clrMapOvr>
-  <p:timing>
-    <p:tnLst>
-      <p:par>
-        <p:cTn id="1" dur="indefinite" restart="never" nodeType="tmRoot"/>
-      </p:par>
-    </p:tnLst>
   </p:timing>
 </p:sld>
 </file>
@@ -23083,6 +23209,920 @@
             </p:seq>
           </p:childTnLst>
         </p:cTn>
+      </p:par>
+    </p:tnLst>
+  </p:timing>
+</p:sld>
+</file>
+
+<file path=ppt/slides/slide30.xml><?xml version="1.0" encoding="utf-8"?>
+<p:sld xmlns:a="http://schemas.openxmlformats.org/drawingml/2006/main" xmlns:r="http://schemas.openxmlformats.org/officeDocument/2006/relationships" xmlns:p="http://schemas.openxmlformats.org/presentationml/2006/main">
+  <p:cSld>
+    <p:spTree>
+      <p:nvGrpSpPr>
+        <p:cNvPr id="1" name=""/>
+        <p:cNvGrpSpPr/>
+        <p:nvPr/>
+      </p:nvGrpSpPr>
+      <p:grpSpPr>
+        <a:xfrm>
+          <a:off x="0" y="0"/>
+          <a:ext cx="0" cy="0"/>
+          <a:chOff x="0" y="0"/>
+          <a:chExt cx="0" cy="0"/>
+        </a:xfrm>
+      </p:grpSpPr>
+      <p:sp>
+        <p:nvSpPr>
+          <p:cNvPr id="2" name="Title 1"/>
+          <p:cNvSpPr>
+            <a:spLocks noGrp="1"/>
+          </p:cNvSpPr>
+          <p:nvPr>
+            <p:ph type="title"/>
+          </p:nvPr>
+        </p:nvSpPr>
+        <p:spPr/>
+        <p:txBody>
+          <a:bodyPr/>
+          <a:lstStyle/>
+          <a:p>
+            <a:r>
+              <a:rPr lang="en-US" dirty="0" smtClean="0"/>
+              <a:t>Conclusions</a:t>
+            </a:r>
+            <a:endParaRPr lang="en-US" dirty="0"/>
+          </a:p>
+        </p:txBody>
+      </p:sp>
+      <p:sp>
+        <p:nvSpPr>
+          <p:cNvPr id="3" name="Text Placeholder 2"/>
+          <p:cNvSpPr>
+            <a:spLocks noGrp="1"/>
+          </p:cNvSpPr>
+          <p:nvPr>
+            <p:ph type="body" idx="1"/>
+          </p:nvPr>
+        </p:nvSpPr>
+        <p:spPr/>
+        <p:txBody>
+          <a:bodyPr/>
+          <a:lstStyle/>
+          <a:p>
+            <a:endParaRPr lang="en-US"/>
+          </a:p>
+        </p:txBody>
+      </p:sp>
+      <p:sp>
+        <p:nvSpPr>
+          <p:cNvPr id="4" name="Slide Number Placeholder 3"/>
+          <p:cNvSpPr>
+            <a:spLocks noGrp="1"/>
+          </p:cNvSpPr>
+          <p:nvPr>
+            <p:ph type="sldNum" sz="quarter" idx="12"/>
+          </p:nvPr>
+        </p:nvSpPr>
+        <p:spPr/>
+        <p:txBody>
+          <a:bodyPr/>
+          <a:lstStyle/>
+          <a:p>
+            <a:fld id="{0AA598EC-1C61-495B-A9F8-4410E339CCF5}" type="slidenum">
+              <a:rPr lang="en-US" smtClean="0"/>
+              <a:t>30</a:t>
+            </a:fld>
+            <a:endParaRPr lang="en-US"/>
+          </a:p>
+        </p:txBody>
+      </p:sp>
+    </p:spTree>
+    <p:extLst>
+      <p:ext uri="{BB962C8B-B14F-4D97-AF65-F5344CB8AC3E}">
+        <p14:creationId xmlns:p14="http://schemas.microsoft.com/office/powerpoint/2010/main" val="1656205303"/>
+      </p:ext>
+    </p:extLst>
+  </p:cSld>
+  <p:clrMapOvr>
+    <a:masterClrMapping/>
+  </p:clrMapOvr>
+  <p:timing>
+    <p:tnLst>
+      <p:par>
+        <p:cTn id="1" dur="indefinite" restart="never" nodeType="tmRoot"/>
+      </p:par>
+    </p:tnLst>
+  </p:timing>
+</p:sld>
+</file>
+
+<file path=ppt/slides/slide31.xml><?xml version="1.0" encoding="utf-8"?>
+<p:sld xmlns:a="http://schemas.openxmlformats.org/drawingml/2006/main" xmlns:r="http://schemas.openxmlformats.org/officeDocument/2006/relationships" xmlns:p="http://schemas.openxmlformats.org/presentationml/2006/main">
+  <p:cSld>
+    <p:spTree>
+      <p:nvGrpSpPr>
+        <p:cNvPr id="1" name=""/>
+        <p:cNvGrpSpPr/>
+        <p:nvPr/>
+      </p:nvGrpSpPr>
+      <p:grpSpPr>
+        <a:xfrm>
+          <a:off x="0" y="0"/>
+          <a:ext cx="0" cy="0"/>
+          <a:chOff x="0" y="0"/>
+          <a:chExt cx="0" cy="0"/>
+        </a:xfrm>
+      </p:grpSpPr>
+      <p:sp>
+        <p:nvSpPr>
+          <p:cNvPr id="23554" name="Title 1"/>
+          <p:cNvSpPr>
+            <a:spLocks noGrp="1"/>
+          </p:cNvSpPr>
+          <p:nvPr>
+            <p:ph type="title" idx="4294967295"/>
+          </p:nvPr>
+        </p:nvSpPr>
+        <p:spPr/>
+        <p:txBody>
+          <a:bodyPr/>
+          <a:lstStyle/>
+          <a:p>
+            <a:pPr eaLnBrk="1" hangingPunct="1"/>
+            <a:r>
+              <a:rPr lang="en-US" dirty="0" smtClean="0"/>
+              <a:t>Is </a:t>
+            </a:r>
+            <a:r>
+              <a:rPr lang="en-US" dirty="0" err="1" smtClean="0"/>
+              <a:t>atools</a:t>
+            </a:r>
+            <a:r>
+              <a:rPr lang="en-US" dirty="0" smtClean="0"/>
+              <a:t> a panacea?</a:t>
+            </a:r>
+            <a:endParaRPr lang="nl-BE" dirty="0" smtClean="0"/>
+          </a:p>
+        </p:txBody>
+      </p:sp>
+      <p:sp>
+        <p:nvSpPr>
+          <p:cNvPr id="3" name="Content Placeholder 2"/>
+          <p:cNvSpPr>
+            <a:spLocks noGrp="1"/>
+          </p:cNvSpPr>
+          <p:nvPr>
+            <p:ph idx="4294967295"/>
+          </p:nvPr>
+        </p:nvSpPr>
+        <p:spPr/>
+        <p:txBody>
+          <a:bodyPr rtlCol="0">
+            <a:normAutofit fontScale="92500" lnSpcReduction="20000"/>
+          </a:bodyPr>
+          <a:lstStyle/>
+          <a:p>
+            <a:pPr eaLnBrk="1" fontAlgn="auto" hangingPunct="1">
+              <a:spcAft>
+                <a:spcPts val="0"/>
+              </a:spcAft>
+              <a:buFont typeface="Arial" pitchFamily="34" charset="0"/>
+              <a:buChar char="•"/>
+              <a:defRPr/>
+            </a:pPr>
+            <a:r>
+              <a:rPr lang="en-US" dirty="0" err="1" smtClean="0"/>
+              <a:t>atools</a:t>
+            </a:r>
+            <a:r>
+              <a:rPr lang="en-US" dirty="0" smtClean="0"/>
+              <a:t> advantages</a:t>
+            </a:r>
+          </a:p>
+          <a:p>
+            <a:pPr lvl="1" eaLnBrk="1" fontAlgn="auto" hangingPunct="1">
+              <a:spcAft>
+                <a:spcPts val="0"/>
+              </a:spcAft>
+              <a:buFont typeface="Arial" pitchFamily="34" charset="0"/>
+              <a:buChar char="–"/>
+              <a:defRPr/>
+            </a:pPr>
+            <a:r>
+              <a:rPr lang="en-US" dirty="0" smtClean="0"/>
+              <a:t>Easy to use</a:t>
+            </a:r>
+          </a:p>
+          <a:p>
+            <a:pPr lvl="1" eaLnBrk="1" fontAlgn="auto" hangingPunct="1">
+              <a:spcAft>
+                <a:spcPts val="0"/>
+              </a:spcAft>
+              <a:buFont typeface="Arial" pitchFamily="34" charset="0"/>
+              <a:buChar char="–"/>
+              <a:defRPr/>
+            </a:pPr>
+            <a:r>
+              <a:rPr lang="en-US" dirty="0" smtClean="0"/>
+              <a:t>Supports MPI work items</a:t>
+            </a:r>
+          </a:p>
+          <a:p>
+            <a:pPr lvl="1" eaLnBrk="1" fontAlgn="auto" hangingPunct="1">
+              <a:spcAft>
+                <a:spcPts val="0"/>
+              </a:spcAft>
+              <a:buFont typeface="Arial" pitchFamily="34" charset="0"/>
+              <a:buChar char="–"/>
+              <a:defRPr/>
+            </a:pPr>
+            <a:r>
+              <a:rPr lang="en-US" dirty="0" smtClean="0"/>
+              <a:t>Supports several schedulers (PBS torque, SGE,…)</a:t>
+            </a:r>
+          </a:p>
+          <a:p>
+            <a:pPr eaLnBrk="1" fontAlgn="auto" hangingPunct="1">
+              <a:spcAft>
+                <a:spcPts val="0"/>
+              </a:spcAft>
+              <a:buFont typeface="Arial" pitchFamily="34" charset="0"/>
+              <a:buChar char="•"/>
+              <a:defRPr/>
+            </a:pPr>
+            <a:r>
+              <a:rPr lang="en-US" dirty="0" err="1" smtClean="0"/>
+              <a:t>atools</a:t>
+            </a:r>
+            <a:r>
+              <a:rPr lang="en-US" dirty="0" smtClean="0"/>
+              <a:t> disadvantages</a:t>
+            </a:r>
+          </a:p>
+          <a:p>
+            <a:pPr lvl="1" eaLnBrk="1" fontAlgn="auto" hangingPunct="1">
+              <a:spcAft>
+                <a:spcPts val="0"/>
+              </a:spcAft>
+              <a:buFont typeface="Arial" pitchFamily="34" charset="0"/>
+              <a:buChar char="–"/>
+              <a:defRPr/>
+            </a:pPr>
+            <a:r>
+              <a:rPr lang="en-US" dirty="0" smtClean="0"/>
+              <a:t>Some overhead from the scheduler</a:t>
+            </a:r>
+          </a:p>
+          <a:p>
+            <a:pPr lvl="1" eaLnBrk="1" fontAlgn="auto" hangingPunct="1">
+              <a:spcAft>
+                <a:spcPts val="0"/>
+              </a:spcAft>
+              <a:buFont typeface="Arial" pitchFamily="34" charset="0"/>
+              <a:buChar char="–"/>
+              <a:defRPr/>
+            </a:pPr>
+            <a:endParaRPr lang="en-US" dirty="0" smtClean="0"/>
+          </a:p>
+          <a:p>
+            <a:pPr eaLnBrk="1" fontAlgn="auto" hangingPunct="1">
+              <a:spcAft>
+                <a:spcPts val="0"/>
+              </a:spcAft>
+              <a:buFont typeface="Arial" pitchFamily="34" charset="0"/>
+              <a:buChar char="•"/>
+              <a:defRPr/>
+            </a:pPr>
+            <a:r>
+              <a:rPr lang="en-US" dirty="0" err="1" smtClean="0"/>
+              <a:t>atools</a:t>
+            </a:r>
+            <a:r>
+              <a:rPr lang="en-US" dirty="0" smtClean="0"/>
+              <a:t> is </a:t>
+            </a:r>
+            <a:r>
+              <a:rPr lang="en-US" i="1" dirty="0" smtClean="0">
+                <a:solidFill>
+                  <a:srgbClr val="FF0000"/>
+                </a:solidFill>
+              </a:rPr>
+              <a:t>not</a:t>
+            </a:r>
+            <a:r>
+              <a:rPr lang="en-US" dirty="0" smtClean="0"/>
+              <a:t> a replacement for </a:t>
+            </a:r>
+          </a:p>
+          <a:p>
+            <a:pPr lvl="1" eaLnBrk="1" fontAlgn="auto" hangingPunct="1">
+              <a:spcAft>
+                <a:spcPts val="0"/>
+              </a:spcAft>
+              <a:buFont typeface="Arial" pitchFamily="34" charset="0"/>
+              <a:buChar char="–"/>
+              <a:defRPr/>
+            </a:pPr>
+            <a:r>
+              <a:rPr lang="en-US" dirty="0" smtClean="0"/>
+              <a:t>Parsing files in </a:t>
+            </a:r>
+            <a:r>
+              <a:rPr lang="en-US" dirty="0" err="1" smtClean="0"/>
+              <a:t>Matlab</a:t>
+            </a:r>
+            <a:r>
+              <a:rPr lang="en-US" dirty="0" smtClean="0"/>
+              <a:t> or R</a:t>
+            </a:r>
+          </a:p>
+          <a:p>
+            <a:pPr lvl="1" eaLnBrk="1" fontAlgn="auto" hangingPunct="1">
+              <a:spcAft>
+                <a:spcPts val="0"/>
+              </a:spcAft>
+              <a:buFont typeface="Arial" pitchFamily="34" charset="0"/>
+              <a:buChar char="–"/>
+              <a:defRPr/>
+            </a:pPr>
+            <a:r>
+              <a:rPr lang="en-US" dirty="0" smtClean="0"/>
+              <a:t>Using for-loops</a:t>
+            </a:r>
+            <a:endParaRPr lang="nl-BE" dirty="0"/>
+          </a:p>
+        </p:txBody>
+      </p:sp>
+      <p:sp>
+        <p:nvSpPr>
+          <p:cNvPr id="2" name="Slide Number Placeholder 1"/>
+          <p:cNvSpPr>
+            <a:spLocks noGrp="1"/>
+          </p:cNvSpPr>
+          <p:nvPr>
+            <p:ph type="sldNum" sz="quarter" idx="12"/>
+          </p:nvPr>
+        </p:nvSpPr>
+        <p:spPr/>
+        <p:txBody>
+          <a:bodyPr/>
+          <a:lstStyle/>
+          <a:p>
+            <a:fld id="{0AA598EC-1C61-495B-A9F8-4410E339CCF5}" type="slidenum">
+              <a:rPr lang="en-US" smtClean="0"/>
+              <a:t>31</a:t>
+            </a:fld>
+            <a:endParaRPr lang="en-US"/>
+          </a:p>
+        </p:txBody>
+      </p:sp>
+    </p:spTree>
+    <p:extLst>
+      <p:ext uri="{BB962C8B-B14F-4D97-AF65-F5344CB8AC3E}">
+        <p14:creationId xmlns:p14="http://schemas.microsoft.com/office/powerpoint/2010/main" val="13763103"/>
+      </p:ext>
+    </p:extLst>
+  </p:cSld>
+  <p:clrMapOvr>
+    <a:masterClrMapping/>
+  </p:clrMapOvr>
+  <p:timing>
+    <p:tnLst>
+      <p:par>
+        <p:cTn id="1" dur="indefinite" restart="never" nodeType="tmRoot">
+          <p:childTnLst>
+            <p:seq concurrent="1" nextAc="seek">
+              <p:cTn id="2" dur="indefinite" nodeType="mainSeq">
+                <p:childTnLst>
+                  <p:par>
+                    <p:cTn id="3" fill="hold">
+                      <p:stCondLst>
+                        <p:cond delay="indefinite"/>
+                      </p:stCondLst>
+                      <p:childTnLst>
+                        <p:par>
+                          <p:cTn id="4" fill="hold">
+                            <p:stCondLst>
+                              <p:cond delay="0"/>
+                            </p:stCondLst>
+                            <p:childTnLst>
+                              <p:par>
+                                <p:cTn id="5" presetID="1" presetClass="entr" presetSubtype="0" fill="hold" grpId="0" nodeType="clickEffect">
+                                  <p:stCondLst>
+                                    <p:cond delay="0"/>
+                                  </p:stCondLst>
+                                  <p:childTnLst>
+                                    <p:set>
+                                      <p:cBhvr>
+                                        <p:cTn id="6" dur="1" fill="hold">
+                                          <p:stCondLst>
+                                            <p:cond delay="0"/>
+                                          </p:stCondLst>
+                                        </p:cTn>
+                                        <p:tgtEl>
+                                          <p:spTgt spid="3">
+                                            <p:txEl>
+                                              <p:pRg st="0" end="0"/>
+                                            </p:txEl>
+                                          </p:spTgt>
+                                        </p:tgtEl>
+                                        <p:attrNameLst>
+                                          <p:attrName>style.visibility</p:attrName>
+                                        </p:attrNameLst>
+                                      </p:cBhvr>
+                                      <p:to>
+                                        <p:strVal val="visible"/>
+                                      </p:to>
+                                    </p:set>
+                                  </p:childTnLst>
+                                </p:cTn>
+                              </p:par>
+                              <p:par>
+                                <p:cTn id="7" presetID="1" presetClass="entr" presetSubtype="0" fill="hold" grpId="0" nodeType="withEffect">
+                                  <p:stCondLst>
+                                    <p:cond delay="0"/>
+                                  </p:stCondLst>
+                                  <p:childTnLst>
+                                    <p:set>
+                                      <p:cBhvr>
+                                        <p:cTn id="8" dur="1" fill="hold">
+                                          <p:stCondLst>
+                                            <p:cond delay="0"/>
+                                          </p:stCondLst>
+                                        </p:cTn>
+                                        <p:tgtEl>
+                                          <p:spTgt spid="3">
+                                            <p:txEl>
+                                              <p:pRg st="1" end="1"/>
+                                            </p:txEl>
+                                          </p:spTgt>
+                                        </p:tgtEl>
+                                        <p:attrNameLst>
+                                          <p:attrName>style.visibility</p:attrName>
+                                        </p:attrNameLst>
+                                      </p:cBhvr>
+                                      <p:to>
+                                        <p:strVal val="visible"/>
+                                      </p:to>
+                                    </p:set>
+                                  </p:childTnLst>
+                                </p:cTn>
+                              </p:par>
+                              <p:par>
+                                <p:cTn id="9" presetID="1" presetClass="entr" presetSubtype="0" fill="hold" grpId="0" nodeType="withEffect">
+                                  <p:stCondLst>
+                                    <p:cond delay="0"/>
+                                  </p:stCondLst>
+                                  <p:childTnLst>
+                                    <p:set>
+                                      <p:cBhvr>
+                                        <p:cTn id="10" dur="1" fill="hold">
+                                          <p:stCondLst>
+                                            <p:cond delay="0"/>
+                                          </p:stCondLst>
+                                        </p:cTn>
+                                        <p:tgtEl>
+                                          <p:spTgt spid="3">
+                                            <p:txEl>
+                                              <p:pRg st="2" end="2"/>
+                                            </p:txEl>
+                                          </p:spTgt>
+                                        </p:tgtEl>
+                                        <p:attrNameLst>
+                                          <p:attrName>style.visibility</p:attrName>
+                                        </p:attrNameLst>
+                                      </p:cBhvr>
+                                      <p:to>
+                                        <p:strVal val="visible"/>
+                                      </p:to>
+                                    </p:set>
+                                  </p:childTnLst>
+                                </p:cTn>
+                              </p:par>
+                              <p:par>
+                                <p:cTn id="11" presetID="1" presetClass="entr" presetSubtype="0" fill="hold" grpId="0" nodeType="withEffect">
+                                  <p:stCondLst>
+                                    <p:cond delay="0"/>
+                                  </p:stCondLst>
+                                  <p:childTnLst>
+                                    <p:set>
+                                      <p:cBhvr>
+                                        <p:cTn id="12" dur="1" fill="hold">
+                                          <p:stCondLst>
+                                            <p:cond delay="0"/>
+                                          </p:stCondLst>
+                                        </p:cTn>
+                                        <p:tgtEl>
+                                          <p:spTgt spid="3">
+                                            <p:txEl>
+                                              <p:pRg st="3" end="3"/>
+                                            </p:txEl>
+                                          </p:spTgt>
+                                        </p:tgtEl>
+                                        <p:attrNameLst>
+                                          <p:attrName>style.visibility</p:attrName>
+                                        </p:attrNameLst>
+                                      </p:cBhvr>
+                                      <p:to>
+                                        <p:strVal val="visible"/>
+                                      </p:to>
+                                    </p:set>
+                                  </p:childTnLst>
+                                </p:cTn>
+                              </p:par>
+                            </p:childTnLst>
+                          </p:cTn>
+                        </p:par>
+                      </p:childTnLst>
+                    </p:cTn>
+                  </p:par>
+                  <p:par>
+                    <p:cTn id="13" fill="hold">
+                      <p:stCondLst>
+                        <p:cond delay="indefinite"/>
+                      </p:stCondLst>
+                      <p:childTnLst>
+                        <p:par>
+                          <p:cTn id="14" fill="hold">
+                            <p:stCondLst>
+                              <p:cond delay="0"/>
+                            </p:stCondLst>
+                            <p:childTnLst>
+                              <p:par>
+                                <p:cTn id="15" presetID="1" presetClass="entr" presetSubtype="0" fill="hold" grpId="0" nodeType="clickEffect">
+                                  <p:stCondLst>
+                                    <p:cond delay="0"/>
+                                  </p:stCondLst>
+                                  <p:childTnLst>
+                                    <p:set>
+                                      <p:cBhvr>
+                                        <p:cTn id="16" dur="1" fill="hold">
+                                          <p:stCondLst>
+                                            <p:cond delay="0"/>
+                                          </p:stCondLst>
+                                        </p:cTn>
+                                        <p:tgtEl>
+                                          <p:spTgt spid="3">
+                                            <p:txEl>
+                                              <p:pRg st="4" end="4"/>
+                                            </p:txEl>
+                                          </p:spTgt>
+                                        </p:tgtEl>
+                                        <p:attrNameLst>
+                                          <p:attrName>style.visibility</p:attrName>
+                                        </p:attrNameLst>
+                                      </p:cBhvr>
+                                      <p:to>
+                                        <p:strVal val="visible"/>
+                                      </p:to>
+                                    </p:set>
+                                  </p:childTnLst>
+                                </p:cTn>
+                              </p:par>
+                              <p:par>
+                                <p:cTn id="17" presetID="1" presetClass="entr" presetSubtype="0" fill="hold" grpId="0" nodeType="withEffect">
+                                  <p:stCondLst>
+                                    <p:cond delay="0"/>
+                                  </p:stCondLst>
+                                  <p:childTnLst>
+                                    <p:set>
+                                      <p:cBhvr>
+                                        <p:cTn id="18" dur="1" fill="hold">
+                                          <p:stCondLst>
+                                            <p:cond delay="0"/>
+                                          </p:stCondLst>
+                                        </p:cTn>
+                                        <p:tgtEl>
+                                          <p:spTgt spid="3">
+                                            <p:txEl>
+                                              <p:pRg st="5" end="5"/>
+                                            </p:txEl>
+                                          </p:spTgt>
+                                        </p:tgtEl>
+                                        <p:attrNameLst>
+                                          <p:attrName>style.visibility</p:attrName>
+                                        </p:attrNameLst>
+                                      </p:cBhvr>
+                                      <p:to>
+                                        <p:strVal val="visible"/>
+                                      </p:to>
+                                    </p:set>
+                                  </p:childTnLst>
+                                </p:cTn>
+                              </p:par>
+                            </p:childTnLst>
+                          </p:cTn>
+                        </p:par>
+                      </p:childTnLst>
+                    </p:cTn>
+                  </p:par>
+                  <p:par>
+                    <p:cTn id="19" fill="hold">
+                      <p:stCondLst>
+                        <p:cond delay="indefinite"/>
+                      </p:stCondLst>
+                      <p:childTnLst>
+                        <p:par>
+                          <p:cTn id="20" fill="hold">
+                            <p:stCondLst>
+                              <p:cond delay="0"/>
+                            </p:stCondLst>
+                            <p:childTnLst>
+                              <p:par>
+                                <p:cTn id="21" presetID="1" presetClass="entr" presetSubtype="0" fill="hold" grpId="0" nodeType="clickEffect">
+                                  <p:stCondLst>
+                                    <p:cond delay="0"/>
+                                  </p:stCondLst>
+                                  <p:childTnLst>
+                                    <p:set>
+                                      <p:cBhvr>
+                                        <p:cTn id="22" dur="1" fill="hold">
+                                          <p:stCondLst>
+                                            <p:cond delay="0"/>
+                                          </p:stCondLst>
+                                        </p:cTn>
+                                        <p:tgtEl>
+                                          <p:spTgt spid="3">
+                                            <p:txEl>
+                                              <p:pRg st="7" end="7"/>
+                                            </p:txEl>
+                                          </p:spTgt>
+                                        </p:tgtEl>
+                                        <p:attrNameLst>
+                                          <p:attrName>style.visibility</p:attrName>
+                                        </p:attrNameLst>
+                                      </p:cBhvr>
+                                      <p:to>
+                                        <p:strVal val="visible"/>
+                                      </p:to>
+                                    </p:set>
+                                  </p:childTnLst>
+                                </p:cTn>
+                              </p:par>
+                              <p:par>
+                                <p:cTn id="23" presetID="1" presetClass="entr" presetSubtype="0" fill="hold" grpId="0" nodeType="withEffect">
+                                  <p:stCondLst>
+                                    <p:cond delay="0"/>
+                                  </p:stCondLst>
+                                  <p:childTnLst>
+                                    <p:set>
+                                      <p:cBhvr>
+                                        <p:cTn id="24" dur="1" fill="hold">
+                                          <p:stCondLst>
+                                            <p:cond delay="0"/>
+                                          </p:stCondLst>
+                                        </p:cTn>
+                                        <p:tgtEl>
+                                          <p:spTgt spid="3">
+                                            <p:txEl>
+                                              <p:pRg st="8" end="8"/>
+                                            </p:txEl>
+                                          </p:spTgt>
+                                        </p:tgtEl>
+                                        <p:attrNameLst>
+                                          <p:attrName>style.visibility</p:attrName>
+                                        </p:attrNameLst>
+                                      </p:cBhvr>
+                                      <p:to>
+                                        <p:strVal val="visible"/>
+                                      </p:to>
+                                    </p:set>
+                                  </p:childTnLst>
+                                </p:cTn>
+                              </p:par>
+                              <p:par>
+                                <p:cTn id="25" presetID="1" presetClass="entr" presetSubtype="0" fill="hold" grpId="0" nodeType="withEffect">
+                                  <p:stCondLst>
+                                    <p:cond delay="0"/>
+                                  </p:stCondLst>
+                                  <p:childTnLst>
+                                    <p:set>
+                                      <p:cBhvr>
+                                        <p:cTn id="26" dur="1" fill="hold">
+                                          <p:stCondLst>
+                                            <p:cond delay="0"/>
+                                          </p:stCondLst>
+                                        </p:cTn>
+                                        <p:tgtEl>
+                                          <p:spTgt spid="3">
+                                            <p:txEl>
+                                              <p:pRg st="9" end="9"/>
+                                            </p:txEl>
+                                          </p:spTgt>
+                                        </p:tgtEl>
+                                        <p:attrNameLst>
+                                          <p:attrName>style.visibility</p:attrName>
+                                        </p:attrNameLst>
+                                      </p:cBhvr>
+                                      <p:to>
+                                        <p:strVal val="visible"/>
+                                      </p:to>
+                                    </p:set>
+                                  </p:childTnLst>
+                                </p:cTn>
+                              </p:par>
+                            </p:childTnLst>
+                          </p:cTn>
+                        </p:par>
+                      </p:childTnLst>
+                    </p:cTn>
+                  </p:par>
+                </p:childTnLst>
+              </p:cTn>
+              <p:prevCondLst>
+                <p:cond evt="onPrev" delay="0">
+                  <p:tgtEl>
+                    <p:sldTgt/>
+                  </p:tgtEl>
+                </p:cond>
+              </p:prevCondLst>
+              <p:nextCondLst>
+                <p:cond evt="onNext" delay="0">
+                  <p:tgtEl>
+                    <p:sldTgt/>
+                  </p:tgtEl>
+                </p:cond>
+              </p:nextCondLst>
+            </p:seq>
+          </p:childTnLst>
+        </p:cTn>
+      </p:par>
+    </p:tnLst>
+    <p:bldLst>
+      <p:bldP spid="3" grpId="0" uiExpand="1" build="p"/>
+    </p:bldLst>
+  </p:timing>
+</p:sld>
+</file>
+
+<file path=ppt/slides/slide32.xml><?xml version="1.0" encoding="utf-8"?>
+<p:sld xmlns:a="http://schemas.openxmlformats.org/drawingml/2006/main" xmlns:r="http://schemas.openxmlformats.org/officeDocument/2006/relationships" xmlns:p="http://schemas.openxmlformats.org/presentationml/2006/main">
+  <p:cSld>
+    <p:spTree>
+      <p:nvGrpSpPr>
+        <p:cNvPr id="1" name=""/>
+        <p:cNvGrpSpPr/>
+        <p:nvPr/>
+      </p:nvGrpSpPr>
+      <p:grpSpPr>
+        <a:xfrm>
+          <a:off x="0" y="0"/>
+          <a:ext cx="0" cy="0"/>
+          <a:chOff x="0" y="0"/>
+          <a:chExt cx="0" cy="0"/>
+        </a:xfrm>
+      </p:grpSpPr>
+      <p:sp>
+        <p:nvSpPr>
+          <p:cNvPr id="2" name="Title 1"/>
+          <p:cNvSpPr>
+            <a:spLocks noGrp="1"/>
+          </p:cNvSpPr>
+          <p:nvPr>
+            <p:ph type="title"/>
+          </p:nvPr>
+        </p:nvSpPr>
+        <p:spPr/>
+        <p:txBody>
+          <a:bodyPr/>
+          <a:lstStyle/>
+          <a:p>
+            <a:r>
+              <a:rPr lang="en-US" dirty="0" smtClean="0"/>
+              <a:t>References</a:t>
+            </a:r>
+            <a:endParaRPr lang="en-US" dirty="0"/>
+          </a:p>
+        </p:txBody>
+      </p:sp>
+      <p:sp>
+        <p:nvSpPr>
+          <p:cNvPr id="3" name="Content Placeholder 2"/>
+          <p:cNvSpPr>
+            <a:spLocks noGrp="1"/>
+          </p:cNvSpPr>
+          <p:nvPr>
+            <p:ph idx="1"/>
+          </p:nvPr>
+        </p:nvSpPr>
+        <p:spPr/>
+        <p:txBody>
+          <a:bodyPr/>
+          <a:lstStyle/>
+          <a:p>
+            <a:r>
+              <a:rPr lang="en-US" dirty="0" smtClean="0"/>
+              <a:t>Website</a:t>
+            </a:r>
+            <a:r>
+              <a:rPr lang="en-US" dirty="0"/>
+              <a:t/>
+            </a:r>
+            <a:br>
+              <a:rPr lang="en-US" dirty="0"/>
+            </a:br>
+            <a:r>
+              <a:rPr lang="en-US" dirty="0">
+                <a:hlinkClick r:id="rId2"/>
+              </a:rPr>
+              <a:t>https://</a:t>
+            </a:r>
+            <a:r>
+              <a:rPr lang="en-US" dirty="0" smtClean="0">
+                <a:hlinkClick r:id="rId2"/>
+              </a:rPr>
+              <a:t>github.com/gjbex/atools</a:t>
+            </a:r>
+            <a:r>
+              <a:rPr lang="en-US" dirty="0" smtClean="0"/>
+              <a:t> </a:t>
+            </a:r>
+          </a:p>
+          <a:p>
+            <a:r>
+              <a:rPr lang="en-US" dirty="0"/>
+              <a:t>Documentation</a:t>
+            </a:r>
+            <a:br>
+              <a:rPr lang="en-US" dirty="0"/>
+            </a:br>
+            <a:r>
+              <a:rPr lang="en-US" dirty="0">
+                <a:hlinkClick r:id="rId3"/>
+              </a:rPr>
+              <a:t>http</a:t>
+            </a:r>
+            <a:r>
+              <a:rPr lang="en-US" dirty="0" smtClean="0">
+                <a:hlinkClick r:id="rId3"/>
+              </a:rPr>
+              <a:t>://atools.readthedocs.io/en/latest/</a:t>
+            </a:r>
+            <a:r>
+              <a:rPr lang="en-US" dirty="0" smtClean="0"/>
+              <a:t> </a:t>
+            </a:r>
+          </a:p>
+          <a:p>
+            <a:r>
+              <a:rPr lang="en-US" dirty="0" smtClean="0"/>
+              <a:t>Developer</a:t>
+            </a:r>
+            <a:br>
+              <a:rPr lang="en-US" dirty="0" smtClean="0"/>
+            </a:br>
+            <a:r>
+              <a:rPr lang="en-US" dirty="0" smtClean="0">
+                <a:hlinkClick r:id="rId4"/>
+              </a:rPr>
+              <a:t>geertjan.bex@uhasselt.be</a:t>
+            </a:r>
+            <a:r>
+              <a:rPr lang="en-US" dirty="0" smtClean="0"/>
+              <a:t> </a:t>
+            </a:r>
+            <a:endParaRPr lang="en-US" dirty="0"/>
+          </a:p>
+        </p:txBody>
+      </p:sp>
+      <p:sp>
+        <p:nvSpPr>
+          <p:cNvPr id="4" name="Slide Number Placeholder 3"/>
+          <p:cNvSpPr>
+            <a:spLocks noGrp="1"/>
+          </p:cNvSpPr>
+          <p:nvPr>
+            <p:ph type="sldNum" sz="quarter" idx="12"/>
+          </p:nvPr>
+        </p:nvSpPr>
+        <p:spPr/>
+        <p:txBody>
+          <a:bodyPr/>
+          <a:lstStyle/>
+          <a:p>
+            <a:fld id="{0AA598EC-1C61-495B-A9F8-4410E339CCF5}" type="slidenum">
+              <a:rPr lang="en-US" smtClean="0"/>
+              <a:t>32</a:t>
+            </a:fld>
+            <a:endParaRPr lang="en-US"/>
+          </a:p>
+        </p:txBody>
+      </p:sp>
+    </p:spTree>
+    <p:extLst>
+      <p:ext uri="{BB962C8B-B14F-4D97-AF65-F5344CB8AC3E}">
+        <p14:creationId xmlns:p14="http://schemas.microsoft.com/office/powerpoint/2010/main" val="610164010"/>
+      </p:ext>
+    </p:extLst>
+  </p:cSld>
+  <p:clrMapOvr>
+    <a:masterClrMapping/>
+  </p:clrMapOvr>
+  <p:timing>
+    <p:tnLst>
+      <p:par>
+        <p:cTn id="1" dur="indefinite" restart="never" nodeType="tmRoot"/>
       </p:par>
     </p:tnLst>
   </p:timing>

--- a/atools.pptx
+++ b/atools.pptx
@@ -279,11 +279,11 @@
           <c:showPercent val="0"/>
           <c:showBubbleSize val="0"/>
         </c:dLbls>
-        <c:axId val="359837736"/>
-        <c:axId val="359835776"/>
+        <c:axId val="330072768"/>
+        <c:axId val="330073160"/>
       </c:scatterChart>
       <c:valAx>
-        <c:axId val="359837736"/>
+        <c:axId val="330072768"/>
         <c:scaling>
           <c:logBase val="2"/>
           <c:orientation val="minMax"/>
@@ -295,14 +295,14 @@
         <c:majorTickMark val="out"/>
         <c:minorTickMark val="none"/>
         <c:tickLblPos val="nextTo"/>
-        <c:crossAx val="359835776"/>
+        <c:crossAx val="330073160"/>
         <c:crosses val="autoZero"/>
         <c:crossBetween val="midCat"/>
         <c:majorUnit val="4"/>
         <c:minorUnit val="4"/>
       </c:valAx>
       <c:valAx>
-        <c:axId val="359835776"/>
+        <c:axId val="330073160"/>
         <c:scaling>
           <c:logBase val="2"/>
           <c:orientation val="minMax"/>
@@ -315,7 +315,7 @@
         <c:majorTickMark val="out"/>
         <c:minorTickMark val="none"/>
         <c:tickLblPos val="nextTo"/>
-        <c:crossAx val="359837736"/>
+        <c:crossAx val="330072768"/>
         <c:crosses val="autoZero"/>
         <c:crossBetween val="midCat"/>
         <c:majorUnit val="4"/>
@@ -688,11 +688,11 @@
           <c:showPercent val="0"/>
           <c:showBubbleSize val="0"/>
         </c:dLbls>
-        <c:axId val="359838128"/>
-        <c:axId val="359834992"/>
+        <c:axId val="330073552"/>
+        <c:axId val="330073944"/>
       </c:scatterChart>
       <c:valAx>
-        <c:axId val="359838128"/>
+        <c:axId val="330073552"/>
         <c:scaling>
           <c:logBase val="2"/>
           <c:orientation val="minMax"/>
@@ -705,14 +705,14 @@
         <c:majorTickMark val="out"/>
         <c:minorTickMark val="none"/>
         <c:tickLblPos val="nextTo"/>
-        <c:crossAx val="359834992"/>
+        <c:crossAx val="330073944"/>
         <c:crosses val="autoZero"/>
         <c:crossBetween val="midCat"/>
         <c:majorUnit val="4"/>
         <c:minorUnit val="4"/>
       </c:valAx>
       <c:valAx>
-        <c:axId val="359834992"/>
+        <c:axId val="330073944"/>
         <c:scaling>
           <c:logBase val="2"/>
           <c:orientation val="minMax"/>
@@ -726,7 +726,7 @@
         <c:majorTickMark val="out"/>
         <c:minorTickMark val="none"/>
         <c:tickLblPos val="nextTo"/>
-        <c:crossAx val="359838128"/>
+        <c:crossAx val="330073552"/>
         <c:crosses val="autoZero"/>
         <c:crossBetween val="midCat"/>
         <c:majorUnit val="4"/>
@@ -940,11 +940,11 @@
           <c:showPercent val="0"/>
           <c:showBubbleSize val="0"/>
         </c:dLbls>
-        <c:axId val="360708952"/>
-        <c:axId val="360709344"/>
+        <c:axId val="362756120"/>
+        <c:axId val="362752984"/>
       </c:scatterChart>
       <c:valAx>
-        <c:axId val="360708952"/>
+        <c:axId val="362756120"/>
         <c:scaling>
           <c:logBase val="2"/>
           <c:orientation val="minMax"/>
@@ -957,13 +957,13 @@
         <c:majorTickMark val="out"/>
         <c:minorTickMark val="none"/>
         <c:tickLblPos val="nextTo"/>
-        <c:crossAx val="360709344"/>
+        <c:crossAx val="362752984"/>
         <c:crosses val="autoZero"/>
         <c:crossBetween val="midCat"/>
         <c:minorUnit val="4"/>
       </c:valAx>
       <c:valAx>
-        <c:axId val="360709344"/>
+        <c:axId val="362752984"/>
         <c:scaling>
           <c:logBase val="2"/>
           <c:orientation val="minMax"/>
@@ -977,7 +977,7 @@
         <c:majorTickMark val="out"/>
         <c:minorTickMark val="none"/>
         <c:tickLblPos val="nextTo"/>
-        <c:crossAx val="360708952"/>
+        <c:crossAx val="362756120"/>
         <c:crosses val="autoZero"/>
         <c:crossBetween val="midCat"/>
         <c:majorUnit val="2"/>
@@ -1109,11 +1109,11 @@
           <c:showPercent val="0"/>
           <c:showBubbleSize val="0"/>
         </c:dLbls>
-        <c:axId val="360710912"/>
-        <c:axId val="360705032"/>
+        <c:axId val="362759256"/>
+        <c:axId val="362757296"/>
       </c:scatterChart>
       <c:valAx>
-        <c:axId val="360710912"/>
+        <c:axId val="362759256"/>
         <c:scaling>
           <c:logBase val="2"/>
           <c:orientation val="minMax"/>
@@ -1126,13 +1126,13 @@
         <c:majorTickMark val="out"/>
         <c:minorTickMark val="none"/>
         <c:tickLblPos val="nextTo"/>
-        <c:crossAx val="360705032"/>
+        <c:crossAx val="362757296"/>
         <c:crosses val="autoZero"/>
         <c:crossBetween val="midCat"/>
         <c:majorUnit val="4"/>
       </c:valAx>
       <c:valAx>
-        <c:axId val="360705032"/>
+        <c:axId val="362757296"/>
         <c:scaling>
           <c:logBase val="2"/>
           <c:orientation val="minMax"/>
@@ -1145,7 +1145,7 @@
         <c:majorTickMark val="out"/>
         <c:minorTickMark val="none"/>
         <c:tickLblPos val="nextTo"/>
-        <c:crossAx val="360710912"/>
+        <c:crossAx val="362759256"/>
         <c:crosses val="autoZero"/>
         <c:crossBetween val="midCat"/>
         <c:majorUnit val="2"/>
@@ -1271,11 +1271,11 @@
           <c:showPercent val="0"/>
           <c:showBubbleSize val="0"/>
         </c:dLbls>
-        <c:axId val="360706208"/>
-        <c:axId val="360706600"/>
+        <c:axId val="362757688"/>
+        <c:axId val="362751808"/>
       </c:scatterChart>
       <c:valAx>
-        <c:axId val="360706208"/>
+        <c:axId val="362757688"/>
         <c:scaling>
           <c:logBase val="2"/>
           <c:orientation val="minMax"/>
@@ -1288,14 +1288,14 @@
         <c:majorTickMark val="out"/>
         <c:minorTickMark val="none"/>
         <c:tickLblPos val="nextTo"/>
-        <c:crossAx val="360706600"/>
+        <c:crossAx val="362751808"/>
         <c:crosses val="autoZero"/>
         <c:crossBetween val="midCat"/>
         <c:majorUnit val="4"/>
         <c:minorUnit val="4"/>
       </c:valAx>
       <c:valAx>
-        <c:axId val="360706600"/>
+        <c:axId val="362751808"/>
         <c:scaling>
           <c:orientation val="minMax"/>
           <c:max val="1"/>
@@ -1307,7 +1307,7 @@
         <c:majorTickMark val="out"/>
         <c:minorTickMark val="none"/>
         <c:tickLblPos val="nextTo"/>
-        <c:crossAx val="360706208"/>
+        <c:crossAx val="362757688"/>
         <c:crosses val="autoZero"/>
         <c:crossBetween val="midCat"/>
       </c:valAx>
@@ -1404,7 +1404,7 @@
           <a:p>
             <a:fld id="{D11149F5-5960-4488-90B9-E5BC4883398F}" type="datetimeFigureOut">
               <a:rPr lang="en-US" smtClean="0"/>
-              <a:t>2017-10-15</a:t>
+              <a:t>2017-10-19</a:t>
             </a:fld>
             <a:endParaRPr lang="en-US"/>
           </a:p>
@@ -3244,7 +3244,7 @@
           <a:p>
             <a:fld id="{85749FB6-36E8-451B-8662-E59FA6095BF0}" type="datetime1">
               <a:rPr lang="en-US" smtClean="0"/>
-              <a:t>2017-10-15</a:t>
+              <a:t>2017-10-19</a:t>
             </a:fld>
             <a:endParaRPr lang="en-US"/>
           </a:p>
@@ -3414,7 +3414,7 @@
           <a:p>
             <a:fld id="{55CB9A8F-D6DB-46A0-B73B-1B7449235CF5}" type="datetime1">
               <a:rPr lang="en-US" smtClean="0"/>
-              <a:t>2017-10-15</a:t>
+              <a:t>2017-10-19</a:t>
             </a:fld>
             <a:endParaRPr lang="en-US"/>
           </a:p>
@@ -3594,7 +3594,7 @@
           <a:p>
             <a:fld id="{5BB3135F-B8AD-45EC-AD1E-79BABBD83142}" type="datetime1">
               <a:rPr lang="en-US" smtClean="0"/>
-              <a:t>2017-10-15</a:t>
+              <a:t>2017-10-19</a:t>
             </a:fld>
             <a:endParaRPr lang="en-US"/>
           </a:p>
@@ -3764,7 +3764,7 @@
           <a:p>
             <a:fld id="{CAB8AE2B-282E-4A56-B058-ED663E85E7AD}" type="datetime1">
               <a:rPr lang="en-US" smtClean="0"/>
-              <a:t>2017-10-15</a:t>
+              <a:t>2017-10-19</a:t>
             </a:fld>
             <a:endParaRPr lang="en-US"/>
           </a:p>
@@ -4010,7 +4010,7 @@
           <a:p>
             <a:fld id="{8CC589D3-C256-4C11-98F8-554C211E2A65}" type="datetime1">
               <a:rPr lang="en-US" smtClean="0"/>
-              <a:t>2017-10-15</a:t>
+              <a:t>2017-10-19</a:t>
             </a:fld>
             <a:endParaRPr lang="en-US"/>
           </a:p>
@@ -4298,7 +4298,7 @@
           <a:p>
             <a:fld id="{1046C4B0-F431-4683-AC91-4170D3FAB633}" type="datetime1">
               <a:rPr lang="en-US" smtClean="0"/>
-              <a:t>2017-10-15</a:t>
+              <a:t>2017-10-19</a:t>
             </a:fld>
             <a:endParaRPr lang="en-US"/>
           </a:p>
@@ -4720,7 +4720,7 @@
           <a:p>
             <a:fld id="{3B9E1D88-3A46-4DC6-80E6-BAD93D3D2CCA}" type="datetime1">
               <a:rPr lang="en-US" smtClean="0"/>
-              <a:t>2017-10-15</a:t>
+              <a:t>2017-10-19</a:t>
             </a:fld>
             <a:endParaRPr lang="en-US"/>
           </a:p>
@@ -4838,7 +4838,7 @@
           <a:p>
             <a:fld id="{69296429-EC4B-470C-8270-7164D3901DE6}" type="datetime1">
               <a:rPr lang="en-US" smtClean="0"/>
-              <a:t>2017-10-15</a:t>
+              <a:t>2017-10-19</a:t>
             </a:fld>
             <a:endParaRPr lang="en-US"/>
           </a:p>
@@ -4933,7 +4933,7 @@
           <a:p>
             <a:fld id="{266404B9-8412-41CD-ADD8-50F3F390F6EB}" type="datetime1">
               <a:rPr lang="en-US" smtClean="0"/>
-              <a:t>2017-10-15</a:t>
+              <a:t>2017-10-19</a:t>
             </a:fld>
             <a:endParaRPr lang="en-US"/>
           </a:p>
@@ -5210,7 +5210,7 @@
           <a:p>
             <a:fld id="{E66EB5A5-6441-4493-B99B-EC6EB586904E}" type="datetime1">
               <a:rPr lang="en-US" smtClean="0"/>
-              <a:t>2017-10-15</a:t>
+              <a:t>2017-10-19</a:t>
             </a:fld>
             <a:endParaRPr lang="en-US"/>
           </a:p>
@@ -5463,7 +5463,7 @@
           <a:p>
             <a:fld id="{32EF196B-420B-4E68-AFFC-5CD5012B31A2}" type="datetime1">
               <a:rPr lang="en-US" smtClean="0"/>
-              <a:t>2017-10-15</a:t>
+              <a:t>2017-10-19</a:t>
             </a:fld>
             <a:endParaRPr lang="en-US"/>
           </a:p>
@@ -5676,7 +5676,7 @@
           <a:p>
             <a:fld id="{51870FD8-0596-4BB3-8199-80439DAC9FD9}" type="datetime1">
               <a:rPr lang="en-US" smtClean="0"/>
-              <a:t>2017-10-15</a:t>
+              <a:t>2017-10-19</a:t>
             </a:fld>
             <a:endParaRPr lang="en-US"/>
           </a:p>
@@ -18107,10 +18107,10 @@
         </p:nvGrpSpPr>
         <p:grpSpPr>
           <a:xfrm>
-            <a:off x="4248472" y="2420888"/>
-            <a:ext cx="4788024" cy="2972073"/>
-            <a:chOff x="4139952" y="2780928"/>
-            <a:chExt cx="4788024" cy="2972073"/>
+            <a:off x="4248473" y="2420888"/>
+            <a:ext cx="4788023" cy="2972073"/>
+            <a:chOff x="4139953" y="2780928"/>
+            <a:chExt cx="4788023" cy="2972073"/>
           </a:xfrm>
         </p:grpSpPr>
         <p:graphicFrame>
@@ -18171,8 +18171,8 @@
           </p:nvSpPr>
           <p:spPr>
             <a:xfrm rot="16200000">
-              <a:off x="3731892" y="3649267"/>
-              <a:ext cx="1123897" cy="307777"/>
+              <a:off x="3887320" y="3649267"/>
+              <a:ext cx="813043" cy="307777"/>
             </a:xfrm>
             <a:prstGeom prst="rect">
               <a:avLst/>
@@ -18187,7 +18187,7 @@
             <a:p>
               <a:r>
                 <a:rPr lang="en-US" sz="1400" dirty="0" smtClean="0"/>
-                <a:t>nr. processes</a:t>
+                <a:t>speedup</a:t>
               </a:r>
               <a:endParaRPr lang="nl-BE" sz="1400" dirty="0"/>
             </a:p>
@@ -19686,7 +19686,7 @@
           <a:graphicData uri="http://schemas.openxmlformats.org/presentationml/2006/ole">
             <mc:AlternateContent xmlns:mc="http://schemas.openxmlformats.org/markup-compatibility/2006">
               <mc:Choice xmlns:v="urn:schemas-microsoft-com:vml" Requires="v">
-                <p:oleObj spid="_x0000_s3116" name="Equation" r:id="rId3" imgW="812520" imgH="393480" progId="Equation.3">
+                <p:oleObj spid="_x0000_s3118" name="Equation" r:id="rId3" imgW="812520" imgH="393480" progId="Equation.3">
                   <p:embed/>
                 </p:oleObj>
               </mc:Choice>
@@ -19739,7 +19739,7 @@
           <a:graphicData uri="http://schemas.openxmlformats.org/presentationml/2006/ole">
             <mc:AlternateContent xmlns:mc="http://schemas.openxmlformats.org/markup-compatibility/2006">
               <mc:Choice xmlns:v="urn:schemas-microsoft-com:vml" Requires="v">
-                <p:oleObj spid="_x0000_s3117" name="Equation" r:id="rId5" imgW="2489040" imgH="431640" progId="Equation.3">
+                <p:oleObj spid="_x0000_s3119" name="Equation" r:id="rId5" imgW="2489040" imgH="431640" progId="Equation.3">
                   <p:embed/>
                 </p:oleObj>
               </mc:Choice>
